--- a/LectureFiles/cshl/2016/RNASeq_Module3_Lecture.pptx
+++ b/LectureFiles/cshl/2016/RNASeq_Module3_Lecture.pptx
@@ -5,15 +5,32 @@
     <p:sldMasterId id="2147483648" r:id="rId1"/>
   </p:sldMasterIdLst>
   <p:notesMasterIdLst>
-    <p:notesMasterId r:id="rId5"/>
+    <p:notesMasterId r:id="rId22"/>
   </p:notesMasterIdLst>
   <p:handoutMasterIdLst>
-    <p:handoutMasterId r:id="rId6"/>
+    <p:handoutMasterId r:id="rId23"/>
   </p:handoutMasterIdLst>
   <p:sldIdLst>
     <p:sldId id="341" r:id="rId2"/>
     <p:sldId id="513" r:id="rId3"/>
-    <p:sldId id="512" r:id="rId4"/>
+    <p:sldId id="514" r:id="rId4"/>
+    <p:sldId id="515" r:id="rId5"/>
+    <p:sldId id="516" r:id="rId6"/>
+    <p:sldId id="517" r:id="rId7"/>
+    <p:sldId id="527" r:id="rId8"/>
+    <p:sldId id="529" r:id="rId9"/>
+    <p:sldId id="528" r:id="rId10"/>
+    <p:sldId id="530" r:id="rId11"/>
+    <p:sldId id="526" r:id="rId12"/>
+    <p:sldId id="525" r:id="rId13"/>
+    <p:sldId id="524" r:id="rId14"/>
+    <p:sldId id="523" r:id="rId15"/>
+    <p:sldId id="522" r:id="rId16"/>
+    <p:sldId id="521" r:id="rId17"/>
+    <p:sldId id="520" r:id="rId18"/>
+    <p:sldId id="519" r:id="rId19"/>
+    <p:sldId id="518" r:id="rId20"/>
+    <p:sldId id="512" r:id="rId21"/>
   </p:sldIdLst>
   <p:sldSz cx="9144000" cy="6858000" type="screen4x3"/>
   <p:notesSz cx="7315200" cy="9601200"/>
@@ -144,7 +161,7 @@
   </p:defaultTextStyle>
   <p:extLst>
     <p:ext uri="{EFAFB233-063F-42B5-8137-9DF3F51BA10A}">
-      <p15:sldGuideLst xmlns:p15="http://schemas.microsoft.com/office/powerpoint/2012/main">
+      <p15:sldGuideLst xmlns:p15="http://schemas.microsoft.com/office/powerpoint/2012/main" xmlns="">
         <p15:guide id="1" orient="horz" pos="2160">
           <p15:clr>
             <a:srgbClr val="A4A3A4"/>
@@ -264,7 +281,7 @@
               <a:pPr>
                 <a:defRPr/>
               </a:pPr>
-              <a:t>11/10/16</a:t>
+              <a:t>11/14/16</a:t>
             </a:fld>
             <a:endParaRPr lang="en-US"/>
           </a:p>
@@ -471,7 +488,7 @@
               <a:pPr>
                 <a:defRPr/>
               </a:pPr>
-              <a:t>11/10/16</a:t>
+              <a:t>11/14/16</a:t>
             </a:fld>
             <a:endParaRPr lang="en-US"/>
           </a:p>
@@ -799,6 +816,529 @@
 </p:notesMaster>
 </file>
 
+<file path=ppt/notesSlides/notesSlide1.xml><?xml version="1.0" encoding="utf-8"?>
+<p:notes xmlns:a="http://schemas.openxmlformats.org/drawingml/2006/main" xmlns:r="http://schemas.openxmlformats.org/officeDocument/2006/relationships" xmlns:p="http://schemas.openxmlformats.org/presentationml/2006/main">
+  <p:cSld>
+    <p:spTree>
+      <p:nvGrpSpPr>
+        <p:cNvPr id="1" name=""/>
+        <p:cNvGrpSpPr/>
+        <p:nvPr/>
+      </p:nvGrpSpPr>
+      <p:grpSpPr>
+        <a:xfrm>
+          <a:off x="0" y="0"/>
+          <a:ext cx="0" cy="0"/>
+          <a:chOff x="0" y="0"/>
+          <a:chExt cx="0" cy="0"/>
+        </a:xfrm>
+      </p:grpSpPr>
+      <p:sp>
+        <p:nvSpPr>
+          <p:cNvPr id="14337" name="Slide Image Placeholder 1"/>
+          <p:cNvSpPr>
+            <a:spLocks noGrp="1" noRot="1" noChangeAspect="1"/>
+          </p:cNvSpPr>
+          <p:nvPr>
+            <p:ph type="sldImg"/>
+          </p:nvPr>
+        </p:nvSpPr>
+        <p:spPr bwMode="auto">
+          <a:noFill/>
+          <a:ln>
+            <a:solidFill>
+              <a:srgbClr val="000000"/>
+            </a:solidFill>
+            <a:miter lim="800000"/>
+            <a:headEnd/>
+            <a:tailEnd/>
+          </a:ln>
+          <a:extLst>
+            <a:ext uri="{909E8E84-426E-40dd-AFC4-6F175D3DCCD1}">
+              <a14:hiddenFill xmlns:a14="http://schemas.microsoft.com/office/drawing/2010/main">
+                <a:solidFill>
+                  <a:srgbClr val="FFFFFF"/>
+                </a:solidFill>
+              </a14:hiddenFill>
+            </a:ext>
+            <a:ext uri="{FAA26D3D-D897-4be2-8F04-BA451C77F1D7}">
+              <ma14:placeholderFlag xmlns:ma14="http://schemas.microsoft.com/office/mac/drawingml/2011/main" val="1"/>
+            </a:ext>
+          </a:extLst>
+        </p:spPr>
+      </p:sp>
+      <p:sp>
+        <p:nvSpPr>
+          <p:cNvPr id="14338" name="Notes Placeholder 2"/>
+          <p:cNvSpPr>
+            <a:spLocks noGrp="1"/>
+          </p:cNvSpPr>
+          <p:nvPr>
+            <p:ph type="body" idx="1"/>
+          </p:nvPr>
+        </p:nvSpPr>
+        <p:spPr bwMode="auto">
+          <a:noFill/>
+          <a:extLst>
+            <a:ext uri="{909E8E84-426E-40dd-AFC4-6F175D3DCCD1}">
+              <a14:hiddenFill xmlns:a14="http://schemas.microsoft.com/office/drawing/2010/main">
+                <a:solidFill>
+                  <a:srgbClr val="FFFFFF"/>
+                </a:solidFill>
+              </a14:hiddenFill>
+            </a:ext>
+            <a:ext uri="{91240B29-F687-4f45-9708-019B960494DF}">
+              <a14:hiddenLine xmlns:a14="http://schemas.microsoft.com/office/drawing/2010/main" w="9525">
+                <a:solidFill>
+                  <a:srgbClr val="000000"/>
+                </a:solidFill>
+                <a:miter lim="800000"/>
+                <a:headEnd/>
+                <a:tailEnd/>
+              </a14:hiddenLine>
+            </a:ext>
+            <a:ext uri="{FAA26D3D-D897-4be2-8F04-BA451C77F1D7}">
+              <ma14:placeholderFlag xmlns:ma14="http://schemas.microsoft.com/office/mac/drawingml/2011/main" val="1"/>
+            </a:ext>
+          </a:extLst>
+        </p:spPr>
+        <p:txBody>
+          <a:bodyPr wrap="square" numCol="1" anchor="t" anchorCtr="0" compatLnSpc="1">
+            <a:prstTxWarp prst="textNoShape">
+              <a:avLst/>
+            </a:prstTxWarp>
+          </a:bodyPr>
+          <a:lstStyle/>
+          <a:p>
+            <a:endParaRPr lang="en-US">
+              <a:latin typeface="Calibri" charset="0"/>
+              <a:ea typeface="ＭＳ Ｐゴシック" charset="0"/>
+              <a:cs typeface="ＭＳ Ｐゴシック" charset="0"/>
+            </a:endParaRPr>
+          </a:p>
+        </p:txBody>
+      </p:sp>
+      <p:sp>
+        <p:nvSpPr>
+          <p:cNvPr id="14339" name="Slide Number Placeholder 3"/>
+          <p:cNvSpPr>
+            <a:spLocks noGrp="1"/>
+          </p:cNvSpPr>
+          <p:nvPr>
+            <p:ph type="sldNum" sz="quarter" idx="5"/>
+          </p:nvPr>
+        </p:nvSpPr>
+        <p:spPr bwMode="auto">
+          <a:noFill/>
+          <a:extLst>
+            <a:ext uri="{909E8E84-426E-40dd-AFC4-6F175D3DCCD1}">
+              <a14:hiddenFill xmlns:a14="http://schemas.microsoft.com/office/drawing/2010/main">
+                <a:solidFill>
+                  <a:srgbClr val="FFFFFF"/>
+                </a:solidFill>
+              </a14:hiddenFill>
+            </a:ext>
+            <a:ext uri="{91240B29-F687-4f45-9708-019B960494DF}">
+              <a14:hiddenLine xmlns:a14="http://schemas.microsoft.com/office/drawing/2010/main" w="9525">
+                <a:solidFill>
+                  <a:srgbClr val="000000"/>
+                </a:solidFill>
+                <a:miter lim="800000"/>
+                <a:headEnd/>
+                <a:tailEnd/>
+              </a14:hiddenLine>
+            </a:ext>
+          </a:extLst>
+        </p:spPr>
+        <p:txBody>
+          <a:bodyPr/>
+          <a:lstStyle>
+            <a:lvl1pPr eaLnBrk="0" hangingPunct="0">
+              <a:defRPr sz="2400">
+                <a:solidFill>
+                  <a:schemeClr val="tx1"/>
+                </a:solidFill>
+                <a:latin typeface="Arial" charset="0"/>
+                <a:ea typeface="ＭＳ Ｐゴシック" charset="0"/>
+                <a:cs typeface="ＭＳ Ｐゴシック" charset="0"/>
+              </a:defRPr>
+            </a:lvl1pPr>
+            <a:lvl2pPr marL="742950" indent="-285750" eaLnBrk="0" hangingPunct="0">
+              <a:defRPr sz="2400">
+                <a:solidFill>
+                  <a:schemeClr val="tx1"/>
+                </a:solidFill>
+                <a:latin typeface="Arial" charset="0"/>
+                <a:ea typeface="ＭＳ Ｐゴシック" charset="0"/>
+              </a:defRPr>
+            </a:lvl2pPr>
+            <a:lvl3pPr marL="1143000" indent="-228600" eaLnBrk="0" hangingPunct="0">
+              <a:defRPr sz="2400">
+                <a:solidFill>
+                  <a:schemeClr val="tx1"/>
+                </a:solidFill>
+                <a:latin typeface="Arial" charset="0"/>
+                <a:ea typeface="ＭＳ Ｐゴシック" charset="0"/>
+              </a:defRPr>
+            </a:lvl3pPr>
+            <a:lvl4pPr marL="1600200" indent="-228600" eaLnBrk="0" hangingPunct="0">
+              <a:defRPr sz="2400">
+                <a:solidFill>
+                  <a:schemeClr val="tx1"/>
+                </a:solidFill>
+                <a:latin typeface="Arial" charset="0"/>
+                <a:ea typeface="ＭＳ Ｐゴシック" charset="0"/>
+              </a:defRPr>
+            </a:lvl4pPr>
+            <a:lvl5pPr marL="2057400" indent="-228600" eaLnBrk="0" hangingPunct="0">
+              <a:defRPr sz="2400">
+                <a:solidFill>
+                  <a:schemeClr val="tx1"/>
+                </a:solidFill>
+                <a:latin typeface="Arial" charset="0"/>
+                <a:ea typeface="ＭＳ Ｐゴシック" charset="0"/>
+              </a:defRPr>
+            </a:lvl5pPr>
+            <a:lvl6pPr marL="2514600" indent="-228600" eaLnBrk="0" fontAlgn="base" hangingPunct="0">
+              <a:spcBef>
+                <a:spcPct val="0"/>
+              </a:spcBef>
+              <a:spcAft>
+                <a:spcPct val="0"/>
+              </a:spcAft>
+              <a:defRPr sz="2400">
+                <a:solidFill>
+                  <a:schemeClr val="tx1"/>
+                </a:solidFill>
+                <a:latin typeface="Arial" charset="0"/>
+                <a:ea typeface="ＭＳ Ｐゴシック" charset="0"/>
+              </a:defRPr>
+            </a:lvl6pPr>
+            <a:lvl7pPr marL="2971800" indent="-228600" eaLnBrk="0" fontAlgn="base" hangingPunct="0">
+              <a:spcBef>
+                <a:spcPct val="0"/>
+              </a:spcBef>
+              <a:spcAft>
+                <a:spcPct val="0"/>
+              </a:spcAft>
+              <a:defRPr sz="2400">
+                <a:solidFill>
+                  <a:schemeClr val="tx1"/>
+                </a:solidFill>
+                <a:latin typeface="Arial" charset="0"/>
+                <a:ea typeface="ＭＳ Ｐゴシック" charset="0"/>
+              </a:defRPr>
+            </a:lvl7pPr>
+            <a:lvl8pPr marL="3429000" indent="-228600" eaLnBrk="0" fontAlgn="base" hangingPunct="0">
+              <a:spcBef>
+                <a:spcPct val="0"/>
+              </a:spcBef>
+              <a:spcAft>
+                <a:spcPct val="0"/>
+              </a:spcAft>
+              <a:defRPr sz="2400">
+                <a:solidFill>
+                  <a:schemeClr val="tx1"/>
+                </a:solidFill>
+                <a:latin typeface="Arial" charset="0"/>
+                <a:ea typeface="ＭＳ Ｐゴシック" charset="0"/>
+              </a:defRPr>
+            </a:lvl8pPr>
+            <a:lvl9pPr marL="3886200" indent="-228600" eaLnBrk="0" fontAlgn="base" hangingPunct="0">
+              <a:spcBef>
+                <a:spcPct val="0"/>
+              </a:spcBef>
+              <a:spcAft>
+                <a:spcPct val="0"/>
+              </a:spcAft>
+              <a:defRPr sz="2400">
+                <a:solidFill>
+                  <a:schemeClr val="tx1"/>
+                </a:solidFill>
+                <a:latin typeface="Arial" charset="0"/>
+                <a:ea typeface="ＭＳ Ｐゴシック" charset="0"/>
+              </a:defRPr>
+            </a:lvl9pPr>
+          </a:lstStyle>
+          <a:p>
+            <a:pPr eaLnBrk="1" hangingPunct="1"/>
+            <a:fld id="{0B3FFF4B-E412-C745-93BD-787B82CED00B}" type="slidenum">
+              <a:rPr lang="en-US" sz="1300">
+                <a:latin typeface="Calibri" charset="0"/>
+              </a:rPr>
+              <a:pPr eaLnBrk="1" hangingPunct="1"/>
+              <a:t>4</a:t>
+            </a:fld>
+            <a:endParaRPr lang="en-US" sz="1300">
+              <a:latin typeface="Calibri" charset="0"/>
+            </a:endParaRPr>
+          </a:p>
+        </p:txBody>
+      </p:sp>
+    </p:spTree>
+  </p:cSld>
+  <p:clrMapOvr>
+    <a:masterClrMapping/>
+  </p:clrMapOvr>
+</p:notes>
+</file>
+
+<file path=ppt/notesSlides/notesSlide2.xml><?xml version="1.0" encoding="utf-8"?>
+<p:notes xmlns:a="http://schemas.openxmlformats.org/drawingml/2006/main" xmlns:r="http://schemas.openxmlformats.org/officeDocument/2006/relationships" xmlns:p="http://schemas.openxmlformats.org/presentationml/2006/main">
+  <p:cSld>
+    <p:spTree>
+      <p:nvGrpSpPr>
+        <p:cNvPr id="1" name=""/>
+        <p:cNvGrpSpPr/>
+        <p:nvPr/>
+      </p:nvGrpSpPr>
+      <p:grpSpPr>
+        <a:xfrm>
+          <a:off x="0" y="0"/>
+          <a:ext cx="0" cy="0"/>
+          <a:chOff x="0" y="0"/>
+          <a:chExt cx="0" cy="0"/>
+        </a:xfrm>
+      </p:grpSpPr>
+      <p:sp>
+        <p:nvSpPr>
+          <p:cNvPr id="2" name="Slide Image Placeholder 1"/>
+          <p:cNvSpPr>
+            <a:spLocks noGrp="1" noRot="1" noChangeAspect="1"/>
+          </p:cNvSpPr>
+          <p:nvPr>
+            <p:ph type="sldImg"/>
+          </p:nvPr>
+        </p:nvSpPr>
+        <p:spPr/>
+      </p:sp>
+      <p:sp>
+        <p:nvSpPr>
+          <p:cNvPr id="3" name="Notes Placeholder 2"/>
+          <p:cNvSpPr>
+            <a:spLocks noGrp="1"/>
+          </p:cNvSpPr>
+          <p:nvPr>
+            <p:ph type="body" idx="1"/>
+          </p:nvPr>
+        </p:nvSpPr>
+        <p:spPr/>
+        <p:txBody>
+          <a:bodyPr/>
+          <a:lstStyle/>
+          <a:p>
+            <a:r>
+              <a:rPr lang="en-US" dirty="0" smtClean="0"/>
+              <a:t>TODO: Add</a:t>
+            </a:r>
+            <a:r>
+              <a:rPr lang="en-US" baseline="0" dirty="0" smtClean="0"/>
+              <a:t> TPM</a:t>
+            </a:r>
+            <a:endParaRPr lang="en-US" dirty="0"/>
+          </a:p>
+        </p:txBody>
+      </p:sp>
+      <p:sp>
+        <p:nvSpPr>
+          <p:cNvPr id="4" name="Slide Number Placeholder 3"/>
+          <p:cNvSpPr>
+            <a:spLocks noGrp="1"/>
+          </p:cNvSpPr>
+          <p:nvPr>
+            <p:ph type="sldNum" sz="quarter" idx="10"/>
+          </p:nvPr>
+        </p:nvSpPr>
+        <p:spPr/>
+        <p:txBody>
+          <a:bodyPr/>
+          <a:lstStyle/>
+          <a:p>
+            <a:pPr>
+              <a:defRPr/>
+            </a:pPr>
+            <a:fld id="{58FBEE90-0CDA-3447-B595-4F8759630F3A}" type="slidenum">
+              <a:rPr lang="en-US" smtClean="0"/>
+              <a:pPr>
+                <a:defRPr/>
+              </a:pPr>
+              <a:t>6</a:t>
+            </a:fld>
+            <a:endParaRPr lang="en-US"/>
+          </a:p>
+        </p:txBody>
+      </p:sp>
+    </p:spTree>
+    <p:extLst>
+      <p:ext uri="{BB962C8B-B14F-4D97-AF65-F5344CB8AC3E}">
+        <p14:creationId xmlns:p14="http://schemas.microsoft.com/office/powerpoint/2010/main" val="1763452961"/>
+      </p:ext>
+    </p:extLst>
+  </p:cSld>
+  <p:clrMapOvr>
+    <a:masterClrMapping/>
+  </p:clrMapOvr>
+</p:notes>
+</file>
+
+<file path=ppt/notesSlides/notesSlide3.xml><?xml version="1.0" encoding="utf-8"?>
+<p:notes xmlns:a="http://schemas.openxmlformats.org/drawingml/2006/main" xmlns:r="http://schemas.openxmlformats.org/officeDocument/2006/relationships" xmlns:p="http://schemas.openxmlformats.org/presentationml/2006/main">
+  <p:cSld>
+    <p:spTree>
+      <p:nvGrpSpPr>
+        <p:cNvPr id="1" name=""/>
+        <p:cNvGrpSpPr/>
+        <p:nvPr/>
+      </p:nvGrpSpPr>
+      <p:grpSpPr>
+        <a:xfrm>
+          <a:off x="0" y="0"/>
+          <a:ext cx="0" cy="0"/>
+          <a:chOff x="0" y="0"/>
+          <a:chExt cx="0" cy="0"/>
+        </a:xfrm>
+      </p:grpSpPr>
+      <p:sp>
+        <p:nvSpPr>
+          <p:cNvPr id="2" name="Slide Image Placeholder 1"/>
+          <p:cNvSpPr>
+            <a:spLocks noGrp="1" noRot="1" noChangeAspect="1"/>
+          </p:cNvSpPr>
+          <p:nvPr>
+            <p:ph type="sldImg"/>
+          </p:nvPr>
+        </p:nvSpPr>
+        <p:spPr/>
+      </p:sp>
+      <p:sp>
+        <p:nvSpPr>
+          <p:cNvPr id="3" name="Notes Placeholder 2"/>
+          <p:cNvSpPr>
+            <a:spLocks noGrp="1"/>
+          </p:cNvSpPr>
+          <p:nvPr>
+            <p:ph type="body" idx="1"/>
+          </p:nvPr>
+        </p:nvSpPr>
+        <p:spPr/>
+        <p:txBody>
+          <a:bodyPr/>
+          <a:lstStyle/>
+          <a:p>
+            <a:r>
+              <a:rPr lang="en-US" dirty="0" smtClean="0"/>
+              <a:t>(</a:t>
+            </a:r>
+            <a:r>
+              <a:rPr lang="en-US" b="1" dirty="0" smtClean="0"/>
+              <a:t>a</a:t>
+            </a:r>
+            <a:r>
+              <a:rPr lang="en-US" dirty="0" smtClean="0"/>
+              <a:t>) Overview of the flow of the </a:t>
+            </a:r>
+            <a:r>
+              <a:rPr lang="en-US" dirty="0" err="1" smtClean="0"/>
+              <a:t>StringTie</a:t>
+            </a:r>
+            <a:r>
+              <a:rPr lang="en-US" dirty="0" smtClean="0"/>
+              <a:t> algorithm, compared to Cufflinks and </a:t>
+            </a:r>
+            <a:r>
+              <a:rPr lang="en-US" dirty="0" err="1" smtClean="0"/>
+              <a:t>Traph</a:t>
+            </a:r>
+            <a:r>
+              <a:rPr lang="en-US" dirty="0" smtClean="0"/>
+              <a:t>. All methods begin with a set of RNA-</a:t>
+            </a:r>
+            <a:r>
+              <a:rPr lang="en-US" dirty="0" err="1" smtClean="0"/>
+              <a:t>seq</a:t>
+            </a:r>
+            <a:r>
+              <a:rPr lang="en-US" dirty="0" smtClean="0"/>
+              <a:t> reads that have been mapped to the genome. An optional secondary input to </a:t>
+            </a:r>
+            <a:r>
+              <a:rPr lang="en-US" dirty="0" err="1" smtClean="0"/>
+              <a:t>StringTie</a:t>
+            </a:r>
+            <a:r>
+              <a:rPr lang="en-US" dirty="0" smtClean="0"/>
+              <a:t> is a set of pre-assembled super-reads, designated as </a:t>
+            </a:r>
+            <a:r>
+              <a:rPr lang="en-US" dirty="0" err="1" smtClean="0"/>
+              <a:t>StringTie+SR</a:t>
+            </a:r>
+            <a:r>
+              <a:rPr lang="en-US" dirty="0" smtClean="0"/>
+              <a:t>. </a:t>
+            </a:r>
+            <a:r>
+              <a:rPr lang="en-US" dirty="0" err="1" smtClean="0"/>
+              <a:t>StringTie</a:t>
+            </a:r>
+            <a:r>
+              <a:rPr lang="en-US" dirty="0" smtClean="0"/>
+              <a:t> iteratively extracts the heaviest path from a splice graph, constructs a flow network, computes maximum flow to estimate abundance, and then updates the splice graph by removing reads that were assigned by the flow algorithm. This process repeats until all reads have been assigned. (</a:t>
+            </a:r>
+            <a:r>
+              <a:rPr lang="en-US" b="1" dirty="0" smtClean="0"/>
+              <a:t>b</a:t>
+            </a:r>
+            <a:r>
+              <a:rPr lang="en-US" dirty="0" smtClean="0"/>
+              <a:t>) Annotated transcript T for which read data covers only the fragments F1 and F2. An assembler is given credit for a correct reconstruction of T if it correctly assembles F1 and F2.</a:t>
+            </a:r>
+            <a:endParaRPr lang="en-US" dirty="0"/>
+          </a:p>
+        </p:txBody>
+      </p:sp>
+      <p:sp>
+        <p:nvSpPr>
+          <p:cNvPr id="4" name="Slide Number Placeholder 3"/>
+          <p:cNvSpPr>
+            <a:spLocks noGrp="1"/>
+          </p:cNvSpPr>
+          <p:nvPr>
+            <p:ph type="sldNum" sz="quarter" idx="10"/>
+          </p:nvPr>
+        </p:nvSpPr>
+        <p:spPr/>
+        <p:txBody>
+          <a:bodyPr/>
+          <a:lstStyle/>
+          <a:p>
+            <a:pPr>
+              <a:defRPr/>
+            </a:pPr>
+            <a:fld id="{58FBEE90-0CDA-3447-B595-4F8759630F3A}" type="slidenum">
+              <a:rPr lang="en-US" smtClean="0"/>
+              <a:pPr>
+                <a:defRPr/>
+              </a:pPr>
+              <a:t>7</a:t>
+            </a:fld>
+            <a:endParaRPr lang="en-US"/>
+          </a:p>
+        </p:txBody>
+      </p:sp>
+    </p:spTree>
+    <p:extLst>
+      <p:ext uri="{BB962C8B-B14F-4D97-AF65-F5344CB8AC3E}">
+        <p14:creationId xmlns:p14="http://schemas.microsoft.com/office/powerpoint/2010/main" val="1404458015"/>
+      </p:ext>
+    </p:extLst>
+  </p:cSld>
+  <p:clrMapOvr>
+    <a:masterClrMapping/>
+  </p:clrMapOvr>
+</p:notes>
+</file>
+
 <file path=ppt/slideLayouts/slideLayout1.xml><?xml version="1.0" encoding="utf-8"?>
 <p:sldLayout xmlns:a="http://schemas.openxmlformats.org/drawingml/2006/main" xmlns:r="http://schemas.openxmlformats.org/officeDocument/2006/relationships" xmlns:p="http://schemas.openxmlformats.org/presentationml/2006/main" preserve="1" userDrawn="1">
   <p:cSld name="Title">
@@ -906,14 +1446,14 @@
           </a:ln>
           <a:extLst>
             <a:ext uri="{909E8E84-426E-40dd-AFC4-6F175D3DCCD1}">
-              <a14:hiddenFill xmlns:a14="http://schemas.microsoft.com/office/drawing/2010/main" xmlns="">
+              <a14:hiddenFill xmlns:a14="http://schemas.microsoft.com/office/drawing/2010/main">
                 <a:solidFill>
                   <a:srgbClr val="FFFFFF"/>
                 </a:solidFill>
               </a14:hiddenFill>
             </a:ext>
             <a:ext uri="{91240B29-F687-4f45-9708-019B960494DF}">
-              <a14:hiddenLine xmlns:a14="http://schemas.microsoft.com/office/drawing/2010/main" xmlns="" w="9525">
+              <a14:hiddenLine xmlns:a14="http://schemas.microsoft.com/office/drawing/2010/main" w="9525">
                 <a:solidFill>
                   <a:srgbClr val="000000"/>
                 </a:solidFill>
@@ -2936,18 +3476,15 @@
             <a:noFill/>
           </a:ln>
           <a:extLst>
-            <a:ext uri="{FAA26D3D-D897-4be2-8F04-BA451C77F1D7}">
-              <ma14:placeholderFlag xmlns:ma14="http://schemas.microsoft.com/office/mac/drawingml/2011/main" val="1"/>
-            </a:ext>
             <a:ext uri="{909E8E84-426E-40dd-AFC4-6F175D3DCCD1}">
-              <a14:hiddenFill xmlns:a14="http://schemas.microsoft.com/office/drawing/2010/main" xmlns="">
+              <a14:hiddenFill xmlns:a14="http://schemas.microsoft.com/office/drawing/2010/main">
                 <a:solidFill>
                   <a:srgbClr val="FFFFFF"/>
                 </a:solidFill>
               </a14:hiddenFill>
             </a:ext>
             <a:ext uri="{91240B29-F687-4f45-9708-019B960494DF}">
-              <a14:hiddenLine xmlns:a14="http://schemas.microsoft.com/office/drawing/2010/main" xmlns="" w="9525">
+              <a14:hiddenLine xmlns:a14="http://schemas.microsoft.com/office/drawing/2010/main" w="9525">
                 <a:solidFill>
                   <a:srgbClr val="000000"/>
                 </a:solidFill>
@@ -2955,6 +3492,9 @@
                 <a:headEnd/>
                 <a:tailEnd/>
               </a14:hiddenLine>
+            </a:ext>
+            <a:ext uri="{FAA26D3D-D897-4be2-8F04-BA451C77F1D7}">
+              <ma14:placeholderFlag xmlns:ma14="http://schemas.microsoft.com/office/mac/drawingml/2011/main" val="1"/>
             </a:ext>
           </a:extLst>
         </p:spPr>
@@ -2997,18 +3537,15 @@
             <a:noFill/>
           </a:ln>
           <a:extLst>
-            <a:ext uri="{FAA26D3D-D897-4be2-8F04-BA451C77F1D7}">
-              <ma14:placeholderFlag xmlns:ma14="http://schemas.microsoft.com/office/mac/drawingml/2011/main" val="1"/>
-            </a:ext>
             <a:ext uri="{909E8E84-426E-40dd-AFC4-6F175D3DCCD1}">
-              <a14:hiddenFill xmlns:a14="http://schemas.microsoft.com/office/drawing/2010/main" xmlns="">
+              <a14:hiddenFill xmlns:a14="http://schemas.microsoft.com/office/drawing/2010/main">
                 <a:solidFill>
                   <a:srgbClr val="FFFFFF"/>
                 </a:solidFill>
               </a14:hiddenFill>
             </a:ext>
             <a:ext uri="{91240B29-F687-4f45-9708-019B960494DF}">
-              <a14:hiddenLine xmlns:a14="http://schemas.microsoft.com/office/drawing/2010/main" xmlns="" w="9525">
+              <a14:hiddenLine xmlns:a14="http://schemas.microsoft.com/office/drawing/2010/main" w="9525">
                 <a:solidFill>
                   <a:srgbClr val="000000"/>
                 </a:solidFill>
@@ -3016,6 +3553,9 @@
                 <a:headEnd/>
                 <a:tailEnd/>
               </a14:hiddenLine>
+            </a:ext>
+            <a:ext uri="{FAA26D3D-D897-4be2-8F04-BA451C77F1D7}">
+              <ma14:placeholderFlag xmlns:ma14="http://schemas.microsoft.com/office/mac/drawingml/2011/main" val="1"/>
             </a:ext>
           </a:extLst>
         </p:spPr>
@@ -3107,7 +3647,7 @@
               <a:pPr>
                 <a:defRPr/>
               </a:pPr>
-              <a:t>11/10/16</a:t>
+              <a:t>11/14/16</a:t>
             </a:fld>
             <a:endParaRPr lang="en-US"/>
           </a:p>
@@ -3687,18 +4227,2485 @@
             <a:noFill/>
           </a:ln>
           <a:extLst>
+            <a:ext uri="{909E8E84-426E-40dd-AFC4-6F175D3DCCD1}">
+              <a14:hiddenFill xmlns:a14="http://schemas.microsoft.com/office/drawing/2010/main">
+                <a:solidFill>
+                  <a:srgbClr val="FFFFFF"/>
+                </a:solidFill>
+              </a14:hiddenFill>
+            </a:ext>
+            <a:ext uri="{91240B29-F687-4f45-9708-019B960494DF}">
+              <a14:hiddenLine xmlns:a14="http://schemas.microsoft.com/office/drawing/2010/main" w="9525">
+                <a:solidFill>
+                  <a:srgbClr val="000000"/>
+                </a:solidFill>
+                <a:miter lim="800000"/>
+                <a:headEnd/>
+                <a:tailEnd/>
+              </a14:hiddenLine>
+            </a:ext>
             <a:ext uri="{FAA26D3D-D897-4be2-8F04-BA451C77F1D7}">
               <ma14:placeholderFlag xmlns:ma14="http://schemas.microsoft.com/office/mac/drawingml/2011/main" val="1"/>
             </a:ext>
+          </a:extLst>
+        </p:spPr>
+        <p:txBody>
+          <a:bodyPr/>
+          <a:lstStyle>
+            <a:lvl1pPr eaLnBrk="0" hangingPunct="0">
+              <a:defRPr sz="2400">
+                <a:solidFill>
+                  <a:schemeClr val="tx1"/>
+                </a:solidFill>
+                <a:latin typeface="Arial" charset="0"/>
+                <a:ea typeface="ＭＳ Ｐゴシック" charset="0"/>
+                <a:cs typeface="ＭＳ Ｐゴシック" charset="0"/>
+              </a:defRPr>
+            </a:lvl1pPr>
+            <a:lvl2pPr marL="742950" indent="-285750" eaLnBrk="0" hangingPunct="0">
+              <a:defRPr sz="2400">
+                <a:solidFill>
+                  <a:schemeClr val="tx1"/>
+                </a:solidFill>
+                <a:latin typeface="Arial" charset="0"/>
+                <a:ea typeface="ＭＳ Ｐゴシック" charset="0"/>
+              </a:defRPr>
+            </a:lvl2pPr>
+            <a:lvl3pPr marL="1143000" indent="-228600" eaLnBrk="0" hangingPunct="0">
+              <a:defRPr sz="2400">
+                <a:solidFill>
+                  <a:schemeClr val="tx1"/>
+                </a:solidFill>
+                <a:latin typeface="Arial" charset="0"/>
+                <a:ea typeface="ＭＳ Ｐゴシック" charset="0"/>
+              </a:defRPr>
+            </a:lvl3pPr>
+            <a:lvl4pPr marL="1600200" indent="-228600" eaLnBrk="0" hangingPunct="0">
+              <a:defRPr sz="2400">
+                <a:solidFill>
+                  <a:schemeClr val="tx1"/>
+                </a:solidFill>
+                <a:latin typeface="Arial" charset="0"/>
+                <a:ea typeface="ＭＳ Ｐゴシック" charset="0"/>
+              </a:defRPr>
+            </a:lvl4pPr>
+            <a:lvl5pPr marL="2057400" indent="-228600" eaLnBrk="0" hangingPunct="0">
+              <a:defRPr sz="2400">
+                <a:solidFill>
+                  <a:schemeClr val="tx1"/>
+                </a:solidFill>
+                <a:latin typeface="Arial" charset="0"/>
+                <a:ea typeface="ＭＳ Ｐゴシック" charset="0"/>
+              </a:defRPr>
+            </a:lvl5pPr>
+            <a:lvl6pPr marL="2514600" indent="-228600" eaLnBrk="0" fontAlgn="base" hangingPunct="0">
+              <a:spcBef>
+                <a:spcPct val="0"/>
+              </a:spcBef>
+              <a:spcAft>
+                <a:spcPct val="0"/>
+              </a:spcAft>
+              <a:defRPr sz="2400">
+                <a:solidFill>
+                  <a:schemeClr val="tx1"/>
+                </a:solidFill>
+                <a:latin typeface="Arial" charset="0"/>
+                <a:ea typeface="ＭＳ Ｐゴシック" charset="0"/>
+              </a:defRPr>
+            </a:lvl6pPr>
+            <a:lvl7pPr marL="2971800" indent="-228600" eaLnBrk="0" fontAlgn="base" hangingPunct="0">
+              <a:spcBef>
+                <a:spcPct val="0"/>
+              </a:spcBef>
+              <a:spcAft>
+                <a:spcPct val="0"/>
+              </a:spcAft>
+              <a:defRPr sz="2400">
+                <a:solidFill>
+                  <a:schemeClr val="tx1"/>
+                </a:solidFill>
+                <a:latin typeface="Arial" charset="0"/>
+                <a:ea typeface="ＭＳ Ｐゴシック" charset="0"/>
+              </a:defRPr>
+            </a:lvl7pPr>
+            <a:lvl8pPr marL="3429000" indent="-228600" eaLnBrk="0" fontAlgn="base" hangingPunct="0">
+              <a:spcBef>
+                <a:spcPct val="0"/>
+              </a:spcBef>
+              <a:spcAft>
+                <a:spcPct val="0"/>
+              </a:spcAft>
+              <a:defRPr sz="2400">
+                <a:solidFill>
+                  <a:schemeClr val="tx1"/>
+                </a:solidFill>
+                <a:latin typeface="Arial" charset="0"/>
+                <a:ea typeface="ＭＳ Ｐゴシック" charset="0"/>
+              </a:defRPr>
+            </a:lvl8pPr>
+            <a:lvl9pPr marL="3886200" indent="-228600" eaLnBrk="0" fontAlgn="base" hangingPunct="0">
+              <a:spcBef>
+                <a:spcPct val="0"/>
+              </a:spcBef>
+              <a:spcAft>
+                <a:spcPct val="0"/>
+              </a:spcAft>
+              <a:defRPr sz="2400">
+                <a:solidFill>
+                  <a:schemeClr val="tx1"/>
+                </a:solidFill>
+                <a:latin typeface="Arial" charset="0"/>
+                <a:ea typeface="ＭＳ Ｐゴシック" charset="0"/>
+              </a:defRPr>
+            </a:lvl9pPr>
+          </a:lstStyle>
+          <a:p>
+            <a:pPr algn="ctr" eaLnBrk="1" hangingPunct="1">
+              <a:spcBef>
+                <a:spcPct val="20000"/>
+              </a:spcBef>
+              <a:buFont typeface="Arial" charset="0"/>
+              <a:buNone/>
+            </a:pPr>
+            <a:r>
+              <a:rPr lang="en-US" sz="2800">
+                <a:latin typeface="Calibri" charset="0"/>
+              </a:rPr>
+              <a:t>http://meetings.cshl.edu/courses.html</a:t>
+            </a:r>
+          </a:p>
+        </p:txBody>
+      </p:sp>
+    </p:spTree>
+  </p:cSld>
+  <p:clrMapOvr>
+    <a:masterClrMapping/>
+  </p:clrMapOvr>
+</p:sld>
+</file>
+
+<file path=ppt/slides/slide10.xml><?xml version="1.0" encoding="utf-8"?>
+<p:sld xmlns:a="http://schemas.openxmlformats.org/drawingml/2006/main" xmlns:r="http://schemas.openxmlformats.org/officeDocument/2006/relationships" xmlns:p="http://schemas.openxmlformats.org/presentationml/2006/main">
+  <p:cSld>
+    <p:spTree>
+      <p:nvGrpSpPr>
+        <p:cNvPr id="1" name=""/>
+        <p:cNvGrpSpPr/>
+        <p:nvPr/>
+      </p:nvGrpSpPr>
+      <p:grpSpPr>
+        <a:xfrm>
+          <a:off x="0" y="0"/>
+          <a:ext cx="0" cy="0"/>
+          <a:chOff x="0" y="0"/>
+          <a:chExt cx="0" cy="0"/>
+        </a:xfrm>
+      </p:grpSpPr>
+      <p:pic>
+        <p:nvPicPr>
+          <p:cNvPr id="7" name="Picture 6" descr="Screen Shot 2016-11-14 at 7.24.05 PM.png"/>
+          <p:cNvPicPr>
+            <a:picLocks noChangeAspect="1"/>
+          </p:cNvPicPr>
+          <p:nvPr/>
+        </p:nvPicPr>
+        <p:blipFill>
+          <a:blip r:embed="rId2">
+            <a:extLst>
+              <a:ext uri="{28A0092B-C50C-407E-A947-70E740481C1C}">
+                <a14:useLocalDpi xmlns:a14="http://schemas.microsoft.com/office/drawing/2010/main" val="0"/>
+              </a:ext>
+            </a:extLst>
+          </a:blip>
+          <a:stretch>
+            <a:fillRect/>
+          </a:stretch>
+        </p:blipFill>
+        <p:spPr>
+          <a:xfrm>
+            <a:off x="1331640" y="3310874"/>
+            <a:ext cx="6624736" cy="3070454"/>
+          </a:xfrm>
+          <a:prstGeom prst="rect">
+            <a:avLst/>
+          </a:prstGeom>
+        </p:spPr>
+      </p:pic>
+      <p:sp>
+        <p:nvSpPr>
+          <p:cNvPr id="2" name="Title 1"/>
+          <p:cNvSpPr>
+            <a:spLocks noGrp="1"/>
+          </p:cNvSpPr>
+          <p:nvPr>
+            <p:ph type="title"/>
+          </p:nvPr>
+        </p:nvSpPr>
+        <p:spPr>
+          <a:xfrm>
+            <a:off x="179512" y="116632"/>
+            <a:ext cx="8839200" cy="490066"/>
+          </a:xfrm>
+        </p:spPr>
+        <p:txBody>
+          <a:bodyPr/>
+          <a:lstStyle/>
+          <a:p>
+            <a:r>
+              <a:rPr lang="en-US" dirty="0" err="1" smtClean="0"/>
+              <a:t>Ballgown</a:t>
+            </a:r>
+            <a:r>
+              <a:rPr lang="en-US" dirty="0" smtClean="0"/>
+              <a:t> for Visualization with R</a:t>
+            </a:r>
+            <a:endParaRPr lang="en-US" dirty="0"/>
+          </a:p>
+        </p:txBody>
+      </p:sp>
+      <p:pic>
+        <p:nvPicPr>
+          <p:cNvPr id="4" name="Content Placeholder 3" descr="nprot.2016.095-F3.jpg"/>
+          <p:cNvPicPr>
+            <a:picLocks noGrp="1" noChangeAspect="1"/>
+          </p:cNvPicPr>
+          <p:nvPr>
+            <p:ph idx="1"/>
+          </p:nvPr>
+        </p:nvPicPr>
+        <p:blipFill>
+          <a:blip r:embed="rId3">
+            <a:extLst>
+              <a:ext uri="{28A0092B-C50C-407E-A947-70E740481C1C}">
+                <a14:useLocalDpi xmlns:a14="http://schemas.microsoft.com/office/drawing/2010/main" val="0"/>
+              </a:ext>
+            </a:extLst>
+          </a:blip>
+          <a:srcRect l="-39529" r="-39529"/>
+          <a:stretch>
+            <a:fillRect/>
+          </a:stretch>
+        </p:blipFill>
+        <p:spPr>
+          <a:xfrm>
+            <a:off x="-900608" y="908720"/>
+            <a:ext cx="5051412" cy="2699893"/>
+          </a:xfrm>
+        </p:spPr>
+      </p:pic>
+      <p:pic>
+        <p:nvPicPr>
+          <p:cNvPr id="5" name="Picture 4" descr="nprot.2016.095-F4.jpg"/>
+          <p:cNvPicPr>
+            <a:picLocks noChangeAspect="1"/>
+          </p:cNvPicPr>
+          <p:nvPr/>
+        </p:nvPicPr>
+        <p:blipFill>
+          <a:blip r:embed="rId4">
+            <a:extLst>
+              <a:ext uri="{28A0092B-C50C-407E-A947-70E740481C1C}">
+                <a14:useLocalDpi xmlns:a14="http://schemas.microsoft.com/office/drawing/2010/main" val="0"/>
+              </a:ext>
+            </a:extLst>
+          </a:blip>
+          <a:stretch>
+            <a:fillRect/>
+          </a:stretch>
+        </p:blipFill>
+        <p:spPr>
+          <a:xfrm>
+            <a:off x="3059832" y="764704"/>
+            <a:ext cx="2951294" cy="2741425"/>
+          </a:xfrm>
+          <a:prstGeom prst="rect">
+            <a:avLst/>
+          </a:prstGeom>
+        </p:spPr>
+      </p:pic>
+      <p:pic>
+        <p:nvPicPr>
+          <p:cNvPr id="6" name="Picture 5" descr="nprot.2016.095-F5.jpg"/>
+          <p:cNvPicPr>
+            <a:picLocks noChangeAspect="1"/>
+          </p:cNvPicPr>
+          <p:nvPr/>
+        </p:nvPicPr>
+        <p:blipFill>
+          <a:blip r:embed="rId5">
+            <a:extLst>
+              <a:ext uri="{28A0092B-C50C-407E-A947-70E740481C1C}">
+                <a14:useLocalDpi xmlns:a14="http://schemas.microsoft.com/office/drawing/2010/main" val="0"/>
+              </a:ext>
+            </a:extLst>
+          </a:blip>
+          <a:stretch>
+            <a:fillRect/>
+          </a:stretch>
+        </p:blipFill>
+        <p:spPr>
+          <a:xfrm>
+            <a:off x="6156176" y="764704"/>
+            <a:ext cx="2952328" cy="2926085"/>
+          </a:xfrm>
+          <a:prstGeom prst="rect">
+            <a:avLst/>
+          </a:prstGeom>
+        </p:spPr>
+      </p:pic>
+    </p:spTree>
+    <p:extLst>
+      <p:ext uri="{BB962C8B-B14F-4D97-AF65-F5344CB8AC3E}">
+        <p14:creationId xmlns:p14="http://schemas.microsoft.com/office/powerpoint/2010/main" val="255290305"/>
+      </p:ext>
+    </p:extLst>
+  </p:cSld>
+  <p:clrMapOvr>
+    <a:masterClrMapping/>
+  </p:clrMapOvr>
+</p:sld>
+</file>
+
+<file path=ppt/slides/slide11.xml><?xml version="1.0" encoding="utf-8"?>
+<p:sld xmlns:a="http://schemas.openxmlformats.org/drawingml/2006/main" xmlns:r="http://schemas.openxmlformats.org/officeDocument/2006/relationships" xmlns:p="http://schemas.openxmlformats.org/presentationml/2006/main">
+  <p:cSld>
+    <p:spTree>
+      <p:nvGrpSpPr>
+        <p:cNvPr id="1" name=""/>
+        <p:cNvGrpSpPr/>
+        <p:nvPr/>
+      </p:nvGrpSpPr>
+      <p:grpSpPr>
+        <a:xfrm>
+          <a:off x="0" y="0"/>
+          <a:ext cx="0" cy="0"/>
+          <a:chOff x="0" y="0"/>
+          <a:chExt cx="0" cy="0"/>
+        </a:xfrm>
+      </p:grpSpPr>
+      <p:sp>
+        <p:nvSpPr>
+          <p:cNvPr id="15361" name="Title 1"/>
+          <p:cNvSpPr>
+            <a:spLocks noGrp="1"/>
+          </p:cNvSpPr>
+          <p:nvPr>
+            <p:ph type="title"/>
+          </p:nvPr>
+        </p:nvSpPr>
+        <p:spPr>
+          <a:xfrm>
+            <a:off x="152400" y="-27384"/>
+            <a:ext cx="8839200" cy="1143000"/>
+          </a:xfrm>
+        </p:spPr>
+        <p:txBody>
+          <a:bodyPr/>
+          <a:lstStyle/>
+          <a:p>
+            <a:r>
+              <a:rPr lang="en-US" dirty="0" smtClean="0">
+                <a:latin typeface="Calibri" charset="0"/>
+                <a:ea typeface="ＭＳ Ｐゴシック" charset="0"/>
+              </a:rPr>
+              <a:t>Alternatives to FPKM</a:t>
+            </a:r>
+            <a:endParaRPr lang="en-US" dirty="0">
+              <a:latin typeface="Calibri" charset="0"/>
+              <a:ea typeface="ＭＳ Ｐゴシック" charset="0"/>
+            </a:endParaRPr>
+          </a:p>
+        </p:txBody>
+      </p:sp>
+      <p:sp>
+        <p:nvSpPr>
+          <p:cNvPr id="15362" name="Content Placeholder 2"/>
+          <p:cNvSpPr>
+            <a:spLocks noGrp="1"/>
+          </p:cNvSpPr>
+          <p:nvPr>
+            <p:ph idx="1"/>
+          </p:nvPr>
+        </p:nvSpPr>
+        <p:spPr>
+          <a:xfrm>
+            <a:off x="152400" y="1124744"/>
+            <a:ext cx="8839200" cy="4983832"/>
+          </a:xfrm>
+        </p:spPr>
+        <p:txBody>
+          <a:bodyPr>
+            <a:normAutofit lnSpcReduction="10000"/>
+          </a:bodyPr>
+          <a:lstStyle/>
+          <a:p>
+            <a:r>
+              <a:rPr lang="en-US" dirty="0">
+                <a:latin typeface="Calibri" charset="0"/>
+                <a:ea typeface="ＭＳ Ｐゴシック" charset="0"/>
+              </a:rPr>
+              <a:t>Raw read counts as an alternate </a:t>
+            </a:r>
+            <a:r>
+              <a:rPr lang="en-US" dirty="0" smtClean="0">
+                <a:latin typeface="Calibri" charset="0"/>
+                <a:ea typeface="ＭＳ Ｐゴシック" charset="0"/>
+              </a:rPr>
+              <a:t>for differential expression analysis</a:t>
+            </a:r>
+            <a:endParaRPr lang="en-US" dirty="0">
+              <a:latin typeface="Calibri" charset="0"/>
+              <a:ea typeface="ＭＳ Ｐゴシック" charset="0"/>
+            </a:endParaRPr>
+          </a:p>
+          <a:p>
+            <a:pPr lvl="1"/>
+            <a:r>
+              <a:rPr lang="en-US" dirty="0" smtClean="0">
+                <a:latin typeface="Calibri" charset="0"/>
+                <a:ea typeface="ＭＳ Ｐゴシック" charset="0"/>
+              </a:rPr>
+              <a:t>Instead of calculating FPKM, simply assign reads/fragments to a defined set of genes/transcripts and determine “raw counts”</a:t>
+            </a:r>
+          </a:p>
+          <a:p>
+            <a:pPr lvl="2"/>
+            <a:r>
+              <a:rPr lang="en-US" dirty="0" smtClean="0">
+                <a:latin typeface="Calibri" charset="0"/>
+                <a:ea typeface="ＭＳ Ｐゴシック" charset="0"/>
+              </a:rPr>
+              <a:t>Transcript structures could still be defined by something like cufflinks </a:t>
+            </a:r>
+          </a:p>
+          <a:p>
+            <a:r>
+              <a:rPr lang="en-US" dirty="0" err="1" smtClean="0">
+                <a:latin typeface="Calibri" charset="0"/>
+                <a:ea typeface="ＭＳ Ｐゴシック" charset="0"/>
+              </a:rPr>
+              <a:t>HTSeq</a:t>
+            </a:r>
+            <a:r>
+              <a:rPr lang="en-US" dirty="0" smtClean="0">
+                <a:latin typeface="Calibri" charset="0"/>
+                <a:ea typeface="ＭＳ Ｐゴシック" charset="0"/>
+              </a:rPr>
+              <a:t> (</a:t>
+            </a:r>
+            <a:r>
+              <a:rPr lang="en-US" dirty="0" err="1" smtClean="0">
+                <a:latin typeface="Calibri" charset="0"/>
+                <a:ea typeface="ＭＳ Ｐゴシック" charset="0"/>
+              </a:rPr>
+              <a:t>htseq</a:t>
+            </a:r>
+            <a:r>
+              <a:rPr lang="en-US" dirty="0" smtClean="0">
+                <a:latin typeface="Calibri" charset="0"/>
+                <a:ea typeface="ＭＳ Ｐゴシック" charset="0"/>
+              </a:rPr>
+              <a:t>-count)</a:t>
+            </a:r>
+            <a:endParaRPr lang="en-US" dirty="0">
+              <a:latin typeface="Calibri" charset="0"/>
+              <a:ea typeface="ＭＳ Ｐゴシック" charset="0"/>
+            </a:endParaRPr>
+          </a:p>
+          <a:p>
+            <a:pPr lvl="1"/>
+            <a:r>
+              <a:rPr lang="en-US" dirty="0">
+                <a:latin typeface="Calibri" charset="0"/>
+                <a:ea typeface="ＭＳ Ｐゴシック" charset="0"/>
+                <a:hlinkClick r:id="rId2"/>
+              </a:rPr>
+              <a:t>http://www-huber.embl.de/users/anders/HTSeq/doc/</a:t>
+            </a:r>
+            <a:r>
+              <a:rPr lang="en-US" dirty="0" smtClean="0">
+                <a:latin typeface="Calibri" charset="0"/>
+                <a:ea typeface="ＭＳ Ｐゴシック" charset="0"/>
+                <a:hlinkClick r:id="rId2"/>
+              </a:rPr>
+              <a:t>count.html</a:t>
+            </a:r>
+            <a:endParaRPr lang="en-US" dirty="0" smtClean="0">
+              <a:latin typeface="Calibri" charset="0"/>
+              <a:ea typeface="ＭＳ Ｐゴシック" charset="0"/>
+            </a:endParaRPr>
+          </a:p>
+          <a:p>
+            <a:pPr lvl="1"/>
+            <a:r>
+              <a:rPr lang="en-US" dirty="0" err="1" smtClean="0">
+                <a:latin typeface="Calibri" charset="0"/>
+                <a:ea typeface="ＭＳ Ｐゴシック" charset="0"/>
+              </a:rPr>
+              <a:t>htseq</a:t>
+            </a:r>
+            <a:r>
+              <a:rPr lang="en-US" dirty="0">
+                <a:latin typeface="Calibri" charset="0"/>
+                <a:ea typeface="ＭＳ Ｐゴシック" charset="0"/>
+              </a:rPr>
+              <a:t>-count --mode intersection-strict --stranded no --</a:t>
+            </a:r>
+            <a:r>
+              <a:rPr lang="en-US" dirty="0" err="1">
+                <a:latin typeface="Calibri" charset="0"/>
+                <a:ea typeface="ＭＳ Ｐゴシック" charset="0"/>
+              </a:rPr>
+              <a:t>minaqual</a:t>
+            </a:r>
+            <a:r>
+              <a:rPr lang="en-US" dirty="0">
+                <a:latin typeface="Calibri" charset="0"/>
+                <a:ea typeface="ＭＳ Ｐゴシック" charset="0"/>
+              </a:rPr>
+              <a:t> 1 --type exon --</a:t>
+            </a:r>
+            <a:r>
+              <a:rPr lang="en-US" dirty="0" err="1">
+                <a:latin typeface="Calibri" charset="0"/>
+                <a:ea typeface="ＭＳ Ｐゴシック" charset="0"/>
+              </a:rPr>
+              <a:t>idattr</a:t>
+            </a:r>
+            <a:r>
+              <a:rPr lang="en-US" dirty="0">
+                <a:latin typeface="Calibri" charset="0"/>
+                <a:ea typeface="ＭＳ Ｐゴシック" charset="0"/>
+              </a:rPr>
+              <a:t> </a:t>
+            </a:r>
+            <a:r>
+              <a:rPr lang="en-US" dirty="0" err="1">
+                <a:latin typeface="Calibri" charset="0"/>
+                <a:ea typeface="ＭＳ Ｐゴシック" charset="0"/>
+              </a:rPr>
+              <a:t>transcript_id</a:t>
+            </a:r>
+            <a:r>
+              <a:rPr lang="en-US" dirty="0">
+                <a:latin typeface="Calibri" charset="0"/>
+                <a:ea typeface="ＭＳ Ｐゴシック" charset="0"/>
+              </a:rPr>
+              <a:t> </a:t>
+            </a:r>
+            <a:r>
+              <a:rPr lang="en-US" dirty="0" err="1" smtClean="0">
+                <a:latin typeface="Calibri" charset="0"/>
+                <a:ea typeface="ＭＳ Ｐゴシック" charset="0"/>
+              </a:rPr>
+              <a:t>accepted_hits.sam</a:t>
+            </a:r>
+            <a:r>
+              <a:rPr lang="en-US" dirty="0" smtClean="0">
+                <a:latin typeface="Calibri" charset="0"/>
+                <a:ea typeface="ＭＳ Ｐゴシック" charset="0"/>
+              </a:rPr>
+              <a:t> </a:t>
+            </a:r>
+            <a:r>
+              <a:rPr lang="en-US" dirty="0">
+                <a:latin typeface="Calibri" charset="0"/>
+                <a:ea typeface="ＭＳ Ｐゴシック" charset="0"/>
+              </a:rPr>
+              <a:t>chr22.gff &gt; </a:t>
+            </a:r>
+            <a:r>
+              <a:rPr lang="en-US" dirty="0" err="1" smtClean="0">
+                <a:latin typeface="Calibri" charset="0"/>
+                <a:ea typeface="ＭＳ Ｐゴシック" charset="0"/>
+              </a:rPr>
+              <a:t>transcript_read_counts_table.tsv</a:t>
+            </a:r>
+            <a:endParaRPr lang="en-US" dirty="0" smtClean="0">
+              <a:latin typeface="Calibri" charset="0"/>
+              <a:ea typeface="ＭＳ Ｐゴシック" charset="0"/>
+            </a:endParaRPr>
+          </a:p>
+          <a:p>
+            <a:pPr lvl="1"/>
+            <a:r>
+              <a:rPr lang="en-US" dirty="0" smtClean="0">
+                <a:latin typeface="Calibri" charset="0"/>
+                <a:ea typeface="ＭＳ Ｐゴシック" charset="0"/>
+              </a:rPr>
+              <a:t>Important caveat of ‘transcript’ analysis by </a:t>
+            </a:r>
+            <a:r>
+              <a:rPr lang="en-US" dirty="0" err="1" smtClean="0">
+                <a:latin typeface="Calibri" charset="0"/>
+                <a:ea typeface="ＭＳ Ｐゴシック" charset="0"/>
+              </a:rPr>
+              <a:t>htseq</a:t>
+            </a:r>
+            <a:r>
+              <a:rPr lang="en-US" dirty="0" smtClean="0">
+                <a:latin typeface="Calibri" charset="0"/>
+                <a:ea typeface="ＭＳ Ｐゴシック" charset="0"/>
+              </a:rPr>
+              <a:t>-count:</a:t>
+            </a:r>
+          </a:p>
+          <a:p>
+            <a:pPr lvl="2"/>
+            <a:r>
+              <a:rPr lang="en-US" dirty="0">
+                <a:latin typeface="Calibri" charset="0"/>
+                <a:ea typeface="ＭＳ Ｐゴシック" charset="0"/>
+                <a:hlinkClick r:id="rId3"/>
+              </a:rPr>
+              <a:t>http://seqanswers.com/forums/showthread.php?t=</a:t>
+            </a:r>
+            <a:r>
+              <a:rPr lang="en-US" dirty="0" smtClean="0">
+                <a:latin typeface="Calibri" charset="0"/>
+                <a:ea typeface="ＭＳ Ｐゴシック" charset="0"/>
+                <a:hlinkClick r:id="rId3"/>
+              </a:rPr>
+              <a:t>18068</a:t>
+            </a:r>
+            <a:endParaRPr lang="en-US" dirty="0" smtClean="0">
+              <a:latin typeface="Calibri" charset="0"/>
+              <a:ea typeface="ＭＳ Ｐゴシック" charset="0"/>
+            </a:endParaRPr>
+          </a:p>
+        </p:txBody>
+      </p:sp>
+    </p:spTree>
+    <p:extLst>
+      <p:ext uri="{BB962C8B-B14F-4D97-AF65-F5344CB8AC3E}">
+        <p14:creationId xmlns:p14="http://schemas.microsoft.com/office/powerpoint/2010/main" val="856466777"/>
+      </p:ext>
+    </p:extLst>
+  </p:cSld>
+  <p:clrMapOvr>
+    <a:masterClrMapping/>
+  </p:clrMapOvr>
+  <p:timing>
+    <p:tnLst>
+      <p:par>
+        <p:cTn xmlns:p14="http://schemas.microsoft.com/office/powerpoint/2010/main" id="1" dur="indefinite" restart="never" nodeType="tmRoot"/>
+      </p:par>
+    </p:tnLst>
+  </p:timing>
+</p:sld>
+</file>
+
+<file path=ppt/slides/slide12.xml><?xml version="1.0" encoding="utf-8"?>
+<p:sld xmlns:a="http://schemas.openxmlformats.org/drawingml/2006/main" xmlns:r="http://schemas.openxmlformats.org/officeDocument/2006/relationships" xmlns:p="http://schemas.openxmlformats.org/presentationml/2006/main">
+  <p:cSld>
+    <p:spTree>
+      <p:nvGrpSpPr>
+        <p:cNvPr id="1" name=""/>
+        <p:cNvGrpSpPr/>
+        <p:nvPr/>
+      </p:nvGrpSpPr>
+      <p:grpSpPr>
+        <a:xfrm>
+          <a:off x="0" y="0"/>
+          <a:ext cx="0" cy="0"/>
+          <a:chOff x="0" y="0"/>
+          <a:chExt cx="0" cy="0"/>
+        </a:xfrm>
+      </p:grpSpPr>
+      <p:sp>
+        <p:nvSpPr>
+          <p:cNvPr id="31745" name="Title 1"/>
+          <p:cNvSpPr>
+            <a:spLocks noGrp="1"/>
+          </p:cNvSpPr>
+          <p:nvPr>
+            <p:ph type="title"/>
+          </p:nvPr>
+        </p:nvSpPr>
+        <p:spPr>
+          <a:xfrm>
+            <a:off x="152400" y="-27384"/>
+            <a:ext cx="8839200" cy="1143000"/>
+          </a:xfrm>
+        </p:spPr>
+        <p:txBody>
+          <a:bodyPr/>
+          <a:lstStyle/>
+          <a:p>
+            <a:r>
+              <a:rPr lang="en-US" dirty="0">
+                <a:latin typeface="Calibri" charset="0"/>
+                <a:ea typeface="ＭＳ Ｐゴシック" charset="0"/>
+              </a:rPr>
+              <a:t>‘FPKM’ expression estimates vs. ‘raw’ counts</a:t>
+            </a:r>
+          </a:p>
+        </p:txBody>
+      </p:sp>
+      <p:sp>
+        <p:nvSpPr>
+          <p:cNvPr id="31746" name="Content Placeholder 2"/>
+          <p:cNvSpPr>
+            <a:spLocks noGrp="1"/>
+          </p:cNvSpPr>
+          <p:nvPr>
+            <p:ph idx="1"/>
+          </p:nvPr>
+        </p:nvSpPr>
+        <p:spPr/>
+        <p:txBody>
+          <a:bodyPr/>
+          <a:lstStyle/>
+          <a:p>
+            <a:r>
+              <a:rPr lang="en-US" dirty="0">
+                <a:latin typeface="Calibri" charset="0"/>
+                <a:ea typeface="ＭＳ Ｐゴシック" charset="0"/>
+              </a:rPr>
+              <a:t>Which should I use?</a:t>
+            </a:r>
+          </a:p>
+          <a:p>
+            <a:r>
+              <a:rPr lang="en-US" dirty="0">
+                <a:latin typeface="Calibri" charset="0"/>
+                <a:ea typeface="ＭＳ Ｐゴシック" charset="0"/>
+              </a:rPr>
+              <a:t>FPKM</a:t>
+            </a:r>
+          </a:p>
+          <a:p>
+            <a:pPr lvl="1"/>
+            <a:r>
+              <a:rPr lang="en-US" dirty="0">
+                <a:latin typeface="Calibri" charset="0"/>
+                <a:ea typeface="ＭＳ Ｐゴシック" charset="0"/>
+              </a:rPr>
+              <a:t>When you want to leverage benefits of tuxedo suite</a:t>
+            </a:r>
+          </a:p>
+          <a:p>
+            <a:pPr lvl="1"/>
+            <a:r>
+              <a:rPr lang="en-US" dirty="0">
+                <a:latin typeface="Calibri" charset="0"/>
+                <a:ea typeface="ＭＳ Ｐゴシック" charset="0"/>
+              </a:rPr>
+              <a:t>Good for visualization (e.g., </a:t>
+            </a:r>
+            <a:r>
+              <a:rPr lang="en-US" dirty="0" err="1">
+                <a:latin typeface="Calibri" charset="0"/>
+                <a:ea typeface="ＭＳ Ｐゴシック" charset="0"/>
+              </a:rPr>
+              <a:t>heatmaps</a:t>
+            </a:r>
+            <a:r>
+              <a:rPr lang="en-US" dirty="0">
+                <a:latin typeface="Calibri" charset="0"/>
+                <a:ea typeface="ＭＳ Ｐゴシック" charset="0"/>
+              </a:rPr>
+              <a:t>)</a:t>
+            </a:r>
+          </a:p>
+          <a:p>
+            <a:pPr lvl="1"/>
+            <a:r>
+              <a:rPr lang="en-US" dirty="0">
+                <a:latin typeface="Calibri" charset="0"/>
+                <a:ea typeface="ＭＳ Ｐゴシック" charset="0"/>
+              </a:rPr>
+              <a:t>Calculating fold changes, </a:t>
+            </a:r>
+            <a:r>
+              <a:rPr lang="en-US" dirty="0" smtClean="0">
+                <a:latin typeface="Calibri" charset="0"/>
+                <a:ea typeface="ＭＳ Ｐゴシック" charset="0"/>
+              </a:rPr>
+              <a:t>etc.</a:t>
+            </a:r>
+            <a:endParaRPr lang="en-US" dirty="0">
+              <a:latin typeface="Calibri" charset="0"/>
+              <a:ea typeface="ＭＳ Ｐゴシック" charset="0"/>
+            </a:endParaRPr>
+          </a:p>
+          <a:p>
+            <a:r>
+              <a:rPr lang="en-US" dirty="0">
+                <a:latin typeface="Calibri" charset="0"/>
+                <a:ea typeface="ＭＳ Ｐゴシック" charset="0"/>
+              </a:rPr>
+              <a:t>Counts</a:t>
+            </a:r>
+          </a:p>
+          <a:p>
+            <a:pPr lvl="1"/>
+            <a:r>
+              <a:rPr lang="en-US" dirty="0">
+                <a:latin typeface="Calibri" charset="0"/>
+                <a:ea typeface="ＭＳ Ｐゴシック" charset="0"/>
+              </a:rPr>
+              <a:t>More robust statistical methods for differential </a:t>
+            </a:r>
+            <a:r>
+              <a:rPr lang="en-US" dirty="0" smtClean="0">
+                <a:latin typeface="Calibri" charset="0"/>
+                <a:ea typeface="ＭＳ Ｐゴシック" charset="0"/>
+              </a:rPr>
+              <a:t>expression</a:t>
+            </a:r>
+          </a:p>
+          <a:p>
+            <a:pPr lvl="1"/>
+            <a:r>
+              <a:rPr lang="en-US" dirty="0" smtClean="0">
+                <a:latin typeface="Calibri" charset="0"/>
+                <a:ea typeface="ＭＳ Ｐゴシック" charset="0"/>
+              </a:rPr>
+              <a:t>Accommodates more sophisticated experimental designs with appropriate statistical tests</a:t>
+            </a:r>
+            <a:endParaRPr lang="en-US" dirty="0">
+              <a:latin typeface="Calibri" charset="0"/>
+              <a:ea typeface="ＭＳ Ｐゴシック" charset="0"/>
+            </a:endParaRPr>
+          </a:p>
+        </p:txBody>
+      </p:sp>
+    </p:spTree>
+    <p:extLst>
+      <p:ext uri="{BB962C8B-B14F-4D97-AF65-F5344CB8AC3E}">
+        <p14:creationId xmlns:p14="http://schemas.microsoft.com/office/powerpoint/2010/main" val="3703341229"/>
+      </p:ext>
+    </p:extLst>
+  </p:cSld>
+  <p:clrMapOvr>
+    <a:masterClrMapping/>
+  </p:clrMapOvr>
+  <p:timing>
+    <p:tnLst>
+      <p:par>
+        <p:cTn xmlns:p14="http://schemas.microsoft.com/office/powerpoint/2010/main" id="1" dur="indefinite" restart="never" nodeType="tmRoot"/>
+      </p:par>
+    </p:tnLst>
+  </p:timing>
+</p:sld>
+</file>
+
+<file path=ppt/slides/slide13.xml><?xml version="1.0" encoding="utf-8"?>
+<p:sld xmlns:a="http://schemas.openxmlformats.org/drawingml/2006/main" xmlns:r="http://schemas.openxmlformats.org/officeDocument/2006/relationships" xmlns:p="http://schemas.openxmlformats.org/presentationml/2006/main">
+  <p:cSld>
+    <p:spTree>
+      <p:nvGrpSpPr>
+        <p:cNvPr id="1" name=""/>
+        <p:cNvGrpSpPr/>
+        <p:nvPr/>
+      </p:nvGrpSpPr>
+      <p:grpSpPr>
+        <a:xfrm>
+          <a:off x="0" y="0"/>
+          <a:ext cx="0" cy="0"/>
+          <a:chOff x="0" y="0"/>
+          <a:chExt cx="0" cy="0"/>
+        </a:xfrm>
+      </p:grpSpPr>
+      <p:sp>
+        <p:nvSpPr>
+          <p:cNvPr id="32769" name="Title 1"/>
+          <p:cNvSpPr>
+            <a:spLocks noGrp="1"/>
+          </p:cNvSpPr>
+          <p:nvPr>
+            <p:ph type="title"/>
+          </p:nvPr>
+        </p:nvSpPr>
+        <p:spPr/>
+        <p:txBody>
+          <a:bodyPr/>
+          <a:lstStyle/>
+          <a:p>
+            <a:r>
+              <a:rPr lang="en-US" dirty="0" smtClean="0">
+                <a:latin typeface="Calibri" charset="0"/>
+                <a:ea typeface="ＭＳ Ｐゴシック" charset="0"/>
+              </a:rPr>
+              <a:t>Alternative differential </a:t>
+            </a:r>
+            <a:r>
+              <a:rPr lang="en-US" dirty="0">
+                <a:latin typeface="Calibri" charset="0"/>
+                <a:ea typeface="ＭＳ Ｐゴシック" charset="0"/>
+              </a:rPr>
+              <a:t>expression methods</a:t>
+            </a:r>
+          </a:p>
+        </p:txBody>
+      </p:sp>
+      <p:sp>
+        <p:nvSpPr>
+          <p:cNvPr id="32770" name="Content Placeholder 2"/>
+          <p:cNvSpPr>
+            <a:spLocks noGrp="1"/>
+          </p:cNvSpPr>
+          <p:nvPr>
+            <p:ph idx="1"/>
+          </p:nvPr>
+        </p:nvSpPr>
+        <p:spPr/>
+        <p:txBody>
+          <a:bodyPr/>
+          <a:lstStyle/>
+          <a:p>
+            <a:r>
+              <a:rPr lang="en-US" dirty="0" smtClean="0">
+                <a:latin typeface="Calibri" charset="0"/>
+                <a:ea typeface="ＭＳ Ｐゴシック" charset="0"/>
+              </a:rPr>
+              <a:t>Raw count approaches</a:t>
+            </a:r>
+          </a:p>
+          <a:p>
+            <a:pPr lvl="1"/>
+            <a:r>
+              <a:rPr lang="en-US" dirty="0" err="1" smtClean="0">
+                <a:latin typeface="Calibri" charset="0"/>
+                <a:ea typeface="ＭＳ Ｐゴシック" charset="0"/>
+              </a:rPr>
+              <a:t>DESeq</a:t>
+            </a:r>
+            <a:r>
+              <a:rPr lang="en-US" dirty="0">
+                <a:latin typeface="Calibri" charset="0"/>
+                <a:ea typeface="ＭＳ Ｐゴシック" charset="0"/>
+              </a:rPr>
+              <a:t> - </a:t>
+            </a:r>
+            <a:r>
+              <a:rPr lang="en-US" dirty="0">
+                <a:latin typeface="Calibri" charset="0"/>
+                <a:ea typeface="ＭＳ Ｐゴシック" charset="0"/>
+                <a:hlinkClick r:id="rId2"/>
+              </a:rPr>
+              <a:t>http://www-huber.embl.de/users/anders/DESeq</a:t>
+            </a:r>
+            <a:r>
+              <a:rPr lang="en-US" dirty="0" smtClean="0">
+                <a:latin typeface="Calibri" charset="0"/>
+                <a:ea typeface="ＭＳ Ｐゴシック" charset="0"/>
+                <a:hlinkClick r:id="rId2"/>
+              </a:rPr>
+              <a:t>/</a:t>
+            </a:r>
+            <a:endParaRPr lang="en-US" dirty="0" smtClean="0">
+              <a:latin typeface="Calibri" charset="0"/>
+              <a:ea typeface="ＭＳ Ｐゴシック" charset="0"/>
+            </a:endParaRPr>
+          </a:p>
+          <a:p>
+            <a:pPr lvl="1"/>
+            <a:r>
+              <a:rPr lang="en-US" dirty="0" err="1" smtClean="0">
+                <a:latin typeface="Calibri" charset="0"/>
+                <a:ea typeface="ＭＳ Ｐゴシック" charset="0"/>
+              </a:rPr>
+              <a:t>edgeR</a:t>
+            </a:r>
+            <a:r>
+              <a:rPr lang="en-US" dirty="0" smtClean="0">
+                <a:latin typeface="Calibri" charset="0"/>
+                <a:ea typeface="ＭＳ Ｐゴシック" charset="0"/>
+              </a:rPr>
+              <a:t> </a:t>
+            </a:r>
+            <a:r>
+              <a:rPr lang="en-US" dirty="0">
+                <a:latin typeface="Calibri" charset="0"/>
+                <a:ea typeface="ＭＳ Ｐゴシック" charset="0"/>
+              </a:rPr>
+              <a:t>- </a:t>
+            </a:r>
+            <a:r>
+              <a:rPr lang="en-US" dirty="0">
+                <a:latin typeface="Calibri" charset="0"/>
+                <a:ea typeface="ＭＳ Ｐゴシック" charset="0"/>
+                <a:hlinkClick r:id="rId3"/>
+              </a:rPr>
+              <a:t>http://www.bioconductor.org/packages/release/bioc/html/</a:t>
+            </a:r>
+            <a:r>
+              <a:rPr lang="en-US" dirty="0" smtClean="0">
+                <a:latin typeface="Calibri" charset="0"/>
+                <a:ea typeface="ＭＳ Ｐゴシック" charset="0"/>
+                <a:hlinkClick r:id="rId3"/>
+              </a:rPr>
+              <a:t>edgeR.html</a:t>
+            </a:r>
+            <a:endParaRPr lang="en-US" dirty="0" smtClean="0">
+              <a:latin typeface="Calibri" charset="0"/>
+              <a:ea typeface="ＭＳ Ｐゴシック" charset="0"/>
+            </a:endParaRPr>
+          </a:p>
+          <a:p>
+            <a:pPr lvl="1"/>
+            <a:r>
+              <a:rPr lang="en-US" dirty="0" smtClean="0">
+                <a:latin typeface="Calibri" charset="0"/>
+                <a:ea typeface="ＭＳ Ｐゴシック" charset="0"/>
+              </a:rPr>
+              <a:t>Others…</a:t>
+            </a:r>
+          </a:p>
+          <a:p>
+            <a:pPr lvl="1"/>
+            <a:endParaRPr lang="en-US" dirty="0" smtClean="0">
+              <a:latin typeface="Calibri" charset="0"/>
+              <a:ea typeface="ＭＳ Ｐゴシック" charset="0"/>
+            </a:endParaRPr>
+          </a:p>
+          <a:p>
+            <a:pPr lvl="1"/>
+            <a:endParaRPr lang="en-US" dirty="0">
+              <a:latin typeface="Calibri" charset="0"/>
+              <a:ea typeface="ＭＳ Ｐゴシック" charset="0"/>
+            </a:endParaRPr>
+          </a:p>
+        </p:txBody>
+      </p:sp>
+    </p:spTree>
+    <p:extLst>
+      <p:ext uri="{BB962C8B-B14F-4D97-AF65-F5344CB8AC3E}">
+        <p14:creationId xmlns:p14="http://schemas.microsoft.com/office/powerpoint/2010/main" val="581898537"/>
+      </p:ext>
+    </p:extLst>
+  </p:cSld>
+  <p:clrMapOvr>
+    <a:masterClrMapping/>
+  </p:clrMapOvr>
+  <p:timing>
+    <p:tnLst>
+      <p:par>
+        <p:cTn xmlns:p14="http://schemas.microsoft.com/office/powerpoint/2010/main" id="1" dur="indefinite" restart="never" nodeType="tmRoot"/>
+      </p:par>
+    </p:tnLst>
+  </p:timing>
+</p:sld>
+</file>
+
+<file path=ppt/slides/slide14.xml><?xml version="1.0" encoding="utf-8"?>
+<p:sld xmlns:a="http://schemas.openxmlformats.org/drawingml/2006/main" xmlns:r="http://schemas.openxmlformats.org/officeDocument/2006/relationships" xmlns:p="http://schemas.openxmlformats.org/presentationml/2006/main">
+  <p:cSld>
+    <p:spTree>
+      <p:nvGrpSpPr>
+        <p:cNvPr id="1" name=""/>
+        <p:cNvGrpSpPr/>
+        <p:nvPr/>
+      </p:nvGrpSpPr>
+      <p:grpSpPr>
+        <a:xfrm>
+          <a:off x="0" y="0"/>
+          <a:ext cx="0" cy="0"/>
+          <a:chOff x="0" y="0"/>
+          <a:chExt cx="0" cy="0"/>
+        </a:xfrm>
+      </p:grpSpPr>
+      <p:sp>
+        <p:nvSpPr>
+          <p:cNvPr id="2" name="Title 1"/>
+          <p:cNvSpPr>
+            <a:spLocks noGrp="1"/>
+          </p:cNvSpPr>
+          <p:nvPr>
+            <p:ph type="title"/>
+          </p:nvPr>
+        </p:nvSpPr>
+        <p:spPr>
+          <a:xfrm>
+            <a:off x="152400" y="44624"/>
+            <a:ext cx="8839200" cy="1143000"/>
+          </a:xfrm>
+        </p:spPr>
+        <p:txBody>
+          <a:bodyPr/>
+          <a:lstStyle/>
+          <a:p>
+            <a:r>
+              <a:rPr lang="en-US" dirty="0" smtClean="0"/>
+              <a:t>Multiple approaches advisable</a:t>
+            </a:r>
+            <a:endParaRPr lang="en-US" dirty="0"/>
+          </a:p>
+        </p:txBody>
+      </p:sp>
+      <p:pic>
+        <p:nvPicPr>
+          <p:cNvPr id="3" name="Picture 2" descr="Screen Shot 2013-06-01 at 10.13.40 PM.png"/>
+          <p:cNvPicPr>
+            <a:picLocks noChangeAspect="1"/>
+          </p:cNvPicPr>
+          <p:nvPr/>
+        </p:nvPicPr>
+        <p:blipFill>
+          <a:blip r:embed="rId2">
+            <a:extLst>
+              <a:ext uri="{28A0092B-C50C-407E-A947-70E740481C1C}">
+                <a14:useLocalDpi xmlns:a14="http://schemas.microsoft.com/office/drawing/2010/main" val="0"/>
+              </a:ext>
+            </a:extLst>
+          </a:blip>
+          <a:stretch>
+            <a:fillRect/>
+          </a:stretch>
+        </p:blipFill>
+        <p:spPr>
+          <a:xfrm>
+            <a:off x="1547664" y="1440160"/>
+            <a:ext cx="6078124" cy="4653136"/>
+          </a:xfrm>
+          <a:prstGeom prst="rect">
+            <a:avLst/>
+          </a:prstGeom>
+        </p:spPr>
+      </p:pic>
+    </p:spTree>
+    <p:extLst>
+      <p:ext uri="{BB962C8B-B14F-4D97-AF65-F5344CB8AC3E}">
+        <p14:creationId xmlns:p14="http://schemas.microsoft.com/office/powerpoint/2010/main" val="3228884705"/>
+      </p:ext>
+    </p:extLst>
+  </p:cSld>
+  <p:clrMapOvr>
+    <a:masterClrMapping/>
+  </p:clrMapOvr>
+  <p:timing>
+    <p:tnLst>
+      <p:par>
+        <p:cTn xmlns:p14="http://schemas.microsoft.com/office/powerpoint/2010/main" id="1" dur="indefinite" restart="never" nodeType="tmRoot"/>
+      </p:par>
+    </p:tnLst>
+  </p:timing>
+</p:sld>
+</file>
+
+<file path=ppt/slides/slide15.xml><?xml version="1.0" encoding="utf-8"?>
+<p:sld xmlns:a="http://schemas.openxmlformats.org/drawingml/2006/main" xmlns:r="http://schemas.openxmlformats.org/officeDocument/2006/relationships" xmlns:p="http://schemas.openxmlformats.org/presentationml/2006/main">
+  <p:cSld>
+    <p:spTree>
+      <p:nvGrpSpPr>
+        <p:cNvPr id="1" name=""/>
+        <p:cNvGrpSpPr/>
+        <p:nvPr/>
+      </p:nvGrpSpPr>
+      <p:grpSpPr>
+        <a:xfrm>
+          <a:off x="0" y="0"/>
+          <a:ext cx="0" cy="0"/>
+          <a:chOff x="0" y="0"/>
+          <a:chExt cx="0" cy="0"/>
+        </a:xfrm>
+      </p:grpSpPr>
+      <p:sp>
+        <p:nvSpPr>
+          <p:cNvPr id="34817" name="Title 1"/>
+          <p:cNvSpPr>
+            <a:spLocks noGrp="1"/>
+          </p:cNvSpPr>
+          <p:nvPr>
+            <p:ph type="title"/>
+          </p:nvPr>
+        </p:nvSpPr>
+        <p:spPr/>
+        <p:txBody>
+          <a:bodyPr/>
+          <a:lstStyle/>
+          <a:p>
+            <a:r>
+              <a:rPr lang="en-US">
+                <a:latin typeface="Calibri" charset="0"/>
+                <a:ea typeface="ＭＳ Ｐゴシック" charset="0"/>
+              </a:rPr>
+              <a:t>Lessons learned from microarray days</a:t>
+            </a:r>
+          </a:p>
+        </p:txBody>
+      </p:sp>
+      <p:sp>
+        <p:nvSpPr>
+          <p:cNvPr id="34818" name="Content Placeholder 2"/>
+          <p:cNvSpPr>
+            <a:spLocks noGrp="1"/>
+          </p:cNvSpPr>
+          <p:nvPr>
+            <p:ph idx="1"/>
+          </p:nvPr>
+        </p:nvSpPr>
+        <p:spPr/>
+        <p:txBody>
+          <a:bodyPr/>
+          <a:lstStyle/>
+          <a:p>
+            <a:r>
+              <a:rPr lang="en-US" dirty="0">
+                <a:latin typeface="Calibri" charset="0"/>
+                <a:ea typeface="ＭＳ Ｐゴシック" charset="0"/>
+              </a:rPr>
+              <a:t>Hansen et al. “Sequencing Technology Does Not Eliminate Biological Variability.” Nature Biotechnology 29, no. 7 (2011): 572–573.</a:t>
+            </a:r>
+          </a:p>
+          <a:p>
+            <a:r>
+              <a:rPr lang="en-US" dirty="0">
+                <a:latin typeface="Calibri" charset="0"/>
+                <a:ea typeface="ＭＳ Ｐゴシック" charset="0"/>
+              </a:rPr>
+              <a:t>Power analysis for </a:t>
+            </a:r>
+            <a:r>
+              <a:rPr lang="en-US" dirty="0" smtClean="0">
+                <a:latin typeface="Calibri" charset="0"/>
+                <a:ea typeface="ＭＳ Ｐゴシック" charset="0"/>
+              </a:rPr>
+              <a:t>RNA-seq </a:t>
+            </a:r>
+            <a:r>
+              <a:rPr lang="en-US" dirty="0">
+                <a:latin typeface="Calibri" charset="0"/>
+                <a:ea typeface="ＭＳ Ｐゴシック" charset="0"/>
+              </a:rPr>
+              <a:t>experiments</a:t>
+            </a:r>
+          </a:p>
+          <a:p>
+            <a:pPr lvl="1"/>
+            <a:r>
+              <a:rPr lang="en-US" dirty="0">
+                <a:latin typeface="Calibri" charset="0"/>
+                <a:ea typeface="ＭＳ Ｐゴシック" charset="0"/>
+                <a:hlinkClick r:id="rId2"/>
+              </a:rPr>
+              <a:t>http://euler.bc.edu/marthlab/scotty/scotty.php</a:t>
+            </a:r>
+            <a:endParaRPr lang="en-US" dirty="0">
+              <a:latin typeface="Calibri" charset="0"/>
+              <a:ea typeface="ＭＳ Ｐゴシック" charset="0"/>
+            </a:endParaRPr>
+          </a:p>
+          <a:p>
+            <a:r>
+              <a:rPr lang="en-US" dirty="0" smtClean="0">
+                <a:latin typeface="Calibri" charset="0"/>
+                <a:ea typeface="ＭＳ Ｐゴシック" charset="0"/>
+              </a:rPr>
+              <a:t>RNA-seq </a:t>
+            </a:r>
+            <a:r>
+              <a:rPr lang="en-US" dirty="0">
+                <a:latin typeface="Calibri" charset="0"/>
+                <a:ea typeface="ＭＳ Ｐゴシック" charset="0"/>
+              </a:rPr>
+              <a:t>need for biological replicates</a:t>
+            </a:r>
+          </a:p>
+          <a:p>
+            <a:pPr lvl="1"/>
+            <a:r>
+              <a:rPr lang="en-US" dirty="0">
+                <a:latin typeface="Calibri" charset="0"/>
+                <a:ea typeface="ＭＳ Ｐゴシック" charset="0"/>
+                <a:hlinkClick r:id="rId3"/>
+              </a:rPr>
+              <a:t>http://www.biostars.org/p/1161/</a:t>
+            </a:r>
+            <a:endParaRPr lang="en-US" dirty="0">
+              <a:latin typeface="Calibri" charset="0"/>
+              <a:ea typeface="ＭＳ Ｐゴシック" charset="0"/>
+            </a:endParaRPr>
+          </a:p>
+          <a:p>
+            <a:r>
+              <a:rPr lang="en-US" dirty="0" smtClean="0">
+                <a:latin typeface="Calibri" charset="0"/>
+                <a:ea typeface="ＭＳ Ｐゴシック" charset="0"/>
+              </a:rPr>
+              <a:t>RNA-seq </a:t>
+            </a:r>
+            <a:r>
+              <a:rPr lang="en-US" dirty="0">
+                <a:latin typeface="Calibri" charset="0"/>
+                <a:ea typeface="ＭＳ Ｐゴシック" charset="0"/>
+              </a:rPr>
+              <a:t>study design</a:t>
+            </a:r>
+          </a:p>
+          <a:p>
+            <a:pPr lvl="1"/>
+            <a:r>
+              <a:rPr lang="en-US" dirty="0">
+                <a:latin typeface="Calibri" charset="0"/>
+                <a:ea typeface="ＭＳ Ｐゴシック" charset="0"/>
+                <a:hlinkClick r:id="rId4"/>
+              </a:rPr>
+              <a:t>http://www.biostars.org/p/68885/</a:t>
+            </a:r>
+            <a:endParaRPr lang="en-US" dirty="0">
+              <a:latin typeface="Calibri" charset="0"/>
+              <a:ea typeface="ＭＳ Ｐゴシック" charset="0"/>
+            </a:endParaRPr>
+          </a:p>
+          <a:p>
+            <a:endParaRPr lang="en-US" dirty="0">
+              <a:latin typeface="Calibri" charset="0"/>
+              <a:ea typeface="ＭＳ Ｐゴシック" charset="0"/>
+            </a:endParaRPr>
+          </a:p>
+        </p:txBody>
+      </p:sp>
+    </p:spTree>
+    <p:extLst>
+      <p:ext uri="{BB962C8B-B14F-4D97-AF65-F5344CB8AC3E}">
+        <p14:creationId xmlns:p14="http://schemas.microsoft.com/office/powerpoint/2010/main" val="2131133993"/>
+      </p:ext>
+    </p:extLst>
+  </p:cSld>
+  <p:clrMapOvr>
+    <a:masterClrMapping/>
+  </p:clrMapOvr>
+  <p:timing>
+    <p:tnLst>
+      <p:par>
+        <p:cTn xmlns:p14="http://schemas.microsoft.com/office/powerpoint/2010/main" id="1" dur="indefinite" restart="never" nodeType="tmRoot"/>
+      </p:par>
+    </p:tnLst>
+  </p:timing>
+</p:sld>
+</file>
+
+<file path=ppt/slides/slide16.xml><?xml version="1.0" encoding="utf-8"?>
+<p:sld xmlns:a="http://schemas.openxmlformats.org/drawingml/2006/main" xmlns:r="http://schemas.openxmlformats.org/officeDocument/2006/relationships" xmlns:p="http://schemas.openxmlformats.org/presentationml/2006/main">
+  <p:cSld>
+    <p:spTree>
+      <p:nvGrpSpPr>
+        <p:cNvPr id="1" name=""/>
+        <p:cNvGrpSpPr/>
+        <p:nvPr/>
+      </p:nvGrpSpPr>
+      <p:grpSpPr>
+        <a:xfrm>
+          <a:off x="0" y="0"/>
+          <a:ext cx="0" cy="0"/>
+          <a:chOff x="0" y="0"/>
+          <a:chExt cx="0" cy="0"/>
+        </a:xfrm>
+      </p:grpSpPr>
+      <p:sp>
+        <p:nvSpPr>
+          <p:cNvPr id="35841" name="Title 1"/>
+          <p:cNvSpPr>
+            <a:spLocks noGrp="1"/>
+          </p:cNvSpPr>
+          <p:nvPr>
+            <p:ph type="title"/>
+          </p:nvPr>
+        </p:nvSpPr>
+        <p:spPr>
+          <a:xfrm>
+            <a:off x="152400" y="53752"/>
+            <a:ext cx="8839200" cy="1143000"/>
+          </a:xfrm>
+        </p:spPr>
+        <p:txBody>
+          <a:bodyPr/>
+          <a:lstStyle/>
+          <a:p>
+            <a:r>
+              <a:rPr lang="en-US" dirty="0">
+                <a:latin typeface="Calibri" charset="0"/>
+                <a:ea typeface="ＭＳ Ｐゴシック" charset="0"/>
+              </a:rPr>
+              <a:t>Multiple testing correction</a:t>
+            </a:r>
+          </a:p>
+        </p:txBody>
+      </p:sp>
+      <p:sp>
+        <p:nvSpPr>
+          <p:cNvPr id="35842" name="Content Placeholder 2"/>
+          <p:cNvSpPr>
+            <a:spLocks noGrp="1"/>
+          </p:cNvSpPr>
+          <p:nvPr>
+            <p:ph idx="1"/>
+          </p:nvPr>
+        </p:nvSpPr>
+        <p:spPr>
+          <a:xfrm>
+            <a:off x="152400" y="1196752"/>
+            <a:ext cx="8839200" cy="4968552"/>
+          </a:xfrm>
+        </p:spPr>
+        <p:txBody>
+          <a:bodyPr>
+            <a:normAutofit fontScale="92500" lnSpcReduction="20000"/>
+          </a:bodyPr>
+          <a:lstStyle/>
+          <a:p>
+            <a:r>
+              <a:rPr lang="en-US" dirty="0">
+                <a:latin typeface="Calibri" charset="0"/>
+                <a:ea typeface="ＭＳ Ｐゴシック" charset="0"/>
+              </a:rPr>
+              <a:t>As more attributes are compared, it becomes more likely that the treatment and control groups will appear to differ on at least one attribute by random chance alone.</a:t>
+            </a:r>
+          </a:p>
+          <a:p>
+            <a:r>
+              <a:rPr lang="en-US" dirty="0" smtClean="0">
+                <a:latin typeface="Calibri" charset="0"/>
+                <a:ea typeface="ＭＳ Ｐゴシック" charset="0"/>
+              </a:rPr>
+              <a:t>Well known from array studies</a:t>
+            </a:r>
+          </a:p>
+          <a:p>
+            <a:pPr lvl="1"/>
+            <a:r>
+              <a:rPr lang="en-US" dirty="0" smtClean="0">
+                <a:latin typeface="Calibri" charset="0"/>
+                <a:ea typeface="ＭＳ Ｐゴシック" charset="0"/>
+              </a:rPr>
+              <a:t>10,000s genes/transcripts</a:t>
+            </a:r>
+          </a:p>
+          <a:p>
+            <a:pPr lvl="1"/>
+            <a:r>
+              <a:rPr lang="en-US" dirty="0" smtClean="0">
+                <a:latin typeface="Calibri" charset="0"/>
+                <a:ea typeface="ＭＳ Ｐゴシック" charset="0"/>
+              </a:rPr>
+              <a:t>100,000s exons</a:t>
+            </a:r>
+          </a:p>
+          <a:p>
+            <a:pPr marL="342900" lvl="1" indent="-342900">
+              <a:buFont typeface="Arial" charset="0"/>
+              <a:buChar char="•"/>
+            </a:pPr>
+            <a:r>
+              <a:rPr lang="en-US" dirty="0" smtClean="0">
+                <a:latin typeface="Calibri" charset="0"/>
+                <a:ea typeface="ＭＳ Ｐゴシック" charset="0"/>
+              </a:rPr>
+              <a:t>With RNA-</a:t>
+            </a:r>
+            <a:r>
+              <a:rPr lang="en-US" dirty="0" err="1" smtClean="0">
+                <a:latin typeface="Calibri" charset="0"/>
+                <a:ea typeface="ＭＳ Ｐゴシック" charset="0"/>
+              </a:rPr>
+              <a:t>seq</a:t>
+            </a:r>
+            <a:r>
+              <a:rPr lang="en-US" dirty="0">
+                <a:latin typeface="Calibri" charset="0"/>
+                <a:ea typeface="ＭＳ Ｐゴシック" charset="0"/>
+              </a:rPr>
+              <a:t>, </a:t>
+            </a:r>
+            <a:r>
+              <a:rPr lang="en-US" dirty="0" smtClean="0">
+                <a:latin typeface="Calibri" charset="0"/>
+                <a:ea typeface="ＭＳ Ｐゴシック" charset="0"/>
+              </a:rPr>
+              <a:t>more </a:t>
+            </a:r>
+            <a:r>
+              <a:rPr lang="en-US" dirty="0">
+                <a:latin typeface="Calibri" charset="0"/>
+                <a:ea typeface="ＭＳ Ｐゴシック" charset="0"/>
+              </a:rPr>
+              <a:t>of a problem than </a:t>
+            </a:r>
+            <a:r>
+              <a:rPr lang="en-US" dirty="0" smtClean="0">
+                <a:latin typeface="Calibri" charset="0"/>
+                <a:ea typeface="ＭＳ Ｐゴシック" charset="0"/>
+              </a:rPr>
+              <a:t>ever</a:t>
+            </a:r>
+          </a:p>
+          <a:p>
+            <a:pPr lvl="1"/>
+            <a:r>
+              <a:rPr lang="en-US" dirty="0" smtClean="0">
+                <a:latin typeface="Calibri" charset="0"/>
+                <a:ea typeface="ＭＳ Ｐゴシック" charset="0"/>
+              </a:rPr>
+              <a:t>All the complexity of the </a:t>
+            </a:r>
+            <a:r>
+              <a:rPr lang="en-US" dirty="0" err="1" smtClean="0">
+                <a:latin typeface="Calibri" charset="0"/>
+                <a:ea typeface="ＭＳ Ｐゴシック" charset="0"/>
+              </a:rPr>
+              <a:t>transcriptome</a:t>
+            </a:r>
+            <a:endParaRPr lang="en-US" dirty="0" smtClean="0">
+              <a:latin typeface="Calibri" charset="0"/>
+              <a:ea typeface="ＭＳ Ｐゴシック" charset="0"/>
+            </a:endParaRPr>
+          </a:p>
+          <a:p>
+            <a:pPr lvl="1"/>
+            <a:r>
+              <a:rPr lang="en-US" dirty="0" smtClean="0">
+                <a:latin typeface="Calibri" charset="0"/>
+                <a:ea typeface="ＭＳ Ｐゴシック" charset="0"/>
+              </a:rPr>
+              <a:t>Almost infinite number of potential features</a:t>
+            </a:r>
+          </a:p>
+          <a:p>
+            <a:pPr lvl="2"/>
+            <a:r>
+              <a:rPr lang="en-US" dirty="0" smtClean="0">
+                <a:latin typeface="Calibri" charset="0"/>
+                <a:ea typeface="ＭＳ Ｐゴシック" charset="0"/>
+              </a:rPr>
+              <a:t>Genes, transcripts, exons, junctions, retained introns, microRNAs, </a:t>
+            </a:r>
+            <a:r>
+              <a:rPr lang="en-US" dirty="0" err="1" smtClean="0">
+                <a:latin typeface="Calibri" charset="0"/>
+                <a:ea typeface="ＭＳ Ｐゴシック" charset="0"/>
+              </a:rPr>
+              <a:t>lncRNAs</a:t>
+            </a:r>
+            <a:r>
+              <a:rPr lang="en-US" dirty="0" smtClean="0">
+                <a:latin typeface="Calibri" charset="0"/>
+                <a:ea typeface="ＭＳ Ｐゴシック" charset="0"/>
+              </a:rPr>
+              <a:t>, </a:t>
+            </a:r>
+            <a:r>
+              <a:rPr lang="en-US" smtClean="0">
+                <a:latin typeface="Calibri" charset="0"/>
+                <a:ea typeface="ＭＳ Ｐゴシック" charset="0"/>
+              </a:rPr>
+              <a:t>etc</a:t>
+            </a:r>
+            <a:endParaRPr lang="en-US" dirty="0" smtClean="0">
+              <a:latin typeface="Calibri" charset="0"/>
+              <a:ea typeface="ＭＳ Ｐゴシック" charset="0"/>
+            </a:endParaRPr>
+          </a:p>
+          <a:p>
+            <a:r>
+              <a:rPr lang="en-US" dirty="0" err="1" smtClean="0">
+                <a:latin typeface="Calibri" charset="0"/>
+                <a:ea typeface="ＭＳ Ｐゴシック" charset="0"/>
+              </a:rPr>
+              <a:t>Bioconductor</a:t>
+            </a:r>
+            <a:r>
+              <a:rPr lang="en-US" dirty="0" smtClean="0">
+                <a:latin typeface="Calibri" charset="0"/>
+                <a:ea typeface="ＭＳ Ｐゴシック" charset="0"/>
+              </a:rPr>
+              <a:t> </a:t>
+            </a:r>
+            <a:r>
+              <a:rPr lang="en-US" dirty="0" err="1" smtClean="0">
+                <a:latin typeface="Calibri" charset="0"/>
+                <a:ea typeface="ＭＳ Ｐゴシック" charset="0"/>
+              </a:rPr>
+              <a:t>multtest</a:t>
+            </a:r>
+            <a:endParaRPr lang="en-US" dirty="0" smtClean="0">
+              <a:latin typeface="Calibri" charset="0"/>
+              <a:ea typeface="ＭＳ Ｐゴシック" charset="0"/>
+            </a:endParaRPr>
+          </a:p>
+          <a:p>
+            <a:pPr lvl="1"/>
+            <a:r>
+              <a:rPr lang="en-US" dirty="0" smtClean="0">
+                <a:latin typeface="Calibri" charset="0"/>
+                <a:ea typeface="ＭＳ Ｐゴシック" charset="0"/>
+                <a:hlinkClick r:id="rId2"/>
+              </a:rPr>
+              <a:t>http</a:t>
+            </a:r>
+            <a:r>
+              <a:rPr lang="en-US" dirty="0">
+                <a:latin typeface="Calibri" charset="0"/>
+                <a:ea typeface="ＭＳ Ｐゴシック" charset="0"/>
+                <a:hlinkClick r:id="rId2"/>
+              </a:rPr>
+              <a:t>://www.bioconductor.org/packages/release/bioc/</a:t>
+            </a:r>
+            <a:r>
+              <a:rPr lang="en-US" dirty="0" smtClean="0">
+                <a:latin typeface="Calibri" charset="0"/>
+                <a:ea typeface="ＭＳ Ｐゴシック" charset="0"/>
+                <a:hlinkClick r:id="rId2"/>
+              </a:rPr>
+              <a:t>html/multtest.html</a:t>
+            </a:r>
+            <a:endParaRPr lang="en-US" dirty="0">
+              <a:latin typeface="Calibri" charset="0"/>
+              <a:ea typeface="ＭＳ Ｐゴシック" charset="0"/>
+            </a:endParaRPr>
+          </a:p>
+        </p:txBody>
+      </p:sp>
+    </p:spTree>
+    <p:extLst>
+      <p:ext uri="{BB962C8B-B14F-4D97-AF65-F5344CB8AC3E}">
+        <p14:creationId xmlns:p14="http://schemas.microsoft.com/office/powerpoint/2010/main" val="673488359"/>
+      </p:ext>
+    </p:extLst>
+  </p:cSld>
+  <p:clrMapOvr>
+    <a:masterClrMapping/>
+  </p:clrMapOvr>
+  <p:timing>
+    <p:tnLst>
+      <p:par>
+        <p:cTn xmlns:p14="http://schemas.microsoft.com/office/powerpoint/2010/main" id="1" dur="indefinite" restart="never" nodeType="tmRoot"/>
+      </p:par>
+    </p:tnLst>
+  </p:timing>
+</p:sld>
+</file>
+
+<file path=ppt/slides/slide17.xml><?xml version="1.0" encoding="utf-8"?>
+<p:sld xmlns:a="http://schemas.openxmlformats.org/drawingml/2006/main" xmlns:r="http://schemas.openxmlformats.org/officeDocument/2006/relationships" xmlns:p="http://schemas.openxmlformats.org/presentationml/2006/main">
+  <p:cSld>
+    <p:spTree>
+      <p:nvGrpSpPr>
+        <p:cNvPr id="1" name=""/>
+        <p:cNvGrpSpPr/>
+        <p:nvPr/>
+      </p:nvGrpSpPr>
+      <p:grpSpPr>
+        <a:xfrm>
+          <a:off x="0" y="0"/>
+          <a:ext cx="0" cy="0"/>
+          <a:chOff x="0" y="0"/>
+          <a:chExt cx="0" cy="0"/>
+        </a:xfrm>
+      </p:grpSpPr>
+      <p:sp>
+        <p:nvSpPr>
+          <p:cNvPr id="16385" name="Title 1"/>
+          <p:cNvSpPr>
+            <a:spLocks noGrp="1"/>
+          </p:cNvSpPr>
+          <p:nvPr>
+            <p:ph type="title"/>
+          </p:nvPr>
+        </p:nvSpPr>
+        <p:spPr>
+          <a:xfrm>
+            <a:off x="152400" y="44624"/>
+            <a:ext cx="8839200" cy="1143000"/>
+          </a:xfrm>
+        </p:spPr>
+        <p:txBody>
+          <a:bodyPr/>
+          <a:lstStyle/>
+          <a:p>
+            <a:r>
+              <a:rPr lang="en-US" sz="3600" dirty="0">
+                <a:latin typeface="Calibri" charset="0"/>
+                <a:ea typeface="ＭＳ Ｐゴシック" charset="0"/>
+              </a:rPr>
+              <a:t>Downstream interpretation of expression </a:t>
+            </a:r>
+            <a:r>
+              <a:rPr lang="en-US" sz="3600" dirty="0" smtClean="0">
+                <a:latin typeface="Calibri" charset="0"/>
+                <a:ea typeface="ＭＳ Ｐゴシック" charset="0"/>
+              </a:rPr>
+              <a:t>analysis</a:t>
+            </a:r>
+            <a:endParaRPr lang="en-US" sz="3600" dirty="0">
+              <a:latin typeface="Calibri" charset="0"/>
+              <a:ea typeface="ＭＳ Ｐゴシック" charset="0"/>
+            </a:endParaRPr>
+          </a:p>
+        </p:txBody>
+      </p:sp>
+      <p:sp>
+        <p:nvSpPr>
+          <p:cNvPr id="2" name="Content Placeholder 1"/>
+          <p:cNvSpPr>
+            <a:spLocks noGrp="1"/>
+          </p:cNvSpPr>
+          <p:nvPr>
+            <p:ph idx="1"/>
+          </p:nvPr>
+        </p:nvSpPr>
+        <p:spPr>
+          <a:xfrm>
+            <a:off x="152400" y="1484784"/>
+            <a:ext cx="8839200" cy="4896544"/>
+          </a:xfrm>
+        </p:spPr>
+        <p:txBody>
+          <a:bodyPr>
+            <a:normAutofit fontScale="62500" lnSpcReduction="20000"/>
+          </a:bodyPr>
+          <a:lstStyle/>
+          <a:p>
+            <a:r>
+              <a:rPr lang="en-US" dirty="0" smtClean="0">
+                <a:latin typeface="Calibri" charset="0"/>
+                <a:ea typeface="ＭＳ Ｐゴシック" charset="0"/>
+              </a:rPr>
+              <a:t>Topic for an entire course</a:t>
+            </a:r>
+          </a:p>
+          <a:p>
+            <a:r>
+              <a:rPr lang="en-US" dirty="0" smtClean="0">
+                <a:latin typeface="Calibri" charset="0"/>
+                <a:ea typeface="ＭＳ Ｐゴシック" charset="0"/>
+              </a:rPr>
+              <a:t>Expression estimates and differential expression lists from </a:t>
+            </a:r>
+            <a:r>
+              <a:rPr lang="en-US" dirty="0" err="1" smtClean="0">
+                <a:latin typeface="Calibri" charset="0"/>
+                <a:ea typeface="ＭＳ Ｐゴシック" charset="0"/>
+              </a:rPr>
+              <a:t>StringTie</a:t>
+            </a:r>
+            <a:r>
+              <a:rPr lang="en-US" dirty="0" smtClean="0">
+                <a:latin typeface="Calibri" charset="0"/>
+                <a:ea typeface="ＭＳ Ｐゴシック" charset="0"/>
+              </a:rPr>
+              <a:t>, </a:t>
+            </a:r>
+            <a:r>
+              <a:rPr lang="en-US" dirty="0" err="1" smtClean="0">
+                <a:latin typeface="Calibri" charset="0"/>
+                <a:ea typeface="ＭＳ Ｐゴシック" charset="0"/>
+              </a:rPr>
+              <a:t>Ballgown</a:t>
+            </a:r>
+            <a:r>
+              <a:rPr lang="en-US" dirty="0" smtClean="0">
+                <a:latin typeface="Calibri" charset="0"/>
+                <a:ea typeface="ＭＳ Ｐゴシック" charset="0"/>
+              </a:rPr>
+              <a:t> or </a:t>
+            </a:r>
+            <a:r>
+              <a:rPr lang="en-US" dirty="0" smtClean="0">
+                <a:latin typeface="Calibri" charset="0"/>
+                <a:ea typeface="ＭＳ Ｐゴシック" charset="0"/>
+              </a:rPr>
+              <a:t>other </a:t>
+            </a:r>
+            <a:r>
+              <a:rPr lang="en-US" dirty="0" smtClean="0">
+                <a:latin typeface="Calibri" charset="0"/>
+                <a:ea typeface="ＭＳ Ｐゴシック" charset="0"/>
+              </a:rPr>
+              <a:t>alternatives </a:t>
+            </a:r>
+            <a:r>
+              <a:rPr lang="en-US" dirty="0" smtClean="0">
+                <a:latin typeface="Calibri" charset="0"/>
+                <a:ea typeface="ＭＳ Ｐゴシック" charset="0"/>
+              </a:rPr>
+              <a:t>can be fed into many analysis pipelines</a:t>
+            </a:r>
+          </a:p>
+          <a:p>
+            <a:r>
+              <a:rPr lang="en-US" dirty="0" smtClean="0">
+                <a:latin typeface="Calibri" charset="0"/>
+                <a:ea typeface="ＭＳ Ｐゴシック" charset="0"/>
+              </a:rPr>
+              <a:t>See supplemental R tutorial for how to format </a:t>
+            </a:r>
+            <a:r>
+              <a:rPr lang="en-US" dirty="0" smtClean="0">
+                <a:latin typeface="Calibri" charset="0"/>
+                <a:ea typeface="ＭＳ Ｐゴシック" charset="0"/>
+              </a:rPr>
+              <a:t>expression </a:t>
+            </a:r>
+            <a:r>
+              <a:rPr lang="en-US" dirty="0" smtClean="0">
+                <a:latin typeface="Calibri" charset="0"/>
+                <a:ea typeface="ＭＳ Ｐゴシック" charset="0"/>
+              </a:rPr>
+              <a:t>data </a:t>
+            </a:r>
+            <a:r>
+              <a:rPr lang="en-US" dirty="0" smtClean="0">
+                <a:latin typeface="Calibri" charset="0"/>
+                <a:ea typeface="ＭＳ Ｐゴシック" charset="0"/>
+              </a:rPr>
+              <a:t>and start manipulating in R</a:t>
+            </a:r>
+            <a:endParaRPr lang="en-US" dirty="0">
+              <a:latin typeface="Calibri" charset="0"/>
+              <a:ea typeface="ＭＳ Ｐゴシック" charset="0"/>
+            </a:endParaRPr>
+          </a:p>
+          <a:p>
+            <a:r>
+              <a:rPr lang="en-US" dirty="0" smtClean="0">
+                <a:latin typeface="Calibri" charset="0"/>
+                <a:ea typeface="ＭＳ Ｐゴシック" charset="0"/>
+              </a:rPr>
+              <a:t>Clustering/</a:t>
+            </a:r>
+            <a:r>
+              <a:rPr lang="en-US" dirty="0" err="1" smtClean="0">
+                <a:latin typeface="Calibri" charset="0"/>
+                <a:ea typeface="ＭＳ Ｐゴシック" charset="0"/>
+              </a:rPr>
+              <a:t>Heatmaps</a:t>
+            </a:r>
+            <a:endParaRPr lang="en-US" dirty="0" smtClean="0">
+              <a:latin typeface="Calibri" charset="0"/>
+              <a:ea typeface="ＭＳ Ｐゴシック" charset="0"/>
+            </a:endParaRPr>
+          </a:p>
+          <a:p>
+            <a:pPr lvl="1"/>
+            <a:r>
+              <a:rPr lang="en-US" dirty="0" smtClean="0">
+                <a:latin typeface="Calibri" charset="0"/>
+                <a:ea typeface="ＭＳ Ｐゴシック" charset="0"/>
+              </a:rPr>
+              <a:t>Provided by </a:t>
+            </a:r>
+            <a:r>
+              <a:rPr lang="en-US" dirty="0" err="1" smtClean="0">
+                <a:latin typeface="Calibri" charset="0"/>
+                <a:ea typeface="ＭＳ Ｐゴシック" charset="0"/>
+              </a:rPr>
+              <a:t>cummeRbund</a:t>
+            </a:r>
+            <a:endParaRPr lang="en-US" dirty="0">
+              <a:latin typeface="Calibri" charset="0"/>
+              <a:ea typeface="ＭＳ Ｐゴシック" charset="0"/>
+            </a:endParaRPr>
+          </a:p>
+          <a:p>
+            <a:pPr lvl="1"/>
+            <a:r>
+              <a:rPr lang="en-US" dirty="0" smtClean="0">
+                <a:latin typeface="Calibri" charset="0"/>
+                <a:ea typeface="ＭＳ Ｐゴシック" charset="0"/>
+              </a:rPr>
+              <a:t>For more customized analysis various R packages exist: </a:t>
+            </a:r>
+          </a:p>
+          <a:p>
+            <a:pPr lvl="2"/>
+            <a:r>
+              <a:rPr lang="en-US" dirty="0" err="1">
+                <a:latin typeface="Calibri" charset="0"/>
+                <a:ea typeface="ＭＳ Ｐゴシック" charset="0"/>
+              </a:rPr>
+              <a:t>h</a:t>
+            </a:r>
+            <a:r>
+              <a:rPr lang="en-US" dirty="0" err="1" smtClean="0">
+                <a:latin typeface="Calibri" charset="0"/>
+                <a:ea typeface="ＭＳ Ｐゴシック" charset="0"/>
+              </a:rPr>
+              <a:t>clust</a:t>
+            </a:r>
+            <a:r>
+              <a:rPr lang="en-US" dirty="0" smtClean="0">
+                <a:latin typeface="Calibri" charset="0"/>
+                <a:ea typeface="ＭＳ Ｐゴシック" charset="0"/>
+              </a:rPr>
+              <a:t>, heatmap.2,</a:t>
+            </a:r>
+            <a:r>
+              <a:rPr lang="en-US" dirty="0">
+                <a:latin typeface="Calibri" charset="0"/>
+                <a:ea typeface="ＭＳ Ｐゴシック" charset="0"/>
+              </a:rPr>
+              <a:t> </a:t>
+            </a:r>
+            <a:r>
+              <a:rPr lang="en-US" dirty="0" err="1" smtClean="0">
+                <a:latin typeface="Calibri" charset="0"/>
+                <a:ea typeface="ＭＳ Ｐゴシック" charset="0"/>
+              </a:rPr>
+              <a:t>plotrix</a:t>
+            </a:r>
+            <a:r>
+              <a:rPr lang="en-US" dirty="0" smtClean="0">
+                <a:latin typeface="Calibri" charset="0"/>
+                <a:ea typeface="ＭＳ Ｐゴシック" charset="0"/>
+              </a:rPr>
+              <a:t>, ggplot2, etc.</a:t>
+            </a:r>
+          </a:p>
+          <a:p>
+            <a:r>
+              <a:rPr lang="en-US" dirty="0" smtClean="0">
+                <a:latin typeface="Calibri" charset="0"/>
+                <a:ea typeface="ＭＳ Ｐゴシック" charset="0"/>
+              </a:rPr>
+              <a:t>Classification</a:t>
+            </a:r>
+          </a:p>
+          <a:p>
+            <a:pPr lvl="1"/>
+            <a:r>
+              <a:rPr lang="en-US" dirty="0" smtClean="0">
+                <a:latin typeface="Calibri" charset="0"/>
+                <a:ea typeface="ＭＳ Ｐゴシック" charset="0"/>
+              </a:rPr>
+              <a:t>For RNA-seq data we still rarely have sufficient sample size and clinical details but this is changing</a:t>
+            </a:r>
+          </a:p>
+          <a:p>
+            <a:pPr lvl="2"/>
+            <a:r>
+              <a:rPr lang="en-US" dirty="0" err="1" smtClean="0">
+                <a:latin typeface="Calibri" charset="0"/>
+                <a:ea typeface="ＭＳ Ｐゴシック" charset="0"/>
+              </a:rPr>
+              <a:t>Weka</a:t>
+            </a:r>
+            <a:r>
+              <a:rPr lang="en-US" dirty="0" smtClean="0">
+                <a:latin typeface="Calibri" charset="0"/>
+                <a:ea typeface="ＭＳ Ｐゴシック" charset="0"/>
+              </a:rPr>
+              <a:t> is a good learning tool</a:t>
+            </a:r>
+          </a:p>
+          <a:p>
+            <a:pPr lvl="2"/>
+            <a:r>
+              <a:rPr lang="en-US" dirty="0" err="1" smtClean="0">
+                <a:latin typeface="Calibri" charset="0"/>
+                <a:ea typeface="ＭＳ Ｐゴシック" charset="0"/>
+              </a:rPr>
+              <a:t>RandomForests</a:t>
+            </a:r>
+            <a:r>
+              <a:rPr lang="en-US" dirty="0" smtClean="0">
+                <a:latin typeface="Calibri" charset="0"/>
+                <a:ea typeface="ＭＳ Ｐゴシック" charset="0"/>
+              </a:rPr>
+              <a:t> R package (</a:t>
+            </a:r>
+            <a:r>
+              <a:rPr lang="en-US" dirty="0" err="1" smtClean="0">
+                <a:latin typeface="Calibri" charset="0"/>
+                <a:ea typeface="ＭＳ Ｐゴシック" charset="0"/>
+              </a:rPr>
+              <a:t>biostar</a:t>
+            </a:r>
+            <a:r>
+              <a:rPr lang="en-US" dirty="0" smtClean="0">
+                <a:latin typeface="Calibri" charset="0"/>
+                <a:ea typeface="ＭＳ Ｐゴシック" charset="0"/>
+              </a:rPr>
+              <a:t> tutorial being developed)</a:t>
+            </a:r>
+          </a:p>
+          <a:p>
+            <a:r>
+              <a:rPr lang="en-US" dirty="0" smtClean="0">
+                <a:latin typeface="Calibri" charset="0"/>
+                <a:ea typeface="ＭＳ Ｐゴシック" charset="0"/>
+              </a:rPr>
+              <a:t>Pathway analysis</a:t>
+            </a:r>
+          </a:p>
+          <a:p>
+            <a:pPr lvl="1"/>
+            <a:r>
+              <a:rPr lang="en-US" dirty="0" smtClean="0">
+                <a:latin typeface="Calibri" charset="0"/>
+                <a:ea typeface="ＭＳ Ｐゴシック" charset="0"/>
+              </a:rPr>
+              <a:t>IPA</a:t>
+            </a:r>
+          </a:p>
+          <a:p>
+            <a:pPr lvl="1"/>
+            <a:r>
+              <a:rPr lang="en-US" dirty="0" err="1" smtClean="0">
+                <a:latin typeface="Calibri" charset="0"/>
+                <a:ea typeface="ＭＳ Ｐゴシック" charset="0"/>
+              </a:rPr>
+              <a:t>Cytoscape</a:t>
+            </a:r>
+            <a:endParaRPr lang="en-US" dirty="0" smtClean="0">
+              <a:latin typeface="Calibri" charset="0"/>
+              <a:ea typeface="ＭＳ Ｐゴシック" charset="0"/>
+            </a:endParaRPr>
+          </a:p>
+          <a:p>
+            <a:pPr lvl="1"/>
+            <a:r>
+              <a:rPr lang="en-US" dirty="0" smtClean="0">
+                <a:latin typeface="Calibri" charset="0"/>
+                <a:ea typeface="ＭＳ Ｐゴシック" charset="0"/>
+              </a:rPr>
+              <a:t>Many R/</a:t>
+            </a:r>
+            <a:r>
+              <a:rPr lang="en-US" dirty="0" err="1" smtClean="0">
+                <a:latin typeface="Calibri" charset="0"/>
+                <a:ea typeface="ＭＳ Ｐゴシック" charset="0"/>
+              </a:rPr>
+              <a:t>BioConductor</a:t>
+            </a:r>
+            <a:r>
+              <a:rPr lang="en-US" dirty="0">
+                <a:latin typeface="Calibri" charset="0"/>
+                <a:ea typeface="ＭＳ Ｐゴシック" charset="0"/>
+              </a:rPr>
+              <a:t> packages: </a:t>
+            </a:r>
+            <a:r>
+              <a:rPr lang="en-US" dirty="0">
+                <a:latin typeface="Calibri" charset="0"/>
+                <a:ea typeface="ＭＳ Ｐゴシック" charset="0"/>
+                <a:hlinkClick r:id="rId2"/>
+              </a:rPr>
+              <a:t>http://www.bioconductor.org/help/search/index.html?q=</a:t>
+            </a:r>
+            <a:r>
+              <a:rPr lang="en-US" dirty="0" smtClean="0">
+                <a:latin typeface="Calibri" charset="0"/>
+                <a:ea typeface="ＭＳ Ｐゴシック" charset="0"/>
+                <a:hlinkClick r:id="rId2"/>
+              </a:rPr>
+              <a:t>pathway</a:t>
+            </a:r>
+            <a:endParaRPr lang="en-US" dirty="0" smtClean="0">
+              <a:latin typeface="Calibri" charset="0"/>
+              <a:ea typeface="ＭＳ Ｐゴシック" charset="0"/>
+            </a:endParaRPr>
+          </a:p>
+          <a:p>
+            <a:pPr lvl="1"/>
+            <a:endParaRPr lang="en-US" dirty="0" smtClean="0">
+              <a:latin typeface="Calibri" charset="0"/>
+              <a:ea typeface="ＭＳ Ｐゴシック" charset="0"/>
+            </a:endParaRPr>
+          </a:p>
+        </p:txBody>
+      </p:sp>
+    </p:spTree>
+    <p:extLst>
+      <p:ext uri="{BB962C8B-B14F-4D97-AF65-F5344CB8AC3E}">
+        <p14:creationId xmlns:p14="http://schemas.microsoft.com/office/powerpoint/2010/main" val="2299244377"/>
+      </p:ext>
+    </p:extLst>
+  </p:cSld>
+  <p:clrMapOvr>
+    <a:masterClrMapping/>
+  </p:clrMapOvr>
+  <p:timing>
+    <p:tnLst>
+      <p:par>
+        <p:cTn xmlns:p14="http://schemas.microsoft.com/office/powerpoint/2010/main" id="1" dur="indefinite" restart="never" nodeType="tmRoot"/>
+      </p:par>
+    </p:tnLst>
+  </p:timing>
+</p:sld>
+</file>
+
+<file path=ppt/slides/slide18.xml><?xml version="1.0" encoding="utf-8"?>
+<p:sld xmlns:a="http://schemas.openxmlformats.org/drawingml/2006/main" xmlns:r="http://schemas.openxmlformats.org/officeDocument/2006/relationships" xmlns:p="http://schemas.openxmlformats.org/presentationml/2006/main">
+  <p:cSld>
+    <p:spTree>
+      <p:nvGrpSpPr>
+        <p:cNvPr id="1" name=""/>
+        <p:cNvGrpSpPr/>
+        <p:nvPr/>
+      </p:nvGrpSpPr>
+      <p:grpSpPr>
+        <a:xfrm>
+          <a:off x="0" y="0"/>
+          <a:ext cx="0" cy="0"/>
+          <a:chOff x="0" y="0"/>
+          <a:chExt cx="0" cy="0"/>
+        </a:xfrm>
+      </p:grpSpPr>
+      <p:sp>
+        <p:nvSpPr>
+          <p:cNvPr id="17409" name="Content Placeholder 3"/>
+          <p:cNvSpPr>
+            <a:spLocks noGrp="1"/>
+          </p:cNvSpPr>
+          <p:nvPr>
+            <p:ph idx="1"/>
+          </p:nvPr>
+        </p:nvSpPr>
+        <p:spPr>
+          <a:xfrm>
+            <a:off x="152400" y="2667000"/>
+            <a:ext cx="8839200" cy="1600200"/>
+          </a:xfrm>
+        </p:spPr>
+        <p:txBody>
+          <a:bodyPr/>
+          <a:lstStyle/>
+          <a:p>
+            <a:pPr algn="ctr">
+              <a:buFont typeface="Arial" charset="0"/>
+              <a:buNone/>
+            </a:pPr>
+            <a:r>
+              <a:rPr lang="en-US" sz="4400" b="1" dirty="0">
+                <a:latin typeface="Calibri" charset="0"/>
+                <a:ea typeface="ＭＳ Ｐゴシック" charset="0"/>
+              </a:rPr>
+              <a:t>Introduction to tutorial </a:t>
+            </a:r>
+          </a:p>
+          <a:p>
+            <a:pPr algn="ctr">
+              <a:buFont typeface="Arial" charset="0"/>
+              <a:buNone/>
+            </a:pPr>
+            <a:r>
+              <a:rPr lang="en-US" sz="4400" b="1" dirty="0">
+                <a:latin typeface="Calibri" charset="0"/>
+                <a:ea typeface="ＭＳ Ｐゴシック" charset="0"/>
+              </a:rPr>
+              <a:t>(Module </a:t>
+            </a:r>
+            <a:r>
+              <a:rPr lang="en-US" sz="4400" b="1" dirty="0" smtClean="0">
+                <a:latin typeface="Calibri" charset="0"/>
+                <a:ea typeface="ＭＳ Ｐゴシック" charset="0"/>
+              </a:rPr>
+              <a:t>3)</a:t>
+            </a:r>
+            <a:endParaRPr lang="en-US" sz="4400" b="1" dirty="0">
+              <a:latin typeface="Calibri" charset="0"/>
+              <a:ea typeface="ＭＳ Ｐゴシック" charset="0"/>
+            </a:endParaRPr>
+          </a:p>
+        </p:txBody>
+      </p:sp>
+    </p:spTree>
+    <p:extLst>
+      <p:ext uri="{BB962C8B-B14F-4D97-AF65-F5344CB8AC3E}">
+        <p14:creationId xmlns:p14="http://schemas.microsoft.com/office/powerpoint/2010/main" val="85920883"/>
+      </p:ext>
+    </p:extLst>
+  </p:cSld>
+  <p:clrMapOvr>
+    <a:masterClrMapping/>
+  </p:clrMapOvr>
+  <p:timing>
+    <p:tnLst>
+      <p:par>
+        <p:cTn xmlns:p14="http://schemas.microsoft.com/office/powerpoint/2010/main" id="1" dur="indefinite" restart="never" nodeType="tmRoot"/>
+      </p:par>
+    </p:tnLst>
+  </p:timing>
+</p:sld>
+</file>
+
+<file path=ppt/slides/slide19.xml><?xml version="1.0" encoding="utf-8"?>
+<p:sld xmlns:a="http://schemas.openxmlformats.org/drawingml/2006/main" xmlns:r="http://schemas.openxmlformats.org/officeDocument/2006/relationships" xmlns:p="http://schemas.openxmlformats.org/presentationml/2006/main">
+  <p:cSld>
+    <p:spTree>
+      <p:nvGrpSpPr>
+        <p:cNvPr id="1" name=""/>
+        <p:cNvGrpSpPr/>
+        <p:nvPr/>
+      </p:nvGrpSpPr>
+      <p:grpSpPr>
+        <a:xfrm>
+          <a:off x="0" y="0"/>
+          <a:ext cx="0" cy="0"/>
+          <a:chOff x="0" y="0"/>
+          <a:chExt cx="0" cy="0"/>
+        </a:xfrm>
+      </p:grpSpPr>
+      <p:sp>
+        <p:nvSpPr>
+          <p:cNvPr id="19460" name="Title 4"/>
+          <p:cNvSpPr>
+            <a:spLocks noGrp="1"/>
+          </p:cNvSpPr>
+          <p:nvPr>
+            <p:ph type="title"/>
+          </p:nvPr>
+        </p:nvSpPr>
+        <p:spPr>
+          <a:xfrm>
+            <a:off x="152400" y="0"/>
+            <a:ext cx="8839200" cy="1143000"/>
+          </a:xfrm>
+        </p:spPr>
+        <p:txBody>
+          <a:bodyPr/>
+          <a:lstStyle/>
+          <a:p>
+            <a:r>
+              <a:rPr lang="en-US" dirty="0" smtClean="0">
+                <a:latin typeface="Calibri" charset="0"/>
+                <a:ea typeface="ＭＳ Ｐゴシック" charset="0"/>
+              </a:rPr>
+              <a:t>HISAT2/</a:t>
+            </a:r>
+            <a:r>
+              <a:rPr lang="en-US" dirty="0" err="1" smtClean="0">
+                <a:latin typeface="Calibri" charset="0"/>
+                <a:ea typeface="ＭＳ Ｐゴシック" charset="0"/>
+              </a:rPr>
+              <a:t>StringTie</a:t>
+            </a:r>
+            <a:r>
+              <a:rPr lang="en-US" dirty="0" smtClean="0">
+                <a:latin typeface="Calibri" charset="0"/>
+                <a:ea typeface="ＭＳ Ｐゴシック" charset="0"/>
+              </a:rPr>
+              <a:t>/</a:t>
+            </a:r>
+            <a:r>
+              <a:rPr lang="en-US" dirty="0" err="1" smtClean="0">
+                <a:latin typeface="Calibri" charset="0"/>
+                <a:ea typeface="ＭＳ Ｐゴシック" charset="0"/>
+              </a:rPr>
+              <a:t>Ballgown</a:t>
+            </a:r>
+            <a:r>
+              <a:rPr lang="en-US" dirty="0">
+                <a:latin typeface="Calibri" charset="0"/>
+                <a:ea typeface="ＭＳ Ｐゴシック" charset="0"/>
+              </a:rPr>
+              <a:t/>
+            </a:r>
+            <a:br>
+              <a:rPr lang="en-US" dirty="0">
+                <a:latin typeface="Calibri" charset="0"/>
+                <a:ea typeface="ＭＳ Ｐゴシック" charset="0"/>
+              </a:rPr>
+            </a:br>
+            <a:r>
+              <a:rPr lang="en-US" dirty="0">
+                <a:latin typeface="Calibri" charset="0"/>
+                <a:ea typeface="ＭＳ Ｐゴシック" charset="0"/>
+              </a:rPr>
+              <a:t>RNA-</a:t>
+            </a:r>
+            <a:r>
+              <a:rPr lang="en-US" dirty="0" err="1">
+                <a:latin typeface="Calibri" charset="0"/>
+                <a:ea typeface="ＭＳ Ｐゴシック" charset="0"/>
+              </a:rPr>
+              <a:t>seq</a:t>
+            </a:r>
+            <a:r>
+              <a:rPr lang="en-US" dirty="0">
+                <a:latin typeface="Calibri" charset="0"/>
+                <a:ea typeface="ＭＳ Ｐゴシック" charset="0"/>
+              </a:rPr>
+              <a:t> Pipeline</a:t>
+            </a:r>
+          </a:p>
+        </p:txBody>
+      </p:sp>
+      <p:sp>
+        <p:nvSpPr>
+          <p:cNvPr id="42" name="Rounded Rectangle 41"/>
+          <p:cNvSpPr/>
+          <p:nvPr/>
+        </p:nvSpPr>
+        <p:spPr>
+          <a:xfrm>
+            <a:off x="3419475" y="1628775"/>
+            <a:ext cx="1657350" cy="1800225"/>
+          </a:xfrm>
+          <a:prstGeom prst="roundRect">
+            <a:avLst/>
+          </a:prstGeom>
+          <a:gradFill flip="none" rotWithShape="1">
+            <a:gsLst>
+              <a:gs pos="0">
+                <a:schemeClr val="dk1">
+                  <a:tint val="50000"/>
+                  <a:satMod val="300000"/>
+                  <a:alpha val="13000"/>
+                </a:schemeClr>
+              </a:gs>
+              <a:gs pos="35000">
+                <a:schemeClr val="dk1">
+                  <a:tint val="37000"/>
+                  <a:satMod val="300000"/>
+                  <a:alpha val="13000"/>
+                </a:schemeClr>
+              </a:gs>
+              <a:gs pos="100000">
+                <a:schemeClr val="dk1">
+                  <a:tint val="15000"/>
+                  <a:satMod val="350000"/>
+                  <a:alpha val="13000"/>
+                </a:schemeClr>
+              </a:gs>
+            </a:gsLst>
+            <a:lin ang="16200000" scaled="1"/>
+            <a:tileRect/>
+          </a:gradFill>
+          <a:ln>
+            <a:prstDash val="dash"/>
+          </a:ln>
+        </p:spPr>
+        <p:style>
+          <a:lnRef idx="1">
+            <a:schemeClr val="dk1"/>
+          </a:lnRef>
+          <a:fillRef idx="2">
+            <a:schemeClr val="dk1"/>
+          </a:fillRef>
+          <a:effectRef idx="1">
+            <a:schemeClr val="dk1"/>
+          </a:effectRef>
+          <a:fontRef idx="minor">
+            <a:schemeClr val="dk1"/>
+          </a:fontRef>
+        </p:style>
+        <p:txBody>
+          <a:bodyPr anchor="ctr"/>
+          <a:lstStyle/>
+          <a:p>
+            <a:pPr algn="ctr">
+              <a:defRPr/>
+            </a:pPr>
+            <a:endParaRPr lang="en-US">
+              <a:ln w="76200" cmpd="sng">
+                <a:noFill/>
+                <a:prstDash val="dot"/>
+              </a:ln>
+              <a:noFill/>
+            </a:endParaRPr>
+          </a:p>
+        </p:txBody>
+      </p:sp>
+      <p:sp>
+        <p:nvSpPr>
+          <p:cNvPr id="45" name="Rounded Rectangle 44"/>
+          <p:cNvSpPr/>
+          <p:nvPr/>
+        </p:nvSpPr>
+        <p:spPr>
+          <a:xfrm>
+            <a:off x="5076825" y="1628775"/>
+            <a:ext cx="3382963" cy="3600450"/>
+          </a:xfrm>
+          <a:prstGeom prst="roundRect">
+            <a:avLst/>
+          </a:prstGeom>
+          <a:gradFill flip="none" rotWithShape="1">
+            <a:gsLst>
+              <a:gs pos="0">
+                <a:schemeClr val="dk1">
+                  <a:tint val="50000"/>
+                  <a:satMod val="300000"/>
+                  <a:alpha val="13000"/>
+                </a:schemeClr>
+              </a:gs>
+              <a:gs pos="35000">
+                <a:schemeClr val="dk1">
+                  <a:tint val="37000"/>
+                  <a:satMod val="300000"/>
+                  <a:alpha val="13000"/>
+                </a:schemeClr>
+              </a:gs>
+              <a:gs pos="100000">
+                <a:schemeClr val="dk1">
+                  <a:tint val="15000"/>
+                  <a:satMod val="350000"/>
+                  <a:alpha val="13000"/>
+                </a:schemeClr>
+              </a:gs>
+            </a:gsLst>
+            <a:lin ang="16200000" scaled="1"/>
+            <a:tileRect/>
+          </a:gradFill>
+          <a:ln>
+            <a:prstDash val="dash"/>
+          </a:ln>
+        </p:spPr>
+        <p:style>
+          <a:lnRef idx="1">
+            <a:schemeClr val="dk1"/>
+          </a:lnRef>
+          <a:fillRef idx="2">
+            <a:schemeClr val="dk1"/>
+          </a:fillRef>
+          <a:effectRef idx="1">
+            <a:schemeClr val="dk1"/>
+          </a:effectRef>
+          <a:fontRef idx="minor">
+            <a:schemeClr val="dk1"/>
+          </a:fontRef>
+        </p:style>
+        <p:txBody>
+          <a:bodyPr anchor="ctr"/>
+          <a:lstStyle/>
+          <a:p>
+            <a:pPr algn="ctr">
+              <a:defRPr/>
+            </a:pPr>
+            <a:endParaRPr lang="en-US">
+              <a:ln w="76200" cmpd="sng">
+                <a:noFill/>
+                <a:prstDash val="dot"/>
+              </a:ln>
+              <a:noFill/>
+            </a:endParaRPr>
+          </a:p>
+        </p:txBody>
+      </p:sp>
+      <p:sp>
+        <p:nvSpPr>
+          <p:cNvPr id="46" name="TextBox 3"/>
+          <p:cNvSpPr txBox="1">
+            <a:spLocks noChangeArrowheads="1"/>
+          </p:cNvSpPr>
+          <p:nvPr/>
+        </p:nvSpPr>
+        <p:spPr bwMode="auto">
+          <a:xfrm>
+            <a:off x="6230938" y="5229225"/>
+            <a:ext cx="1073832" cy="338554"/>
+          </a:xfrm>
+          <a:prstGeom prst="rect">
+            <a:avLst/>
+          </a:prstGeom>
+          <a:noFill/>
+          <a:ln>
+            <a:noFill/>
+          </a:ln>
+          <a:extLst>
             <a:ext uri="{909E8E84-426E-40dd-AFC4-6F175D3DCCD1}">
-              <a14:hiddenFill xmlns:a14="http://schemas.microsoft.com/office/drawing/2010/main" xmlns="">
+              <a14:hiddenFill xmlns:a14="http://schemas.microsoft.com/office/drawing/2010/main">
                 <a:solidFill>
                   <a:srgbClr val="FFFFFF"/>
                 </a:solidFill>
               </a14:hiddenFill>
             </a:ext>
             <a:ext uri="{91240B29-F687-4f45-9708-019B960494DF}">
-              <a14:hiddenLine xmlns:a14="http://schemas.microsoft.com/office/drawing/2010/main" xmlns="" w="9525">
+              <a14:hiddenLine xmlns:a14="http://schemas.microsoft.com/office/drawing/2010/main" w="9525">
                 <a:solidFill>
                   <a:srgbClr val="000000"/>
                 </a:solidFill>
@@ -3710,7 +6717,9 @@
           </a:extLst>
         </p:spPr>
         <p:txBody>
-          <a:bodyPr/>
+          <a:bodyPr wrap="none">
+            <a:spAutoFit/>
+          </a:bodyPr>
           <a:lstStyle>
             <a:lvl1pPr eaLnBrk="0" hangingPunct="0">
               <a:defRPr sz="2400">
@@ -3820,27 +6829,2195 @@
             </a:lvl9pPr>
           </a:lstStyle>
           <a:p>
-            <a:pPr algn="ctr" eaLnBrk="1" hangingPunct="1">
+            <a:pPr eaLnBrk="1" hangingPunct="1"/>
+            <a:r>
+              <a:rPr lang="en-US" sz="1600" b="1" dirty="0"/>
+              <a:t>Module 3</a:t>
+            </a:r>
+          </a:p>
+        </p:txBody>
+      </p:sp>
+      <p:sp>
+        <p:nvSpPr>
+          <p:cNvPr id="47" name="Rounded Rectangle 46"/>
+          <p:cNvSpPr/>
+          <p:nvPr/>
+        </p:nvSpPr>
+        <p:spPr bwMode="auto">
+          <a:xfrm>
+            <a:off x="179388" y="3644900"/>
+            <a:ext cx="4824412" cy="1008063"/>
+          </a:xfrm>
+          <a:prstGeom prst="roundRect">
+            <a:avLst/>
+          </a:prstGeom>
+          <a:gradFill flip="none" rotWithShape="1">
+            <a:gsLst>
+              <a:gs pos="0">
+                <a:schemeClr val="dk1">
+                  <a:tint val="50000"/>
+                  <a:satMod val="300000"/>
+                  <a:alpha val="51000"/>
+                </a:schemeClr>
+              </a:gs>
+              <a:gs pos="35000">
+                <a:schemeClr val="dk1">
+                  <a:tint val="37000"/>
+                  <a:satMod val="300000"/>
+                  <a:alpha val="51000"/>
+                </a:schemeClr>
+              </a:gs>
+              <a:gs pos="100000">
+                <a:schemeClr val="dk1">
+                  <a:tint val="15000"/>
+                  <a:satMod val="350000"/>
+                  <a:alpha val="51000"/>
+                </a:schemeClr>
+              </a:gs>
+            </a:gsLst>
+            <a:lin ang="16200000" scaled="1"/>
+            <a:tileRect/>
+          </a:gradFill>
+        </p:spPr>
+        <p:style>
+          <a:lnRef idx="1">
+            <a:schemeClr val="dk1"/>
+          </a:lnRef>
+          <a:fillRef idx="2">
+            <a:schemeClr val="dk1"/>
+          </a:fillRef>
+          <a:effectRef idx="1">
+            <a:schemeClr val="dk1"/>
+          </a:effectRef>
+          <a:fontRef idx="minor">
+            <a:schemeClr val="dk1"/>
+          </a:fontRef>
+        </p:style>
+        <p:txBody>
+          <a:bodyPr anchor="ctr"/>
+          <a:lstStyle/>
+          <a:p>
+            <a:pPr algn="ctr">
+              <a:defRPr/>
+            </a:pPr>
+            <a:endParaRPr lang="en-US" sz="1200" dirty="0">
+              <a:solidFill>
+                <a:schemeClr val="tx1"/>
+              </a:solidFill>
+            </a:endParaRPr>
+          </a:p>
+        </p:txBody>
+      </p:sp>
+      <p:grpSp>
+        <p:nvGrpSpPr>
+          <p:cNvPr id="48" name="Group 47"/>
+          <p:cNvGrpSpPr>
+            <a:grpSpLocks/>
+          </p:cNvGrpSpPr>
+          <p:nvPr/>
+        </p:nvGrpSpPr>
+        <p:grpSpPr bwMode="auto">
+          <a:xfrm>
+            <a:off x="250825" y="1925638"/>
+            <a:ext cx="1368425" cy="1287462"/>
+            <a:chOff x="251520" y="1926414"/>
+            <a:chExt cx="1368152" cy="1286562"/>
+          </a:xfrm>
+        </p:grpSpPr>
+        <p:sp>
+          <p:nvSpPr>
+            <p:cNvPr id="49" name="Rounded Rectangle 48"/>
+            <p:cNvSpPr/>
+            <p:nvPr/>
+          </p:nvSpPr>
+          <p:spPr>
+            <a:xfrm>
+              <a:off x="251520" y="2492755"/>
+              <a:ext cx="1368152" cy="720221"/>
+            </a:xfrm>
+            <a:prstGeom prst="roundRect">
+              <a:avLst/>
+            </a:prstGeom>
+          </p:spPr>
+          <p:style>
+            <a:lnRef idx="1">
+              <a:schemeClr val="accent3"/>
+            </a:lnRef>
+            <a:fillRef idx="2">
+              <a:schemeClr val="accent3"/>
+            </a:fillRef>
+            <a:effectRef idx="1">
+              <a:schemeClr val="accent3"/>
+            </a:effectRef>
+            <a:fontRef idx="minor">
+              <a:schemeClr val="dk1"/>
+            </a:fontRef>
+          </p:style>
+          <p:txBody>
+            <a:bodyPr anchor="ctr"/>
+            <a:lstStyle/>
+            <a:p>
+              <a:pPr algn="ctr">
+                <a:defRPr/>
+              </a:pPr>
+              <a:r>
+                <a:rPr lang="en-US" sz="1200" dirty="0">
+                  <a:solidFill>
+                    <a:schemeClr val="tx1"/>
+                  </a:solidFill>
+                </a:rPr>
+                <a:t>RNA-</a:t>
+              </a:r>
+              <a:r>
+                <a:rPr lang="en-US" sz="1200" dirty="0" err="1">
+                  <a:solidFill>
+                    <a:schemeClr val="tx1"/>
+                  </a:solidFill>
+                </a:rPr>
+                <a:t>seq</a:t>
+              </a:r>
+              <a:r>
+                <a:rPr lang="en-US" sz="1200" dirty="0">
+                  <a:solidFill>
+                    <a:schemeClr val="tx1"/>
+                  </a:solidFill>
+                </a:rPr>
+                <a:t> reads (2 x 100 </a:t>
+              </a:r>
+              <a:r>
+                <a:rPr lang="en-US" sz="1200" dirty="0" err="1">
+                  <a:solidFill>
+                    <a:schemeClr val="tx1"/>
+                  </a:solidFill>
+                </a:rPr>
+                <a:t>bp</a:t>
+              </a:r>
+              <a:r>
+                <a:rPr lang="en-US" sz="1200" dirty="0">
+                  <a:solidFill>
+                    <a:schemeClr val="tx1"/>
+                  </a:solidFill>
+                </a:rPr>
+                <a:t>)</a:t>
+              </a:r>
+            </a:p>
+          </p:txBody>
+        </p:sp>
+        <p:sp>
+          <p:nvSpPr>
+            <p:cNvPr id="50" name="TextBox 3"/>
+            <p:cNvSpPr txBox="1">
+              <a:spLocks noChangeArrowheads="1"/>
+            </p:cNvSpPr>
+            <p:nvPr/>
+          </p:nvSpPr>
+          <p:spPr bwMode="auto">
+            <a:xfrm>
+              <a:off x="334504" y="1926414"/>
+              <a:ext cx="1202185" cy="307777"/>
+            </a:xfrm>
+            <a:prstGeom prst="rect">
+              <a:avLst/>
+            </a:prstGeom>
+            <a:noFill/>
+            <a:ln>
+              <a:noFill/>
+            </a:ln>
+            <a:extLst>
+              <a:ext uri="{909E8E84-426E-40dd-AFC4-6F175D3DCCD1}">
+                <a14:hiddenFill xmlns:a14="http://schemas.microsoft.com/office/drawing/2010/main">
+                  <a:solidFill>
+                    <a:srgbClr val="FFFFFF"/>
+                  </a:solidFill>
+                </a14:hiddenFill>
+              </a:ext>
+              <a:ext uri="{91240B29-F687-4f45-9708-019B960494DF}">
+                <a14:hiddenLine xmlns:a14="http://schemas.microsoft.com/office/drawing/2010/main" w="9525">
+                  <a:solidFill>
+                    <a:srgbClr val="000000"/>
+                  </a:solidFill>
+                  <a:miter lim="800000"/>
+                  <a:headEnd/>
+                  <a:tailEnd/>
+                </a14:hiddenLine>
+              </a:ext>
+            </a:extLst>
+          </p:spPr>
+          <p:txBody>
+            <a:bodyPr wrap="none">
+              <a:spAutoFit/>
+            </a:bodyPr>
+            <a:lstStyle>
+              <a:lvl1pPr eaLnBrk="0" hangingPunct="0">
+                <a:defRPr sz="2400">
+                  <a:solidFill>
+                    <a:schemeClr val="tx1"/>
+                  </a:solidFill>
+                  <a:latin typeface="Arial" charset="0"/>
+                  <a:ea typeface="ＭＳ Ｐゴシック" charset="0"/>
+                  <a:cs typeface="ＭＳ Ｐゴシック" charset="0"/>
+                </a:defRPr>
+              </a:lvl1pPr>
+              <a:lvl2pPr marL="742950" indent="-285750" eaLnBrk="0" hangingPunct="0">
+                <a:defRPr sz="2400">
+                  <a:solidFill>
+                    <a:schemeClr val="tx1"/>
+                  </a:solidFill>
+                  <a:latin typeface="Arial" charset="0"/>
+                  <a:ea typeface="ＭＳ Ｐゴシック" charset="0"/>
+                </a:defRPr>
+              </a:lvl2pPr>
+              <a:lvl3pPr marL="1143000" indent="-228600" eaLnBrk="0" hangingPunct="0">
+                <a:defRPr sz="2400">
+                  <a:solidFill>
+                    <a:schemeClr val="tx1"/>
+                  </a:solidFill>
+                  <a:latin typeface="Arial" charset="0"/>
+                  <a:ea typeface="ＭＳ Ｐゴシック" charset="0"/>
+                </a:defRPr>
+              </a:lvl3pPr>
+              <a:lvl4pPr marL="1600200" indent="-228600" eaLnBrk="0" hangingPunct="0">
+                <a:defRPr sz="2400">
+                  <a:solidFill>
+                    <a:schemeClr val="tx1"/>
+                  </a:solidFill>
+                  <a:latin typeface="Arial" charset="0"/>
+                  <a:ea typeface="ＭＳ Ｐゴシック" charset="0"/>
+                </a:defRPr>
+              </a:lvl4pPr>
+              <a:lvl5pPr marL="2057400" indent="-228600" eaLnBrk="0" hangingPunct="0">
+                <a:defRPr sz="2400">
+                  <a:solidFill>
+                    <a:schemeClr val="tx1"/>
+                  </a:solidFill>
+                  <a:latin typeface="Arial" charset="0"/>
+                  <a:ea typeface="ＭＳ Ｐゴシック" charset="0"/>
+                </a:defRPr>
+              </a:lvl5pPr>
+              <a:lvl6pPr marL="2514600" indent="-228600" eaLnBrk="0" fontAlgn="base" hangingPunct="0">
+                <a:spcBef>
+                  <a:spcPct val="0"/>
+                </a:spcBef>
+                <a:spcAft>
+                  <a:spcPct val="0"/>
+                </a:spcAft>
+                <a:defRPr sz="2400">
+                  <a:solidFill>
+                    <a:schemeClr val="tx1"/>
+                  </a:solidFill>
+                  <a:latin typeface="Arial" charset="0"/>
+                  <a:ea typeface="ＭＳ Ｐゴシック" charset="0"/>
+                </a:defRPr>
+              </a:lvl6pPr>
+              <a:lvl7pPr marL="2971800" indent="-228600" eaLnBrk="0" fontAlgn="base" hangingPunct="0">
+                <a:spcBef>
+                  <a:spcPct val="0"/>
+                </a:spcBef>
+                <a:spcAft>
+                  <a:spcPct val="0"/>
+                </a:spcAft>
+                <a:defRPr sz="2400">
+                  <a:solidFill>
+                    <a:schemeClr val="tx1"/>
+                  </a:solidFill>
+                  <a:latin typeface="Arial" charset="0"/>
+                  <a:ea typeface="ＭＳ Ｐゴシック" charset="0"/>
+                </a:defRPr>
+              </a:lvl7pPr>
+              <a:lvl8pPr marL="3429000" indent="-228600" eaLnBrk="0" fontAlgn="base" hangingPunct="0">
+                <a:spcBef>
+                  <a:spcPct val="0"/>
+                </a:spcBef>
+                <a:spcAft>
+                  <a:spcPct val="0"/>
+                </a:spcAft>
+                <a:defRPr sz="2400">
+                  <a:solidFill>
+                    <a:schemeClr val="tx1"/>
+                  </a:solidFill>
+                  <a:latin typeface="Arial" charset="0"/>
+                  <a:ea typeface="ＭＳ Ｐゴシック" charset="0"/>
+                </a:defRPr>
+              </a:lvl8pPr>
+              <a:lvl9pPr marL="3886200" indent="-228600" eaLnBrk="0" fontAlgn="base" hangingPunct="0">
+                <a:spcBef>
+                  <a:spcPct val="0"/>
+                </a:spcBef>
+                <a:spcAft>
+                  <a:spcPct val="0"/>
+                </a:spcAft>
+                <a:defRPr sz="2400">
+                  <a:solidFill>
+                    <a:schemeClr val="tx1"/>
+                  </a:solidFill>
+                  <a:latin typeface="Arial" charset="0"/>
+                  <a:ea typeface="ＭＳ Ｐゴシック" charset="0"/>
+                </a:defRPr>
+              </a:lvl9pPr>
+            </a:lstStyle>
+            <a:p>
+              <a:pPr eaLnBrk="1" hangingPunct="1"/>
+              <a:r>
+                <a:rPr lang="en-US" sz="1400" b="1"/>
+                <a:t>Sequencing</a:t>
+              </a:r>
+            </a:p>
+          </p:txBody>
+        </p:sp>
+      </p:grpSp>
+      <p:grpSp>
+        <p:nvGrpSpPr>
+          <p:cNvPr id="51" name="Group 16"/>
+          <p:cNvGrpSpPr>
+            <a:grpSpLocks/>
+          </p:cNvGrpSpPr>
+          <p:nvPr/>
+        </p:nvGrpSpPr>
+        <p:grpSpPr bwMode="auto">
+          <a:xfrm>
+            <a:off x="1916113" y="1819275"/>
+            <a:ext cx="1368425" cy="1393825"/>
+            <a:chOff x="1916196" y="1818692"/>
+            <a:chExt cx="1368152" cy="1394284"/>
+          </a:xfrm>
+        </p:grpSpPr>
+        <p:sp>
+          <p:nvSpPr>
+            <p:cNvPr id="52" name="Rounded Rectangle 51"/>
+            <p:cNvSpPr/>
+            <p:nvPr/>
+          </p:nvSpPr>
+          <p:spPr>
+            <a:xfrm>
+              <a:off x="1916196" y="2493602"/>
+              <a:ext cx="1368152" cy="719374"/>
+            </a:xfrm>
+            <a:prstGeom prst="roundRect">
+              <a:avLst/>
+            </a:prstGeom>
+          </p:spPr>
+          <p:style>
+            <a:lnRef idx="1">
+              <a:schemeClr val="accent4"/>
+            </a:lnRef>
+            <a:fillRef idx="2">
+              <a:schemeClr val="accent4"/>
+            </a:fillRef>
+            <a:effectRef idx="1">
+              <a:schemeClr val="accent4"/>
+            </a:effectRef>
+            <a:fontRef idx="minor">
+              <a:schemeClr val="dk1"/>
+            </a:fontRef>
+          </p:style>
+          <p:txBody>
+            <a:bodyPr anchor="ctr"/>
+            <a:lstStyle/>
+            <a:p>
+              <a:pPr algn="ctr">
+                <a:defRPr/>
+              </a:pPr>
+              <a:r>
+                <a:rPr lang="en-US" sz="1200" dirty="0" smtClean="0">
+                  <a:solidFill>
+                    <a:schemeClr val="tx1"/>
+                  </a:solidFill>
+                </a:rPr>
+                <a:t>HISAT2</a:t>
+              </a:r>
+              <a:endParaRPr lang="en-US" sz="1200" dirty="0">
+                <a:solidFill>
+                  <a:schemeClr val="tx1"/>
+                </a:solidFill>
+              </a:endParaRPr>
+            </a:p>
+          </p:txBody>
+        </p:sp>
+        <p:sp>
+          <p:nvSpPr>
+            <p:cNvPr id="53" name="TextBox 12"/>
+            <p:cNvSpPr txBox="1">
+              <a:spLocks noChangeArrowheads="1"/>
+            </p:cNvSpPr>
+            <p:nvPr/>
+          </p:nvSpPr>
+          <p:spPr bwMode="auto">
+            <a:xfrm>
+              <a:off x="1978694" y="1818692"/>
+              <a:ext cx="1243156" cy="523220"/>
+            </a:xfrm>
+            <a:prstGeom prst="rect">
+              <a:avLst/>
+            </a:prstGeom>
+            <a:noFill/>
+            <a:ln>
+              <a:noFill/>
+            </a:ln>
+            <a:extLst>
+              <a:ext uri="{909E8E84-426E-40dd-AFC4-6F175D3DCCD1}">
+                <a14:hiddenFill xmlns:a14="http://schemas.microsoft.com/office/drawing/2010/main">
+                  <a:solidFill>
+                    <a:srgbClr val="FFFFFF"/>
+                  </a:solidFill>
+                </a14:hiddenFill>
+              </a:ext>
+              <a:ext uri="{91240B29-F687-4f45-9708-019B960494DF}">
+                <a14:hiddenLine xmlns:a14="http://schemas.microsoft.com/office/drawing/2010/main" w="9525">
+                  <a:solidFill>
+                    <a:srgbClr val="000000"/>
+                  </a:solidFill>
+                  <a:miter lim="800000"/>
+                  <a:headEnd/>
+                  <a:tailEnd/>
+                </a14:hiddenLine>
+              </a:ext>
+            </a:extLst>
+          </p:spPr>
+          <p:txBody>
+            <a:bodyPr>
+              <a:spAutoFit/>
+            </a:bodyPr>
+            <a:lstStyle>
+              <a:lvl1pPr eaLnBrk="0" hangingPunct="0">
+                <a:defRPr sz="2400">
+                  <a:solidFill>
+                    <a:schemeClr val="tx1"/>
+                  </a:solidFill>
+                  <a:latin typeface="Arial" charset="0"/>
+                  <a:ea typeface="ＭＳ Ｐゴシック" charset="0"/>
+                  <a:cs typeface="ＭＳ Ｐゴシック" charset="0"/>
+                </a:defRPr>
+              </a:lvl1pPr>
+              <a:lvl2pPr marL="742950" indent="-285750" eaLnBrk="0" hangingPunct="0">
+                <a:defRPr sz="2400">
+                  <a:solidFill>
+                    <a:schemeClr val="tx1"/>
+                  </a:solidFill>
+                  <a:latin typeface="Arial" charset="0"/>
+                  <a:ea typeface="ＭＳ Ｐゴシック" charset="0"/>
+                </a:defRPr>
+              </a:lvl2pPr>
+              <a:lvl3pPr marL="1143000" indent="-228600" eaLnBrk="0" hangingPunct="0">
+                <a:defRPr sz="2400">
+                  <a:solidFill>
+                    <a:schemeClr val="tx1"/>
+                  </a:solidFill>
+                  <a:latin typeface="Arial" charset="0"/>
+                  <a:ea typeface="ＭＳ Ｐゴシック" charset="0"/>
+                </a:defRPr>
+              </a:lvl3pPr>
+              <a:lvl4pPr marL="1600200" indent="-228600" eaLnBrk="0" hangingPunct="0">
+                <a:defRPr sz="2400">
+                  <a:solidFill>
+                    <a:schemeClr val="tx1"/>
+                  </a:solidFill>
+                  <a:latin typeface="Arial" charset="0"/>
+                  <a:ea typeface="ＭＳ Ｐゴシック" charset="0"/>
+                </a:defRPr>
+              </a:lvl4pPr>
+              <a:lvl5pPr marL="2057400" indent="-228600" eaLnBrk="0" hangingPunct="0">
+                <a:defRPr sz="2400">
+                  <a:solidFill>
+                    <a:schemeClr val="tx1"/>
+                  </a:solidFill>
+                  <a:latin typeface="Arial" charset="0"/>
+                  <a:ea typeface="ＭＳ Ｐゴシック" charset="0"/>
+                </a:defRPr>
+              </a:lvl5pPr>
+              <a:lvl6pPr marL="2514600" indent="-228600" eaLnBrk="0" fontAlgn="base" hangingPunct="0">
+                <a:spcBef>
+                  <a:spcPct val="0"/>
+                </a:spcBef>
+                <a:spcAft>
+                  <a:spcPct val="0"/>
+                </a:spcAft>
+                <a:defRPr sz="2400">
+                  <a:solidFill>
+                    <a:schemeClr val="tx1"/>
+                  </a:solidFill>
+                  <a:latin typeface="Arial" charset="0"/>
+                  <a:ea typeface="ＭＳ Ｐゴシック" charset="0"/>
+                </a:defRPr>
+              </a:lvl6pPr>
+              <a:lvl7pPr marL="2971800" indent="-228600" eaLnBrk="0" fontAlgn="base" hangingPunct="0">
+                <a:spcBef>
+                  <a:spcPct val="0"/>
+                </a:spcBef>
+                <a:spcAft>
+                  <a:spcPct val="0"/>
+                </a:spcAft>
+                <a:defRPr sz="2400">
+                  <a:solidFill>
+                    <a:schemeClr val="tx1"/>
+                  </a:solidFill>
+                  <a:latin typeface="Arial" charset="0"/>
+                  <a:ea typeface="ＭＳ Ｐゴシック" charset="0"/>
+                </a:defRPr>
+              </a:lvl7pPr>
+              <a:lvl8pPr marL="3429000" indent="-228600" eaLnBrk="0" fontAlgn="base" hangingPunct="0">
+                <a:spcBef>
+                  <a:spcPct val="0"/>
+                </a:spcBef>
+                <a:spcAft>
+                  <a:spcPct val="0"/>
+                </a:spcAft>
+                <a:defRPr sz="2400">
+                  <a:solidFill>
+                    <a:schemeClr val="tx1"/>
+                  </a:solidFill>
+                  <a:latin typeface="Arial" charset="0"/>
+                  <a:ea typeface="ＭＳ Ｐゴシック" charset="0"/>
+                </a:defRPr>
+              </a:lvl8pPr>
+              <a:lvl9pPr marL="3886200" indent="-228600" eaLnBrk="0" fontAlgn="base" hangingPunct="0">
+                <a:spcBef>
+                  <a:spcPct val="0"/>
+                </a:spcBef>
+                <a:spcAft>
+                  <a:spcPct val="0"/>
+                </a:spcAft>
+                <a:defRPr sz="2400">
+                  <a:solidFill>
+                    <a:schemeClr val="tx1"/>
+                  </a:solidFill>
+                  <a:latin typeface="Arial" charset="0"/>
+                  <a:ea typeface="ＭＳ Ｐゴシック" charset="0"/>
+                </a:defRPr>
+              </a:lvl9pPr>
+            </a:lstStyle>
+            <a:p>
+              <a:pPr algn="ctr" eaLnBrk="1" hangingPunct="1"/>
+              <a:r>
+                <a:rPr lang="en-US" sz="1400" b="1"/>
+                <a:t>Read alignment</a:t>
+              </a:r>
+            </a:p>
+          </p:txBody>
+        </p:sp>
+      </p:grpSp>
+      <p:grpSp>
+        <p:nvGrpSpPr>
+          <p:cNvPr id="54" name="Group 18"/>
+          <p:cNvGrpSpPr>
+            <a:grpSpLocks/>
+          </p:cNvGrpSpPr>
+          <p:nvPr/>
+        </p:nvGrpSpPr>
+        <p:grpSpPr bwMode="auto">
+          <a:xfrm>
+            <a:off x="3419475" y="1819275"/>
+            <a:ext cx="1657350" cy="1393825"/>
+            <a:chOff x="3563889" y="1818692"/>
+            <a:chExt cx="1656184" cy="1394284"/>
+          </a:xfrm>
+        </p:grpSpPr>
+        <p:sp>
+          <p:nvSpPr>
+            <p:cNvPr id="55" name="Rounded Rectangle 54"/>
+            <p:cNvSpPr/>
+            <p:nvPr/>
+          </p:nvSpPr>
+          <p:spPr>
+            <a:xfrm>
+              <a:off x="3708250" y="2493602"/>
+              <a:ext cx="1367462" cy="719374"/>
+            </a:xfrm>
+            <a:prstGeom prst="roundRect">
+              <a:avLst/>
+            </a:prstGeom>
+          </p:spPr>
+          <p:style>
+            <a:lnRef idx="1">
+              <a:schemeClr val="accent1"/>
+            </a:lnRef>
+            <a:fillRef idx="2">
+              <a:schemeClr val="accent1"/>
+            </a:fillRef>
+            <a:effectRef idx="1">
+              <a:schemeClr val="accent1"/>
+            </a:effectRef>
+            <a:fontRef idx="minor">
+              <a:schemeClr val="dk1"/>
+            </a:fontRef>
+          </p:style>
+          <p:txBody>
+            <a:bodyPr anchor="ctr"/>
+            <a:lstStyle/>
+            <a:p>
+              <a:pPr algn="ctr">
+                <a:defRPr/>
+              </a:pPr>
+              <a:r>
+                <a:rPr lang="en-US" sz="1200" dirty="0" err="1" smtClean="0">
+                  <a:solidFill>
+                    <a:schemeClr val="tx1"/>
+                  </a:solidFill>
+                </a:rPr>
+                <a:t>StringTie</a:t>
+              </a:r>
+              <a:endParaRPr lang="en-US" sz="1200" dirty="0">
+                <a:solidFill>
+                  <a:schemeClr val="tx1"/>
+                </a:solidFill>
+              </a:endParaRPr>
+            </a:p>
+          </p:txBody>
+        </p:sp>
+        <p:sp>
+          <p:nvSpPr>
+            <p:cNvPr id="56" name="TextBox 13"/>
+            <p:cNvSpPr txBox="1">
+              <a:spLocks noChangeArrowheads="1"/>
+            </p:cNvSpPr>
+            <p:nvPr/>
+          </p:nvSpPr>
+          <p:spPr bwMode="auto">
+            <a:xfrm>
+              <a:off x="3563889" y="1818692"/>
+              <a:ext cx="1656184" cy="523220"/>
+            </a:xfrm>
+            <a:prstGeom prst="rect">
+              <a:avLst/>
+            </a:prstGeom>
+            <a:noFill/>
+            <a:ln>
+              <a:noFill/>
+            </a:ln>
+            <a:extLst>
+              <a:ext uri="{909E8E84-426E-40dd-AFC4-6F175D3DCCD1}">
+                <a14:hiddenFill xmlns:a14="http://schemas.microsoft.com/office/drawing/2010/main">
+                  <a:solidFill>
+                    <a:srgbClr val="FFFFFF"/>
+                  </a:solidFill>
+                </a14:hiddenFill>
+              </a:ext>
+              <a:ext uri="{91240B29-F687-4f45-9708-019B960494DF}">
+                <a14:hiddenLine xmlns:a14="http://schemas.microsoft.com/office/drawing/2010/main" w="9525">
+                  <a:solidFill>
+                    <a:srgbClr val="000000"/>
+                  </a:solidFill>
+                  <a:miter lim="800000"/>
+                  <a:headEnd/>
+                  <a:tailEnd/>
+                </a14:hiddenLine>
+              </a:ext>
+            </a:extLst>
+          </p:spPr>
+          <p:txBody>
+            <a:bodyPr>
+              <a:spAutoFit/>
+            </a:bodyPr>
+            <a:lstStyle>
+              <a:lvl1pPr eaLnBrk="0" hangingPunct="0">
+                <a:defRPr sz="2400">
+                  <a:solidFill>
+                    <a:schemeClr val="tx1"/>
+                  </a:solidFill>
+                  <a:latin typeface="Arial" charset="0"/>
+                  <a:ea typeface="ＭＳ Ｐゴシック" charset="0"/>
+                  <a:cs typeface="ＭＳ Ｐゴシック" charset="0"/>
+                </a:defRPr>
+              </a:lvl1pPr>
+              <a:lvl2pPr marL="742950" indent="-285750" eaLnBrk="0" hangingPunct="0">
+                <a:defRPr sz="2400">
+                  <a:solidFill>
+                    <a:schemeClr val="tx1"/>
+                  </a:solidFill>
+                  <a:latin typeface="Arial" charset="0"/>
+                  <a:ea typeface="ＭＳ Ｐゴシック" charset="0"/>
+                </a:defRPr>
+              </a:lvl2pPr>
+              <a:lvl3pPr marL="1143000" indent="-228600" eaLnBrk="0" hangingPunct="0">
+                <a:defRPr sz="2400">
+                  <a:solidFill>
+                    <a:schemeClr val="tx1"/>
+                  </a:solidFill>
+                  <a:latin typeface="Arial" charset="0"/>
+                  <a:ea typeface="ＭＳ Ｐゴシック" charset="0"/>
+                </a:defRPr>
+              </a:lvl3pPr>
+              <a:lvl4pPr marL="1600200" indent="-228600" eaLnBrk="0" hangingPunct="0">
+                <a:defRPr sz="2400">
+                  <a:solidFill>
+                    <a:schemeClr val="tx1"/>
+                  </a:solidFill>
+                  <a:latin typeface="Arial" charset="0"/>
+                  <a:ea typeface="ＭＳ Ｐゴシック" charset="0"/>
+                </a:defRPr>
+              </a:lvl4pPr>
+              <a:lvl5pPr marL="2057400" indent="-228600" eaLnBrk="0" hangingPunct="0">
+                <a:defRPr sz="2400">
+                  <a:solidFill>
+                    <a:schemeClr val="tx1"/>
+                  </a:solidFill>
+                  <a:latin typeface="Arial" charset="0"/>
+                  <a:ea typeface="ＭＳ Ｐゴシック" charset="0"/>
+                </a:defRPr>
+              </a:lvl5pPr>
+              <a:lvl6pPr marL="2514600" indent="-228600" eaLnBrk="0" fontAlgn="base" hangingPunct="0">
+                <a:spcBef>
+                  <a:spcPct val="0"/>
+                </a:spcBef>
+                <a:spcAft>
+                  <a:spcPct val="0"/>
+                </a:spcAft>
+                <a:defRPr sz="2400">
+                  <a:solidFill>
+                    <a:schemeClr val="tx1"/>
+                  </a:solidFill>
+                  <a:latin typeface="Arial" charset="0"/>
+                  <a:ea typeface="ＭＳ Ｐゴシック" charset="0"/>
+                </a:defRPr>
+              </a:lvl6pPr>
+              <a:lvl7pPr marL="2971800" indent="-228600" eaLnBrk="0" fontAlgn="base" hangingPunct="0">
+                <a:spcBef>
+                  <a:spcPct val="0"/>
+                </a:spcBef>
+                <a:spcAft>
+                  <a:spcPct val="0"/>
+                </a:spcAft>
+                <a:defRPr sz="2400">
+                  <a:solidFill>
+                    <a:schemeClr val="tx1"/>
+                  </a:solidFill>
+                  <a:latin typeface="Arial" charset="0"/>
+                  <a:ea typeface="ＭＳ Ｐゴシック" charset="0"/>
+                </a:defRPr>
+              </a:lvl7pPr>
+              <a:lvl8pPr marL="3429000" indent="-228600" eaLnBrk="0" fontAlgn="base" hangingPunct="0">
+                <a:spcBef>
+                  <a:spcPct val="0"/>
+                </a:spcBef>
+                <a:spcAft>
+                  <a:spcPct val="0"/>
+                </a:spcAft>
+                <a:defRPr sz="2400">
+                  <a:solidFill>
+                    <a:schemeClr val="tx1"/>
+                  </a:solidFill>
+                  <a:latin typeface="Arial" charset="0"/>
+                  <a:ea typeface="ＭＳ Ｐゴシック" charset="0"/>
+                </a:defRPr>
+              </a:lvl8pPr>
+              <a:lvl9pPr marL="3886200" indent="-228600" eaLnBrk="0" fontAlgn="base" hangingPunct="0">
+                <a:spcBef>
+                  <a:spcPct val="0"/>
+                </a:spcBef>
+                <a:spcAft>
+                  <a:spcPct val="0"/>
+                </a:spcAft>
+                <a:defRPr sz="2400">
+                  <a:solidFill>
+                    <a:schemeClr val="tx1"/>
+                  </a:solidFill>
+                  <a:latin typeface="Arial" charset="0"/>
+                  <a:ea typeface="ＭＳ Ｐゴシック" charset="0"/>
+                </a:defRPr>
+              </a:lvl9pPr>
+            </a:lstStyle>
+            <a:p>
+              <a:pPr algn="ctr" eaLnBrk="1" hangingPunct="1"/>
+              <a:r>
+                <a:rPr lang="en-US" sz="1400" b="1"/>
+                <a:t>Transcript compilation</a:t>
+              </a:r>
+            </a:p>
+          </p:txBody>
+        </p:sp>
+      </p:grpSp>
+      <p:grpSp>
+        <p:nvGrpSpPr>
+          <p:cNvPr id="57" name="Group 19"/>
+          <p:cNvGrpSpPr>
+            <a:grpSpLocks/>
+          </p:cNvGrpSpPr>
+          <p:nvPr/>
+        </p:nvGrpSpPr>
+        <p:grpSpPr bwMode="auto">
+          <a:xfrm>
+            <a:off x="5076825" y="1819275"/>
+            <a:ext cx="1655763" cy="1393825"/>
+            <a:chOff x="5148064" y="1818692"/>
+            <a:chExt cx="1656184" cy="1394284"/>
+          </a:xfrm>
+        </p:grpSpPr>
+        <p:sp>
+          <p:nvSpPr>
+            <p:cNvPr id="58" name="Rounded Rectangle 57"/>
+            <p:cNvSpPr/>
+            <p:nvPr/>
+          </p:nvSpPr>
+          <p:spPr>
+            <a:xfrm>
+              <a:off x="5292564" y="2493602"/>
+              <a:ext cx="1367185" cy="719374"/>
+            </a:xfrm>
+            <a:prstGeom prst="roundRect">
+              <a:avLst/>
+            </a:prstGeom>
+          </p:spPr>
+          <p:style>
+            <a:lnRef idx="1">
+              <a:schemeClr val="accent1"/>
+            </a:lnRef>
+            <a:fillRef idx="2">
+              <a:schemeClr val="accent1"/>
+            </a:fillRef>
+            <a:effectRef idx="1">
+              <a:schemeClr val="accent1"/>
+            </a:effectRef>
+            <a:fontRef idx="minor">
+              <a:schemeClr val="dk1"/>
+            </a:fontRef>
+          </p:style>
+          <p:txBody>
+            <a:bodyPr anchor="ctr"/>
+            <a:lstStyle/>
+            <a:p>
+              <a:pPr algn="ctr">
+                <a:defRPr/>
+              </a:pPr>
+              <a:r>
+                <a:rPr lang="en-US" sz="1200" dirty="0" err="1" smtClean="0">
+                  <a:solidFill>
+                    <a:schemeClr val="tx1"/>
+                  </a:solidFill>
+                </a:rPr>
+                <a:t>StringTie</a:t>
+              </a:r>
+              <a:endParaRPr lang="en-US" sz="1200" dirty="0">
+                <a:solidFill>
+                  <a:schemeClr val="tx1"/>
+                </a:solidFill>
+              </a:endParaRPr>
+            </a:p>
+          </p:txBody>
+        </p:sp>
+        <p:sp>
+          <p:nvSpPr>
+            <p:cNvPr id="59" name="TextBox 14"/>
+            <p:cNvSpPr txBox="1">
+              <a:spLocks noChangeArrowheads="1"/>
+            </p:cNvSpPr>
+            <p:nvPr/>
+          </p:nvSpPr>
+          <p:spPr bwMode="auto">
+            <a:xfrm>
+              <a:off x="5148064" y="1818692"/>
+              <a:ext cx="1656184" cy="523392"/>
+            </a:xfrm>
+            <a:prstGeom prst="rect">
+              <a:avLst/>
+            </a:prstGeom>
+            <a:noFill/>
+            <a:ln>
+              <a:noFill/>
+            </a:ln>
+            <a:extLst>
+              <a:ext uri="{909E8E84-426E-40dd-AFC4-6F175D3DCCD1}">
+                <a14:hiddenFill xmlns:a14="http://schemas.microsoft.com/office/drawing/2010/main">
+                  <a:solidFill>
+                    <a:srgbClr val="FFFFFF"/>
+                  </a:solidFill>
+                </a14:hiddenFill>
+              </a:ext>
+              <a:ext uri="{91240B29-F687-4f45-9708-019B960494DF}">
+                <a14:hiddenLine xmlns:a14="http://schemas.microsoft.com/office/drawing/2010/main" w="9525">
+                  <a:solidFill>
+                    <a:srgbClr val="000000"/>
+                  </a:solidFill>
+                  <a:miter lim="800000"/>
+                  <a:headEnd/>
+                  <a:tailEnd/>
+                </a14:hiddenLine>
+              </a:ext>
+            </a:extLst>
+          </p:spPr>
+          <p:txBody>
+            <a:bodyPr>
+              <a:spAutoFit/>
+            </a:bodyPr>
+            <a:lstStyle>
+              <a:lvl1pPr eaLnBrk="0" hangingPunct="0">
+                <a:defRPr sz="2400">
+                  <a:solidFill>
+                    <a:schemeClr val="tx1"/>
+                  </a:solidFill>
+                  <a:latin typeface="Arial" charset="0"/>
+                  <a:ea typeface="ＭＳ Ｐゴシック" charset="0"/>
+                  <a:cs typeface="ＭＳ Ｐゴシック" charset="0"/>
+                </a:defRPr>
+              </a:lvl1pPr>
+              <a:lvl2pPr marL="742950" indent="-285750" eaLnBrk="0" hangingPunct="0">
+                <a:defRPr sz="2400">
+                  <a:solidFill>
+                    <a:schemeClr val="tx1"/>
+                  </a:solidFill>
+                  <a:latin typeface="Arial" charset="0"/>
+                  <a:ea typeface="ＭＳ Ｐゴシック" charset="0"/>
+                </a:defRPr>
+              </a:lvl2pPr>
+              <a:lvl3pPr marL="1143000" indent="-228600" eaLnBrk="0" hangingPunct="0">
+                <a:defRPr sz="2400">
+                  <a:solidFill>
+                    <a:schemeClr val="tx1"/>
+                  </a:solidFill>
+                  <a:latin typeface="Arial" charset="0"/>
+                  <a:ea typeface="ＭＳ Ｐゴシック" charset="0"/>
+                </a:defRPr>
+              </a:lvl3pPr>
+              <a:lvl4pPr marL="1600200" indent="-228600" eaLnBrk="0" hangingPunct="0">
+                <a:defRPr sz="2400">
+                  <a:solidFill>
+                    <a:schemeClr val="tx1"/>
+                  </a:solidFill>
+                  <a:latin typeface="Arial" charset="0"/>
+                  <a:ea typeface="ＭＳ Ｐゴシック" charset="0"/>
+                </a:defRPr>
+              </a:lvl4pPr>
+              <a:lvl5pPr marL="2057400" indent="-228600" eaLnBrk="0" hangingPunct="0">
+                <a:defRPr sz="2400">
+                  <a:solidFill>
+                    <a:schemeClr val="tx1"/>
+                  </a:solidFill>
+                  <a:latin typeface="Arial" charset="0"/>
+                  <a:ea typeface="ＭＳ Ｐゴシック" charset="0"/>
+                </a:defRPr>
+              </a:lvl5pPr>
+              <a:lvl6pPr marL="2514600" indent="-228600" eaLnBrk="0" fontAlgn="base" hangingPunct="0">
+                <a:spcBef>
+                  <a:spcPct val="0"/>
+                </a:spcBef>
+                <a:spcAft>
+                  <a:spcPct val="0"/>
+                </a:spcAft>
+                <a:defRPr sz="2400">
+                  <a:solidFill>
+                    <a:schemeClr val="tx1"/>
+                  </a:solidFill>
+                  <a:latin typeface="Arial" charset="0"/>
+                  <a:ea typeface="ＭＳ Ｐゴシック" charset="0"/>
+                </a:defRPr>
+              </a:lvl6pPr>
+              <a:lvl7pPr marL="2971800" indent="-228600" eaLnBrk="0" fontAlgn="base" hangingPunct="0">
+                <a:spcBef>
+                  <a:spcPct val="0"/>
+                </a:spcBef>
+                <a:spcAft>
+                  <a:spcPct val="0"/>
+                </a:spcAft>
+                <a:defRPr sz="2400">
+                  <a:solidFill>
+                    <a:schemeClr val="tx1"/>
+                  </a:solidFill>
+                  <a:latin typeface="Arial" charset="0"/>
+                  <a:ea typeface="ＭＳ Ｐゴシック" charset="0"/>
+                </a:defRPr>
+              </a:lvl7pPr>
+              <a:lvl8pPr marL="3429000" indent="-228600" eaLnBrk="0" fontAlgn="base" hangingPunct="0">
+                <a:spcBef>
+                  <a:spcPct val="0"/>
+                </a:spcBef>
+                <a:spcAft>
+                  <a:spcPct val="0"/>
+                </a:spcAft>
+                <a:defRPr sz="2400">
+                  <a:solidFill>
+                    <a:schemeClr val="tx1"/>
+                  </a:solidFill>
+                  <a:latin typeface="Arial" charset="0"/>
+                  <a:ea typeface="ＭＳ Ｐゴシック" charset="0"/>
+                </a:defRPr>
+              </a:lvl8pPr>
+              <a:lvl9pPr marL="3886200" indent="-228600" eaLnBrk="0" fontAlgn="base" hangingPunct="0">
+                <a:spcBef>
+                  <a:spcPct val="0"/>
+                </a:spcBef>
+                <a:spcAft>
+                  <a:spcPct val="0"/>
+                </a:spcAft>
+                <a:defRPr sz="2400">
+                  <a:solidFill>
+                    <a:schemeClr val="tx1"/>
+                  </a:solidFill>
+                  <a:latin typeface="Arial" charset="0"/>
+                  <a:ea typeface="ＭＳ Ｐゴシック" charset="0"/>
+                </a:defRPr>
+              </a:lvl9pPr>
+            </a:lstStyle>
+            <a:p>
+              <a:pPr algn="ctr" eaLnBrk="1" hangingPunct="1"/>
+              <a:r>
+                <a:rPr lang="en-US" sz="1400" b="1" dirty="0" smtClean="0"/>
+                <a:t>Expression estimation</a:t>
+              </a:r>
+              <a:endParaRPr lang="en-US" sz="1400" b="1" dirty="0"/>
+            </a:p>
+          </p:txBody>
+        </p:sp>
+      </p:grpSp>
+      <p:grpSp>
+        <p:nvGrpSpPr>
+          <p:cNvPr id="60" name="Group 20"/>
+          <p:cNvGrpSpPr>
+            <a:grpSpLocks/>
+          </p:cNvGrpSpPr>
+          <p:nvPr/>
+        </p:nvGrpSpPr>
+        <p:grpSpPr bwMode="auto">
+          <a:xfrm>
+            <a:off x="6804025" y="1819275"/>
+            <a:ext cx="1655763" cy="1393825"/>
+            <a:chOff x="6804248" y="1818692"/>
+            <a:chExt cx="1656184" cy="1394284"/>
+          </a:xfrm>
+        </p:grpSpPr>
+        <p:sp>
+          <p:nvSpPr>
+            <p:cNvPr id="61" name="Rounded Rectangle 60"/>
+            <p:cNvSpPr/>
+            <p:nvPr/>
+          </p:nvSpPr>
+          <p:spPr>
+            <a:xfrm>
+              <a:off x="6912225" y="2493602"/>
+              <a:ext cx="1440229" cy="719374"/>
+            </a:xfrm>
+            <a:prstGeom prst="roundRect">
+              <a:avLst/>
+            </a:prstGeom>
+          </p:spPr>
+          <p:style>
+            <a:lnRef idx="1">
+              <a:schemeClr val="accent1"/>
+            </a:lnRef>
+            <a:fillRef idx="2">
+              <a:schemeClr val="accent1"/>
+            </a:fillRef>
+            <a:effectRef idx="1">
+              <a:schemeClr val="accent1"/>
+            </a:effectRef>
+            <a:fontRef idx="minor">
+              <a:schemeClr val="dk1"/>
+            </a:fontRef>
+          </p:style>
+          <p:txBody>
+            <a:bodyPr anchor="ctr"/>
+            <a:lstStyle/>
+            <a:p>
+              <a:pPr algn="ctr">
+                <a:defRPr/>
+              </a:pPr>
+              <a:r>
+                <a:rPr lang="en-US" sz="1200" dirty="0" err="1" smtClean="0">
+                  <a:solidFill>
+                    <a:schemeClr val="tx1"/>
+                  </a:solidFill>
+                </a:rPr>
+                <a:t>Ballgown</a:t>
+              </a:r>
+              <a:endParaRPr lang="en-US" sz="1200" dirty="0">
+                <a:solidFill>
+                  <a:schemeClr val="tx1"/>
+                </a:solidFill>
+              </a:endParaRPr>
+            </a:p>
+          </p:txBody>
+        </p:sp>
+        <p:sp>
+          <p:nvSpPr>
+            <p:cNvPr id="62" name="TextBox 15"/>
+            <p:cNvSpPr txBox="1">
+              <a:spLocks noChangeArrowheads="1"/>
+            </p:cNvSpPr>
+            <p:nvPr/>
+          </p:nvSpPr>
+          <p:spPr bwMode="auto">
+            <a:xfrm>
+              <a:off x="6804248" y="1818692"/>
+              <a:ext cx="1656184" cy="523392"/>
+            </a:xfrm>
+            <a:prstGeom prst="rect">
+              <a:avLst/>
+            </a:prstGeom>
+            <a:noFill/>
+            <a:ln>
+              <a:noFill/>
+            </a:ln>
+            <a:extLst>
+              <a:ext uri="{909E8E84-426E-40dd-AFC4-6F175D3DCCD1}">
+                <a14:hiddenFill xmlns:a14="http://schemas.microsoft.com/office/drawing/2010/main">
+                  <a:solidFill>
+                    <a:srgbClr val="FFFFFF"/>
+                  </a:solidFill>
+                </a14:hiddenFill>
+              </a:ext>
+              <a:ext uri="{91240B29-F687-4f45-9708-019B960494DF}">
+                <a14:hiddenLine xmlns:a14="http://schemas.microsoft.com/office/drawing/2010/main" w="9525">
+                  <a:solidFill>
+                    <a:srgbClr val="000000"/>
+                  </a:solidFill>
+                  <a:miter lim="800000"/>
+                  <a:headEnd/>
+                  <a:tailEnd/>
+                </a14:hiddenLine>
+              </a:ext>
+            </a:extLst>
+          </p:spPr>
+          <p:txBody>
+            <a:bodyPr>
+              <a:spAutoFit/>
+            </a:bodyPr>
+            <a:lstStyle>
+              <a:lvl1pPr eaLnBrk="0" hangingPunct="0">
+                <a:defRPr sz="2400">
+                  <a:solidFill>
+                    <a:schemeClr val="tx1"/>
+                  </a:solidFill>
+                  <a:latin typeface="Arial" charset="0"/>
+                  <a:ea typeface="ＭＳ Ｐゴシック" charset="0"/>
+                  <a:cs typeface="ＭＳ Ｐゴシック" charset="0"/>
+                </a:defRPr>
+              </a:lvl1pPr>
+              <a:lvl2pPr marL="742950" indent="-285750" eaLnBrk="0" hangingPunct="0">
+                <a:defRPr sz="2400">
+                  <a:solidFill>
+                    <a:schemeClr val="tx1"/>
+                  </a:solidFill>
+                  <a:latin typeface="Arial" charset="0"/>
+                  <a:ea typeface="ＭＳ Ｐゴシック" charset="0"/>
+                </a:defRPr>
+              </a:lvl2pPr>
+              <a:lvl3pPr marL="1143000" indent="-228600" eaLnBrk="0" hangingPunct="0">
+                <a:defRPr sz="2400">
+                  <a:solidFill>
+                    <a:schemeClr val="tx1"/>
+                  </a:solidFill>
+                  <a:latin typeface="Arial" charset="0"/>
+                  <a:ea typeface="ＭＳ Ｐゴシック" charset="0"/>
+                </a:defRPr>
+              </a:lvl3pPr>
+              <a:lvl4pPr marL="1600200" indent="-228600" eaLnBrk="0" hangingPunct="0">
+                <a:defRPr sz="2400">
+                  <a:solidFill>
+                    <a:schemeClr val="tx1"/>
+                  </a:solidFill>
+                  <a:latin typeface="Arial" charset="0"/>
+                  <a:ea typeface="ＭＳ Ｐゴシック" charset="0"/>
+                </a:defRPr>
+              </a:lvl4pPr>
+              <a:lvl5pPr marL="2057400" indent="-228600" eaLnBrk="0" hangingPunct="0">
+                <a:defRPr sz="2400">
+                  <a:solidFill>
+                    <a:schemeClr val="tx1"/>
+                  </a:solidFill>
+                  <a:latin typeface="Arial" charset="0"/>
+                  <a:ea typeface="ＭＳ Ｐゴシック" charset="0"/>
+                </a:defRPr>
+              </a:lvl5pPr>
+              <a:lvl6pPr marL="2514600" indent="-228600" eaLnBrk="0" fontAlgn="base" hangingPunct="0">
+                <a:spcBef>
+                  <a:spcPct val="0"/>
+                </a:spcBef>
+                <a:spcAft>
+                  <a:spcPct val="0"/>
+                </a:spcAft>
+                <a:defRPr sz="2400">
+                  <a:solidFill>
+                    <a:schemeClr val="tx1"/>
+                  </a:solidFill>
+                  <a:latin typeface="Arial" charset="0"/>
+                  <a:ea typeface="ＭＳ Ｐゴシック" charset="0"/>
+                </a:defRPr>
+              </a:lvl6pPr>
+              <a:lvl7pPr marL="2971800" indent="-228600" eaLnBrk="0" fontAlgn="base" hangingPunct="0">
+                <a:spcBef>
+                  <a:spcPct val="0"/>
+                </a:spcBef>
+                <a:spcAft>
+                  <a:spcPct val="0"/>
+                </a:spcAft>
+                <a:defRPr sz="2400">
+                  <a:solidFill>
+                    <a:schemeClr val="tx1"/>
+                  </a:solidFill>
+                  <a:latin typeface="Arial" charset="0"/>
+                  <a:ea typeface="ＭＳ Ｐゴシック" charset="0"/>
+                </a:defRPr>
+              </a:lvl7pPr>
+              <a:lvl8pPr marL="3429000" indent="-228600" eaLnBrk="0" fontAlgn="base" hangingPunct="0">
+                <a:spcBef>
+                  <a:spcPct val="0"/>
+                </a:spcBef>
+                <a:spcAft>
+                  <a:spcPct val="0"/>
+                </a:spcAft>
+                <a:defRPr sz="2400">
+                  <a:solidFill>
+                    <a:schemeClr val="tx1"/>
+                  </a:solidFill>
+                  <a:latin typeface="Arial" charset="0"/>
+                  <a:ea typeface="ＭＳ Ｐゴシック" charset="0"/>
+                </a:defRPr>
+              </a:lvl8pPr>
+              <a:lvl9pPr marL="3886200" indent="-228600" eaLnBrk="0" fontAlgn="base" hangingPunct="0">
+                <a:spcBef>
+                  <a:spcPct val="0"/>
+                </a:spcBef>
+                <a:spcAft>
+                  <a:spcPct val="0"/>
+                </a:spcAft>
+                <a:defRPr sz="2400">
+                  <a:solidFill>
+                    <a:schemeClr val="tx1"/>
+                  </a:solidFill>
+                  <a:latin typeface="Arial" charset="0"/>
+                  <a:ea typeface="ＭＳ Ｐゴシック" charset="0"/>
+                </a:defRPr>
+              </a:lvl9pPr>
+            </a:lstStyle>
+            <a:p>
+              <a:pPr algn="ctr" eaLnBrk="1" hangingPunct="1"/>
+              <a:r>
+                <a:rPr lang="en-US" sz="1400" b="1"/>
+                <a:t>Differential expression</a:t>
+              </a:r>
+            </a:p>
+          </p:txBody>
+        </p:sp>
+      </p:grpSp>
+      <p:grpSp>
+        <p:nvGrpSpPr>
+          <p:cNvPr id="63" name="Group 62"/>
+          <p:cNvGrpSpPr>
+            <a:grpSpLocks/>
+          </p:cNvGrpSpPr>
+          <p:nvPr/>
+        </p:nvGrpSpPr>
+        <p:grpSpPr bwMode="auto">
+          <a:xfrm>
+            <a:off x="6804025" y="3789363"/>
+            <a:ext cx="1655763" cy="1171575"/>
+            <a:chOff x="6804248" y="3861048"/>
+            <a:chExt cx="1656184" cy="1171873"/>
+          </a:xfrm>
+        </p:grpSpPr>
+        <p:sp>
+          <p:nvSpPr>
+            <p:cNvPr id="64" name="Rounded Rectangle 63"/>
+            <p:cNvSpPr/>
+            <p:nvPr/>
+          </p:nvSpPr>
+          <p:spPr>
+            <a:xfrm>
+              <a:off x="6948748" y="3861048"/>
+              <a:ext cx="1367185" cy="719320"/>
+            </a:xfrm>
+            <a:prstGeom prst="roundRect">
+              <a:avLst/>
+            </a:prstGeom>
+          </p:spPr>
+          <p:style>
+            <a:lnRef idx="1">
+              <a:schemeClr val="accent2"/>
+            </a:lnRef>
+            <a:fillRef idx="2">
+              <a:schemeClr val="accent2"/>
+            </a:fillRef>
+            <a:effectRef idx="1">
+              <a:schemeClr val="accent2"/>
+            </a:effectRef>
+            <a:fontRef idx="minor">
+              <a:schemeClr val="dk1"/>
+            </a:fontRef>
+          </p:style>
+          <p:txBody>
+            <a:bodyPr anchor="ctr"/>
+            <a:lstStyle/>
+            <a:p>
+              <a:pPr algn="ctr">
+                <a:defRPr/>
+              </a:pPr>
+              <a:r>
+                <a:rPr lang="en-US" sz="1200" dirty="0" err="1" smtClean="0">
+                  <a:solidFill>
+                    <a:schemeClr val="tx1"/>
+                  </a:solidFill>
+                </a:rPr>
+                <a:t>Ballgown</a:t>
+              </a:r>
+              <a:r>
+                <a:rPr lang="en-US" sz="1200" dirty="0" smtClean="0">
+                  <a:solidFill>
+                    <a:schemeClr val="tx1"/>
+                  </a:solidFill>
+                </a:rPr>
+                <a:t> &amp; R</a:t>
+              </a:r>
+              <a:endParaRPr lang="en-US" sz="1200" dirty="0">
+                <a:solidFill>
+                  <a:schemeClr val="tx1"/>
+                </a:solidFill>
+              </a:endParaRPr>
+            </a:p>
+          </p:txBody>
+        </p:sp>
+        <p:sp>
+          <p:nvSpPr>
+            <p:cNvPr id="65" name="TextBox 17"/>
+            <p:cNvSpPr txBox="1">
+              <a:spLocks noChangeArrowheads="1"/>
+            </p:cNvSpPr>
+            <p:nvPr/>
+          </p:nvSpPr>
+          <p:spPr bwMode="auto">
+            <a:xfrm>
+              <a:off x="6804248" y="4725144"/>
+              <a:ext cx="1656184" cy="307777"/>
+            </a:xfrm>
+            <a:prstGeom prst="rect">
+              <a:avLst/>
+            </a:prstGeom>
+            <a:noFill/>
+            <a:ln>
+              <a:noFill/>
+            </a:ln>
+            <a:extLst>
+              <a:ext uri="{909E8E84-426E-40dd-AFC4-6F175D3DCCD1}">
+                <a14:hiddenFill xmlns:a14="http://schemas.microsoft.com/office/drawing/2010/main">
+                  <a:solidFill>
+                    <a:srgbClr val="FFFFFF"/>
+                  </a:solidFill>
+                </a14:hiddenFill>
+              </a:ext>
+              <a:ext uri="{91240B29-F687-4f45-9708-019B960494DF}">
+                <a14:hiddenLine xmlns:a14="http://schemas.microsoft.com/office/drawing/2010/main" w="9525">
+                  <a:solidFill>
+                    <a:srgbClr val="000000"/>
+                  </a:solidFill>
+                  <a:miter lim="800000"/>
+                  <a:headEnd/>
+                  <a:tailEnd/>
+                </a14:hiddenLine>
+              </a:ext>
+            </a:extLst>
+          </p:spPr>
+          <p:txBody>
+            <a:bodyPr>
+              <a:spAutoFit/>
+            </a:bodyPr>
+            <a:lstStyle>
+              <a:lvl1pPr eaLnBrk="0" hangingPunct="0">
+                <a:defRPr sz="2400">
+                  <a:solidFill>
+                    <a:schemeClr val="tx1"/>
+                  </a:solidFill>
+                  <a:latin typeface="Arial" charset="0"/>
+                  <a:ea typeface="ＭＳ Ｐゴシック" charset="0"/>
+                  <a:cs typeface="ＭＳ Ｐゴシック" charset="0"/>
+                </a:defRPr>
+              </a:lvl1pPr>
+              <a:lvl2pPr marL="742950" indent="-285750" eaLnBrk="0" hangingPunct="0">
+                <a:defRPr sz="2400">
+                  <a:solidFill>
+                    <a:schemeClr val="tx1"/>
+                  </a:solidFill>
+                  <a:latin typeface="Arial" charset="0"/>
+                  <a:ea typeface="ＭＳ Ｐゴシック" charset="0"/>
+                </a:defRPr>
+              </a:lvl2pPr>
+              <a:lvl3pPr marL="1143000" indent="-228600" eaLnBrk="0" hangingPunct="0">
+                <a:defRPr sz="2400">
+                  <a:solidFill>
+                    <a:schemeClr val="tx1"/>
+                  </a:solidFill>
+                  <a:latin typeface="Arial" charset="0"/>
+                  <a:ea typeface="ＭＳ Ｐゴシック" charset="0"/>
+                </a:defRPr>
+              </a:lvl3pPr>
+              <a:lvl4pPr marL="1600200" indent="-228600" eaLnBrk="0" hangingPunct="0">
+                <a:defRPr sz="2400">
+                  <a:solidFill>
+                    <a:schemeClr val="tx1"/>
+                  </a:solidFill>
+                  <a:latin typeface="Arial" charset="0"/>
+                  <a:ea typeface="ＭＳ Ｐゴシック" charset="0"/>
+                </a:defRPr>
+              </a:lvl4pPr>
+              <a:lvl5pPr marL="2057400" indent="-228600" eaLnBrk="0" hangingPunct="0">
+                <a:defRPr sz="2400">
+                  <a:solidFill>
+                    <a:schemeClr val="tx1"/>
+                  </a:solidFill>
+                  <a:latin typeface="Arial" charset="0"/>
+                  <a:ea typeface="ＭＳ Ｐゴシック" charset="0"/>
+                </a:defRPr>
+              </a:lvl5pPr>
+              <a:lvl6pPr marL="2514600" indent="-228600" eaLnBrk="0" fontAlgn="base" hangingPunct="0">
+                <a:spcBef>
+                  <a:spcPct val="0"/>
+                </a:spcBef>
+                <a:spcAft>
+                  <a:spcPct val="0"/>
+                </a:spcAft>
+                <a:defRPr sz="2400">
+                  <a:solidFill>
+                    <a:schemeClr val="tx1"/>
+                  </a:solidFill>
+                  <a:latin typeface="Arial" charset="0"/>
+                  <a:ea typeface="ＭＳ Ｐゴシック" charset="0"/>
+                </a:defRPr>
+              </a:lvl6pPr>
+              <a:lvl7pPr marL="2971800" indent="-228600" eaLnBrk="0" fontAlgn="base" hangingPunct="0">
+                <a:spcBef>
+                  <a:spcPct val="0"/>
+                </a:spcBef>
+                <a:spcAft>
+                  <a:spcPct val="0"/>
+                </a:spcAft>
+                <a:defRPr sz="2400">
+                  <a:solidFill>
+                    <a:schemeClr val="tx1"/>
+                  </a:solidFill>
+                  <a:latin typeface="Arial" charset="0"/>
+                  <a:ea typeface="ＭＳ Ｐゴシック" charset="0"/>
+                </a:defRPr>
+              </a:lvl7pPr>
+              <a:lvl8pPr marL="3429000" indent="-228600" eaLnBrk="0" fontAlgn="base" hangingPunct="0">
+                <a:spcBef>
+                  <a:spcPct val="0"/>
+                </a:spcBef>
+                <a:spcAft>
+                  <a:spcPct val="0"/>
+                </a:spcAft>
+                <a:defRPr sz="2400">
+                  <a:solidFill>
+                    <a:schemeClr val="tx1"/>
+                  </a:solidFill>
+                  <a:latin typeface="Arial" charset="0"/>
+                  <a:ea typeface="ＭＳ Ｐゴシック" charset="0"/>
+                </a:defRPr>
+              </a:lvl8pPr>
+              <a:lvl9pPr marL="3886200" indent="-228600" eaLnBrk="0" fontAlgn="base" hangingPunct="0">
+                <a:spcBef>
+                  <a:spcPct val="0"/>
+                </a:spcBef>
+                <a:spcAft>
+                  <a:spcPct val="0"/>
+                </a:spcAft>
+                <a:defRPr sz="2400">
+                  <a:solidFill>
+                    <a:schemeClr val="tx1"/>
+                  </a:solidFill>
+                  <a:latin typeface="Arial" charset="0"/>
+                  <a:ea typeface="ＭＳ Ｐゴシック" charset="0"/>
+                </a:defRPr>
+              </a:lvl9pPr>
+            </a:lstStyle>
+            <a:p>
+              <a:pPr algn="ctr" eaLnBrk="1" hangingPunct="1"/>
+              <a:r>
+                <a:rPr lang="en-US" sz="1400" b="1"/>
+                <a:t>Visualization</a:t>
+              </a:r>
+            </a:p>
+          </p:txBody>
+        </p:sp>
+      </p:grpSp>
+      <p:cxnSp>
+        <p:nvCxnSpPr>
+          <p:cNvPr id="66" name="Straight Arrow Connector 65"/>
+          <p:cNvCxnSpPr>
+            <a:stCxn id="49" idx="3"/>
+            <a:endCxn id="52" idx="1"/>
+          </p:cNvCxnSpPr>
+          <p:nvPr/>
+        </p:nvCxnSpPr>
+        <p:spPr>
+          <a:xfrm>
+            <a:off x="1619250" y="2852738"/>
+            <a:ext cx="296863" cy="0"/>
+          </a:xfrm>
+          <a:prstGeom prst="straightConnector1">
+            <a:avLst/>
+          </a:prstGeom>
+          <a:ln>
+            <a:tailEnd type="arrow"/>
+          </a:ln>
+        </p:spPr>
+        <p:style>
+          <a:lnRef idx="2">
+            <a:schemeClr val="dk1"/>
+          </a:lnRef>
+          <a:fillRef idx="0">
+            <a:schemeClr val="dk1"/>
+          </a:fillRef>
+          <a:effectRef idx="1">
+            <a:schemeClr val="dk1"/>
+          </a:effectRef>
+          <a:fontRef idx="minor">
+            <a:schemeClr val="tx1"/>
+          </a:fontRef>
+        </p:style>
+      </p:cxnSp>
+      <p:cxnSp>
+        <p:nvCxnSpPr>
+          <p:cNvPr id="67" name="Straight Arrow Connector 66"/>
+          <p:cNvCxnSpPr>
+            <a:stCxn id="52" idx="3"/>
+            <a:endCxn id="55" idx="1"/>
+          </p:cNvCxnSpPr>
+          <p:nvPr/>
+        </p:nvCxnSpPr>
+        <p:spPr>
+          <a:xfrm>
+            <a:off x="3284538" y="2852738"/>
+            <a:ext cx="279400" cy="0"/>
+          </a:xfrm>
+          <a:prstGeom prst="straightConnector1">
+            <a:avLst/>
+          </a:prstGeom>
+          <a:ln>
+            <a:tailEnd type="arrow"/>
+          </a:ln>
+        </p:spPr>
+        <p:style>
+          <a:lnRef idx="2">
+            <a:schemeClr val="dk1"/>
+          </a:lnRef>
+          <a:fillRef idx="0">
+            <a:schemeClr val="dk1"/>
+          </a:fillRef>
+          <a:effectRef idx="1">
+            <a:schemeClr val="dk1"/>
+          </a:effectRef>
+          <a:fontRef idx="minor">
+            <a:schemeClr val="tx1"/>
+          </a:fontRef>
+        </p:style>
+      </p:cxnSp>
+      <p:cxnSp>
+        <p:nvCxnSpPr>
+          <p:cNvPr id="68" name="Straight Arrow Connector 67"/>
+          <p:cNvCxnSpPr>
+            <a:stCxn id="55" idx="3"/>
+            <a:endCxn id="58" idx="1"/>
+          </p:cNvCxnSpPr>
+          <p:nvPr/>
+        </p:nvCxnSpPr>
+        <p:spPr>
+          <a:xfrm>
+            <a:off x="4932363" y="2852738"/>
+            <a:ext cx="287337" cy="0"/>
+          </a:xfrm>
+          <a:prstGeom prst="straightConnector1">
+            <a:avLst/>
+          </a:prstGeom>
+          <a:ln>
+            <a:tailEnd type="arrow"/>
+          </a:ln>
+        </p:spPr>
+        <p:style>
+          <a:lnRef idx="2">
+            <a:schemeClr val="dk1"/>
+          </a:lnRef>
+          <a:fillRef idx="0">
+            <a:schemeClr val="dk1"/>
+          </a:fillRef>
+          <a:effectRef idx="1">
+            <a:schemeClr val="dk1"/>
+          </a:effectRef>
+          <a:fontRef idx="minor">
+            <a:schemeClr val="tx1"/>
+          </a:fontRef>
+        </p:style>
+      </p:cxnSp>
+      <p:cxnSp>
+        <p:nvCxnSpPr>
+          <p:cNvPr id="69" name="Straight Arrow Connector 68"/>
+          <p:cNvCxnSpPr>
+            <a:stCxn id="58" idx="3"/>
+            <a:endCxn id="61" idx="1"/>
+          </p:cNvCxnSpPr>
+          <p:nvPr/>
+        </p:nvCxnSpPr>
+        <p:spPr>
+          <a:xfrm>
+            <a:off x="6588125" y="2852738"/>
+            <a:ext cx="323850" cy="0"/>
+          </a:xfrm>
+          <a:prstGeom prst="straightConnector1">
+            <a:avLst/>
+          </a:prstGeom>
+          <a:ln>
+            <a:tailEnd type="arrow"/>
+          </a:ln>
+        </p:spPr>
+        <p:style>
+          <a:lnRef idx="2">
+            <a:schemeClr val="dk1"/>
+          </a:lnRef>
+          <a:fillRef idx="0">
+            <a:schemeClr val="dk1"/>
+          </a:fillRef>
+          <a:effectRef idx="1">
+            <a:schemeClr val="dk1"/>
+          </a:effectRef>
+          <a:fontRef idx="minor">
+            <a:schemeClr val="tx1"/>
+          </a:fontRef>
+        </p:style>
+      </p:cxnSp>
+      <p:cxnSp>
+        <p:nvCxnSpPr>
+          <p:cNvPr id="70" name="Straight Arrow Connector 69"/>
+          <p:cNvCxnSpPr>
+            <a:stCxn id="61" idx="2"/>
+            <a:endCxn id="64" idx="0"/>
+          </p:cNvCxnSpPr>
+          <p:nvPr/>
+        </p:nvCxnSpPr>
+        <p:spPr>
+          <a:xfrm>
+            <a:off x="7632700" y="3213100"/>
+            <a:ext cx="0" cy="576263"/>
+          </a:xfrm>
+          <a:prstGeom prst="straightConnector1">
+            <a:avLst/>
+          </a:prstGeom>
+          <a:ln>
+            <a:tailEnd type="arrow"/>
+          </a:ln>
+        </p:spPr>
+        <p:style>
+          <a:lnRef idx="2">
+            <a:schemeClr val="dk1"/>
+          </a:lnRef>
+          <a:fillRef idx="0">
+            <a:schemeClr val="dk1"/>
+          </a:fillRef>
+          <a:effectRef idx="1">
+            <a:schemeClr val="dk1"/>
+          </a:effectRef>
+          <a:fontRef idx="minor">
+            <a:schemeClr val="tx1"/>
+          </a:fontRef>
+        </p:style>
+      </p:cxnSp>
+      <p:sp>
+        <p:nvSpPr>
+          <p:cNvPr id="71" name="Rounded Rectangle 70"/>
+          <p:cNvSpPr/>
+          <p:nvPr/>
+        </p:nvSpPr>
+        <p:spPr bwMode="auto">
+          <a:xfrm>
+            <a:off x="3563938" y="3789363"/>
+            <a:ext cx="1368425" cy="719137"/>
+          </a:xfrm>
+          <a:prstGeom prst="roundRect">
+            <a:avLst/>
+          </a:prstGeom>
+        </p:spPr>
+        <p:style>
+          <a:lnRef idx="1">
+            <a:schemeClr val="dk1"/>
+          </a:lnRef>
+          <a:fillRef idx="2">
+            <a:schemeClr val="dk1"/>
+          </a:fillRef>
+          <a:effectRef idx="1">
+            <a:schemeClr val="dk1"/>
+          </a:effectRef>
+          <a:fontRef idx="minor">
+            <a:schemeClr val="dk1"/>
+          </a:fontRef>
+        </p:style>
+        <p:txBody>
+          <a:bodyPr anchor="ctr"/>
+          <a:lstStyle/>
+          <a:p>
+            <a:pPr algn="ctr">
+              <a:defRPr/>
+            </a:pPr>
+            <a:r>
+              <a:rPr lang="en-US" sz="1200" dirty="0">
+                <a:solidFill>
+                  <a:schemeClr val="tx1"/>
+                </a:solidFill>
+              </a:rPr>
+              <a:t>Gene annotation </a:t>
+            </a:r>
+          </a:p>
+          <a:p>
+            <a:pPr algn="ctr">
+              <a:defRPr/>
+            </a:pPr>
+            <a:r>
+              <a:rPr lang="en-US" sz="1200" dirty="0">
+                <a:solidFill>
+                  <a:schemeClr val="tx1"/>
+                </a:solidFill>
+              </a:rPr>
+              <a:t>(.</a:t>
+            </a:r>
+            <a:r>
+              <a:rPr lang="en-US" sz="1200" dirty="0" err="1">
+                <a:solidFill>
+                  <a:schemeClr val="tx1"/>
+                </a:solidFill>
+              </a:rPr>
+              <a:t>gtf</a:t>
+            </a:r>
+            <a:r>
+              <a:rPr lang="en-US" sz="1200" dirty="0">
+                <a:solidFill>
+                  <a:schemeClr val="tx1"/>
+                </a:solidFill>
+              </a:rPr>
+              <a:t> file)</a:t>
+            </a:r>
+          </a:p>
+        </p:txBody>
+      </p:sp>
+      <p:sp>
+        <p:nvSpPr>
+          <p:cNvPr id="72" name="Rounded Rectangle 71"/>
+          <p:cNvSpPr/>
+          <p:nvPr/>
+        </p:nvSpPr>
+        <p:spPr bwMode="auto">
+          <a:xfrm>
+            <a:off x="1908175" y="3789363"/>
+            <a:ext cx="1368425" cy="719137"/>
+          </a:xfrm>
+          <a:prstGeom prst="roundRect">
+            <a:avLst/>
+          </a:prstGeom>
+        </p:spPr>
+        <p:style>
+          <a:lnRef idx="1">
+            <a:schemeClr val="dk1"/>
+          </a:lnRef>
+          <a:fillRef idx="2">
+            <a:schemeClr val="dk1"/>
+          </a:fillRef>
+          <a:effectRef idx="1">
+            <a:schemeClr val="dk1"/>
+          </a:effectRef>
+          <a:fontRef idx="minor">
+            <a:schemeClr val="dk1"/>
+          </a:fontRef>
+        </p:style>
+        <p:txBody>
+          <a:bodyPr anchor="ctr"/>
+          <a:lstStyle/>
+          <a:p>
+            <a:pPr algn="ctr">
+              <a:defRPr/>
+            </a:pPr>
+            <a:r>
+              <a:rPr lang="en-US" sz="1200" dirty="0">
+                <a:solidFill>
+                  <a:schemeClr val="tx1"/>
+                </a:solidFill>
+              </a:rPr>
+              <a:t>Reference genome</a:t>
+            </a:r>
+          </a:p>
+          <a:p>
+            <a:pPr algn="ctr">
+              <a:defRPr/>
+            </a:pPr>
+            <a:r>
+              <a:rPr lang="en-US" sz="1200" dirty="0">
+                <a:solidFill>
+                  <a:schemeClr val="tx1"/>
+                </a:solidFill>
+              </a:rPr>
+              <a:t>(.</a:t>
+            </a:r>
+            <a:r>
+              <a:rPr lang="en-US" sz="1200" dirty="0" err="1">
+                <a:solidFill>
+                  <a:schemeClr val="tx1"/>
+                </a:solidFill>
+              </a:rPr>
+              <a:t>fa</a:t>
+            </a:r>
+            <a:r>
+              <a:rPr lang="en-US" sz="1200" dirty="0">
+                <a:solidFill>
+                  <a:schemeClr val="tx1"/>
+                </a:solidFill>
+              </a:rPr>
+              <a:t> file)</a:t>
+            </a:r>
+          </a:p>
+        </p:txBody>
+      </p:sp>
+      <p:sp>
+        <p:nvSpPr>
+          <p:cNvPr id="73" name="Rounded Rectangle 72"/>
+          <p:cNvSpPr/>
+          <p:nvPr/>
+        </p:nvSpPr>
+        <p:spPr bwMode="auto">
+          <a:xfrm>
+            <a:off x="250825" y="3789363"/>
+            <a:ext cx="1368425" cy="719137"/>
+          </a:xfrm>
+          <a:prstGeom prst="roundRect">
+            <a:avLst/>
+          </a:prstGeom>
+        </p:spPr>
+        <p:style>
+          <a:lnRef idx="1">
+            <a:schemeClr val="dk1"/>
+          </a:lnRef>
+          <a:fillRef idx="2">
+            <a:schemeClr val="dk1"/>
+          </a:fillRef>
+          <a:effectRef idx="1">
+            <a:schemeClr val="dk1"/>
+          </a:effectRef>
+          <a:fontRef idx="minor">
+            <a:schemeClr val="dk1"/>
+          </a:fontRef>
+        </p:style>
+        <p:txBody>
+          <a:bodyPr anchor="ctr"/>
+          <a:lstStyle/>
+          <a:p>
+            <a:pPr algn="ctr">
+              <a:defRPr/>
+            </a:pPr>
+            <a:r>
+              <a:rPr lang="en-US" sz="1200" dirty="0">
+                <a:solidFill>
+                  <a:schemeClr val="tx1"/>
+                </a:solidFill>
+              </a:rPr>
+              <a:t>Raw sequence data</a:t>
+            </a:r>
+          </a:p>
+          <a:p>
+            <a:pPr algn="ctr">
+              <a:defRPr/>
+            </a:pPr>
+            <a:r>
+              <a:rPr lang="en-US" sz="1200" dirty="0">
+                <a:solidFill>
+                  <a:schemeClr val="tx1"/>
+                </a:solidFill>
+              </a:rPr>
+              <a:t>(.</a:t>
+            </a:r>
+            <a:r>
+              <a:rPr lang="en-US" sz="1200" dirty="0" err="1">
+                <a:solidFill>
+                  <a:schemeClr val="tx1"/>
+                </a:solidFill>
+              </a:rPr>
+              <a:t>fastq</a:t>
+            </a:r>
+            <a:r>
+              <a:rPr lang="en-US" sz="1200" dirty="0">
+                <a:solidFill>
+                  <a:schemeClr val="tx1"/>
+                </a:solidFill>
+              </a:rPr>
+              <a:t> files)</a:t>
+            </a:r>
+          </a:p>
+        </p:txBody>
+      </p:sp>
+      <p:cxnSp>
+        <p:nvCxnSpPr>
+          <p:cNvPr id="74" name="Straight Arrow Connector 73"/>
+          <p:cNvCxnSpPr>
+            <a:stCxn id="73" idx="0"/>
+            <a:endCxn id="49" idx="2"/>
+          </p:cNvCxnSpPr>
+          <p:nvPr/>
+        </p:nvCxnSpPr>
+        <p:spPr>
+          <a:xfrm flipH="1" flipV="1">
+            <a:off x="935038" y="3213100"/>
+            <a:ext cx="0" cy="576263"/>
+          </a:xfrm>
+          <a:prstGeom prst="straightConnector1">
+            <a:avLst/>
+          </a:prstGeom>
+          <a:ln>
+            <a:tailEnd type="arrow"/>
+          </a:ln>
+        </p:spPr>
+        <p:style>
+          <a:lnRef idx="2">
+            <a:schemeClr val="dk1"/>
+          </a:lnRef>
+          <a:fillRef idx="0">
+            <a:schemeClr val="dk1"/>
+          </a:fillRef>
+          <a:effectRef idx="1">
+            <a:schemeClr val="dk1"/>
+          </a:effectRef>
+          <a:fontRef idx="minor">
+            <a:schemeClr val="tx1"/>
+          </a:fontRef>
+        </p:style>
+      </p:cxnSp>
+      <p:cxnSp>
+        <p:nvCxnSpPr>
+          <p:cNvPr id="75" name="Straight Arrow Connector 74"/>
+          <p:cNvCxnSpPr>
+            <a:stCxn id="72" idx="0"/>
+            <a:endCxn id="52" idx="2"/>
+          </p:cNvCxnSpPr>
+          <p:nvPr/>
+        </p:nvCxnSpPr>
+        <p:spPr>
+          <a:xfrm flipV="1">
+            <a:off x="2592388" y="3213100"/>
+            <a:ext cx="7937" cy="576263"/>
+          </a:xfrm>
+          <a:prstGeom prst="straightConnector1">
+            <a:avLst/>
+          </a:prstGeom>
+          <a:ln>
+            <a:tailEnd type="arrow"/>
+          </a:ln>
+        </p:spPr>
+        <p:style>
+          <a:lnRef idx="2">
+            <a:schemeClr val="dk1"/>
+          </a:lnRef>
+          <a:fillRef idx="0">
+            <a:schemeClr val="dk1"/>
+          </a:fillRef>
+          <a:effectRef idx="1">
+            <a:schemeClr val="dk1"/>
+          </a:effectRef>
+          <a:fontRef idx="minor">
+            <a:schemeClr val="tx1"/>
+          </a:fontRef>
+        </p:style>
+      </p:cxnSp>
+      <p:cxnSp>
+        <p:nvCxnSpPr>
+          <p:cNvPr id="76" name="Straight Arrow Connector 75"/>
+          <p:cNvCxnSpPr>
+            <a:stCxn id="71" idx="0"/>
+            <a:endCxn id="55" idx="2"/>
+          </p:cNvCxnSpPr>
+          <p:nvPr/>
+        </p:nvCxnSpPr>
+        <p:spPr>
+          <a:xfrm flipV="1">
+            <a:off x="4248150" y="3213100"/>
+            <a:ext cx="0" cy="576263"/>
+          </a:xfrm>
+          <a:prstGeom prst="straightConnector1">
+            <a:avLst/>
+          </a:prstGeom>
+          <a:ln>
+            <a:tailEnd type="arrow"/>
+          </a:ln>
+        </p:spPr>
+        <p:style>
+          <a:lnRef idx="2">
+            <a:schemeClr val="dk1"/>
+          </a:lnRef>
+          <a:fillRef idx="0">
+            <a:schemeClr val="dk1"/>
+          </a:fillRef>
+          <a:effectRef idx="1">
+            <a:schemeClr val="dk1"/>
+          </a:effectRef>
+          <a:fontRef idx="minor">
+            <a:schemeClr val="tx1"/>
+          </a:fontRef>
+        </p:style>
+      </p:cxnSp>
+      <p:sp>
+        <p:nvSpPr>
+          <p:cNvPr id="77" name="TextBox 3"/>
+          <p:cNvSpPr txBox="1">
+            <a:spLocks noChangeArrowheads="1"/>
+          </p:cNvSpPr>
+          <p:nvPr/>
+        </p:nvSpPr>
+        <p:spPr bwMode="auto">
+          <a:xfrm>
+            <a:off x="2192338" y="4776788"/>
+            <a:ext cx="723900" cy="307975"/>
+          </a:xfrm>
+          <a:prstGeom prst="rect">
+            <a:avLst/>
+          </a:prstGeom>
+          <a:noFill/>
+          <a:ln>
+            <a:noFill/>
+          </a:ln>
+          <a:extLst>
+            <a:ext uri="{909E8E84-426E-40dd-AFC4-6F175D3DCCD1}">
+              <a14:hiddenFill xmlns:a14="http://schemas.microsoft.com/office/drawing/2010/main">
+                <a:solidFill>
+                  <a:srgbClr val="FFFFFF"/>
+                </a:solidFill>
+              </a14:hiddenFill>
+            </a:ext>
+            <a:ext uri="{91240B29-F687-4f45-9708-019B960494DF}">
+              <a14:hiddenLine xmlns:a14="http://schemas.microsoft.com/office/drawing/2010/main" w="9525">
+                <a:solidFill>
+                  <a:srgbClr val="000000"/>
+                </a:solidFill>
+                <a:miter lim="800000"/>
+                <a:headEnd/>
+                <a:tailEnd/>
+              </a14:hiddenLine>
+            </a:ext>
+          </a:extLst>
+        </p:spPr>
+        <p:txBody>
+          <a:bodyPr wrap="none">
+            <a:spAutoFit/>
+          </a:bodyPr>
+          <a:lstStyle>
+            <a:lvl1pPr eaLnBrk="0" hangingPunct="0">
+              <a:defRPr sz="2400">
+                <a:solidFill>
+                  <a:schemeClr val="tx1"/>
+                </a:solidFill>
+                <a:latin typeface="Arial" charset="0"/>
+                <a:ea typeface="ＭＳ Ｐゴシック" charset="0"/>
+                <a:cs typeface="ＭＳ Ｐゴシック" charset="0"/>
+              </a:defRPr>
+            </a:lvl1pPr>
+            <a:lvl2pPr marL="742950" indent="-285750" eaLnBrk="0" hangingPunct="0">
+              <a:defRPr sz="2400">
+                <a:solidFill>
+                  <a:schemeClr val="tx1"/>
+                </a:solidFill>
+                <a:latin typeface="Arial" charset="0"/>
+                <a:ea typeface="ＭＳ Ｐゴシック" charset="0"/>
+              </a:defRPr>
+            </a:lvl2pPr>
+            <a:lvl3pPr marL="1143000" indent="-228600" eaLnBrk="0" hangingPunct="0">
+              <a:defRPr sz="2400">
+                <a:solidFill>
+                  <a:schemeClr val="tx1"/>
+                </a:solidFill>
+                <a:latin typeface="Arial" charset="0"/>
+                <a:ea typeface="ＭＳ Ｐゴシック" charset="0"/>
+              </a:defRPr>
+            </a:lvl3pPr>
+            <a:lvl4pPr marL="1600200" indent="-228600" eaLnBrk="0" hangingPunct="0">
+              <a:defRPr sz="2400">
+                <a:solidFill>
+                  <a:schemeClr val="tx1"/>
+                </a:solidFill>
+                <a:latin typeface="Arial" charset="0"/>
+                <a:ea typeface="ＭＳ Ｐゴシック" charset="0"/>
+              </a:defRPr>
+            </a:lvl4pPr>
+            <a:lvl5pPr marL="2057400" indent="-228600" eaLnBrk="0" hangingPunct="0">
+              <a:defRPr sz="2400">
+                <a:solidFill>
+                  <a:schemeClr val="tx1"/>
+                </a:solidFill>
+                <a:latin typeface="Arial" charset="0"/>
+                <a:ea typeface="ＭＳ Ｐゴシック" charset="0"/>
+              </a:defRPr>
+            </a:lvl5pPr>
+            <a:lvl6pPr marL="2514600" indent="-228600" eaLnBrk="0" fontAlgn="base" hangingPunct="0">
               <a:spcBef>
-                <a:spcPct val="20000"/>
+                <a:spcPct val="0"/>
               </a:spcBef>
-              <a:buFont typeface="Arial" charset="0"/>
-              <a:buNone/>
-            </a:pPr>
-            <a:r>
-              <a:rPr lang="en-US" sz="2800">
-                <a:latin typeface="Calibri" charset="0"/>
-              </a:rPr>
-              <a:t>http://meetings.cshl.edu/courses.html</a:t>
+              <a:spcAft>
+                <a:spcPct val="0"/>
+              </a:spcAft>
+              <a:defRPr sz="2400">
+                <a:solidFill>
+                  <a:schemeClr val="tx1"/>
+                </a:solidFill>
+                <a:latin typeface="Arial" charset="0"/>
+                <a:ea typeface="ＭＳ Ｐゴシック" charset="0"/>
+              </a:defRPr>
+            </a:lvl6pPr>
+            <a:lvl7pPr marL="2971800" indent="-228600" eaLnBrk="0" fontAlgn="base" hangingPunct="0">
+              <a:spcBef>
+                <a:spcPct val="0"/>
+              </a:spcBef>
+              <a:spcAft>
+                <a:spcPct val="0"/>
+              </a:spcAft>
+              <a:defRPr sz="2400">
+                <a:solidFill>
+                  <a:schemeClr val="tx1"/>
+                </a:solidFill>
+                <a:latin typeface="Arial" charset="0"/>
+                <a:ea typeface="ＭＳ Ｐゴシック" charset="0"/>
+              </a:defRPr>
+            </a:lvl7pPr>
+            <a:lvl8pPr marL="3429000" indent="-228600" eaLnBrk="0" fontAlgn="base" hangingPunct="0">
+              <a:spcBef>
+                <a:spcPct val="0"/>
+              </a:spcBef>
+              <a:spcAft>
+                <a:spcPct val="0"/>
+              </a:spcAft>
+              <a:defRPr sz="2400">
+                <a:solidFill>
+                  <a:schemeClr val="tx1"/>
+                </a:solidFill>
+                <a:latin typeface="Arial" charset="0"/>
+                <a:ea typeface="ＭＳ Ｐゴシック" charset="0"/>
+              </a:defRPr>
+            </a:lvl8pPr>
+            <a:lvl9pPr marL="3886200" indent="-228600" eaLnBrk="0" fontAlgn="base" hangingPunct="0">
+              <a:spcBef>
+                <a:spcPct val="0"/>
+              </a:spcBef>
+              <a:spcAft>
+                <a:spcPct val="0"/>
+              </a:spcAft>
+              <a:defRPr sz="2400">
+                <a:solidFill>
+                  <a:schemeClr val="tx1"/>
+                </a:solidFill>
+                <a:latin typeface="Arial" charset="0"/>
+                <a:ea typeface="ＭＳ Ｐゴシック" charset="0"/>
+              </a:defRPr>
+            </a:lvl9pPr>
+          </a:lstStyle>
+          <a:p>
+            <a:pPr eaLnBrk="1" hangingPunct="1"/>
+            <a:r>
+              <a:rPr lang="en-US" sz="1400" b="1"/>
+              <a:t>Inputs</a:t>
             </a:r>
           </a:p>
         </p:txBody>
       </p:sp>
     </p:spTree>
+    <p:extLst>
+      <p:ext uri="{BB962C8B-B14F-4D97-AF65-F5344CB8AC3E}">
+        <p14:creationId xmlns:p14="http://schemas.microsoft.com/office/powerpoint/2010/main" val="808179454"/>
+      </p:ext>
+    </p:extLst>
   </p:cSld>
   <p:clrMapOvr>
     <a:masterClrMapping/>
   </p:clrMapOvr>
+  <p:timing>
+    <p:tnLst>
+      <p:par>
+        <p:cTn xmlns:p14="http://schemas.microsoft.com/office/powerpoint/2010/main" id="1" dur="indefinite" restart="never" nodeType="tmRoot"/>
+      </p:par>
+    </p:tnLst>
+  </p:timing>
 </p:sld>
 </file>
 
@@ -3951,14 +9128,14 @@
           </a:ln>
           <a:extLst>
             <a:ext uri="{909E8E84-426E-40dd-AFC4-6F175D3DCCD1}">
-              <a14:hiddenFill xmlns:a14="http://schemas.microsoft.com/office/drawing/2010/main" xmlns="">
+              <a14:hiddenFill xmlns:a14="http://schemas.microsoft.com/office/drawing/2010/main">
                 <a:solidFill>
                   <a:srgbClr val="FFFFFF"/>
                 </a:solidFill>
               </a14:hiddenFill>
             </a:ext>
             <a:ext uri="{91240B29-F687-4f45-9708-019B960494DF}">
-              <a14:hiddenLine xmlns:a14="http://schemas.microsoft.com/office/drawing/2010/main" xmlns="" w="9525">
+              <a14:hiddenLine xmlns:a14="http://schemas.microsoft.com/office/drawing/2010/main" w="9525">
                 <a:solidFill>
                   <a:srgbClr val="000000"/>
                 </a:solidFill>
@@ -4005,14 +9182,14 @@
           </a:ln>
           <a:extLst>
             <a:ext uri="{909E8E84-426E-40dd-AFC4-6F175D3DCCD1}">
-              <a14:hiddenFill xmlns:a14="http://schemas.microsoft.com/office/drawing/2010/main" xmlns="">
+              <a14:hiddenFill xmlns:a14="http://schemas.microsoft.com/office/drawing/2010/main">
                 <a:solidFill>
                   <a:srgbClr val="FFFFFF"/>
                 </a:solidFill>
               </a14:hiddenFill>
             </a:ext>
             <a:ext uri="{91240B29-F687-4f45-9708-019B960494DF}">
-              <a14:hiddenLine xmlns:a14="http://schemas.microsoft.com/office/drawing/2010/main" xmlns="" w="9525">
+              <a14:hiddenLine xmlns:a14="http://schemas.microsoft.com/office/drawing/2010/main" w="9525">
                 <a:solidFill>
                   <a:srgbClr val="000000"/>
                 </a:solidFill>
@@ -4046,14 +9223,14 @@
           </a:ln>
           <a:extLst>
             <a:ext uri="{909E8E84-426E-40dd-AFC4-6F175D3DCCD1}">
-              <a14:hiddenFill xmlns:a14="http://schemas.microsoft.com/office/drawing/2010/main" xmlns="">
+              <a14:hiddenFill xmlns:a14="http://schemas.microsoft.com/office/drawing/2010/main">
                 <a:solidFill>
                   <a:srgbClr val="FFFFFF"/>
                 </a:solidFill>
               </a14:hiddenFill>
             </a:ext>
             <a:ext uri="{91240B29-F687-4f45-9708-019B960494DF}">
-              <a14:hiddenLine xmlns:a14="http://schemas.microsoft.com/office/drawing/2010/main" xmlns="" w="9525">
+              <a14:hiddenLine xmlns:a14="http://schemas.microsoft.com/office/drawing/2010/main" w="9525">
                 <a:solidFill>
                   <a:srgbClr val="000000"/>
                 </a:solidFill>
@@ -4224,7 +9401,17 @@
                 <a:latin typeface="Calibri" charset="0"/>
                 <a:cs typeface="Segoe UI" charset="0"/>
               </a:rPr>
-              <a:t>1</a:t>
+              <a:t>3</a:t>
+            </a:r>
+            <a:r>
+              <a:rPr lang="en-US" sz="2000" dirty="0">
+                <a:solidFill>
+                  <a:schemeClr val="bg1"/>
+                </a:solidFill>
+                <a:latin typeface="Calibri" charset="0"/>
+                <a:cs typeface="Segoe UI" charset="0"/>
+              </a:rPr>
+              <a:t/>
             </a:r>
             <a:br>
               <a:rPr lang="en-US" sz="2000" dirty="0">
@@ -4236,6 +9423,26 @@
               </a:rPr>
             </a:br>
             <a:r>
+              <a:rPr lang="en-US" sz="2000" dirty="0" smtClean="0">
+                <a:solidFill>
+                  <a:schemeClr val="bg1"/>
+                </a:solidFill>
+                <a:latin typeface="Calibri" charset="0"/>
+                <a:cs typeface="Segoe UI" charset="0"/>
+              </a:rPr>
+              <a:t>Expression and Differential Expression</a:t>
+            </a:r>
+            <a:r>
+              <a:rPr lang="en-US" sz="2000" dirty="0" smtClean="0">
+                <a:solidFill>
+                  <a:schemeClr val="bg1"/>
+                </a:solidFill>
+                <a:latin typeface="Calibri" charset="0"/>
+                <a:cs typeface="Segoe UI" charset="0"/>
+              </a:rPr>
+              <a:t> </a:t>
+            </a:r>
+            <a:r>
               <a:rPr lang="en-US" sz="2000" dirty="0">
                 <a:solidFill>
                   <a:schemeClr val="bg1"/>
@@ -4243,7 +9450,7 @@
                 <a:latin typeface="Calibri" charset="0"/>
                 <a:cs typeface="Segoe UI" charset="0"/>
               </a:rPr>
-              <a:t>Introduction to RNA sequencing (lecture)</a:t>
+              <a:t>(lecture)</a:t>
             </a:r>
             <a:endParaRPr lang="en-US" sz="1800" b="1" dirty="0">
               <a:solidFill>
@@ -4297,21 +9504,8 @@
                 <a:ea typeface="+mj-ea"/>
                 <a:cs typeface="Calibri"/>
               </a:rPr>
-              <a:t>Malachi Griffith, Obi Griffith, Jason </a:t>
-            </a:r>
-            <a:r>
-              <a:rPr lang="en-US" sz="1600" dirty="0" smtClean="0">
-                <a:latin typeface="Calibri"/>
-                <a:ea typeface="+mj-ea"/>
-                <a:cs typeface="Calibri"/>
-              </a:rPr>
-              <a:t>Walker, Alex Wagner</a:t>
-            </a:r>
-            <a:endParaRPr lang="en-US" sz="1600" dirty="0" smtClean="0">
-              <a:latin typeface="Calibri"/>
-              <a:ea typeface="+mj-ea"/>
-              <a:cs typeface="Calibri"/>
-            </a:endParaRPr>
+              <a:t>Malachi Griffith, Obi Griffith, Jason Walker, Alex Wagner</a:t>
+            </a:r>
           </a:p>
           <a:p>
             <a:pPr fontAlgn="auto">
@@ -4404,18 +9598,6 @@
               </a:rPr>
               <a:t>20, 2016</a:t>
             </a:r>
-            <a:endParaRPr lang="en-US" sz="1400" dirty="0" smtClean="0">
-              <a:ln w="1270">
-                <a:solidFill>
-                  <a:schemeClr val="tx1">
-                    <a:alpha val="38000"/>
-                  </a:schemeClr>
-                </a:solidFill>
-              </a:ln>
-              <a:latin typeface="Calibri"/>
-              <a:ea typeface="+mn-ea"/>
-              <a:cs typeface="Calibri"/>
-            </a:endParaRPr>
           </a:p>
         </p:txBody>
       </p:sp>
@@ -4432,14 +9614,14 @@
   <p:timing>
     <p:tnLst>
       <p:par>
-        <p:cTn id="1" dur="indefinite" restart="never" nodeType="tmRoot"/>
+        <p:cTn xmlns:p14="http://schemas.microsoft.com/office/powerpoint/2010/main" id="1" dur="indefinite" restart="never" nodeType="tmRoot"/>
       </p:par>
     </p:tnLst>
   </p:timing>
 </p:sld>
 </file>
 
-<file path=ppt/slides/slide3.xml><?xml version="1.0" encoding="utf-8"?>
+<file path=ppt/slides/slide20.xml><?xml version="1.0" encoding="utf-8"?>
 <p:sld xmlns:a="http://schemas.openxmlformats.org/drawingml/2006/main" xmlns:r="http://schemas.openxmlformats.org/officeDocument/2006/relationships" xmlns:p="http://schemas.openxmlformats.org/presentationml/2006/main">
   <p:cSld>
     <p:spTree>
@@ -4491,6 +9673,1850 @@
         </p:txBody>
       </p:sp>
     </p:spTree>
+  </p:cSld>
+  <p:clrMapOvr>
+    <a:masterClrMapping/>
+  </p:clrMapOvr>
+</p:sld>
+</file>
+
+<file path=ppt/slides/slide3.xml><?xml version="1.0" encoding="utf-8"?>
+<p:sld xmlns:a="http://schemas.openxmlformats.org/drawingml/2006/main" xmlns:r="http://schemas.openxmlformats.org/officeDocument/2006/relationships" xmlns:p="http://schemas.openxmlformats.org/presentationml/2006/main">
+  <p:cSld>
+    <p:spTree>
+      <p:nvGrpSpPr>
+        <p:cNvPr id="1" name=""/>
+        <p:cNvGrpSpPr/>
+        <p:nvPr/>
+      </p:nvGrpSpPr>
+      <p:grpSpPr>
+        <a:xfrm>
+          <a:off x="0" y="0"/>
+          <a:ext cx="0" cy="0"/>
+          <a:chOff x="0" y="0"/>
+          <a:chExt cx="0" cy="0"/>
+        </a:xfrm>
+      </p:grpSpPr>
+      <p:sp>
+        <p:nvSpPr>
+          <p:cNvPr id="12289" name="Title 1"/>
+          <p:cNvSpPr>
+            <a:spLocks noGrp="1"/>
+          </p:cNvSpPr>
+          <p:nvPr>
+            <p:ph type="title"/>
+          </p:nvPr>
+        </p:nvSpPr>
+        <p:spPr>
+          <a:xfrm>
+            <a:off x="152400" y="-26988"/>
+            <a:ext cx="8839200" cy="1143001"/>
+          </a:xfrm>
+        </p:spPr>
+        <p:txBody>
+          <a:bodyPr/>
+          <a:lstStyle/>
+          <a:p>
+            <a:r>
+              <a:rPr lang="en-US">
+                <a:latin typeface="Calibri" charset="0"/>
+                <a:ea typeface="ＭＳ Ｐゴシック" charset="0"/>
+              </a:rPr>
+              <a:t>Learning objectives of the course</a:t>
+            </a:r>
+          </a:p>
+        </p:txBody>
+      </p:sp>
+      <p:sp>
+        <p:nvSpPr>
+          <p:cNvPr id="3" name="Content Placeholder 2"/>
+          <p:cNvSpPr>
+            <a:spLocks noGrp="1"/>
+          </p:cNvSpPr>
+          <p:nvPr>
+            <p:ph idx="1"/>
+          </p:nvPr>
+        </p:nvSpPr>
+        <p:spPr/>
+        <p:txBody>
+          <a:bodyPr>
+            <a:normAutofit lnSpcReduction="10000"/>
+          </a:bodyPr>
+          <a:lstStyle/>
+          <a:p>
+            <a:pPr>
+              <a:defRPr/>
+            </a:pPr>
+            <a:r>
+              <a:rPr lang="en-US" dirty="0" smtClean="0"/>
+              <a:t>Module 1: </a:t>
+            </a:r>
+            <a:r>
+              <a:rPr lang="en-US" dirty="0"/>
+              <a:t>Introduction to RNA </a:t>
+            </a:r>
+            <a:r>
+              <a:rPr lang="en-US" dirty="0" smtClean="0"/>
+              <a:t>Sequencing</a:t>
+            </a:r>
+            <a:endParaRPr lang="en-US" dirty="0"/>
+          </a:p>
+          <a:p>
+            <a:pPr>
+              <a:defRPr/>
+            </a:pPr>
+            <a:r>
+              <a:rPr lang="en-US" dirty="0"/>
+              <a:t>Module </a:t>
+            </a:r>
+            <a:r>
+              <a:rPr lang="en-US" dirty="0" smtClean="0"/>
+              <a:t>2: Alignment </a:t>
+            </a:r>
+            <a:r>
+              <a:rPr lang="en-US" dirty="0"/>
+              <a:t>and </a:t>
+            </a:r>
+            <a:r>
+              <a:rPr lang="en-US" dirty="0" smtClean="0"/>
+              <a:t>Visualization</a:t>
+            </a:r>
+            <a:endParaRPr lang="en-US" dirty="0"/>
+          </a:p>
+          <a:p>
+            <a:pPr>
+              <a:defRPr/>
+            </a:pPr>
+            <a:r>
+              <a:rPr lang="en-US" b="1" dirty="0"/>
+              <a:t>Module </a:t>
+            </a:r>
+            <a:r>
+              <a:rPr lang="en-US" b="1" dirty="0" smtClean="0"/>
+              <a:t>3: </a:t>
+            </a:r>
+            <a:r>
+              <a:rPr lang="en-US" b="1" dirty="0"/>
+              <a:t>Expression and Differential Expression</a:t>
+            </a:r>
+          </a:p>
+          <a:p>
+            <a:pPr>
+              <a:defRPr/>
+            </a:pPr>
+            <a:r>
+              <a:rPr lang="en-US" dirty="0"/>
+              <a:t>Module </a:t>
+            </a:r>
+            <a:r>
+              <a:rPr lang="en-US" dirty="0" smtClean="0"/>
+              <a:t>4: </a:t>
+            </a:r>
+            <a:r>
+              <a:rPr lang="en-US" dirty="0"/>
+              <a:t>Isoform D</a:t>
+            </a:r>
+            <a:r>
+              <a:rPr lang="en-US" dirty="0" smtClean="0"/>
+              <a:t>iscovery </a:t>
+            </a:r>
+            <a:r>
+              <a:rPr lang="en-US" dirty="0"/>
+              <a:t>and </a:t>
+            </a:r>
+            <a:r>
+              <a:rPr lang="en-US" dirty="0" smtClean="0"/>
+              <a:t>Alternative </a:t>
+            </a:r>
+            <a:r>
+              <a:rPr lang="en-US" dirty="0"/>
+              <a:t>E</a:t>
+            </a:r>
+            <a:r>
+              <a:rPr lang="en-US" dirty="0" smtClean="0"/>
+              <a:t>xpression</a:t>
+            </a:r>
+            <a:endParaRPr lang="en-US" dirty="0"/>
+          </a:p>
+          <a:p>
+            <a:pPr marL="0" indent="0">
+              <a:buNone/>
+              <a:defRPr/>
+            </a:pPr>
+            <a:endParaRPr lang="en-US" dirty="0"/>
+          </a:p>
+          <a:p>
+            <a:pPr>
+              <a:defRPr/>
+            </a:pPr>
+            <a:r>
+              <a:rPr lang="en-US" dirty="0" smtClean="0"/>
+              <a:t>Tutorials</a:t>
+            </a:r>
+          </a:p>
+          <a:p>
+            <a:pPr lvl="1">
+              <a:defRPr/>
+            </a:pPr>
+            <a:r>
+              <a:rPr lang="en-US" dirty="0" smtClean="0">
+                <a:latin typeface="Calibri" charset="0"/>
+                <a:ea typeface="ＭＳ Ｐゴシック" charset="0"/>
+              </a:rPr>
+              <a:t>Provide </a:t>
+            </a:r>
+            <a:r>
+              <a:rPr lang="en-US" dirty="0">
+                <a:latin typeface="Calibri" charset="0"/>
+                <a:ea typeface="ＭＳ Ｐゴシック" charset="0"/>
+              </a:rPr>
+              <a:t>a working example of an RNA-</a:t>
+            </a:r>
+            <a:r>
+              <a:rPr lang="en-US" dirty="0" err="1">
+                <a:latin typeface="Calibri" charset="0"/>
+                <a:ea typeface="ＭＳ Ｐゴシック" charset="0"/>
+              </a:rPr>
+              <a:t>seq</a:t>
+            </a:r>
+            <a:r>
+              <a:rPr lang="en-US" dirty="0">
+                <a:latin typeface="Calibri" charset="0"/>
+                <a:ea typeface="ＭＳ Ｐゴシック" charset="0"/>
+              </a:rPr>
+              <a:t> analysis </a:t>
+            </a:r>
+            <a:r>
+              <a:rPr lang="en-US" dirty="0" smtClean="0">
+                <a:latin typeface="Calibri" charset="0"/>
+                <a:ea typeface="ＭＳ Ｐゴシック" charset="0"/>
+              </a:rPr>
+              <a:t>pipeline</a:t>
+            </a:r>
+          </a:p>
+          <a:p>
+            <a:pPr lvl="1">
+              <a:defRPr/>
+            </a:pPr>
+            <a:r>
+              <a:rPr lang="en-US" dirty="0">
+                <a:latin typeface="Calibri" charset="0"/>
+                <a:ea typeface="ＭＳ Ｐゴシック" charset="0"/>
+              </a:rPr>
+              <a:t>Run in a </a:t>
+            </a:r>
+            <a:r>
+              <a:rPr lang="ja-JP" altLang="en-US" dirty="0">
+                <a:latin typeface="Calibri" charset="0"/>
+                <a:ea typeface="ＭＳ Ｐゴシック" charset="0"/>
+              </a:rPr>
+              <a:t>‘</a:t>
+            </a:r>
+            <a:r>
+              <a:rPr lang="en-US" altLang="ja-JP" dirty="0">
+                <a:latin typeface="Calibri" charset="0"/>
+                <a:ea typeface="ＭＳ Ｐゴシック" charset="0"/>
+              </a:rPr>
+              <a:t>reasonable</a:t>
+            </a:r>
+            <a:r>
+              <a:rPr lang="ja-JP" altLang="en-US" dirty="0">
+                <a:latin typeface="Calibri" charset="0"/>
+                <a:ea typeface="ＭＳ Ｐゴシック" charset="0"/>
+              </a:rPr>
+              <a:t>’</a:t>
+            </a:r>
+            <a:r>
+              <a:rPr lang="en-US" altLang="ja-JP" dirty="0">
+                <a:latin typeface="Calibri" charset="0"/>
+                <a:ea typeface="ＭＳ Ｐゴシック" charset="0"/>
+              </a:rPr>
+              <a:t> amount of time with modest computer </a:t>
+            </a:r>
+            <a:r>
+              <a:rPr lang="en-US" altLang="ja-JP" dirty="0" smtClean="0">
+                <a:latin typeface="Calibri" charset="0"/>
+                <a:ea typeface="ＭＳ Ｐゴシック" charset="0"/>
+              </a:rPr>
+              <a:t>resources</a:t>
+            </a:r>
+          </a:p>
+          <a:p>
+            <a:pPr lvl="1">
+              <a:defRPr/>
+            </a:pPr>
+            <a:r>
+              <a:rPr lang="en-US" dirty="0">
+                <a:latin typeface="Calibri" charset="0"/>
+                <a:ea typeface="ＭＳ Ｐゴシック" charset="0"/>
+              </a:rPr>
+              <a:t>Self contained, self explanatory, </a:t>
+            </a:r>
+            <a:r>
+              <a:rPr lang="en-US" dirty="0" smtClean="0">
+                <a:latin typeface="Calibri" charset="0"/>
+                <a:ea typeface="ＭＳ Ｐゴシック" charset="0"/>
+              </a:rPr>
+              <a:t>portable</a:t>
+            </a:r>
+            <a:endParaRPr lang="en-US" dirty="0">
+              <a:latin typeface="Calibri" charset="0"/>
+              <a:ea typeface="ＭＳ Ｐゴシック" charset="0"/>
+            </a:endParaRPr>
+          </a:p>
+        </p:txBody>
+      </p:sp>
+    </p:spTree>
+    <p:extLst>
+      <p:ext uri="{BB962C8B-B14F-4D97-AF65-F5344CB8AC3E}">
+        <p14:creationId xmlns:p14="http://schemas.microsoft.com/office/powerpoint/2010/main" val="573409909"/>
+      </p:ext>
+    </p:extLst>
+  </p:cSld>
+  <p:clrMapOvr>
+    <a:masterClrMapping/>
+  </p:clrMapOvr>
+  <p:timing>
+    <p:tnLst>
+      <p:par>
+        <p:cTn xmlns:p14="http://schemas.microsoft.com/office/powerpoint/2010/main" id="1" dur="indefinite" restart="never" nodeType="tmRoot"/>
+      </p:par>
+    </p:tnLst>
+  </p:timing>
+</p:sld>
+</file>
+
+<file path=ppt/slides/slide4.xml><?xml version="1.0" encoding="utf-8"?>
+<p:sld xmlns:a="http://schemas.openxmlformats.org/drawingml/2006/main" xmlns:r="http://schemas.openxmlformats.org/officeDocument/2006/relationships" xmlns:p="http://schemas.openxmlformats.org/presentationml/2006/main">
+  <p:cSld>
+    <p:spTree>
+      <p:nvGrpSpPr>
+        <p:cNvPr id="1" name=""/>
+        <p:cNvGrpSpPr/>
+        <p:nvPr/>
+      </p:nvGrpSpPr>
+      <p:grpSpPr>
+        <a:xfrm>
+          <a:off x="0" y="0"/>
+          <a:ext cx="0" cy="0"/>
+          <a:chOff x="0" y="0"/>
+          <a:chExt cx="0" cy="0"/>
+        </a:xfrm>
+      </p:grpSpPr>
+      <p:sp>
+        <p:nvSpPr>
+          <p:cNvPr id="13313" name="Title 1"/>
+          <p:cNvSpPr>
+            <a:spLocks noGrp="1"/>
+          </p:cNvSpPr>
+          <p:nvPr>
+            <p:ph type="title"/>
+          </p:nvPr>
+        </p:nvSpPr>
+        <p:spPr>
+          <a:xfrm>
+            <a:off x="152400" y="-27384"/>
+            <a:ext cx="8839200" cy="1143000"/>
+          </a:xfrm>
+        </p:spPr>
+        <p:txBody>
+          <a:bodyPr/>
+          <a:lstStyle/>
+          <a:p>
+            <a:r>
+              <a:rPr lang="en-US" dirty="0">
+                <a:latin typeface="Calibri" charset="0"/>
+                <a:ea typeface="ＭＳ Ｐゴシック" charset="0"/>
+              </a:rPr>
+              <a:t>Learning Objectives of Module</a:t>
+            </a:r>
+          </a:p>
+        </p:txBody>
+      </p:sp>
+      <p:sp>
+        <p:nvSpPr>
+          <p:cNvPr id="13314" name="Content Placeholder 2"/>
+          <p:cNvSpPr>
+            <a:spLocks noGrp="1"/>
+          </p:cNvSpPr>
+          <p:nvPr>
+            <p:ph idx="1"/>
+          </p:nvPr>
+        </p:nvSpPr>
+        <p:spPr/>
+        <p:txBody>
+          <a:bodyPr/>
+          <a:lstStyle/>
+          <a:p>
+            <a:r>
+              <a:rPr lang="en-US" dirty="0">
+                <a:latin typeface="Calibri" charset="0"/>
+                <a:ea typeface="ＭＳ Ｐゴシック" charset="0"/>
+              </a:rPr>
+              <a:t>Expression estimation for known genes and transcripts</a:t>
+            </a:r>
+          </a:p>
+          <a:p>
+            <a:r>
+              <a:rPr lang="en-US" dirty="0">
+                <a:latin typeface="Calibri" charset="0"/>
+                <a:ea typeface="ＭＳ Ｐゴシック" charset="0"/>
+              </a:rPr>
+              <a:t>‘FPKM’ expression estimates vs. ‘raw’ counts</a:t>
+            </a:r>
+          </a:p>
+          <a:p>
+            <a:r>
+              <a:rPr lang="en-US" dirty="0">
+                <a:latin typeface="Calibri" charset="0"/>
+                <a:ea typeface="ＭＳ Ｐゴシック" charset="0"/>
+              </a:rPr>
+              <a:t>Differential expression methods</a:t>
+            </a:r>
+          </a:p>
+          <a:p>
+            <a:r>
+              <a:rPr lang="en-US" dirty="0">
+                <a:latin typeface="Calibri" charset="0"/>
+                <a:ea typeface="ＭＳ Ｐゴシック" charset="0"/>
+              </a:rPr>
+              <a:t>Downstream interpretation of expression and differential estimates</a:t>
+            </a:r>
+          </a:p>
+          <a:p>
+            <a:pPr lvl="1"/>
+            <a:r>
+              <a:rPr lang="en-US" dirty="0">
+                <a:latin typeface="Calibri" charset="0"/>
+                <a:ea typeface="ＭＳ Ｐゴシック" charset="0"/>
+              </a:rPr>
+              <a:t>multiple testing, clustering, </a:t>
+            </a:r>
+            <a:r>
+              <a:rPr lang="en-US" dirty="0" err="1">
+                <a:latin typeface="Calibri" charset="0"/>
+                <a:ea typeface="ＭＳ Ｐゴシック" charset="0"/>
+              </a:rPr>
+              <a:t>heatmaps</a:t>
+            </a:r>
+            <a:r>
+              <a:rPr lang="en-US" dirty="0">
+                <a:latin typeface="Calibri" charset="0"/>
+                <a:ea typeface="ＭＳ Ｐゴシック" charset="0"/>
+              </a:rPr>
+              <a:t>, classification, pathway analysis, etc.</a:t>
+            </a:r>
+          </a:p>
+        </p:txBody>
+      </p:sp>
+    </p:spTree>
+    <p:extLst>
+      <p:ext uri="{BB962C8B-B14F-4D97-AF65-F5344CB8AC3E}">
+        <p14:creationId xmlns:p14="http://schemas.microsoft.com/office/powerpoint/2010/main" val="3185962613"/>
+      </p:ext>
+    </p:extLst>
+  </p:cSld>
+  <p:clrMapOvr>
+    <a:masterClrMapping/>
+  </p:clrMapOvr>
+  <p:timing>
+    <p:tnLst>
+      <p:par>
+        <p:cTn xmlns:p14="http://schemas.microsoft.com/office/powerpoint/2010/main" id="1" dur="indefinite" restart="never" nodeType="tmRoot"/>
+      </p:par>
+    </p:tnLst>
+  </p:timing>
+</p:sld>
+</file>
+
+<file path=ppt/slides/slide5.xml><?xml version="1.0" encoding="utf-8"?>
+<p:sld xmlns:a="http://schemas.openxmlformats.org/drawingml/2006/main" xmlns:r="http://schemas.openxmlformats.org/officeDocument/2006/relationships" xmlns:p="http://schemas.openxmlformats.org/presentationml/2006/main">
+  <p:cSld>
+    <p:spTree>
+      <p:nvGrpSpPr>
+        <p:cNvPr id="1" name=""/>
+        <p:cNvGrpSpPr/>
+        <p:nvPr/>
+      </p:nvGrpSpPr>
+      <p:grpSpPr>
+        <a:xfrm>
+          <a:off x="0" y="0"/>
+          <a:ext cx="0" cy="0"/>
+          <a:chOff x="0" y="0"/>
+          <a:chExt cx="0" cy="0"/>
+        </a:xfrm>
+      </p:grpSpPr>
+      <p:sp>
+        <p:nvSpPr>
+          <p:cNvPr id="27649" name="Title 1"/>
+          <p:cNvSpPr>
+            <a:spLocks noGrp="1"/>
+          </p:cNvSpPr>
+          <p:nvPr>
+            <p:ph type="title"/>
+          </p:nvPr>
+        </p:nvSpPr>
+        <p:spPr>
+          <a:xfrm>
+            <a:off x="152400" y="-18256"/>
+            <a:ext cx="8839200" cy="1143000"/>
+          </a:xfrm>
+        </p:spPr>
+        <p:txBody>
+          <a:bodyPr/>
+          <a:lstStyle/>
+          <a:p>
+            <a:r>
+              <a:rPr lang="en-US" dirty="0">
+                <a:latin typeface="Calibri" charset="0"/>
+                <a:ea typeface="ＭＳ Ｐゴシック" charset="0"/>
+              </a:rPr>
+              <a:t>Expression estimation for known genes and transcripts</a:t>
+            </a:r>
+          </a:p>
+        </p:txBody>
+      </p:sp>
+      <p:cxnSp>
+        <p:nvCxnSpPr>
+          <p:cNvPr id="6" name="Straight Arrow Connector 5"/>
+          <p:cNvCxnSpPr/>
+          <p:nvPr/>
+        </p:nvCxnSpPr>
+        <p:spPr>
+          <a:xfrm>
+            <a:off x="8028384" y="2924696"/>
+            <a:ext cx="700955" cy="248"/>
+          </a:xfrm>
+          <a:prstGeom prst="straightConnector1">
+            <a:avLst/>
+          </a:prstGeom>
+          <a:ln w="38100" cmpd="sng">
+            <a:solidFill>
+              <a:srgbClr val="4F81BD"/>
+            </a:solidFill>
+            <a:tailEnd type="arrow"/>
+          </a:ln>
+        </p:spPr>
+        <p:style>
+          <a:lnRef idx="2">
+            <a:schemeClr val="accent1"/>
+          </a:lnRef>
+          <a:fillRef idx="0">
+            <a:schemeClr val="accent1"/>
+          </a:fillRef>
+          <a:effectRef idx="1">
+            <a:schemeClr val="accent1"/>
+          </a:effectRef>
+          <a:fontRef idx="minor">
+            <a:schemeClr val="tx1"/>
+          </a:fontRef>
+        </p:style>
+      </p:cxnSp>
+      <p:sp>
+        <p:nvSpPr>
+          <p:cNvPr id="27652" name="TextBox 6"/>
+          <p:cNvSpPr txBox="1">
+            <a:spLocks noChangeArrowheads="1"/>
+          </p:cNvSpPr>
+          <p:nvPr/>
+        </p:nvSpPr>
+        <p:spPr bwMode="auto">
+          <a:xfrm>
+            <a:off x="7884368" y="2492896"/>
+            <a:ext cx="915988" cy="400050"/>
+          </a:xfrm>
+          <a:prstGeom prst="rect">
+            <a:avLst/>
+          </a:prstGeom>
+          <a:noFill/>
+          <a:ln>
+            <a:noFill/>
+          </a:ln>
+          <a:extLst>
+            <a:ext uri="{909E8E84-426E-40dd-AFC4-6F175D3DCCD1}">
+              <a14:hiddenFill xmlns:a14="http://schemas.microsoft.com/office/drawing/2010/main">
+                <a:solidFill>
+                  <a:srgbClr val="FFFFFF"/>
+                </a:solidFill>
+              </a14:hiddenFill>
+            </a:ext>
+            <a:ext uri="{91240B29-F687-4f45-9708-019B960494DF}">
+              <a14:hiddenLine xmlns:a14="http://schemas.microsoft.com/office/drawing/2010/main" w="9525">
+                <a:solidFill>
+                  <a:srgbClr val="000000"/>
+                </a:solidFill>
+                <a:miter lim="800000"/>
+                <a:headEnd/>
+                <a:tailEnd/>
+              </a14:hiddenLine>
+            </a:ext>
+          </a:extLst>
+        </p:spPr>
+        <p:txBody>
+          <a:bodyPr wrap="none">
+            <a:spAutoFit/>
+          </a:bodyPr>
+          <a:lstStyle>
+            <a:lvl1pPr eaLnBrk="0" hangingPunct="0">
+              <a:defRPr sz="2400">
+                <a:solidFill>
+                  <a:schemeClr val="tx1"/>
+                </a:solidFill>
+                <a:latin typeface="Arial" charset="0"/>
+                <a:ea typeface="ＭＳ Ｐゴシック" charset="0"/>
+                <a:cs typeface="ＭＳ Ｐゴシック" charset="0"/>
+              </a:defRPr>
+            </a:lvl1pPr>
+            <a:lvl2pPr marL="742950" indent="-285750" eaLnBrk="0" hangingPunct="0">
+              <a:defRPr sz="2400">
+                <a:solidFill>
+                  <a:schemeClr val="tx1"/>
+                </a:solidFill>
+                <a:latin typeface="Arial" charset="0"/>
+                <a:ea typeface="ＭＳ Ｐゴシック" charset="0"/>
+              </a:defRPr>
+            </a:lvl2pPr>
+            <a:lvl3pPr marL="1143000" indent="-228600" eaLnBrk="0" hangingPunct="0">
+              <a:defRPr sz="2400">
+                <a:solidFill>
+                  <a:schemeClr val="tx1"/>
+                </a:solidFill>
+                <a:latin typeface="Arial" charset="0"/>
+                <a:ea typeface="ＭＳ Ｐゴシック" charset="0"/>
+              </a:defRPr>
+            </a:lvl3pPr>
+            <a:lvl4pPr marL="1600200" indent="-228600" eaLnBrk="0" hangingPunct="0">
+              <a:defRPr sz="2400">
+                <a:solidFill>
+                  <a:schemeClr val="tx1"/>
+                </a:solidFill>
+                <a:latin typeface="Arial" charset="0"/>
+                <a:ea typeface="ＭＳ Ｐゴシック" charset="0"/>
+              </a:defRPr>
+            </a:lvl4pPr>
+            <a:lvl5pPr marL="2057400" indent="-228600" eaLnBrk="0" hangingPunct="0">
+              <a:defRPr sz="2400">
+                <a:solidFill>
+                  <a:schemeClr val="tx1"/>
+                </a:solidFill>
+                <a:latin typeface="Arial" charset="0"/>
+                <a:ea typeface="ＭＳ Ｐゴシック" charset="0"/>
+              </a:defRPr>
+            </a:lvl5pPr>
+            <a:lvl6pPr marL="2514600" indent="-228600" eaLnBrk="0" fontAlgn="base" hangingPunct="0">
+              <a:spcBef>
+                <a:spcPct val="0"/>
+              </a:spcBef>
+              <a:spcAft>
+                <a:spcPct val="0"/>
+              </a:spcAft>
+              <a:defRPr sz="2400">
+                <a:solidFill>
+                  <a:schemeClr val="tx1"/>
+                </a:solidFill>
+                <a:latin typeface="Arial" charset="0"/>
+                <a:ea typeface="ＭＳ Ｐゴシック" charset="0"/>
+              </a:defRPr>
+            </a:lvl6pPr>
+            <a:lvl7pPr marL="2971800" indent="-228600" eaLnBrk="0" fontAlgn="base" hangingPunct="0">
+              <a:spcBef>
+                <a:spcPct val="0"/>
+              </a:spcBef>
+              <a:spcAft>
+                <a:spcPct val="0"/>
+              </a:spcAft>
+              <a:defRPr sz="2400">
+                <a:solidFill>
+                  <a:schemeClr val="tx1"/>
+                </a:solidFill>
+                <a:latin typeface="Arial" charset="0"/>
+                <a:ea typeface="ＭＳ Ｐゴシック" charset="0"/>
+              </a:defRPr>
+            </a:lvl7pPr>
+            <a:lvl8pPr marL="3429000" indent="-228600" eaLnBrk="0" fontAlgn="base" hangingPunct="0">
+              <a:spcBef>
+                <a:spcPct val="0"/>
+              </a:spcBef>
+              <a:spcAft>
+                <a:spcPct val="0"/>
+              </a:spcAft>
+              <a:defRPr sz="2400">
+                <a:solidFill>
+                  <a:schemeClr val="tx1"/>
+                </a:solidFill>
+                <a:latin typeface="Arial" charset="0"/>
+                <a:ea typeface="ＭＳ Ｐゴシック" charset="0"/>
+              </a:defRPr>
+            </a:lvl8pPr>
+            <a:lvl9pPr marL="3886200" indent="-228600" eaLnBrk="0" fontAlgn="base" hangingPunct="0">
+              <a:spcBef>
+                <a:spcPct val="0"/>
+              </a:spcBef>
+              <a:spcAft>
+                <a:spcPct val="0"/>
+              </a:spcAft>
+              <a:defRPr sz="2400">
+                <a:solidFill>
+                  <a:schemeClr val="tx1"/>
+                </a:solidFill>
+                <a:latin typeface="Arial" charset="0"/>
+                <a:ea typeface="ＭＳ Ｐゴシック" charset="0"/>
+              </a:defRPr>
+            </a:lvl9pPr>
+          </a:lstStyle>
+          <a:p>
+            <a:pPr eaLnBrk="1" hangingPunct="1"/>
+            <a:r>
+              <a:rPr lang="en-US" sz="2000"/>
+              <a:t>3’ bias</a:t>
+            </a:r>
+          </a:p>
+        </p:txBody>
+      </p:sp>
+      <p:cxnSp>
+        <p:nvCxnSpPr>
+          <p:cNvPr id="8" name="Straight Arrow Connector 7"/>
+          <p:cNvCxnSpPr/>
+          <p:nvPr/>
+        </p:nvCxnSpPr>
+        <p:spPr>
+          <a:xfrm>
+            <a:off x="7886700" y="4437112"/>
+            <a:ext cx="0" cy="647873"/>
+          </a:xfrm>
+          <a:prstGeom prst="straightConnector1">
+            <a:avLst/>
+          </a:prstGeom>
+          <a:ln w="38100" cmpd="sng">
+            <a:solidFill>
+              <a:srgbClr val="4F81BD"/>
+            </a:solidFill>
+            <a:tailEnd type="arrow"/>
+          </a:ln>
+        </p:spPr>
+        <p:style>
+          <a:lnRef idx="2">
+            <a:schemeClr val="accent1"/>
+          </a:lnRef>
+          <a:fillRef idx="0">
+            <a:schemeClr val="accent1"/>
+          </a:fillRef>
+          <a:effectRef idx="1">
+            <a:schemeClr val="accent1"/>
+          </a:effectRef>
+          <a:fontRef idx="minor">
+            <a:schemeClr val="tx1"/>
+          </a:fontRef>
+        </p:style>
+      </p:cxnSp>
+      <p:sp>
+        <p:nvSpPr>
+          <p:cNvPr id="27654" name="TextBox 9"/>
+          <p:cNvSpPr txBox="1">
+            <a:spLocks noChangeArrowheads="1"/>
+          </p:cNvSpPr>
+          <p:nvPr/>
+        </p:nvSpPr>
+        <p:spPr bwMode="auto">
+          <a:xfrm>
+            <a:off x="7812087" y="4437112"/>
+            <a:ext cx="1331913" cy="646113"/>
+          </a:xfrm>
+          <a:prstGeom prst="rect">
+            <a:avLst/>
+          </a:prstGeom>
+          <a:noFill/>
+          <a:ln>
+            <a:noFill/>
+          </a:ln>
+          <a:extLst>
+            <a:ext uri="{909E8E84-426E-40dd-AFC4-6F175D3DCCD1}">
+              <a14:hiddenFill xmlns:a14="http://schemas.microsoft.com/office/drawing/2010/main">
+                <a:solidFill>
+                  <a:srgbClr val="FFFFFF"/>
+                </a:solidFill>
+              </a14:hiddenFill>
+            </a:ext>
+            <a:ext uri="{91240B29-F687-4f45-9708-019B960494DF}">
+              <a14:hiddenLine xmlns:a14="http://schemas.microsoft.com/office/drawing/2010/main" w="9525">
+                <a:solidFill>
+                  <a:srgbClr val="000000"/>
+                </a:solidFill>
+                <a:miter lim="800000"/>
+                <a:headEnd/>
+                <a:tailEnd/>
+              </a14:hiddenLine>
+            </a:ext>
+          </a:extLst>
+        </p:spPr>
+        <p:txBody>
+          <a:bodyPr>
+            <a:spAutoFit/>
+          </a:bodyPr>
+          <a:lstStyle>
+            <a:lvl1pPr eaLnBrk="0" hangingPunct="0">
+              <a:defRPr sz="2400">
+                <a:solidFill>
+                  <a:schemeClr val="tx1"/>
+                </a:solidFill>
+                <a:latin typeface="Arial" charset="0"/>
+                <a:ea typeface="ＭＳ Ｐゴシック" charset="0"/>
+                <a:cs typeface="ＭＳ Ｐゴシック" charset="0"/>
+              </a:defRPr>
+            </a:lvl1pPr>
+            <a:lvl2pPr marL="742950" indent="-285750" eaLnBrk="0" hangingPunct="0">
+              <a:defRPr sz="2400">
+                <a:solidFill>
+                  <a:schemeClr val="tx1"/>
+                </a:solidFill>
+                <a:latin typeface="Arial" charset="0"/>
+                <a:ea typeface="ＭＳ Ｐゴシック" charset="0"/>
+              </a:defRPr>
+            </a:lvl2pPr>
+            <a:lvl3pPr marL="1143000" indent="-228600" eaLnBrk="0" hangingPunct="0">
+              <a:defRPr sz="2400">
+                <a:solidFill>
+                  <a:schemeClr val="tx1"/>
+                </a:solidFill>
+                <a:latin typeface="Arial" charset="0"/>
+                <a:ea typeface="ＭＳ Ｐゴシック" charset="0"/>
+              </a:defRPr>
+            </a:lvl3pPr>
+            <a:lvl4pPr marL="1600200" indent="-228600" eaLnBrk="0" hangingPunct="0">
+              <a:defRPr sz="2400">
+                <a:solidFill>
+                  <a:schemeClr val="tx1"/>
+                </a:solidFill>
+                <a:latin typeface="Arial" charset="0"/>
+                <a:ea typeface="ＭＳ Ｐゴシック" charset="0"/>
+              </a:defRPr>
+            </a:lvl4pPr>
+            <a:lvl5pPr marL="2057400" indent="-228600" eaLnBrk="0" hangingPunct="0">
+              <a:defRPr sz="2400">
+                <a:solidFill>
+                  <a:schemeClr val="tx1"/>
+                </a:solidFill>
+                <a:latin typeface="Arial" charset="0"/>
+                <a:ea typeface="ＭＳ Ｐゴシック" charset="0"/>
+              </a:defRPr>
+            </a:lvl5pPr>
+            <a:lvl6pPr marL="2514600" indent="-228600" eaLnBrk="0" fontAlgn="base" hangingPunct="0">
+              <a:spcBef>
+                <a:spcPct val="0"/>
+              </a:spcBef>
+              <a:spcAft>
+                <a:spcPct val="0"/>
+              </a:spcAft>
+              <a:defRPr sz="2400">
+                <a:solidFill>
+                  <a:schemeClr val="tx1"/>
+                </a:solidFill>
+                <a:latin typeface="Arial" charset="0"/>
+                <a:ea typeface="ＭＳ Ｐゴシック" charset="0"/>
+              </a:defRPr>
+            </a:lvl6pPr>
+            <a:lvl7pPr marL="2971800" indent="-228600" eaLnBrk="0" fontAlgn="base" hangingPunct="0">
+              <a:spcBef>
+                <a:spcPct val="0"/>
+              </a:spcBef>
+              <a:spcAft>
+                <a:spcPct val="0"/>
+              </a:spcAft>
+              <a:defRPr sz="2400">
+                <a:solidFill>
+                  <a:schemeClr val="tx1"/>
+                </a:solidFill>
+                <a:latin typeface="Arial" charset="0"/>
+                <a:ea typeface="ＭＳ Ｐゴシック" charset="0"/>
+              </a:defRPr>
+            </a:lvl7pPr>
+            <a:lvl8pPr marL="3429000" indent="-228600" eaLnBrk="0" fontAlgn="base" hangingPunct="0">
+              <a:spcBef>
+                <a:spcPct val="0"/>
+              </a:spcBef>
+              <a:spcAft>
+                <a:spcPct val="0"/>
+              </a:spcAft>
+              <a:defRPr sz="2400">
+                <a:solidFill>
+                  <a:schemeClr val="tx1"/>
+                </a:solidFill>
+                <a:latin typeface="Arial" charset="0"/>
+                <a:ea typeface="ＭＳ Ｐゴシック" charset="0"/>
+              </a:defRPr>
+            </a:lvl8pPr>
+            <a:lvl9pPr marL="3886200" indent="-228600" eaLnBrk="0" fontAlgn="base" hangingPunct="0">
+              <a:spcBef>
+                <a:spcPct val="0"/>
+              </a:spcBef>
+              <a:spcAft>
+                <a:spcPct val="0"/>
+              </a:spcAft>
+              <a:defRPr sz="2400">
+                <a:solidFill>
+                  <a:schemeClr val="tx1"/>
+                </a:solidFill>
+                <a:latin typeface="Arial" charset="0"/>
+                <a:ea typeface="ＭＳ Ｐゴシック" charset="0"/>
+              </a:defRPr>
+            </a:lvl9pPr>
+          </a:lstStyle>
+          <a:p>
+            <a:pPr algn="ctr" eaLnBrk="1" hangingPunct="1"/>
+            <a:r>
+              <a:rPr lang="en-US" sz="1800" dirty="0" smtClean="0"/>
+              <a:t>Down-</a:t>
+            </a:r>
+            <a:r>
+              <a:rPr lang="en-US" sz="1800" dirty="0"/>
+              <a:t>regulated</a:t>
+            </a:r>
+          </a:p>
+        </p:txBody>
+      </p:sp>
+      <p:pic>
+        <p:nvPicPr>
+          <p:cNvPr id="3" name="Content Placeholder 2" descr="Screen Shot 2013-05-30 at 8.54.37 PM.png"/>
+          <p:cNvPicPr>
+            <a:picLocks noGrp="1" noChangeAspect="1"/>
+          </p:cNvPicPr>
+          <p:nvPr>
+            <p:ph idx="1"/>
+          </p:nvPr>
+        </p:nvPicPr>
+        <p:blipFill rotWithShape="1">
+          <a:blip r:embed="rId2">
+            <a:extLst>
+              <a:ext uri="{28A0092B-C50C-407E-A947-70E740481C1C}">
+                <a14:useLocalDpi xmlns:a14="http://schemas.microsoft.com/office/drawing/2010/main" val="0"/>
+              </a:ext>
+            </a:extLst>
+          </a:blip>
+          <a:srcRect l="-575" r="-700"/>
+          <a:stretch/>
+        </p:blipFill>
+        <p:spPr>
+          <a:xfrm>
+            <a:off x="1322418" y="1600200"/>
+            <a:ext cx="6507347" cy="4724400"/>
+          </a:xfrm>
+        </p:spPr>
+      </p:pic>
+    </p:spTree>
+    <p:extLst>
+      <p:ext uri="{BB962C8B-B14F-4D97-AF65-F5344CB8AC3E}">
+        <p14:creationId xmlns:p14="http://schemas.microsoft.com/office/powerpoint/2010/main" val="3311287323"/>
+      </p:ext>
+    </p:extLst>
+  </p:cSld>
+  <p:clrMapOvr>
+    <a:masterClrMapping/>
+  </p:clrMapOvr>
+  <p:timing>
+    <p:tnLst>
+      <p:par>
+        <p:cTn xmlns:p14="http://schemas.microsoft.com/office/powerpoint/2010/main" id="1" dur="indefinite" restart="never" nodeType="tmRoot"/>
+      </p:par>
+    </p:tnLst>
+  </p:timing>
+</p:sld>
+</file>
+
+<file path=ppt/slides/slide6.xml><?xml version="1.0" encoding="utf-8"?>
+<p:sld xmlns:a="http://schemas.openxmlformats.org/drawingml/2006/main" xmlns:r="http://schemas.openxmlformats.org/officeDocument/2006/relationships" xmlns:p="http://schemas.openxmlformats.org/presentationml/2006/main">
+  <p:cSld>
+    <p:spTree>
+      <p:nvGrpSpPr>
+        <p:cNvPr id="1" name=""/>
+        <p:cNvGrpSpPr/>
+        <p:nvPr/>
+      </p:nvGrpSpPr>
+      <p:grpSpPr>
+        <a:xfrm>
+          <a:off x="0" y="0"/>
+          <a:ext cx="0" cy="0"/>
+          <a:chOff x="0" y="0"/>
+          <a:chExt cx="0" cy="0"/>
+        </a:xfrm>
+      </p:grpSpPr>
+      <p:sp>
+        <p:nvSpPr>
+          <p:cNvPr id="28673" name="Title 1"/>
+          <p:cNvSpPr>
+            <a:spLocks noGrp="1"/>
+          </p:cNvSpPr>
+          <p:nvPr>
+            <p:ph type="title"/>
+          </p:nvPr>
+        </p:nvSpPr>
+        <p:spPr>
+          <a:xfrm>
+            <a:off x="152400" y="-27384"/>
+            <a:ext cx="8839200" cy="1143000"/>
+          </a:xfrm>
+        </p:spPr>
+        <p:txBody>
+          <a:bodyPr/>
+          <a:lstStyle/>
+          <a:p>
+            <a:r>
+              <a:rPr lang="en-US" dirty="0">
+                <a:latin typeface="Calibri" charset="0"/>
+                <a:ea typeface="ＭＳ Ｐゴシック" charset="0"/>
+              </a:rPr>
+              <a:t>What is </a:t>
+            </a:r>
+            <a:r>
+              <a:rPr lang="en-US" dirty="0" smtClean="0">
+                <a:latin typeface="Calibri" charset="0"/>
+                <a:ea typeface="ＭＳ Ｐゴシック" charset="0"/>
+              </a:rPr>
+              <a:t>FPKM (RPKM)</a:t>
+            </a:r>
+            <a:endParaRPr lang="en-US" dirty="0">
+              <a:latin typeface="Calibri" charset="0"/>
+              <a:ea typeface="ＭＳ Ｐゴシック" charset="0"/>
+            </a:endParaRPr>
+          </a:p>
+        </p:txBody>
+      </p:sp>
+      <p:sp>
+        <p:nvSpPr>
+          <p:cNvPr id="28674" name="Content Placeholder 2"/>
+          <p:cNvSpPr>
+            <a:spLocks noGrp="1"/>
+          </p:cNvSpPr>
+          <p:nvPr>
+            <p:ph idx="1"/>
+          </p:nvPr>
+        </p:nvSpPr>
+        <p:spPr>
+          <a:xfrm>
+            <a:off x="152400" y="1340768"/>
+            <a:ext cx="8839200" cy="4983832"/>
+          </a:xfrm>
+        </p:spPr>
+        <p:txBody>
+          <a:bodyPr wrap="square">
+            <a:normAutofit fontScale="77500" lnSpcReduction="20000"/>
+          </a:bodyPr>
+          <a:lstStyle/>
+          <a:p>
+            <a:r>
+              <a:rPr lang="en-US" dirty="0">
+                <a:latin typeface="Calibri" charset="0"/>
+                <a:ea typeface="ＭＳ Ｐゴシック" charset="0"/>
+              </a:rPr>
+              <a:t>RPKM: Reads Per </a:t>
+            </a:r>
+            <a:r>
+              <a:rPr lang="en-US" dirty="0" err="1">
+                <a:latin typeface="Calibri" charset="0"/>
+                <a:ea typeface="ＭＳ Ｐゴシック" charset="0"/>
+              </a:rPr>
+              <a:t>Kilobase</a:t>
+            </a:r>
+            <a:r>
+              <a:rPr lang="en-US" dirty="0">
+                <a:latin typeface="Calibri" charset="0"/>
+                <a:ea typeface="ＭＳ Ｐゴシック" charset="0"/>
+              </a:rPr>
+              <a:t> of transcript per Million mapped reads. </a:t>
+            </a:r>
+          </a:p>
+          <a:p>
+            <a:r>
+              <a:rPr lang="en-US" dirty="0">
+                <a:latin typeface="Calibri" charset="0"/>
+                <a:ea typeface="ＭＳ Ｐゴシック" charset="0"/>
+              </a:rPr>
+              <a:t>FPKM: Fragments Per </a:t>
+            </a:r>
+            <a:r>
+              <a:rPr lang="en-US" dirty="0" err="1">
+                <a:latin typeface="Calibri" charset="0"/>
+                <a:ea typeface="ＭＳ Ｐゴシック" charset="0"/>
+              </a:rPr>
+              <a:t>Kilobase</a:t>
+            </a:r>
+            <a:r>
+              <a:rPr lang="en-US" dirty="0">
+                <a:latin typeface="Calibri" charset="0"/>
+                <a:ea typeface="ＭＳ Ｐゴシック" charset="0"/>
+              </a:rPr>
+              <a:t> of transcript per Million mapped reads.</a:t>
+            </a:r>
+          </a:p>
+          <a:p>
+            <a:r>
+              <a:rPr lang="en-US" dirty="0" smtClean="0">
+                <a:latin typeface="Calibri" charset="0"/>
+                <a:ea typeface="ＭＳ Ｐゴシック" charset="0"/>
+              </a:rPr>
+              <a:t>In </a:t>
+            </a:r>
+            <a:r>
+              <a:rPr lang="en-US" dirty="0">
+                <a:latin typeface="Calibri" charset="0"/>
+                <a:ea typeface="ＭＳ Ｐゴシック" charset="0"/>
+              </a:rPr>
+              <a:t>RNA-</a:t>
+            </a:r>
+            <a:r>
+              <a:rPr lang="en-US" dirty="0" err="1">
+                <a:latin typeface="Calibri" charset="0"/>
+                <a:ea typeface="ＭＳ Ｐゴシック" charset="0"/>
+              </a:rPr>
+              <a:t>Seq</a:t>
+            </a:r>
+            <a:r>
+              <a:rPr lang="en-US" dirty="0">
+                <a:latin typeface="Calibri" charset="0"/>
+                <a:ea typeface="ＭＳ Ｐゴシック" charset="0"/>
+              </a:rPr>
+              <a:t>, the relative expression of a transcript is proportional to the number of </a:t>
+            </a:r>
+            <a:r>
+              <a:rPr lang="en-US" dirty="0" err="1">
+                <a:latin typeface="Calibri" charset="0"/>
+                <a:ea typeface="ＭＳ Ｐゴシック" charset="0"/>
+              </a:rPr>
+              <a:t>cDNA</a:t>
+            </a:r>
+            <a:r>
+              <a:rPr lang="en-US" dirty="0">
+                <a:latin typeface="Calibri" charset="0"/>
+                <a:ea typeface="ＭＳ Ｐゴシック" charset="0"/>
+              </a:rPr>
+              <a:t> fragments that originate from it</a:t>
+            </a:r>
+            <a:r>
+              <a:rPr lang="en-US" dirty="0" smtClean="0">
+                <a:latin typeface="Calibri" charset="0"/>
+                <a:ea typeface="ＭＳ Ｐゴシック" charset="0"/>
+              </a:rPr>
+              <a:t>. However: </a:t>
+            </a:r>
+          </a:p>
+          <a:p>
+            <a:pPr lvl="1"/>
+            <a:r>
+              <a:rPr lang="en-US" dirty="0" smtClean="0">
+                <a:latin typeface="Calibri" charset="0"/>
+                <a:ea typeface="ＭＳ Ｐゴシック" charset="0"/>
+              </a:rPr>
+              <a:t>The number of fragments is also biased towards larger genes</a:t>
+            </a:r>
+          </a:p>
+          <a:p>
+            <a:pPr lvl="1"/>
+            <a:r>
+              <a:rPr lang="en-US" dirty="0" smtClean="0">
+                <a:latin typeface="Calibri" charset="0"/>
+                <a:ea typeface="ＭＳ Ｐゴシック" charset="0"/>
+              </a:rPr>
+              <a:t>The total number of fragments is related to total library depth</a:t>
+            </a:r>
+          </a:p>
+          <a:p>
+            <a:r>
+              <a:rPr lang="en-US" dirty="0" smtClean="0">
+                <a:latin typeface="Calibri" charset="0"/>
+                <a:ea typeface="ＭＳ Ｐゴシック" charset="0"/>
+              </a:rPr>
+              <a:t>FPKM (or RPKM) attempt to normalize for gene size and library depth</a:t>
+            </a:r>
+          </a:p>
+          <a:p>
+            <a:endParaRPr lang="en-US" dirty="0">
+              <a:latin typeface="Calibri" charset="0"/>
+              <a:ea typeface="ＭＳ Ｐゴシック" charset="0"/>
+            </a:endParaRPr>
+          </a:p>
+          <a:p>
+            <a:r>
+              <a:rPr lang="nl-NL" dirty="0" smtClean="0">
+                <a:latin typeface="Calibri" charset="0"/>
+                <a:ea typeface="ＭＳ Ｐゴシック" charset="0"/>
+              </a:rPr>
+              <a:t>RPKM (or FPKM) = (10</a:t>
+            </a:r>
+            <a:r>
+              <a:rPr lang="nl-NL" dirty="0">
+                <a:latin typeface="Calibri" charset="0"/>
+                <a:ea typeface="ＭＳ Ｐゴシック" charset="0"/>
+              </a:rPr>
+              <a:t>^9 * </a:t>
+            </a:r>
+            <a:r>
+              <a:rPr lang="nl-NL" dirty="0" smtClean="0">
+                <a:latin typeface="Calibri" charset="0"/>
+                <a:ea typeface="ＭＳ Ｐゴシック" charset="0"/>
+              </a:rPr>
+              <a:t>C) </a:t>
+            </a:r>
+            <a:r>
+              <a:rPr lang="nl-NL" dirty="0">
+                <a:latin typeface="Calibri" charset="0"/>
+                <a:ea typeface="ＭＳ Ｐゴシック" charset="0"/>
+              </a:rPr>
+              <a:t>/ (N * L)</a:t>
+            </a:r>
+            <a:r>
+              <a:rPr lang="en-US" dirty="0" smtClean="0">
+                <a:latin typeface="Calibri" charset="0"/>
+                <a:ea typeface="ＭＳ Ｐゴシック" charset="0"/>
+              </a:rPr>
+              <a:t> </a:t>
+            </a:r>
+          </a:p>
+          <a:p>
+            <a:pPr lvl="1"/>
+            <a:r>
+              <a:rPr lang="en-US" dirty="0" smtClean="0">
+                <a:latin typeface="Calibri" charset="0"/>
+                <a:ea typeface="ＭＳ Ｐゴシック" charset="0"/>
+              </a:rPr>
+              <a:t>C = number </a:t>
+            </a:r>
+            <a:r>
+              <a:rPr lang="en-US" dirty="0">
+                <a:latin typeface="Calibri" charset="0"/>
+                <a:ea typeface="ＭＳ Ｐゴシック" charset="0"/>
+              </a:rPr>
+              <a:t>of </a:t>
+            </a:r>
+            <a:r>
+              <a:rPr lang="en-US" dirty="0" err="1">
+                <a:latin typeface="Calibri" charset="0"/>
+                <a:ea typeface="ＭＳ Ｐゴシック" charset="0"/>
+              </a:rPr>
+              <a:t>mappable</a:t>
+            </a:r>
+            <a:r>
+              <a:rPr lang="en-US" dirty="0">
+                <a:latin typeface="Calibri" charset="0"/>
+                <a:ea typeface="ＭＳ Ｐゴシック" charset="0"/>
+              </a:rPr>
+              <a:t> </a:t>
+            </a:r>
+            <a:r>
+              <a:rPr lang="en-US" dirty="0" smtClean="0">
+                <a:latin typeface="Calibri" charset="0"/>
+                <a:ea typeface="ＭＳ Ｐゴシック" charset="0"/>
+              </a:rPr>
+              <a:t>reads/fragments for a gene/transcript/exon/</a:t>
+            </a:r>
+            <a:r>
+              <a:rPr lang="en-US" dirty="0" err="1" smtClean="0">
+                <a:latin typeface="Calibri" charset="0"/>
+                <a:ea typeface="ＭＳ Ｐゴシック" charset="0"/>
+              </a:rPr>
+              <a:t>etc</a:t>
+            </a:r>
+            <a:endParaRPr lang="en-US" dirty="0" smtClean="0">
+              <a:latin typeface="Calibri" charset="0"/>
+              <a:ea typeface="ＭＳ Ｐゴシック" charset="0"/>
+            </a:endParaRPr>
+          </a:p>
+          <a:p>
+            <a:pPr lvl="1"/>
+            <a:r>
+              <a:rPr lang="en-US" dirty="0" smtClean="0">
+                <a:latin typeface="Calibri" charset="0"/>
+                <a:ea typeface="ＭＳ Ｐゴシック" charset="0"/>
+              </a:rPr>
+              <a:t>N = </a:t>
+            </a:r>
+            <a:r>
+              <a:rPr lang="en-US" dirty="0">
+                <a:latin typeface="Calibri" charset="0"/>
+                <a:ea typeface="ＭＳ Ｐゴシック" charset="0"/>
+              </a:rPr>
+              <a:t>total number of </a:t>
+            </a:r>
+            <a:r>
+              <a:rPr lang="en-US" dirty="0" err="1">
+                <a:latin typeface="Calibri" charset="0"/>
+                <a:ea typeface="ＭＳ Ｐゴシック" charset="0"/>
+              </a:rPr>
+              <a:t>mappable</a:t>
+            </a:r>
+            <a:r>
+              <a:rPr lang="en-US" dirty="0">
+                <a:latin typeface="Calibri" charset="0"/>
+                <a:ea typeface="ＭＳ Ｐゴシック" charset="0"/>
+              </a:rPr>
+              <a:t> </a:t>
+            </a:r>
+            <a:r>
+              <a:rPr lang="en-US" dirty="0" smtClean="0">
+                <a:latin typeface="Calibri" charset="0"/>
+                <a:ea typeface="ＭＳ Ｐゴシック" charset="0"/>
+              </a:rPr>
+              <a:t>reads/fragments </a:t>
+            </a:r>
+            <a:r>
+              <a:rPr lang="en-US" dirty="0">
+                <a:latin typeface="Calibri" charset="0"/>
+                <a:ea typeface="ＭＳ Ｐゴシック" charset="0"/>
+              </a:rPr>
+              <a:t>in the </a:t>
+            </a:r>
+            <a:r>
+              <a:rPr lang="en-US" dirty="0" smtClean="0">
+                <a:latin typeface="Calibri" charset="0"/>
+                <a:ea typeface="ＭＳ Ｐゴシック" charset="0"/>
+              </a:rPr>
+              <a:t>library </a:t>
+            </a:r>
+          </a:p>
+          <a:p>
+            <a:pPr lvl="1"/>
+            <a:r>
+              <a:rPr lang="en-US" dirty="0" smtClean="0">
+                <a:latin typeface="Calibri" charset="0"/>
+                <a:ea typeface="ＭＳ Ｐゴシック" charset="0"/>
+              </a:rPr>
+              <a:t>L = </a:t>
+            </a:r>
+            <a:r>
+              <a:rPr lang="en-US" dirty="0">
+                <a:latin typeface="Calibri" charset="0"/>
+                <a:ea typeface="ＭＳ Ｐゴシック" charset="0"/>
+              </a:rPr>
+              <a:t>number of base pairs in the </a:t>
+            </a:r>
+            <a:r>
+              <a:rPr lang="en-US" dirty="0" smtClean="0">
+                <a:latin typeface="Calibri" charset="0"/>
+                <a:ea typeface="ＭＳ Ｐゴシック" charset="0"/>
+              </a:rPr>
+              <a:t>gene/transcript/exon/</a:t>
+            </a:r>
+            <a:r>
+              <a:rPr lang="en-US" dirty="0" err="1" smtClean="0">
+                <a:latin typeface="Calibri" charset="0"/>
+                <a:ea typeface="ＭＳ Ｐゴシック" charset="0"/>
+              </a:rPr>
+              <a:t>etc</a:t>
+            </a:r>
+            <a:endParaRPr lang="en-US" dirty="0" smtClean="0">
+              <a:latin typeface="Calibri" charset="0"/>
+              <a:ea typeface="ＭＳ Ｐゴシック" charset="0"/>
+            </a:endParaRPr>
+          </a:p>
+          <a:p>
+            <a:endParaRPr lang="en-US" dirty="0">
+              <a:latin typeface="Calibri" charset="0"/>
+              <a:ea typeface="ＭＳ Ｐゴシック" charset="0"/>
+            </a:endParaRPr>
+          </a:p>
+          <a:p>
+            <a:r>
+              <a:rPr lang="en-US" dirty="0">
+                <a:latin typeface="Calibri" charset="0"/>
+                <a:ea typeface="ＭＳ Ｐゴシック" charset="0"/>
+                <a:hlinkClick r:id="rId3"/>
+              </a:rPr>
+              <a:t>http://www.biostars.org/p/11378</a:t>
+            </a:r>
+            <a:r>
+              <a:rPr lang="en-US" dirty="0" smtClean="0">
+                <a:latin typeface="Calibri" charset="0"/>
+                <a:ea typeface="ＭＳ Ｐゴシック" charset="0"/>
+                <a:hlinkClick r:id="rId3"/>
+              </a:rPr>
+              <a:t>/</a:t>
+            </a:r>
+            <a:endParaRPr lang="en-US" dirty="0" smtClean="0">
+              <a:latin typeface="Calibri" charset="0"/>
+              <a:ea typeface="ＭＳ Ｐゴシック" charset="0"/>
+            </a:endParaRPr>
+          </a:p>
+          <a:p>
+            <a:r>
+              <a:rPr lang="en-US" dirty="0">
+                <a:latin typeface="Calibri" charset="0"/>
+                <a:ea typeface="ＭＳ Ｐゴシック" charset="0"/>
+                <a:hlinkClick r:id="rId4"/>
+              </a:rPr>
+              <a:t>http://www.biostars.org/p/68126</a:t>
+            </a:r>
+            <a:r>
+              <a:rPr lang="en-US" dirty="0" smtClean="0">
+                <a:latin typeface="Calibri" charset="0"/>
+                <a:ea typeface="ＭＳ Ｐゴシック" charset="0"/>
+                <a:hlinkClick r:id="rId4"/>
+              </a:rPr>
+              <a:t>/</a:t>
+            </a:r>
+            <a:endParaRPr lang="en-US" dirty="0" smtClean="0">
+              <a:latin typeface="Calibri" charset="0"/>
+              <a:ea typeface="ＭＳ Ｐゴシック" charset="0"/>
+            </a:endParaRPr>
+          </a:p>
+          <a:p>
+            <a:endParaRPr lang="en-US" dirty="0" smtClean="0">
+              <a:latin typeface="Calibri" charset="0"/>
+              <a:ea typeface="ＭＳ Ｐゴシック" charset="0"/>
+            </a:endParaRPr>
+          </a:p>
+          <a:p>
+            <a:endParaRPr lang="en-US" dirty="0">
+              <a:latin typeface="Calibri" charset="0"/>
+              <a:ea typeface="ＭＳ Ｐゴシック" charset="0"/>
+            </a:endParaRPr>
+          </a:p>
+        </p:txBody>
+      </p:sp>
+    </p:spTree>
+    <p:extLst>
+      <p:ext uri="{BB962C8B-B14F-4D97-AF65-F5344CB8AC3E}">
+        <p14:creationId xmlns:p14="http://schemas.microsoft.com/office/powerpoint/2010/main" val="1997726832"/>
+      </p:ext>
+    </p:extLst>
+  </p:cSld>
+  <p:clrMapOvr>
+    <a:masterClrMapping/>
+  </p:clrMapOvr>
+  <p:timing>
+    <p:tnLst>
+      <p:par>
+        <p:cTn xmlns:p14="http://schemas.microsoft.com/office/powerpoint/2010/main" id="1" dur="indefinite" restart="never" nodeType="tmRoot"/>
+      </p:par>
+    </p:tnLst>
+  </p:timing>
+</p:sld>
+</file>
+
+<file path=ppt/slides/slide7.xml><?xml version="1.0" encoding="utf-8"?>
+<p:sld xmlns:a="http://schemas.openxmlformats.org/drawingml/2006/main" xmlns:r="http://schemas.openxmlformats.org/officeDocument/2006/relationships" xmlns:p="http://schemas.openxmlformats.org/presentationml/2006/main">
+  <p:cSld>
+    <p:spTree>
+      <p:nvGrpSpPr>
+        <p:cNvPr id="1" name=""/>
+        <p:cNvGrpSpPr/>
+        <p:nvPr/>
+      </p:nvGrpSpPr>
+      <p:grpSpPr>
+        <a:xfrm>
+          <a:off x="0" y="0"/>
+          <a:ext cx="0" cy="0"/>
+          <a:chOff x="0" y="0"/>
+          <a:chExt cx="0" cy="0"/>
+        </a:xfrm>
+      </p:grpSpPr>
+      <p:sp>
+        <p:nvSpPr>
+          <p:cNvPr id="2" name="Title 1"/>
+          <p:cNvSpPr>
+            <a:spLocks noGrp="1"/>
+          </p:cNvSpPr>
+          <p:nvPr>
+            <p:ph type="title"/>
+          </p:nvPr>
+        </p:nvSpPr>
+        <p:spPr>
+          <a:xfrm>
+            <a:off x="152400" y="274638"/>
+            <a:ext cx="8839200" cy="490066"/>
+          </a:xfrm>
+        </p:spPr>
+        <p:txBody>
+          <a:bodyPr/>
+          <a:lstStyle/>
+          <a:p>
+            <a:r>
+              <a:rPr lang="en-US" dirty="0" smtClean="0"/>
+              <a:t>How does </a:t>
+            </a:r>
+            <a:r>
+              <a:rPr lang="en-US" dirty="0" err="1" smtClean="0"/>
+              <a:t>StringTie</a:t>
+            </a:r>
+            <a:r>
+              <a:rPr lang="en-US" dirty="0" smtClean="0"/>
+              <a:t> work?</a:t>
+            </a:r>
+            <a:endParaRPr lang="en-US" dirty="0"/>
+          </a:p>
+        </p:txBody>
+      </p:sp>
+      <p:pic>
+        <p:nvPicPr>
+          <p:cNvPr id="4" name="Content Placeholder 3" descr="nbt.3122-F1.jpg"/>
+          <p:cNvPicPr>
+            <a:picLocks noGrp="1" noChangeAspect="1"/>
+          </p:cNvPicPr>
+          <p:nvPr>
+            <p:ph idx="1"/>
+          </p:nvPr>
+        </p:nvPicPr>
+        <p:blipFill rotWithShape="1">
+          <a:blip r:embed="rId3">
+            <a:extLst>
+              <a:ext uri="{28A0092B-C50C-407E-A947-70E740481C1C}">
+                <a14:useLocalDpi xmlns:a14="http://schemas.microsoft.com/office/drawing/2010/main" val="0"/>
+              </a:ext>
+            </a:extLst>
+          </a:blip>
+          <a:srcRect l="-22128" t="-943" r="-23212"/>
+          <a:stretch/>
+        </p:blipFill>
+        <p:spPr>
+          <a:xfrm>
+            <a:off x="1331640" y="980728"/>
+            <a:ext cx="9155867" cy="4893653"/>
+          </a:xfrm>
+        </p:spPr>
+      </p:pic>
+      <p:sp>
+        <p:nvSpPr>
+          <p:cNvPr id="7" name="TextBox 6"/>
+          <p:cNvSpPr txBox="1"/>
+          <p:nvPr/>
+        </p:nvSpPr>
+        <p:spPr>
+          <a:xfrm>
+            <a:off x="3723" y="764704"/>
+            <a:ext cx="2987824" cy="5355313"/>
+          </a:xfrm>
+          <a:prstGeom prst="rect">
+            <a:avLst/>
+          </a:prstGeom>
+          <a:noFill/>
+        </p:spPr>
+        <p:txBody>
+          <a:bodyPr wrap="square" rtlCol="0">
+            <a:spAutoFit/>
+          </a:bodyPr>
+          <a:lstStyle/>
+          <a:p>
+            <a:pPr marL="285750" indent="-285750">
+              <a:buFont typeface="Arial"/>
+              <a:buChar char="•"/>
+            </a:pPr>
+            <a:r>
+              <a:rPr lang="en-US" sz="1800" dirty="0" err="1"/>
+              <a:t>StringTie</a:t>
+            </a:r>
+            <a:r>
+              <a:rPr lang="en-US" sz="1800" dirty="0"/>
+              <a:t> iteratively extracts the heaviest path from a splice graph, constructs a flow network, computes maximum flow to estimate abundance, and then updates the splice graph by removing reads that were assigned by the flow algorithm. This process repeats until all reads have been assigned. </a:t>
+            </a:r>
+            <a:endParaRPr lang="en-US" sz="1800" dirty="0" smtClean="0"/>
+          </a:p>
+          <a:p>
+            <a:pPr marL="285750" indent="-285750">
+              <a:buFont typeface="Arial"/>
+              <a:buChar char="•"/>
+            </a:pPr>
+            <a:r>
+              <a:rPr lang="en-US" sz="1800" dirty="0"/>
+              <a:t>Annotated transcript T for which read data covers only the fragments F1 and F2. </a:t>
+            </a:r>
+          </a:p>
+        </p:txBody>
+      </p:sp>
+    </p:spTree>
+    <p:extLst>
+      <p:ext uri="{BB962C8B-B14F-4D97-AF65-F5344CB8AC3E}">
+        <p14:creationId xmlns:p14="http://schemas.microsoft.com/office/powerpoint/2010/main" val="3038214154"/>
+      </p:ext>
+    </p:extLst>
+  </p:cSld>
+  <p:clrMapOvr>
+    <a:masterClrMapping/>
+  </p:clrMapOvr>
+</p:sld>
+</file>
+
+<file path=ppt/slides/slide8.xml><?xml version="1.0" encoding="utf-8"?>
+<p:sld xmlns:a="http://schemas.openxmlformats.org/drawingml/2006/main" xmlns:r="http://schemas.openxmlformats.org/officeDocument/2006/relationships" xmlns:p="http://schemas.openxmlformats.org/presentationml/2006/main">
+  <p:cSld>
+    <p:spTree>
+      <p:nvGrpSpPr>
+        <p:cNvPr id="1" name=""/>
+        <p:cNvGrpSpPr/>
+        <p:nvPr/>
+      </p:nvGrpSpPr>
+      <p:grpSpPr>
+        <a:xfrm>
+          <a:off x="0" y="0"/>
+          <a:ext cx="0" cy="0"/>
+          <a:chOff x="0" y="0"/>
+          <a:chExt cx="0" cy="0"/>
+        </a:xfrm>
+      </p:grpSpPr>
+      <p:sp>
+        <p:nvSpPr>
+          <p:cNvPr id="2" name="Title 1"/>
+          <p:cNvSpPr>
+            <a:spLocks noGrp="1"/>
+          </p:cNvSpPr>
+          <p:nvPr>
+            <p:ph type="title"/>
+          </p:nvPr>
+        </p:nvSpPr>
+        <p:spPr/>
+        <p:txBody>
+          <a:bodyPr/>
+          <a:lstStyle/>
+          <a:p>
+            <a:r>
+              <a:rPr lang="en-US" dirty="0" err="1" smtClean="0"/>
+              <a:t>StringTie</a:t>
+            </a:r>
+            <a:r>
+              <a:rPr lang="en-US" dirty="0" smtClean="0"/>
+              <a:t> –merge &amp; </a:t>
+            </a:r>
+            <a:r>
+              <a:rPr lang="en-US" dirty="0" err="1" smtClean="0"/>
+              <a:t>gffcompare</a:t>
+            </a:r>
+            <a:r>
+              <a:rPr lang="en-US" dirty="0" smtClean="0"/>
+              <a:t> for </a:t>
+            </a:r>
+            <a:endParaRPr lang="en-US" dirty="0"/>
+          </a:p>
+        </p:txBody>
+      </p:sp>
+      <p:sp>
+        <p:nvSpPr>
+          <p:cNvPr id="3" name="Content Placeholder 2"/>
+          <p:cNvSpPr>
+            <a:spLocks noGrp="1"/>
+          </p:cNvSpPr>
+          <p:nvPr>
+            <p:ph idx="1"/>
+          </p:nvPr>
+        </p:nvSpPr>
+        <p:spPr/>
+        <p:txBody>
+          <a:bodyPr/>
+          <a:lstStyle/>
+          <a:p>
+            <a:r>
+              <a:rPr lang="en-US" dirty="0" smtClean="0"/>
+              <a:t>--merge allows for the incorporation of known transcripts with assembled, potentially novel transcripts</a:t>
+            </a:r>
+          </a:p>
+          <a:p>
+            <a:r>
+              <a:rPr lang="en-US" dirty="0" err="1" smtClean="0"/>
+              <a:t>Gffcompare</a:t>
+            </a:r>
+            <a:r>
+              <a:rPr lang="en-US" dirty="0" smtClean="0"/>
+              <a:t> will compare a merged transcript GTF with known annotation, also in GTF/GFF3 format</a:t>
+            </a:r>
+          </a:p>
+          <a:p>
+            <a:pPr lvl="1"/>
+            <a:r>
+              <a:rPr lang="en-US" dirty="0" smtClean="0"/>
+              <a:t>[INSERT class codes]</a:t>
+            </a:r>
+            <a:endParaRPr lang="en-US" dirty="0"/>
+          </a:p>
+        </p:txBody>
+      </p:sp>
+    </p:spTree>
+    <p:extLst>
+      <p:ext uri="{BB962C8B-B14F-4D97-AF65-F5344CB8AC3E}">
+        <p14:creationId xmlns:p14="http://schemas.microsoft.com/office/powerpoint/2010/main" val="1780513396"/>
+      </p:ext>
+    </p:extLst>
+  </p:cSld>
+  <p:clrMapOvr>
+    <a:masterClrMapping/>
+  </p:clrMapOvr>
+</p:sld>
+</file>
+
+<file path=ppt/slides/slide9.xml><?xml version="1.0" encoding="utf-8"?>
+<p:sld xmlns:a="http://schemas.openxmlformats.org/drawingml/2006/main" xmlns:r="http://schemas.openxmlformats.org/officeDocument/2006/relationships" xmlns:p="http://schemas.openxmlformats.org/presentationml/2006/main">
+  <p:cSld>
+    <p:spTree>
+      <p:nvGrpSpPr>
+        <p:cNvPr id="1" name=""/>
+        <p:cNvGrpSpPr/>
+        <p:nvPr/>
+      </p:nvGrpSpPr>
+      <p:grpSpPr>
+        <a:xfrm>
+          <a:off x="0" y="0"/>
+          <a:ext cx="0" cy="0"/>
+          <a:chOff x="0" y="0"/>
+          <a:chExt cx="0" cy="0"/>
+        </a:xfrm>
+      </p:grpSpPr>
+      <p:sp>
+        <p:nvSpPr>
+          <p:cNvPr id="2" name="Title 1"/>
+          <p:cNvSpPr>
+            <a:spLocks noGrp="1"/>
+          </p:cNvSpPr>
+          <p:nvPr>
+            <p:ph type="title"/>
+          </p:nvPr>
+        </p:nvSpPr>
+        <p:spPr>
+          <a:xfrm>
+            <a:off x="152400" y="0"/>
+            <a:ext cx="8839200" cy="764704"/>
+          </a:xfrm>
+        </p:spPr>
+        <p:txBody>
+          <a:bodyPr/>
+          <a:lstStyle/>
+          <a:p>
+            <a:r>
+              <a:rPr lang="en-US" dirty="0" err="1" smtClean="0"/>
+              <a:t>Ballgown</a:t>
+            </a:r>
+            <a:r>
+              <a:rPr lang="en-US" dirty="0"/>
+              <a:t> </a:t>
+            </a:r>
+            <a:r>
+              <a:rPr lang="en-US" dirty="0" smtClean="0"/>
+              <a:t>for Differential Expression</a:t>
+            </a:r>
+            <a:endParaRPr lang="en-US" dirty="0"/>
+          </a:p>
+        </p:txBody>
+      </p:sp>
+      <p:sp>
+        <p:nvSpPr>
+          <p:cNvPr id="3" name="Content Placeholder 2"/>
+          <p:cNvSpPr>
+            <a:spLocks noGrp="1"/>
+          </p:cNvSpPr>
+          <p:nvPr>
+            <p:ph idx="1"/>
+          </p:nvPr>
+        </p:nvSpPr>
+        <p:spPr>
+          <a:xfrm>
+            <a:off x="152400" y="692696"/>
+            <a:ext cx="8839200" cy="5631904"/>
+          </a:xfrm>
+        </p:spPr>
+        <p:txBody>
+          <a:bodyPr/>
+          <a:lstStyle/>
+          <a:p>
+            <a:r>
+              <a:rPr lang="en-US" dirty="0" smtClean="0"/>
+              <a:t>Parametric </a:t>
+            </a:r>
+            <a:r>
+              <a:rPr lang="en-US" dirty="0"/>
+              <a:t>F-test comparing nested linear </a:t>
+            </a:r>
+            <a:r>
+              <a:rPr lang="en-US" dirty="0" smtClean="0"/>
+              <a:t>models</a:t>
+            </a:r>
+          </a:p>
+          <a:p>
+            <a:r>
+              <a:rPr lang="en-US" dirty="0"/>
+              <a:t>Two models are fit to each feature, using expression as the </a:t>
+            </a:r>
+            <a:r>
+              <a:rPr lang="en-US" dirty="0" smtClean="0"/>
+              <a:t>outcome</a:t>
+            </a:r>
+          </a:p>
+          <a:p>
+            <a:pPr lvl="1"/>
+            <a:r>
+              <a:rPr lang="en-US" dirty="0" smtClean="0"/>
+              <a:t>one </a:t>
+            </a:r>
+            <a:r>
+              <a:rPr lang="en-US" dirty="0"/>
+              <a:t>including the covariate of interest (e.g., case/control status or time) and one not including that covariate. </a:t>
+            </a:r>
+            <a:endParaRPr lang="en-US" dirty="0" smtClean="0"/>
+          </a:p>
+          <a:p>
+            <a:r>
+              <a:rPr lang="en-US" dirty="0" smtClean="0"/>
+              <a:t>An </a:t>
+            </a:r>
+            <a:r>
+              <a:rPr lang="en-US" dirty="0"/>
+              <a:t>F statistic and p-value are calculated using the fits of the two models. </a:t>
+            </a:r>
+            <a:endParaRPr lang="en-US" dirty="0" smtClean="0"/>
+          </a:p>
+          <a:p>
+            <a:pPr lvl="1"/>
+            <a:r>
+              <a:rPr lang="en-US" dirty="0" smtClean="0"/>
+              <a:t>A </a:t>
+            </a:r>
+            <a:r>
+              <a:rPr lang="en-US" dirty="0"/>
+              <a:t>significant p-value means the model including the covariate of interest fits significantly better than the model without that covariate, indicating differential expression. </a:t>
+            </a:r>
+            <a:endParaRPr lang="en-US" dirty="0" smtClean="0"/>
+          </a:p>
+          <a:p>
+            <a:r>
+              <a:rPr lang="en-US" dirty="0" smtClean="0"/>
+              <a:t>We </a:t>
+            </a:r>
+            <a:r>
+              <a:rPr lang="en-US" dirty="0"/>
+              <a:t>adjust for multiple testing by reporting q-</a:t>
+            </a:r>
+            <a:r>
+              <a:rPr lang="en-US" dirty="0" smtClean="0"/>
+              <a:t>values: </a:t>
+            </a:r>
+          </a:p>
+          <a:p>
+            <a:pPr lvl="1"/>
+            <a:r>
+              <a:rPr lang="en-US" dirty="0" smtClean="0"/>
+              <a:t>q </a:t>
+            </a:r>
+            <a:r>
+              <a:rPr lang="en-US" dirty="0"/>
+              <a:t>&lt; </a:t>
+            </a:r>
+            <a:r>
+              <a:rPr lang="en-US" dirty="0" smtClean="0"/>
+              <a:t>0.05 </a:t>
+            </a:r>
+            <a:r>
+              <a:rPr lang="en-US" dirty="0"/>
+              <a:t>the false discovery rate should be controlled at ~</a:t>
+            </a:r>
+            <a:r>
+              <a:rPr lang="en-US" dirty="0" smtClean="0"/>
+              <a:t>5</a:t>
+            </a:r>
+            <a:r>
+              <a:rPr lang="en-US" dirty="0"/>
+              <a:t>%.</a:t>
+            </a:r>
+          </a:p>
+        </p:txBody>
+      </p:sp>
+    </p:spTree>
+    <p:extLst>
+      <p:ext uri="{BB962C8B-B14F-4D97-AF65-F5344CB8AC3E}">
+        <p14:creationId xmlns:p14="http://schemas.microsoft.com/office/powerpoint/2010/main" val="2234681116"/>
+      </p:ext>
+    </p:extLst>
   </p:cSld>
   <p:clrMapOvr>
     <a:masterClrMapping/>

--- a/LectureFiles/cshl/2016/RNASeq_Module3_Lecture.pptx
+++ b/LectureFiles/cshl/2016/RNASeq_Module3_Lecture.pptx
@@ -5,10 +5,10 @@
     <p:sldMasterId id="2147483648" r:id="rId1"/>
   </p:sldMasterIdLst>
   <p:notesMasterIdLst>
-    <p:notesMasterId r:id="rId22"/>
+    <p:notesMasterId r:id="rId24"/>
   </p:notesMasterIdLst>
   <p:handoutMasterIdLst>
-    <p:handoutMasterId r:id="rId23"/>
+    <p:handoutMasterId r:id="rId25"/>
   </p:handoutMasterIdLst>
   <p:sldIdLst>
     <p:sldId id="341" r:id="rId2"/>
@@ -17,20 +17,22 @@
     <p:sldId id="515" r:id="rId5"/>
     <p:sldId id="516" r:id="rId6"/>
     <p:sldId id="517" r:id="rId7"/>
-    <p:sldId id="527" r:id="rId8"/>
-    <p:sldId id="529" r:id="rId9"/>
-    <p:sldId id="528" r:id="rId10"/>
-    <p:sldId id="530" r:id="rId11"/>
-    <p:sldId id="526" r:id="rId12"/>
-    <p:sldId id="525" r:id="rId13"/>
-    <p:sldId id="524" r:id="rId14"/>
-    <p:sldId id="523" r:id="rId15"/>
-    <p:sldId id="522" r:id="rId16"/>
-    <p:sldId id="521" r:id="rId17"/>
-    <p:sldId id="520" r:id="rId18"/>
-    <p:sldId id="519" r:id="rId19"/>
-    <p:sldId id="518" r:id="rId20"/>
-    <p:sldId id="512" r:id="rId21"/>
+    <p:sldId id="531" r:id="rId8"/>
+    <p:sldId id="527" r:id="rId9"/>
+    <p:sldId id="529" r:id="rId10"/>
+    <p:sldId id="532" r:id="rId11"/>
+    <p:sldId id="528" r:id="rId12"/>
+    <p:sldId id="530" r:id="rId13"/>
+    <p:sldId id="526" r:id="rId14"/>
+    <p:sldId id="525" r:id="rId15"/>
+    <p:sldId id="524" r:id="rId16"/>
+    <p:sldId id="523" r:id="rId17"/>
+    <p:sldId id="522" r:id="rId18"/>
+    <p:sldId id="521" r:id="rId19"/>
+    <p:sldId id="520" r:id="rId20"/>
+    <p:sldId id="519" r:id="rId21"/>
+    <p:sldId id="518" r:id="rId22"/>
+    <p:sldId id="512" r:id="rId23"/>
   </p:sldIdLst>
   <p:sldSz cx="9144000" cy="6858000" type="screen4x3"/>
   <p:notesSz cx="7315200" cy="9601200"/>
@@ -161,7 +163,7 @@
   </p:defaultTextStyle>
   <p:extLst>
     <p:ext uri="{EFAFB233-063F-42B5-8137-9DF3F51BA10A}">
-      <p15:sldGuideLst xmlns:p15="http://schemas.microsoft.com/office/powerpoint/2012/main" xmlns="">
+      <p15:sldGuideLst xmlns="" xmlns:p15="http://schemas.microsoft.com/office/powerpoint/2012/main">
         <p15:guide id="1" orient="horz" pos="2160">
           <p15:clr>
             <a:srgbClr val="A4A3A4"/>
@@ -281,7 +283,7 @@
               <a:pPr>
                 <a:defRPr/>
               </a:pPr>
-              <a:t>11/14/16</a:t>
+              <a:t>11/15/16</a:t>
             </a:fld>
             <a:endParaRPr lang="en-US"/>
           </a:p>
@@ -488,7 +490,7 @@
               <a:pPr>
                 <a:defRPr/>
               </a:pPr>
-              <a:t>11/14/16</a:t>
+              <a:t>11/15/16</a:t>
             </a:fld>
             <a:endParaRPr lang="en-US"/>
           </a:p>
@@ -1127,14 +1129,6 @@
           <a:bodyPr/>
           <a:lstStyle/>
           <a:p>
-            <a:r>
-              <a:rPr lang="en-US" dirty="0" smtClean="0"/>
-              <a:t>TODO: Add</a:t>
-            </a:r>
-            <a:r>
-              <a:rPr lang="en-US" baseline="0" dirty="0" smtClean="0"/>
-              <a:t> TPM</a:t>
-            </a:r>
             <a:endParaRPr lang="en-US" dirty="0"/>
           </a:p>
         </p:txBody>
@@ -1227,71 +1221,7 @@
           <a:p>
             <a:r>
               <a:rPr lang="en-US" dirty="0" smtClean="0"/>
-              <a:t>(</a:t>
-            </a:r>
-            <a:r>
-              <a:rPr lang="en-US" b="1" dirty="0" smtClean="0"/>
-              <a:t>a</a:t>
-            </a:r>
-            <a:r>
-              <a:rPr lang="en-US" dirty="0" smtClean="0"/>
-              <a:t>) Overview of the flow of the </a:t>
-            </a:r>
-            <a:r>
-              <a:rPr lang="en-US" dirty="0" err="1" smtClean="0"/>
-              <a:t>StringTie</a:t>
-            </a:r>
-            <a:r>
-              <a:rPr lang="en-US" dirty="0" smtClean="0"/>
-              <a:t> algorithm, compared to Cufflinks and </a:t>
-            </a:r>
-            <a:r>
-              <a:rPr lang="en-US" dirty="0" err="1" smtClean="0"/>
-              <a:t>Traph</a:t>
-            </a:r>
-            <a:r>
-              <a:rPr lang="en-US" dirty="0" smtClean="0"/>
-              <a:t>. All methods begin with a set of RNA-</a:t>
-            </a:r>
-            <a:r>
-              <a:rPr lang="en-US" dirty="0" err="1" smtClean="0"/>
-              <a:t>seq</a:t>
-            </a:r>
-            <a:r>
-              <a:rPr lang="en-US" dirty="0" smtClean="0"/>
-              <a:t> reads that have been mapped to the genome. An optional secondary input to </a:t>
-            </a:r>
-            <a:r>
-              <a:rPr lang="en-US" dirty="0" err="1" smtClean="0"/>
-              <a:t>StringTie</a:t>
-            </a:r>
-            <a:r>
-              <a:rPr lang="en-US" dirty="0" smtClean="0"/>
-              <a:t> is a set of pre-assembled super-reads, designated as </a:t>
-            </a:r>
-            <a:r>
-              <a:rPr lang="en-US" dirty="0" err="1" smtClean="0"/>
-              <a:t>StringTie+SR</a:t>
-            </a:r>
-            <a:r>
-              <a:rPr lang="en-US" dirty="0" smtClean="0"/>
-              <a:t>. </a:t>
-            </a:r>
-            <a:r>
-              <a:rPr lang="en-US" dirty="0" err="1" smtClean="0"/>
-              <a:t>StringTie</a:t>
-            </a:r>
-            <a:r>
-              <a:rPr lang="en-US" dirty="0" smtClean="0"/>
-              <a:t> iteratively extracts the heaviest path from a splice graph, constructs a flow network, computes maximum flow to estimate abundance, and then updates the splice graph by removing reads that were assigned by the flow algorithm. This process repeats until all reads have been assigned. (</a:t>
-            </a:r>
-            <a:r>
-              <a:rPr lang="en-US" b="1" dirty="0" smtClean="0"/>
-              <a:t>b</a:t>
-            </a:r>
-            <a:r>
-              <a:rPr lang="en-US" dirty="0" smtClean="0"/>
-              <a:t>) Annotated transcript T for which read data covers only the fragments F1 and F2. An assembler is given credit for a correct reconstruction of T if it correctly assembles F1 and F2.</a:t>
+              <a:t>When you use TPM, the sum of all TPMs in each sample are the same. This makes it easier to compare the proportion of reads that mapped to a gene in each sample. In contrast, with RPKM and FPKM, the sum of the normalized reads in each sample may be different, and this makes it harder to compare samples directly.</a:t>
             </a:r>
             <a:endParaRPr lang="en-US" dirty="0"/>
           </a:p>
@@ -1321,6 +1251,164 @@
                 <a:defRPr/>
               </a:pPr>
               <a:t>7</a:t>
+            </a:fld>
+            <a:endParaRPr lang="en-US"/>
+          </a:p>
+        </p:txBody>
+      </p:sp>
+    </p:spTree>
+    <p:extLst>
+      <p:ext uri="{BB962C8B-B14F-4D97-AF65-F5344CB8AC3E}">
+        <p14:creationId xmlns:p14="http://schemas.microsoft.com/office/powerpoint/2010/main" val="2188807247"/>
+      </p:ext>
+    </p:extLst>
+  </p:cSld>
+  <p:clrMapOvr>
+    <a:masterClrMapping/>
+  </p:clrMapOvr>
+</p:notes>
+</file>
+
+<file path=ppt/notesSlides/notesSlide4.xml><?xml version="1.0" encoding="utf-8"?>
+<p:notes xmlns:a="http://schemas.openxmlformats.org/drawingml/2006/main" xmlns:r="http://schemas.openxmlformats.org/officeDocument/2006/relationships" xmlns:p="http://schemas.openxmlformats.org/presentationml/2006/main">
+  <p:cSld>
+    <p:spTree>
+      <p:nvGrpSpPr>
+        <p:cNvPr id="1" name=""/>
+        <p:cNvGrpSpPr/>
+        <p:nvPr/>
+      </p:nvGrpSpPr>
+      <p:grpSpPr>
+        <a:xfrm>
+          <a:off x="0" y="0"/>
+          <a:ext cx="0" cy="0"/>
+          <a:chOff x="0" y="0"/>
+          <a:chExt cx="0" cy="0"/>
+        </a:xfrm>
+      </p:grpSpPr>
+      <p:sp>
+        <p:nvSpPr>
+          <p:cNvPr id="2" name="Slide Image Placeholder 1"/>
+          <p:cNvSpPr>
+            <a:spLocks noGrp="1" noRot="1" noChangeAspect="1"/>
+          </p:cNvSpPr>
+          <p:nvPr>
+            <p:ph type="sldImg"/>
+          </p:nvPr>
+        </p:nvSpPr>
+        <p:spPr/>
+      </p:sp>
+      <p:sp>
+        <p:nvSpPr>
+          <p:cNvPr id="3" name="Notes Placeholder 2"/>
+          <p:cNvSpPr>
+            <a:spLocks noGrp="1"/>
+          </p:cNvSpPr>
+          <p:nvPr>
+            <p:ph type="body" idx="1"/>
+          </p:nvPr>
+        </p:nvSpPr>
+        <p:spPr/>
+        <p:txBody>
+          <a:bodyPr/>
+          <a:lstStyle/>
+          <a:p>
+            <a:r>
+              <a:rPr lang="en-US" dirty="0" smtClean="0"/>
+              <a:t>(</a:t>
+            </a:r>
+            <a:r>
+              <a:rPr lang="en-US" b="1" dirty="0" smtClean="0"/>
+              <a:t>a</a:t>
+            </a:r>
+            <a:r>
+              <a:rPr lang="en-US" dirty="0" smtClean="0"/>
+              <a:t>) Overview of the flow of the </a:t>
+            </a:r>
+            <a:r>
+              <a:rPr lang="en-US" dirty="0" err="1" smtClean="0"/>
+              <a:t>StringTie</a:t>
+            </a:r>
+            <a:r>
+              <a:rPr lang="en-US" dirty="0" smtClean="0"/>
+              <a:t> algorithm, compared to Cufflinks and </a:t>
+            </a:r>
+            <a:r>
+              <a:rPr lang="en-US" dirty="0" err="1" smtClean="0"/>
+              <a:t>Traph</a:t>
+            </a:r>
+            <a:r>
+              <a:rPr lang="en-US" dirty="0" smtClean="0"/>
+              <a:t>. All methods begin with a set of RNA-</a:t>
+            </a:r>
+            <a:r>
+              <a:rPr lang="en-US" dirty="0" err="1" smtClean="0"/>
+              <a:t>seq</a:t>
+            </a:r>
+            <a:r>
+              <a:rPr lang="en-US" dirty="0" smtClean="0"/>
+              <a:t> reads that have been mapped to the genome. An optional secondary input to </a:t>
+            </a:r>
+            <a:r>
+              <a:rPr lang="en-US" dirty="0" err="1" smtClean="0"/>
+              <a:t>StringTie</a:t>
+            </a:r>
+            <a:r>
+              <a:rPr lang="en-US" dirty="0" smtClean="0"/>
+              <a:t> is a set of pre-assembled super-reads, designated as </a:t>
+            </a:r>
+            <a:r>
+              <a:rPr lang="en-US" dirty="0" err="1" smtClean="0"/>
+              <a:t>StringTie+SR</a:t>
+            </a:r>
+            <a:r>
+              <a:rPr lang="en-US" dirty="0" smtClean="0"/>
+              <a:t>. </a:t>
+            </a:r>
+            <a:r>
+              <a:rPr lang="en-US" dirty="0" err="1" smtClean="0"/>
+              <a:t>StringTie</a:t>
+            </a:r>
+            <a:r>
+              <a:rPr lang="en-US" dirty="0" smtClean="0"/>
+              <a:t> iteratively extracts the heaviest path from a splice graph, constructs a flow network, computes maximum flow to estimate abundance, and then updates the splice graph by removing reads that were assigned by the flow algorithm. This process repeats until all reads have been assigned. (</a:t>
+            </a:r>
+            <a:r>
+              <a:rPr lang="en-US" b="1" dirty="0" smtClean="0"/>
+              <a:t>b</a:t>
+            </a:r>
+            <a:r>
+              <a:rPr lang="en-US" dirty="0" smtClean="0"/>
+              <a:t>) Annotated transcript T for which read data covers only the fragments F1 and F2. An assembler is given credit for a correct reconstruction of T if it correctly assembles F1 and F2.</a:t>
+            </a:r>
+            <a:endParaRPr lang="en-US" dirty="0"/>
+          </a:p>
+        </p:txBody>
+      </p:sp>
+      <p:sp>
+        <p:nvSpPr>
+          <p:cNvPr id="4" name="Slide Number Placeholder 3"/>
+          <p:cNvSpPr>
+            <a:spLocks noGrp="1"/>
+          </p:cNvSpPr>
+          <p:nvPr>
+            <p:ph type="sldNum" sz="quarter" idx="10"/>
+          </p:nvPr>
+        </p:nvSpPr>
+        <p:spPr/>
+        <p:txBody>
+          <a:bodyPr/>
+          <a:lstStyle/>
+          <a:p>
+            <a:pPr>
+              <a:defRPr/>
+            </a:pPr>
+            <a:fld id="{58FBEE90-0CDA-3447-B595-4F8759630F3A}" type="slidenum">
+              <a:rPr lang="en-US" smtClean="0"/>
+              <a:pPr>
+                <a:defRPr/>
+              </a:pPr>
+              <a:t>8</a:t>
             </a:fld>
             <a:endParaRPr lang="en-US"/>
           </a:p>
@@ -3647,7 +3735,7 @@
               <a:pPr>
                 <a:defRPr/>
               </a:pPr>
-              <a:t>11/14/16</a:t>
+              <a:t>11/15/16</a:t>
             </a:fld>
             <a:endParaRPr lang="en-US"/>
           </a:p>
@@ -4401,6 +4489,384 @@
           <a:chExt cx="0" cy="0"/>
         </a:xfrm>
       </p:grpSpPr>
+      <p:sp>
+        <p:nvSpPr>
+          <p:cNvPr id="2" name="Title 1"/>
+          <p:cNvSpPr>
+            <a:spLocks noGrp="1"/>
+          </p:cNvSpPr>
+          <p:nvPr>
+            <p:ph type="title"/>
+          </p:nvPr>
+        </p:nvSpPr>
+        <p:spPr/>
+        <p:txBody>
+          <a:bodyPr/>
+          <a:lstStyle/>
+          <a:p>
+            <a:r>
+              <a:rPr lang="en-US" dirty="0" err="1" smtClean="0"/>
+              <a:t>gffcompare</a:t>
+            </a:r>
+            <a:endParaRPr lang="en-US" dirty="0"/>
+          </a:p>
+        </p:txBody>
+      </p:sp>
+      <p:sp>
+        <p:nvSpPr>
+          <p:cNvPr id="3" name="Content Placeholder 2"/>
+          <p:cNvSpPr>
+            <a:spLocks noGrp="1"/>
+          </p:cNvSpPr>
+          <p:nvPr>
+            <p:ph idx="1"/>
+          </p:nvPr>
+        </p:nvSpPr>
+        <p:spPr/>
+        <p:txBody>
+          <a:bodyPr/>
+          <a:lstStyle/>
+          <a:p>
+            <a:r>
+              <a:rPr lang="en-US" dirty="0" err="1" smtClean="0"/>
+              <a:t>gffcompare</a:t>
+            </a:r>
+            <a:r>
+              <a:rPr lang="en-US" dirty="0" smtClean="0"/>
+              <a:t> </a:t>
+            </a:r>
+            <a:r>
+              <a:rPr lang="en-US" dirty="0"/>
+              <a:t>will compare a merged transcript GTF with known annotation, also in GTF/GFF3 </a:t>
+            </a:r>
+            <a:r>
+              <a:rPr lang="en-US" dirty="0" smtClean="0"/>
+              <a:t>format</a:t>
+            </a:r>
+          </a:p>
+          <a:p>
+            <a:r>
+              <a:rPr lang="en-US" sz="1800" dirty="0">
+                <a:hlinkClick r:id="rId2"/>
+              </a:rPr>
+              <a:t>http://</a:t>
+            </a:r>
+            <a:r>
+              <a:rPr lang="en-US" sz="1800" dirty="0" err="1">
+                <a:hlinkClick r:id="rId2"/>
+              </a:rPr>
+              <a:t>cole-trapnell-lab.github.io</a:t>
+            </a:r>
+            <a:r>
+              <a:rPr lang="en-US" sz="1800" dirty="0">
+                <a:hlinkClick r:id="rId2"/>
+              </a:rPr>
+              <a:t>/cufflinks/</a:t>
+            </a:r>
+            <a:r>
+              <a:rPr lang="en-US" sz="1800" dirty="0" err="1">
+                <a:hlinkClick r:id="rId2"/>
+              </a:rPr>
+              <a:t>cuffcompare</a:t>
+            </a:r>
+            <a:r>
+              <a:rPr lang="en-US" sz="1800" dirty="0">
+                <a:hlinkClick r:id="rId2"/>
+              </a:rPr>
+              <a:t>/</a:t>
+            </a:r>
+            <a:r>
+              <a:rPr lang="en-US" sz="1800" dirty="0" err="1">
+                <a:hlinkClick r:id="rId2"/>
+              </a:rPr>
+              <a:t>index.html#cuffcompare-output-files</a:t>
+            </a:r>
+            <a:endParaRPr lang="en-US" sz="1800" dirty="0"/>
+          </a:p>
+          <a:p>
+            <a:endParaRPr lang="en-US" dirty="0"/>
+          </a:p>
+        </p:txBody>
+      </p:sp>
+      <p:pic>
+        <p:nvPicPr>
+          <p:cNvPr id="5" name="Content Placeholder 4" descr="Screen Shot 2016-11-15 at 8.31.40 AM.png"/>
+          <p:cNvPicPr>
+            <a:picLocks noGrp="1" noChangeAspect="1"/>
+          </p:cNvPicPr>
+          <p:nvPr>
+            <p:ph idx="10"/>
+          </p:nvPr>
+        </p:nvPicPr>
+        <p:blipFill>
+          <a:blip r:embed="rId3">
+            <a:extLst>
+              <a:ext uri="{28A0092B-C50C-407E-A947-70E740481C1C}">
+                <a14:useLocalDpi xmlns:a14="http://schemas.microsoft.com/office/drawing/2010/main" val="0"/>
+              </a:ext>
+            </a:extLst>
+          </a:blip>
+          <a:srcRect t="-8072" b="-8072"/>
+          <a:stretch>
+            <a:fillRect/>
+          </a:stretch>
+        </p:blipFill>
+        <p:spPr>
+          <a:xfrm>
+            <a:off x="4283968" y="1052736"/>
+            <a:ext cx="4846714" cy="5271864"/>
+          </a:xfrm>
+        </p:spPr>
+      </p:pic>
+    </p:spTree>
+    <p:extLst>
+      <p:ext uri="{BB962C8B-B14F-4D97-AF65-F5344CB8AC3E}">
+        <p14:creationId xmlns:p14="http://schemas.microsoft.com/office/powerpoint/2010/main" val="297393545"/>
+      </p:ext>
+    </p:extLst>
+  </p:cSld>
+  <p:clrMapOvr>
+    <a:masterClrMapping/>
+  </p:clrMapOvr>
+</p:sld>
+</file>
+
+<file path=ppt/slides/slide11.xml><?xml version="1.0" encoding="utf-8"?>
+<p:sld xmlns:a="http://schemas.openxmlformats.org/drawingml/2006/main" xmlns:r="http://schemas.openxmlformats.org/officeDocument/2006/relationships" xmlns:p="http://schemas.openxmlformats.org/presentationml/2006/main">
+  <p:cSld>
+    <p:spTree>
+      <p:nvGrpSpPr>
+        <p:cNvPr id="1" name=""/>
+        <p:cNvGrpSpPr/>
+        <p:nvPr/>
+      </p:nvGrpSpPr>
+      <p:grpSpPr>
+        <a:xfrm>
+          <a:off x="0" y="0"/>
+          <a:ext cx="0" cy="0"/>
+          <a:chOff x="0" y="0"/>
+          <a:chExt cx="0" cy="0"/>
+        </a:xfrm>
+      </p:grpSpPr>
+      <p:sp>
+        <p:nvSpPr>
+          <p:cNvPr id="2" name="Title 1"/>
+          <p:cNvSpPr>
+            <a:spLocks noGrp="1"/>
+          </p:cNvSpPr>
+          <p:nvPr>
+            <p:ph type="title"/>
+          </p:nvPr>
+        </p:nvSpPr>
+        <p:spPr>
+          <a:xfrm>
+            <a:off x="152400" y="0"/>
+            <a:ext cx="8839200" cy="764704"/>
+          </a:xfrm>
+        </p:spPr>
+        <p:txBody>
+          <a:bodyPr/>
+          <a:lstStyle/>
+          <a:p>
+            <a:r>
+              <a:rPr lang="en-US" dirty="0" err="1" smtClean="0"/>
+              <a:t>Ballgown</a:t>
+            </a:r>
+            <a:r>
+              <a:rPr lang="en-US" dirty="0"/>
+              <a:t> </a:t>
+            </a:r>
+            <a:r>
+              <a:rPr lang="en-US" dirty="0" smtClean="0"/>
+              <a:t>for Differential Expression</a:t>
+            </a:r>
+            <a:endParaRPr lang="en-US" dirty="0"/>
+          </a:p>
+        </p:txBody>
+      </p:sp>
+      <p:sp>
+        <p:nvSpPr>
+          <p:cNvPr id="3" name="Content Placeholder 2"/>
+          <p:cNvSpPr>
+            <a:spLocks noGrp="1"/>
+          </p:cNvSpPr>
+          <p:nvPr>
+            <p:ph idx="1"/>
+          </p:nvPr>
+        </p:nvSpPr>
+        <p:spPr>
+          <a:xfrm>
+            <a:off x="152400" y="692696"/>
+            <a:ext cx="8839200" cy="5631904"/>
+          </a:xfrm>
+        </p:spPr>
+        <p:txBody>
+          <a:bodyPr/>
+          <a:lstStyle/>
+          <a:p>
+            <a:r>
+              <a:rPr lang="en-US" dirty="0" smtClean="0"/>
+              <a:t>Parametric </a:t>
+            </a:r>
+            <a:r>
+              <a:rPr lang="en-US" dirty="0"/>
+              <a:t>F-test comparing nested linear </a:t>
+            </a:r>
+            <a:r>
+              <a:rPr lang="en-US" dirty="0" smtClean="0"/>
+              <a:t>models</a:t>
+            </a:r>
+          </a:p>
+          <a:p>
+            <a:r>
+              <a:rPr lang="en-US" dirty="0"/>
+              <a:t>Two models are fit to each feature, using expression as the </a:t>
+            </a:r>
+            <a:r>
+              <a:rPr lang="en-US" dirty="0" smtClean="0"/>
+              <a:t>outcome</a:t>
+            </a:r>
+          </a:p>
+          <a:p>
+            <a:pPr lvl="1"/>
+            <a:r>
+              <a:rPr lang="en-US" dirty="0" smtClean="0"/>
+              <a:t>one </a:t>
+            </a:r>
+            <a:r>
+              <a:rPr lang="en-US" dirty="0"/>
+              <a:t>including the covariate of interest (e.g., case/control status or time) and one not including that covariate. </a:t>
+            </a:r>
+            <a:endParaRPr lang="en-US" dirty="0" smtClean="0"/>
+          </a:p>
+          <a:p>
+            <a:r>
+              <a:rPr lang="en-US" dirty="0" smtClean="0"/>
+              <a:t>An </a:t>
+            </a:r>
+            <a:r>
+              <a:rPr lang="en-US" dirty="0"/>
+              <a:t>F statistic and p-value are calculated using the fits of the two models. </a:t>
+            </a:r>
+            <a:endParaRPr lang="en-US" dirty="0" smtClean="0"/>
+          </a:p>
+          <a:p>
+            <a:pPr lvl="1"/>
+            <a:r>
+              <a:rPr lang="en-US" dirty="0" smtClean="0"/>
+              <a:t>A </a:t>
+            </a:r>
+            <a:r>
+              <a:rPr lang="en-US" dirty="0"/>
+              <a:t>significant p-value means the model including the covariate of interest fits significantly better than the model without that covariate, indicating differential expression. </a:t>
+            </a:r>
+            <a:endParaRPr lang="en-US" dirty="0" smtClean="0"/>
+          </a:p>
+          <a:p>
+            <a:r>
+              <a:rPr lang="en-US" dirty="0" smtClean="0"/>
+              <a:t>We </a:t>
+            </a:r>
+            <a:r>
+              <a:rPr lang="en-US" dirty="0"/>
+              <a:t>adjust for multiple testing by reporting q-</a:t>
+            </a:r>
+            <a:r>
+              <a:rPr lang="en-US" dirty="0" smtClean="0"/>
+              <a:t>values: </a:t>
+            </a:r>
+          </a:p>
+          <a:p>
+            <a:pPr lvl="1"/>
+            <a:r>
+              <a:rPr lang="en-US" dirty="0" smtClean="0"/>
+              <a:t>q </a:t>
+            </a:r>
+            <a:r>
+              <a:rPr lang="en-US" dirty="0"/>
+              <a:t>&lt; </a:t>
+            </a:r>
+            <a:r>
+              <a:rPr lang="en-US" dirty="0" smtClean="0"/>
+              <a:t>0.05 </a:t>
+            </a:r>
+            <a:r>
+              <a:rPr lang="en-US" dirty="0"/>
+              <a:t>the false discovery rate should be controlled at ~</a:t>
+            </a:r>
+            <a:r>
+              <a:rPr lang="en-US" dirty="0" smtClean="0"/>
+              <a:t>5</a:t>
+            </a:r>
+            <a:r>
+              <a:rPr lang="en-US" dirty="0"/>
+              <a:t>%.</a:t>
+            </a:r>
+          </a:p>
+        </p:txBody>
+      </p:sp>
+      <p:sp>
+        <p:nvSpPr>
+          <p:cNvPr id="4" name="TextBox 3"/>
+          <p:cNvSpPr txBox="1"/>
+          <p:nvPr/>
+        </p:nvSpPr>
+        <p:spPr>
+          <a:xfrm>
+            <a:off x="6156176" y="6011996"/>
+            <a:ext cx="3024336" cy="369332"/>
+          </a:xfrm>
+          <a:prstGeom prst="rect">
+            <a:avLst/>
+          </a:prstGeom>
+          <a:noFill/>
+        </p:spPr>
+        <p:txBody>
+          <a:bodyPr wrap="square" rtlCol="0">
+            <a:spAutoFit/>
+          </a:bodyPr>
+          <a:lstStyle/>
+          <a:p>
+            <a:r>
+              <a:rPr lang="fr-FR" sz="1800" dirty="0">
+                <a:hlinkClick r:id="rId2"/>
+              </a:rPr>
+              <a:t>Frazee et al. (2014)</a:t>
+            </a:r>
+            <a:endParaRPr lang="en-US" sz="1800" dirty="0"/>
+          </a:p>
+        </p:txBody>
+      </p:sp>
+    </p:spTree>
+    <p:extLst>
+      <p:ext uri="{BB962C8B-B14F-4D97-AF65-F5344CB8AC3E}">
+        <p14:creationId xmlns:p14="http://schemas.microsoft.com/office/powerpoint/2010/main" val="2234681116"/>
+      </p:ext>
+    </p:extLst>
+  </p:cSld>
+  <p:clrMapOvr>
+    <a:masterClrMapping/>
+  </p:clrMapOvr>
+</p:sld>
+</file>
+
+<file path=ppt/slides/slide12.xml><?xml version="1.0" encoding="utf-8"?>
+<p:sld xmlns:a="http://schemas.openxmlformats.org/drawingml/2006/main" xmlns:r="http://schemas.openxmlformats.org/officeDocument/2006/relationships" xmlns:p="http://schemas.openxmlformats.org/presentationml/2006/main">
+  <p:cSld>
+    <p:spTree>
+      <p:nvGrpSpPr>
+        <p:cNvPr id="1" name=""/>
+        <p:cNvGrpSpPr/>
+        <p:nvPr/>
+      </p:nvGrpSpPr>
+      <p:grpSpPr>
+        <a:xfrm>
+          <a:off x="0" y="0"/>
+          <a:ext cx="0" cy="0"/>
+          <a:chOff x="0" y="0"/>
+          <a:chExt cx="0" cy="0"/>
+        </a:xfrm>
+      </p:grpSpPr>
       <p:pic>
         <p:nvPicPr>
           <p:cNvPr id="7" name="Picture 6" descr="Screen Shot 2016-11-14 at 7.24.05 PM.png"/>
@@ -4566,7 +5032,7 @@
 </p:sld>
 </file>
 
-<file path=ppt/slides/slide11.xml><?xml version="1.0" encoding="utf-8"?>
+<file path=ppt/slides/slide13.xml><?xml version="1.0" encoding="utf-8"?>
 <p:sld xmlns:a="http://schemas.openxmlformats.org/drawingml/2006/main" xmlns:r="http://schemas.openxmlformats.org/officeDocument/2006/relationships" xmlns:p="http://schemas.openxmlformats.org/presentationml/2006/main">
   <p:cSld>
     <p:spTree>
@@ -4895,7 +5361,7 @@
 </p:sld>
 </file>
 
-<file path=ppt/slides/slide12.xml><?xml version="1.0" encoding="utf-8"?>
+<file path=ppt/slides/slide14.xml><?xml version="1.0" encoding="utf-8"?>
 <p:sld xmlns:a="http://schemas.openxmlformats.org/drawingml/2006/main" xmlns:r="http://schemas.openxmlformats.org/officeDocument/2006/relationships" xmlns:p="http://schemas.openxmlformats.org/presentationml/2006/main">
   <p:cSld>
     <p:spTree>
@@ -5091,7 +5557,7 @@
 </p:sld>
 </file>
 
-<file path=ppt/slides/slide13.xml><?xml version="1.0" encoding="utf-8"?>
+<file path=ppt/slides/slide15.xml><?xml version="1.0" encoding="utf-8"?>
 <p:sld xmlns:a="http://schemas.openxmlformats.org/drawingml/2006/main" xmlns:r="http://schemas.openxmlformats.org/officeDocument/2006/relationships" xmlns:p="http://schemas.openxmlformats.org/presentationml/2006/main">
   <p:cSld>
     <p:spTree>
@@ -5290,7 +5756,7 @@
 </p:sld>
 </file>
 
-<file path=ppt/slides/slide14.xml><?xml version="1.0" encoding="utf-8"?>
+<file path=ppt/slides/slide16.xml><?xml version="1.0" encoding="utf-8"?>
 <p:sld xmlns:a="http://schemas.openxmlformats.org/drawingml/2006/main" xmlns:r="http://schemas.openxmlformats.org/officeDocument/2006/relationships" xmlns:p="http://schemas.openxmlformats.org/presentationml/2006/main">
   <p:cSld>
     <p:spTree>
@@ -5385,7 +5851,7 @@
 </p:sld>
 </file>
 
-<file path=ppt/slides/slide15.xml><?xml version="1.0" encoding="utf-8"?>
+<file path=ppt/slides/slide17.xml><?xml version="1.0" encoding="utf-8"?>
 <p:sld xmlns:a="http://schemas.openxmlformats.org/drawingml/2006/main" xmlns:r="http://schemas.openxmlformats.org/officeDocument/2006/relationships" xmlns:p="http://schemas.openxmlformats.org/presentationml/2006/main">
   <p:cSld>
     <p:spTree>
@@ -5578,7 +6044,7 @@
 </p:sld>
 </file>
 
-<file path=ppt/slides/slide16.xml><?xml version="1.0" encoding="utf-8"?>
+<file path=ppt/slides/slide18.xml><?xml version="1.0" encoding="utf-8"?>
 <p:sld xmlns:a="http://schemas.openxmlformats.org/drawingml/2006/main" xmlns:r="http://schemas.openxmlformats.org/officeDocument/2006/relationships" xmlns:p="http://schemas.openxmlformats.org/presentationml/2006/main">
   <p:cSld>
     <p:spTree>
@@ -5878,7 +6344,7 @@
 </p:sld>
 </file>
 
-<file path=ppt/slides/slide17.xml><?xml version="1.0" encoding="utf-8"?>
+<file path=ppt/slides/slide19.xml><?xml version="1.0" encoding="utf-8"?>
 <p:sld xmlns:a="http://schemas.openxmlformats.org/drawingml/2006/main" xmlns:r="http://schemas.openxmlformats.org/officeDocument/2006/relationships" xmlns:p="http://schemas.openxmlformats.org/presentationml/2006/main">
   <p:cSld>
     <p:spTree>
@@ -6000,58 +6466,16 @@
                 <a:latin typeface="Calibri" charset="0"/>
                 <a:ea typeface="ＭＳ Ｐゴシック" charset="0"/>
               </a:rPr>
-              <a:t> or </a:t>
-            </a:r>
+              <a:t> or other alternatives can be fed into many analysis pipelines</a:t>
+            </a:r>
+          </a:p>
+          <a:p>
             <a:r>
               <a:rPr lang="en-US" dirty="0" smtClean="0">
                 <a:latin typeface="Calibri" charset="0"/>
                 <a:ea typeface="ＭＳ Ｐゴシック" charset="0"/>
               </a:rPr>
-              <a:t>other </a:t>
-            </a:r>
-            <a:r>
-              <a:rPr lang="en-US" dirty="0" smtClean="0">
-                <a:latin typeface="Calibri" charset="0"/>
-                <a:ea typeface="ＭＳ Ｐゴシック" charset="0"/>
-              </a:rPr>
-              <a:t>alternatives </a:t>
-            </a:r>
-            <a:r>
-              <a:rPr lang="en-US" dirty="0" smtClean="0">
-                <a:latin typeface="Calibri" charset="0"/>
-                <a:ea typeface="ＭＳ Ｐゴシック" charset="0"/>
-              </a:rPr>
-              <a:t>can be fed into many analysis pipelines</a:t>
-            </a:r>
-          </a:p>
-          <a:p>
-            <a:r>
-              <a:rPr lang="en-US" dirty="0" smtClean="0">
-                <a:latin typeface="Calibri" charset="0"/>
-                <a:ea typeface="ＭＳ Ｐゴシック" charset="0"/>
-              </a:rPr>
-              <a:t>See supplemental R tutorial for how to format </a:t>
-            </a:r>
-            <a:r>
-              <a:rPr lang="en-US" dirty="0" smtClean="0">
-                <a:latin typeface="Calibri" charset="0"/>
-                <a:ea typeface="ＭＳ Ｐゴシック" charset="0"/>
-              </a:rPr>
-              <a:t>expression </a:t>
-            </a:r>
-            <a:r>
-              <a:rPr lang="en-US" dirty="0" smtClean="0">
-                <a:latin typeface="Calibri" charset="0"/>
-                <a:ea typeface="ＭＳ Ｐゴシック" charset="0"/>
-              </a:rPr>
-              <a:t>data </a:t>
-            </a:r>
-            <a:r>
-              <a:rPr lang="en-US" dirty="0" smtClean="0">
-                <a:latin typeface="Calibri" charset="0"/>
-                <a:ea typeface="ＭＳ Ｐゴシック" charset="0"/>
-              </a:rPr>
-              <a:t>and start manipulating in R</a:t>
+              <a:t>See supplemental R tutorial for how to format expression data and start manipulating in R</a:t>
             </a:r>
             <a:endParaRPr lang="en-US" dirty="0">
               <a:latin typeface="Calibri" charset="0"/>
@@ -6327,7 +6751,587 @@
 </p:sld>
 </file>
 
-<file path=ppt/slides/slide18.xml><?xml version="1.0" encoding="utf-8"?>
+<file path=ppt/slides/slide2.xml><?xml version="1.0" encoding="utf-8"?>
+<p:sld xmlns:a="http://schemas.openxmlformats.org/drawingml/2006/main" xmlns:r="http://schemas.openxmlformats.org/officeDocument/2006/relationships" xmlns:p="http://schemas.openxmlformats.org/presentationml/2006/main">
+  <p:cSld>
+    <p:spTree>
+      <p:nvGrpSpPr>
+        <p:cNvPr id="1" name=""/>
+        <p:cNvGrpSpPr/>
+        <p:nvPr/>
+      </p:nvGrpSpPr>
+      <p:grpSpPr>
+        <a:xfrm>
+          <a:off x="0" y="0"/>
+          <a:ext cx="0" cy="0"/>
+          <a:chOff x="0" y="0"/>
+          <a:chExt cx="0" cy="0"/>
+        </a:xfrm>
+      </p:grpSpPr>
+      <p:sp>
+        <p:nvSpPr>
+          <p:cNvPr id="57" name="Rectangle 56"/>
+          <p:cNvSpPr/>
+          <p:nvPr/>
+        </p:nvSpPr>
+        <p:spPr>
+          <a:xfrm>
+            <a:off x="0" y="2514600"/>
+            <a:ext cx="6172200" cy="4343400"/>
+          </a:xfrm>
+          <a:prstGeom prst="rect">
+            <a:avLst/>
+          </a:prstGeom>
+          <a:solidFill>
+            <a:schemeClr val="accent1">
+              <a:alpha val="18000"/>
+            </a:schemeClr>
+          </a:solidFill>
+          <a:ln>
+            <a:noFill/>
+          </a:ln>
+        </p:spPr>
+        <p:style>
+          <a:lnRef idx="1">
+            <a:schemeClr val="accent1"/>
+          </a:lnRef>
+          <a:fillRef idx="3">
+            <a:schemeClr val="accent1"/>
+          </a:fillRef>
+          <a:effectRef idx="2">
+            <a:schemeClr val="accent1"/>
+          </a:effectRef>
+          <a:fontRef idx="minor">
+            <a:schemeClr val="lt1"/>
+          </a:fontRef>
+        </p:style>
+        <p:txBody>
+          <a:bodyPr anchor="ctr"/>
+          <a:lstStyle/>
+          <a:p>
+            <a:pPr algn="ctr">
+              <a:defRPr/>
+            </a:pPr>
+            <a:endParaRPr lang="en-US" sz="1800">
+              <a:solidFill>
+                <a:srgbClr val="FFFFFF"/>
+              </a:solidFill>
+              <a:latin typeface="Calibri" charset="0"/>
+              <a:ea typeface="ＭＳ Ｐゴシック" charset="0"/>
+              <a:cs typeface="Calibri" charset="0"/>
+            </a:endParaRPr>
+          </a:p>
+        </p:txBody>
+      </p:sp>
+      <p:pic>
+        <p:nvPicPr>
+          <p:cNvPr id="10242" name="Picture 4" descr="TGI_logo_V_2color_bevel.tiff"/>
+          <p:cNvPicPr>
+            <a:picLocks noChangeAspect="1"/>
+          </p:cNvPicPr>
+          <p:nvPr/>
+        </p:nvPicPr>
+        <p:blipFill>
+          <a:blip r:embed="rId2">
+            <a:extLst>
+              <a:ext uri="{28A0092B-C50C-407E-A947-70E740481C1C}">
+                <a14:useLocalDpi xmlns:a14="http://schemas.microsoft.com/office/drawing/2010/main" val="0"/>
+              </a:ext>
+            </a:extLst>
+          </a:blip>
+          <a:srcRect l="31865" t="30911" r="32492" b="27831"/>
+          <a:stretch>
+            <a:fillRect/>
+          </a:stretch>
+        </p:blipFill>
+        <p:spPr bwMode="auto">
+          <a:xfrm>
+            <a:off x="6588125" y="3744913"/>
+            <a:ext cx="2181225" cy="1893887"/>
+          </a:xfrm>
+          <a:prstGeom prst="rect">
+            <a:avLst/>
+          </a:prstGeom>
+          <a:noFill/>
+          <a:ln>
+            <a:noFill/>
+          </a:ln>
+          <a:extLst>
+            <a:ext uri="{909E8E84-426E-40dd-AFC4-6F175D3DCCD1}">
+              <a14:hiddenFill xmlns:a14="http://schemas.microsoft.com/office/drawing/2010/main">
+                <a:solidFill>
+                  <a:srgbClr val="FFFFFF"/>
+                </a:solidFill>
+              </a14:hiddenFill>
+            </a:ext>
+            <a:ext uri="{91240B29-F687-4f45-9708-019B960494DF}">
+              <a14:hiddenLine xmlns:a14="http://schemas.microsoft.com/office/drawing/2010/main" w="9525">
+                <a:solidFill>
+                  <a:srgbClr val="000000"/>
+                </a:solidFill>
+                <a:miter lim="800000"/>
+                <a:headEnd/>
+                <a:tailEnd/>
+              </a14:hiddenLine>
+            </a:ext>
+          </a:extLst>
+        </p:spPr>
+      </p:pic>
+      <p:pic>
+        <p:nvPicPr>
+          <p:cNvPr id="10243" name="Picture 1" descr="RNA-Seq-alignment.png"/>
+          <p:cNvPicPr>
+            <a:picLocks noChangeAspect="1"/>
+          </p:cNvPicPr>
+          <p:nvPr/>
+        </p:nvPicPr>
+        <p:blipFill>
+          <a:blip r:embed="rId3">
+            <a:extLst>
+              <a:ext uri="{28A0092B-C50C-407E-A947-70E740481C1C}">
+                <a14:useLocalDpi xmlns:a14="http://schemas.microsoft.com/office/drawing/2010/main" val="0"/>
+              </a:ext>
+            </a:extLst>
+          </a:blip>
+          <a:srcRect/>
+          <a:stretch>
+            <a:fillRect/>
+          </a:stretch>
+        </p:blipFill>
+        <p:spPr bwMode="auto">
+          <a:xfrm>
+            <a:off x="900113" y="2636838"/>
+            <a:ext cx="4248150" cy="4068762"/>
+          </a:xfrm>
+          <a:prstGeom prst="rect">
+            <a:avLst/>
+          </a:prstGeom>
+          <a:noFill/>
+          <a:ln>
+            <a:noFill/>
+          </a:ln>
+          <a:extLst>
+            <a:ext uri="{909E8E84-426E-40dd-AFC4-6F175D3DCCD1}">
+              <a14:hiddenFill xmlns:a14="http://schemas.microsoft.com/office/drawing/2010/main">
+                <a:solidFill>
+                  <a:srgbClr val="FFFFFF"/>
+                </a:solidFill>
+              </a14:hiddenFill>
+            </a:ext>
+            <a:ext uri="{91240B29-F687-4f45-9708-019B960494DF}">
+              <a14:hiddenLine xmlns:a14="http://schemas.microsoft.com/office/drawing/2010/main" w="9525">
+                <a:solidFill>
+                  <a:srgbClr val="000000"/>
+                </a:solidFill>
+                <a:miter lim="800000"/>
+                <a:headEnd/>
+                <a:tailEnd/>
+              </a14:hiddenLine>
+            </a:ext>
+          </a:extLst>
+        </p:spPr>
+      </p:pic>
+      <p:sp>
+        <p:nvSpPr>
+          <p:cNvPr id="10244" name="Title 1"/>
+          <p:cNvSpPr txBox="1">
+            <a:spLocks/>
+          </p:cNvSpPr>
+          <p:nvPr/>
+        </p:nvSpPr>
+        <p:spPr bwMode="auto">
+          <a:xfrm>
+            <a:off x="2943225" y="365125"/>
+            <a:ext cx="6019800" cy="838200"/>
+          </a:xfrm>
+          <a:prstGeom prst="rect">
+            <a:avLst/>
+          </a:prstGeom>
+          <a:noFill/>
+          <a:ln>
+            <a:noFill/>
+          </a:ln>
+          <a:extLst>
+            <a:ext uri="{909E8E84-426E-40dd-AFC4-6F175D3DCCD1}">
+              <a14:hiddenFill xmlns:a14="http://schemas.microsoft.com/office/drawing/2010/main">
+                <a:solidFill>
+                  <a:srgbClr val="FFFFFF"/>
+                </a:solidFill>
+              </a14:hiddenFill>
+            </a:ext>
+            <a:ext uri="{91240B29-F687-4f45-9708-019B960494DF}">
+              <a14:hiddenLine xmlns:a14="http://schemas.microsoft.com/office/drawing/2010/main" w="9525">
+                <a:solidFill>
+                  <a:srgbClr val="000000"/>
+                </a:solidFill>
+                <a:miter lim="800000"/>
+                <a:headEnd/>
+                <a:tailEnd/>
+              </a14:hiddenLine>
+            </a:ext>
+          </a:extLst>
+        </p:spPr>
+        <p:txBody>
+          <a:bodyPr anchor="ctr"/>
+          <a:lstStyle>
+            <a:lvl1pPr eaLnBrk="0" hangingPunct="0">
+              <a:defRPr sz="2400">
+                <a:solidFill>
+                  <a:schemeClr val="tx1"/>
+                </a:solidFill>
+                <a:latin typeface="Arial" charset="0"/>
+                <a:ea typeface="ＭＳ Ｐゴシック" charset="0"/>
+                <a:cs typeface="ＭＳ Ｐゴシック" charset="0"/>
+              </a:defRPr>
+            </a:lvl1pPr>
+            <a:lvl2pPr marL="742950" indent="-285750" eaLnBrk="0" hangingPunct="0">
+              <a:defRPr sz="2400">
+                <a:solidFill>
+                  <a:schemeClr val="tx1"/>
+                </a:solidFill>
+                <a:latin typeface="Arial" charset="0"/>
+                <a:ea typeface="ＭＳ Ｐゴシック" charset="0"/>
+              </a:defRPr>
+            </a:lvl2pPr>
+            <a:lvl3pPr marL="1143000" indent="-228600" eaLnBrk="0" hangingPunct="0">
+              <a:defRPr sz="2400">
+                <a:solidFill>
+                  <a:schemeClr val="tx1"/>
+                </a:solidFill>
+                <a:latin typeface="Arial" charset="0"/>
+                <a:ea typeface="ＭＳ Ｐゴシック" charset="0"/>
+              </a:defRPr>
+            </a:lvl3pPr>
+            <a:lvl4pPr marL="1600200" indent="-228600" eaLnBrk="0" hangingPunct="0">
+              <a:defRPr sz="2400">
+                <a:solidFill>
+                  <a:schemeClr val="tx1"/>
+                </a:solidFill>
+                <a:latin typeface="Arial" charset="0"/>
+                <a:ea typeface="ＭＳ Ｐゴシック" charset="0"/>
+              </a:defRPr>
+            </a:lvl4pPr>
+            <a:lvl5pPr marL="2057400" indent="-228600" eaLnBrk="0" hangingPunct="0">
+              <a:defRPr sz="2400">
+                <a:solidFill>
+                  <a:schemeClr val="tx1"/>
+                </a:solidFill>
+                <a:latin typeface="Arial" charset="0"/>
+                <a:ea typeface="ＭＳ Ｐゴシック" charset="0"/>
+              </a:defRPr>
+            </a:lvl5pPr>
+            <a:lvl6pPr marL="2514600" indent="-228600" eaLnBrk="0" fontAlgn="base" hangingPunct="0">
+              <a:spcBef>
+                <a:spcPct val="0"/>
+              </a:spcBef>
+              <a:spcAft>
+                <a:spcPct val="0"/>
+              </a:spcAft>
+              <a:defRPr sz="2400">
+                <a:solidFill>
+                  <a:schemeClr val="tx1"/>
+                </a:solidFill>
+                <a:latin typeface="Arial" charset="0"/>
+                <a:ea typeface="ＭＳ Ｐゴシック" charset="0"/>
+              </a:defRPr>
+            </a:lvl6pPr>
+            <a:lvl7pPr marL="2971800" indent="-228600" eaLnBrk="0" fontAlgn="base" hangingPunct="0">
+              <a:spcBef>
+                <a:spcPct val="0"/>
+              </a:spcBef>
+              <a:spcAft>
+                <a:spcPct val="0"/>
+              </a:spcAft>
+              <a:defRPr sz="2400">
+                <a:solidFill>
+                  <a:schemeClr val="tx1"/>
+                </a:solidFill>
+                <a:latin typeface="Arial" charset="0"/>
+                <a:ea typeface="ＭＳ Ｐゴシック" charset="0"/>
+              </a:defRPr>
+            </a:lvl7pPr>
+            <a:lvl8pPr marL="3429000" indent="-228600" eaLnBrk="0" fontAlgn="base" hangingPunct="0">
+              <a:spcBef>
+                <a:spcPct val="0"/>
+              </a:spcBef>
+              <a:spcAft>
+                <a:spcPct val="0"/>
+              </a:spcAft>
+              <a:defRPr sz="2400">
+                <a:solidFill>
+                  <a:schemeClr val="tx1"/>
+                </a:solidFill>
+                <a:latin typeface="Arial" charset="0"/>
+                <a:ea typeface="ＭＳ Ｐゴシック" charset="0"/>
+              </a:defRPr>
+            </a:lvl8pPr>
+            <a:lvl9pPr marL="3886200" indent="-228600" eaLnBrk="0" fontAlgn="base" hangingPunct="0">
+              <a:spcBef>
+                <a:spcPct val="0"/>
+              </a:spcBef>
+              <a:spcAft>
+                <a:spcPct val="0"/>
+              </a:spcAft>
+              <a:defRPr sz="2400">
+                <a:solidFill>
+                  <a:schemeClr val="tx1"/>
+                </a:solidFill>
+                <a:latin typeface="Arial" charset="0"/>
+                <a:ea typeface="ＭＳ Ｐゴシック" charset="0"/>
+              </a:defRPr>
+            </a:lvl9pPr>
+          </a:lstStyle>
+          <a:p>
+            <a:pPr algn="r" eaLnBrk="1" hangingPunct="1"/>
+            <a:r>
+              <a:rPr lang="en-US" sz="2000" dirty="0" smtClean="0">
+                <a:solidFill>
+                  <a:schemeClr val="bg1"/>
+                </a:solidFill>
+                <a:latin typeface="Calibri" charset="0"/>
+                <a:cs typeface="Segoe UI" charset="0"/>
+              </a:rPr>
+              <a:t>RNA-</a:t>
+            </a:r>
+            <a:r>
+              <a:rPr lang="en-US" sz="2000" dirty="0" err="1">
+                <a:solidFill>
+                  <a:schemeClr val="bg1"/>
+                </a:solidFill>
+                <a:latin typeface="Calibri" charset="0"/>
+                <a:cs typeface="Segoe UI" charset="0"/>
+              </a:rPr>
+              <a:t>S</a:t>
+            </a:r>
+            <a:r>
+              <a:rPr lang="en-US" sz="2000" dirty="0" err="1" smtClean="0">
+                <a:solidFill>
+                  <a:schemeClr val="bg1"/>
+                </a:solidFill>
+                <a:latin typeface="Calibri" charset="0"/>
+                <a:cs typeface="Segoe UI" charset="0"/>
+              </a:rPr>
+              <a:t>eq</a:t>
+            </a:r>
+            <a:r>
+              <a:rPr lang="en-US" sz="2000" dirty="0" smtClean="0">
+                <a:solidFill>
+                  <a:schemeClr val="bg1"/>
+                </a:solidFill>
+                <a:latin typeface="Calibri" charset="0"/>
+                <a:cs typeface="Segoe UI" charset="0"/>
+              </a:rPr>
+              <a:t> Module </a:t>
+            </a:r>
+            <a:r>
+              <a:rPr lang="en-US" sz="2000" dirty="0">
+                <a:solidFill>
+                  <a:schemeClr val="bg1"/>
+                </a:solidFill>
+                <a:latin typeface="Calibri" charset="0"/>
+                <a:cs typeface="Segoe UI" charset="0"/>
+              </a:rPr>
+              <a:t>3</a:t>
+            </a:r>
+            <a:br>
+              <a:rPr lang="en-US" sz="2000" dirty="0">
+                <a:solidFill>
+                  <a:schemeClr val="bg1"/>
+                </a:solidFill>
+                <a:latin typeface="Calibri" charset="0"/>
+                <a:cs typeface="Segoe UI" charset="0"/>
+              </a:rPr>
+            </a:br>
+            <a:r>
+              <a:rPr lang="en-US" sz="2000" dirty="0" smtClean="0">
+                <a:solidFill>
+                  <a:schemeClr val="bg1"/>
+                </a:solidFill>
+                <a:latin typeface="Calibri" charset="0"/>
+                <a:cs typeface="Segoe UI" charset="0"/>
+              </a:rPr>
+              <a:t>Expression and Differential Expression </a:t>
+            </a:r>
+            <a:r>
+              <a:rPr lang="en-US" sz="2000" dirty="0">
+                <a:solidFill>
+                  <a:schemeClr val="bg1"/>
+                </a:solidFill>
+                <a:latin typeface="Calibri" charset="0"/>
+                <a:cs typeface="Segoe UI" charset="0"/>
+              </a:rPr>
+              <a:t>(lecture)</a:t>
+            </a:r>
+            <a:endParaRPr lang="en-US" sz="1800" b="1" dirty="0">
+              <a:solidFill>
+                <a:schemeClr val="bg1"/>
+              </a:solidFill>
+              <a:latin typeface="Calibri" charset="0"/>
+              <a:cs typeface="Segoe UI" charset="0"/>
+            </a:endParaRPr>
+          </a:p>
+        </p:txBody>
+      </p:sp>
+      <p:sp>
+        <p:nvSpPr>
+          <p:cNvPr id="8" name="Title 1"/>
+          <p:cNvSpPr txBox="1">
+            <a:spLocks/>
+          </p:cNvSpPr>
+          <p:nvPr/>
+        </p:nvSpPr>
+        <p:spPr>
+          <a:xfrm>
+            <a:off x="3854897" y="1412776"/>
+            <a:ext cx="5181599" cy="936104"/>
+          </a:xfrm>
+          <a:prstGeom prst="rect">
+            <a:avLst/>
+          </a:prstGeom>
+        </p:spPr>
+        <p:txBody>
+          <a:bodyPr anchor="ctr"/>
+          <a:lstStyle>
+            <a:lvl1pPr algn="r">
+              <a:defRPr sz="3200" baseline="0">
+                <a:solidFill>
+                  <a:schemeClr val="bg1"/>
+                </a:solidFill>
+                <a:latin typeface="Adobe Jenson Pro" pitchFamily="18" charset="0"/>
+              </a:defRPr>
+            </a:lvl1pPr>
+          </a:lstStyle>
+          <a:p>
+            <a:pPr fontAlgn="auto">
+              <a:spcAft>
+                <a:spcPts val="0"/>
+              </a:spcAft>
+              <a:defRPr/>
+            </a:pPr>
+            <a:r>
+              <a:rPr lang="en-US" sz="1600" dirty="0" smtClean="0">
+                <a:latin typeface="Calibri"/>
+                <a:ea typeface="+mj-ea"/>
+                <a:cs typeface="Calibri"/>
+              </a:rPr>
+              <a:t>Malachi Griffith, Obi Griffith, Jason Walker, Alex Wagner</a:t>
+            </a:r>
+          </a:p>
+          <a:p>
+            <a:pPr fontAlgn="auto">
+              <a:spcAft>
+                <a:spcPts val="0"/>
+              </a:spcAft>
+              <a:buFont typeface="Arial" pitchFamily="34" charset="0"/>
+              <a:buNone/>
+              <a:defRPr/>
+            </a:pPr>
+            <a:r>
+              <a:rPr lang="en-US" sz="1600" dirty="0">
+                <a:ln w="1270">
+                  <a:solidFill>
+                    <a:schemeClr val="tx1">
+                      <a:alpha val="38000"/>
+                    </a:schemeClr>
+                  </a:solidFill>
+                </a:ln>
+                <a:latin typeface="Calibri"/>
+                <a:cs typeface="Calibri"/>
+              </a:rPr>
+              <a:t>Advanced Sequencing Technologies &amp; Applications</a:t>
+            </a:r>
+          </a:p>
+          <a:p>
+            <a:pPr fontAlgn="auto">
+              <a:spcAft>
+                <a:spcPts val="0"/>
+              </a:spcAft>
+              <a:defRPr/>
+            </a:pPr>
+            <a:r>
+              <a:rPr lang="en-US" sz="1400" dirty="0">
+                <a:ln w="1270">
+                  <a:solidFill>
+                    <a:schemeClr val="tx1">
+                      <a:alpha val="38000"/>
+                    </a:schemeClr>
+                  </a:solidFill>
+                </a:ln>
+                <a:latin typeface="Calibri"/>
+                <a:ea typeface="+mn-ea"/>
+                <a:cs typeface="Calibri"/>
+              </a:rPr>
+              <a:t>November </a:t>
+            </a:r>
+            <a:r>
+              <a:rPr lang="en-US" sz="1400" dirty="0" smtClean="0">
+                <a:ln w="1270">
+                  <a:solidFill>
+                    <a:schemeClr val="tx1">
+                      <a:alpha val="38000"/>
+                    </a:schemeClr>
+                  </a:solidFill>
+                </a:ln>
+                <a:latin typeface="Calibri"/>
+                <a:ea typeface="+mn-ea"/>
+                <a:cs typeface="Calibri"/>
+              </a:rPr>
+              <a:t>7 </a:t>
+            </a:r>
+            <a:r>
+              <a:rPr lang="en-US" sz="1400" dirty="0">
+                <a:ln w="1270">
+                  <a:solidFill>
+                    <a:schemeClr val="tx1">
+                      <a:alpha val="38000"/>
+                    </a:schemeClr>
+                  </a:solidFill>
+                </a:ln>
+                <a:latin typeface="Calibri"/>
+                <a:ea typeface="+mn-ea"/>
+                <a:cs typeface="Calibri"/>
+              </a:rPr>
+              <a:t>- </a:t>
+            </a:r>
+            <a:r>
+              <a:rPr lang="en-US" sz="1400" dirty="0" smtClean="0">
+                <a:ln w="1270">
+                  <a:solidFill>
+                    <a:schemeClr val="tx1">
+                      <a:alpha val="38000"/>
+                    </a:schemeClr>
+                  </a:solidFill>
+                </a:ln>
+                <a:latin typeface="Calibri"/>
+                <a:ea typeface="+mn-ea"/>
+                <a:cs typeface="Calibri"/>
+              </a:rPr>
+              <a:t>20, 2016</a:t>
+            </a:r>
+          </a:p>
+        </p:txBody>
+      </p:sp>
+    </p:spTree>
+    <p:extLst>
+      <p:ext uri="{BB962C8B-B14F-4D97-AF65-F5344CB8AC3E}">
+        <p14:creationId xmlns:p14="http://schemas.microsoft.com/office/powerpoint/2010/main" val="3250606954"/>
+      </p:ext>
+    </p:extLst>
+  </p:cSld>
+  <p:clrMapOvr>
+    <a:masterClrMapping/>
+  </p:clrMapOvr>
+  <p:timing>
+    <p:tnLst>
+      <p:par>
+        <p:cTn xmlns:p14="http://schemas.microsoft.com/office/powerpoint/2010/main" id="1" dur="indefinite" restart="never" nodeType="tmRoot"/>
+      </p:par>
+    </p:tnLst>
+  </p:timing>
+</p:sld>
+</file>
+
+<file path=ppt/slides/slide20.xml><?xml version="1.0" encoding="utf-8"?>
 <p:sld xmlns:a="http://schemas.openxmlformats.org/drawingml/2006/main" xmlns:r="http://schemas.openxmlformats.org/officeDocument/2006/relationships" xmlns:p="http://schemas.openxmlformats.org/presentationml/2006/main">
   <p:cSld>
     <p:spTree>
@@ -6422,7 +7426,7 @@
 </p:sld>
 </file>
 
-<file path=ppt/slides/slide19.xml><?xml version="1.0" encoding="utf-8"?>
+<file path=ppt/slides/slide21.xml><?xml version="1.0" encoding="utf-8"?>
 <p:sld xmlns:a="http://schemas.openxmlformats.org/drawingml/2006/main" xmlns:r="http://schemas.openxmlformats.org/officeDocument/2006/relationships" xmlns:p="http://schemas.openxmlformats.org/presentationml/2006/main">
   <p:cSld>
     <p:spTree>
@@ -9021,607 +10025,7 @@
 </p:sld>
 </file>
 
-<file path=ppt/slides/slide2.xml><?xml version="1.0" encoding="utf-8"?>
-<p:sld xmlns:a="http://schemas.openxmlformats.org/drawingml/2006/main" xmlns:r="http://schemas.openxmlformats.org/officeDocument/2006/relationships" xmlns:p="http://schemas.openxmlformats.org/presentationml/2006/main">
-  <p:cSld>
-    <p:spTree>
-      <p:nvGrpSpPr>
-        <p:cNvPr id="1" name=""/>
-        <p:cNvGrpSpPr/>
-        <p:nvPr/>
-      </p:nvGrpSpPr>
-      <p:grpSpPr>
-        <a:xfrm>
-          <a:off x="0" y="0"/>
-          <a:ext cx="0" cy="0"/>
-          <a:chOff x="0" y="0"/>
-          <a:chExt cx="0" cy="0"/>
-        </a:xfrm>
-      </p:grpSpPr>
-      <p:sp>
-        <p:nvSpPr>
-          <p:cNvPr id="57" name="Rectangle 56"/>
-          <p:cNvSpPr/>
-          <p:nvPr/>
-        </p:nvSpPr>
-        <p:spPr>
-          <a:xfrm>
-            <a:off x="0" y="2514600"/>
-            <a:ext cx="6172200" cy="4343400"/>
-          </a:xfrm>
-          <a:prstGeom prst="rect">
-            <a:avLst/>
-          </a:prstGeom>
-          <a:solidFill>
-            <a:schemeClr val="accent1">
-              <a:alpha val="18000"/>
-            </a:schemeClr>
-          </a:solidFill>
-          <a:ln>
-            <a:noFill/>
-          </a:ln>
-        </p:spPr>
-        <p:style>
-          <a:lnRef idx="1">
-            <a:schemeClr val="accent1"/>
-          </a:lnRef>
-          <a:fillRef idx="3">
-            <a:schemeClr val="accent1"/>
-          </a:fillRef>
-          <a:effectRef idx="2">
-            <a:schemeClr val="accent1"/>
-          </a:effectRef>
-          <a:fontRef idx="minor">
-            <a:schemeClr val="lt1"/>
-          </a:fontRef>
-        </p:style>
-        <p:txBody>
-          <a:bodyPr anchor="ctr"/>
-          <a:lstStyle/>
-          <a:p>
-            <a:pPr algn="ctr">
-              <a:defRPr/>
-            </a:pPr>
-            <a:endParaRPr lang="en-US" sz="1800">
-              <a:solidFill>
-                <a:srgbClr val="FFFFFF"/>
-              </a:solidFill>
-              <a:latin typeface="Calibri" charset="0"/>
-              <a:ea typeface="ＭＳ Ｐゴシック" charset="0"/>
-              <a:cs typeface="Calibri" charset="0"/>
-            </a:endParaRPr>
-          </a:p>
-        </p:txBody>
-      </p:sp>
-      <p:pic>
-        <p:nvPicPr>
-          <p:cNvPr id="10242" name="Picture 4" descr="TGI_logo_V_2color_bevel.tiff"/>
-          <p:cNvPicPr>
-            <a:picLocks noChangeAspect="1"/>
-          </p:cNvPicPr>
-          <p:nvPr/>
-        </p:nvPicPr>
-        <p:blipFill>
-          <a:blip r:embed="rId2">
-            <a:extLst>
-              <a:ext uri="{28A0092B-C50C-407E-A947-70E740481C1C}">
-                <a14:useLocalDpi xmlns:a14="http://schemas.microsoft.com/office/drawing/2010/main" val="0"/>
-              </a:ext>
-            </a:extLst>
-          </a:blip>
-          <a:srcRect l="31865" t="30911" r="32492" b="27831"/>
-          <a:stretch>
-            <a:fillRect/>
-          </a:stretch>
-        </p:blipFill>
-        <p:spPr bwMode="auto">
-          <a:xfrm>
-            <a:off x="6588125" y="3744913"/>
-            <a:ext cx="2181225" cy="1893887"/>
-          </a:xfrm>
-          <a:prstGeom prst="rect">
-            <a:avLst/>
-          </a:prstGeom>
-          <a:noFill/>
-          <a:ln>
-            <a:noFill/>
-          </a:ln>
-          <a:extLst>
-            <a:ext uri="{909E8E84-426E-40dd-AFC4-6F175D3DCCD1}">
-              <a14:hiddenFill xmlns:a14="http://schemas.microsoft.com/office/drawing/2010/main">
-                <a:solidFill>
-                  <a:srgbClr val="FFFFFF"/>
-                </a:solidFill>
-              </a14:hiddenFill>
-            </a:ext>
-            <a:ext uri="{91240B29-F687-4f45-9708-019B960494DF}">
-              <a14:hiddenLine xmlns:a14="http://schemas.microsoft.com/office/drawing/2010/main" w="9525">
-                <a:solidFill>
-                  <a:srgbClr val="000000"/>
-                </a:solidFill>
-                <a:miter lim="800000"/>
-                <a:headEnd/>
-                <a:tailEnd/>
-              </a14:hiddenLine>
-            </a:ext>
-          </a:extLst>
-        </p:spPr>
-      </p:pic>
-      <p:pic>
-        <p:nvPicPr>
-          <p:cNvPr id="10243" name="Picture 1" descr="RNA-Seq-alignment.png"/>
-          <p:cNvPicPr>
-            <a:picLocks noChangeAspect="1"/>
-          </p:cNvPicPr>
-          <p:nvPr/>
-        </p:nvPicPr>
-        <p:blipFill>
-          <a:blip r:embed="rId3">
-            <a:extLst>
-              <a:ext uri="{28A0092B-C50C-407E-A947-70E740481C1C}">
-                <a14:useLocalDpi xmlns:a14="http://schemas.microsoft.com/office/drawing/2010/main" val="0"/>
-              </a:ext>
-            </a:extLst>
-          </a:blip>
-          <a:srcRect/>
-          <a:stretch>
-            <a:fillRect/>
-          </a:stretch>
-        </p:blipFill>
-        <p:spPr bwMode="auto">
-          <a:xfrm>
-            <a:off x="900113" y="2636838"/>
-            <a:ext cx="4248150" cy="4068762"/>
-          </a:xfrm>
-          <a:prstGeom prst="rect">
-            <a:avLst/>
-          </a:prstGeom>
-          <a:noFill/>
-          <a:ln>
-            <a:noFill/>
-          </a:ln>
-          <a:extLst>
-            <a:ext uri="{909E8E84-426E-40dd-AFC4-6F175D3DCCD1}">
-              <a14:hiddenFill xmlns:a14="http://schemas.microsoft.com/office/drawing/2010/main">
-                <a:solidFill>
-                  <a:srgbClr val="FFFFFF"/>
-                </a:solidFill>
-              </a14:hiddenFill>
-            </a:ext>
-            <a:ext uri="{91240B29-F687-4f45-9708-019B960494DF}">
-              <a14:hiddenLine xmlns:a14="http://schemas.microsoft.com/office/drawing/2010/main" w="9525">
-                <a:solidFill>
-                  <a:srgbClr val="000000"/>
-                </a:solidFill>
-                <a:miter lim="800000"/>
-                <a:headEnd/>
-                <a:tailEnd/>
-              </a14:hiddenLine>
-            </a:ext>
-          </a:extLst>
-        </p:spPr>
-      </p:pic>
-      <p:sp>
-        <p:nvSpPr>
-          <p:cNvPr id="10244" name="Title 1"/>
-          <p:cNvSpPr txBox="1">
-            <a:spLocks/>
-          </p:cNvSpPr>
-          <p:nvPr/>
-        </p:nvSpPr>
-        <p:spPr bwMode="auto">
-          <a:xfrm>
-            <a:off x="2943225" y="365125"/>
-            <a:ext cx="6019800" cy="838200"/>
-          </a:xfrm>
-          <a:prstGeom prst="rect">
-            <a:avLst/>
-          </a:prstGeom>
-          <a:noFill/>
-          <a:ln>
-            <a:noFill/>
-          </a:ln>
-          <a:extLst>
-            <a:ext uri="{909E8E84-426E-40dd-AFC4-6F175D3DCCD1}">
-              <a14:hiddenFill xmlns:a14="http://schemas.microsoft.com/office/drawing/2010/main">
-                <a:solidFill>
-                  <a:srgbClr val="FFFFFF"/>
-                </a:solidFill>
-              </a14:hiddenFill>
-            </a:ext>
-            <a:ext uri="{91240B29-F687-4f45-9708-019B960494DF}">
-              <a14:hiddenLine xmlns:a14="http://schemas.microsoft.com/office/drawing/2010/main" w="9525">
-                <a:solidFill>
-                  <a:srgbClr val="000000"/>
-                </a:solidFill>
-                <a:miter lim="800000"/>
-                <a:headEnd/>
-                <a:tailEnd/>
-              </a14:hiddenLine>
-            </a:ext>
-          </a:extLst>
-        </p:spPr>
-        <p:txBody>
-          <a:bodyPr anchor="ctr"/>
-          <a:lstStyle>
-            <a:lvl1pPr eaLnBrk="0" hangingPunct="0">
-              <a:defRPr sz="2400">
-                <a:solidFill>
-                  <a:schemeClr val="tx1"/>
-                </a:solidFill>
-                <a:latin typeface="Arial" charset="0"/>
-                <a:ea typeface="ＭＳ Ｐゴシック" charset="0"/>
-                <a:cs typeface="ＭＳ Ｐゴシック" charset="0"/>
-              </a:defRPr>
-            </a:lvl1pPr>
-            <a:lvl2pPr marL="742950" indent="-285750" eaLnBrk="0" hangingPunct="0">
-              <a:defRPr sz="2400">
-                <a:solidFill>
-                  <a:schemeClr val="tx1"/>
-                </a:solidFill>
-                <a:latin typeface="Arial" charset="0"/>
-                <a:ea typeface="ＭＳ Ｐゴシック" charset="0"/>
-              </a:defRPr>
-            </a:lvl2pPr>
-            <a:lvl3pPr marL="1143000" indent="-228600" eaLnBrk="0" hangingPunct="0">
-              <a:defRPr sz="2400">
-                <a:solidFill>
-                  <a:schemeClr val="tx1"/>
-                </a:solidFill>
-                <a:latin typeface="Arial" charset="0"/>
-                <a:ea typeface="ＭＳ Ｐゴシック" charset="0"/>
-              </a:defRPr>
-            </a:lvl3pPr>
-            <a:lvl4pPr marL="1600200" indent="-228600" eaLnBrk="0" hangingPunct="0">
-              <a:defRPr sz="2400">
-                <a:solidFill>
-                  <a:schemeClr val="tx1"/>
-                </a:solidFill>
-                <a:latin typeface="Arial" charset="0"/>
-                <a:ea typeface="ＭＳ Ｐゴシック" charset="0"/>
-              </a:defRPr>
-            </a:lvl4pPr>
-            <a:lvl5pPr marL="2057400" indent="-228600" eaLnBrk="0" hangingPunct="0">
-              <a:defRPr sz="2400">
-                <a:solidFill>
-                  <a:schemeClr val="tx1"/>
-                </a:solidFill>
-                <a:latin typeface="Arial" charset="0"/>
-                <a:ea typeface="ＭＳ Ｐゴシック" charset="0"/>
-              </a:defRPr>
-            </a:lvl5pPr>
-            <a:lvl6pPr marL="2514600" indent="-228600" eaLnBrk="0" fontAlgn="base" hangingPunct="0">
-              <a:spcBef>
-                <a:spcPct val="0"/>
-              </a:spcBef>
-              <a:spcAft>
-                <a:spcPct val="0"/>
-              </a:spcAft>
-              <a:defRPr sz="2400">
-                <a:solidFill>
-                  <a:schemeClr val="tx1"/>
-                </a:solidFill>
-                <a:latin typeface="Arial" charset="0"/>
-                <a:ea typeface="ＭＳ Ｐゴシック" charset="0"/>
-              </a:defRPr>
-            </a:lvl6pPr>
-            <a:lvl7pPr marL="2971800" indent="-228600" eaLnBrk="0" fontAlgn="base" hangingPunct="0">
-              <a:spcBef>
-                <a:spcPct val="0"/>
-              </a:spcBef>
-              <a:spcAft>
-                <a:spcPct val="0"/>
-              </a:spcAft>
-              <a:defRPr sz="2400">
-                <a:solidFill>
-                  <a:schemeClr val="tx1"/>
-                </a:solidFill>
-                <a:latin typeface="Arial" charset="0"/>
-                <a:ea typeface="ＭＳ Ｐゴシック" charset="0"/>
-              </a:defRPr>
-            </a:lvl7pPr>
-            <a:lvl8pPr marL="3429000" indent="-228600" eaLnBrk="0" fontAlgn="base" hangingPunct="0">
-              <a:spcBef>
-                <a:spcPct val="0"/>
-              </a:spcBef>
-              <a:spcAft>
-                <a:spcPct val="0"/>
-              </a:spcAft>
-              <a:defRPr sz="2400">
-                <a:solidFill>
-                  <a:schemeClr val="tx1"/>
-                </a:solidFill>
-                <a:latin typeface="Arial" charset="0"/>
-                <a:ea typeface="ＭＳ Ｐゴシック" charset="0"/>
-              </a:defRPr>
-            </a:lvl8pPr>
-            <a:lvl9pPr marL="3886200" indent="-228600" eaLnBrk="0" fontAlgn="base" hangingPunct="0">
-              <a:spcBef>
-                <a:spcPct val="0"/>
-              </a:spcBef>
-              <a:spcAft>
-                <a:spcPct val="0"/>
-              </a:spcAft>
-              <a:defRPr sz="2400">
-                <a:solidFill>
-                  <a:schemeClr val="tx1"/>
-                </a:solidFill>
-                <a:latin typeface="Arial" charset="0"/>
-                <a:ea typeface="ＭＳ Ｐゴシック" charset="0"/>
-              </a:defRPr>
-            </a:lvl9pPr>
-          </a:lstStyle>
-          <a:p>
-            <a:pPr algn="r" eaLnBrk="1" hangingPunct="1"/>
-            <a:r>
-              <a:rPr lang="en-US" sz="2000" dirty="0" smtClean="0">
-                <a:solidFill>
-                  <a:schemeClr val="bg1"/>
-                </a:solidFill>
-                <a:latin typeface="Calibri" charset="0"/>
-                <a:cs typeface="Segoe UI" charset="0"/>
-              </a:rPr>
-              <a:t>RNA-</a:t>
-            </a:r>
-            <a:r>
-              <a:rPr lang="en-US" sz="2000" dirty="0" err="1">
-                <a:solidFill>
-                  <a:schemeClr val="bg1"/>
-                </a:solidFill>
-                <a:latin typeface="Calibri" charset="0"/>
-                <a:cs typeface="Segoe UI" charset="0"/>
-              </a:rPr>
-              <a:t>S</a:t>
-            </a:r>
-            <a:r>
-              <a:rPr lang="en-US" sz="2000" dirty="0" err="1" smtClean="0">
-                <a:solidFill>
-                  <a:schemeClr val="bg1"/>
-                </a:solidFill>
-                <a:latin typeface="Calibri" charset="0"/>
-                <a:cs typeface="Segoe UI" charset="0"/>
-              </a:rPr>
-              <a:t>eq</a:t>
-            </a:r>
-            <a:r>
-              <a:rPr lang="en-US" sz="2000" dirty="0" smtClean="0">
-                <a:solidFill>
-                  <a:schemeClr val="bg1"/>
-                </a:solidFill>
-                <a:latin typeface="Calibri" charset="0"/>
-                <a:cs typeface="Segoe UI" charset="0"/>
-              </a:rPr>
-              <a:t> Module </a:t>
-            </a:r>
-            <a:r>
-              <a:rPr lang="en-US" sz="2000" dirty="0">
-                <a:solidFill>
-                  <a:schemeClr val="bg1"/>
-                </a:solidFill>
-                <a:latin typeface="Calibri" charset="0"/>
-                <a:cs typeface="Segoe UI" charset="0"/>
-              </a:rPr>
-              <a:t>3</a:t>
-            </a:r>
-            <a:r>
-              <a:rPr lang="en-US" sz="2000" dirty="0">
-                <a:solidFill>
-                  <a:schemeClr val="bg1"/>
-                </a:solidFill>
-                <a:latin typeface="Calibri" charset="0"/>
-                <a:cs typeface="Segoe UI" charset="0"/>
-              </a:rPr>
-              <a:t/>
-            </a:r>
-            <a:br>
-              <a:rPr lang="en-US" sz="2000" dirty="0">
-                <a:solidFill>
-                  <a:schemeClr val="bg1"/>
-                </a:solidFill>
-                <a:latin typeface="Calibri" charset="0"/>
-                <a:cs typeface="Segoe UI" charset="0"/>
-              </a:rPr>
-            </a:br>
-            <a:r>
-              <a:rPr lang="en-US" sz="2000" dirty="0" smtClean="0">
-                <a:solidFill>
-                  <a:schemeClr val="bg1"/>
-                </a:solidFill>
-                <a:latin typeface="Calibri" charset="0"/>
-                <a:cs typeface="Segoe UI" charset="0"/>
-              </a:rPr>
-              <a:t>Expression and Differential Expression</a:t>
-            </a:r>
-            <a:r>
-              <a:rPr lang="en-US" sz="2000" dirty="0" smtClean="0">
-                <a:solidFill>
-                  <a:schemeClr val="bg1"/>
-                </a:solidFill>
-                <a:latin typeface="Calibri" charset="0"/>
-                <a:cs typeface="Segoe UI" charset="0"/>
-              </a:rPr>
-              <a:t> </a:t>
-            </a:r>
-            <a:r>
-              <a:rPr lang="en-US" sz="2000" dirty="0">
-                <a:solidFill>
-                  <a:schemeClr val="bg1"/>
-                </a:solidFill>
-                <a:latin typeface="Calibri" charset="0"/>
-                <a:cs typeface="Segoe UI" charset="0"/>
-              </a:rPr>
-              <a:t>(lecture)</a:t>
-            </a:r>
-            <a:endParaRPr lang="en-US" sz="1800" b="1" dirty="0">
-              <a:solidFill>
-                <a:schemeClr val="bg1"/>
-              </a:solidFill>
-              <a:latin typeface="Calibri" charset="0"/>
-              <a:cs typeface="Segoe UI" charset="0"/>
-            </a:endParaRPr>
-          </a:p>
-        </p:txBody>
-      </p:sp>
-      <p:sp>
-        <p:nvSpPr>
-          <p:cNvPr id="8" name="Title 1"/>
-          <p:cNvSpPr txBox="1">
-            <a:spLocks/>
-          </p:cNvSpPr>
-          <p:nvPr/>
-        </p:nvSpPr>
-        <p:spPr>
-          <a:xfrm>
-            <a:off x="3854897" y="1412776"/>
-            <a:ext cx="5181599" cy="936104"/>
-          </a:xfrm>
-          <a:prstGeom prst="rect">
-            <a:avLst/>
-          </a:prstGeom>
-        </p:spPr>
-        <p:txBody>
-          <a:bodyPr anchor="ctr"/>
-          <a:lstStyle>
-            <a:lvl1pPr algn="r">
-              <a:defRPr sz="3200" baseline="0">
-                <a:solidFill>
-                  <a:schemeClr val="bg1"/>
-                </a:solidFill>
-                <a:latin typeface="Adobe Jenson Pro" pitchFamily="18" charset="0"/>
-              </a:defRPr>
-            </a:lvl1pPr>
-          </a:lstStyle>
-          <a:p>
-            <a:pPr fontAlgn="auto">
-              <a:spcAft>
-                <a:spcPts val="0"/>
-              </a:spcAft>
-              <a:defRPr/>
-            </a:pPr>
-            <a:r>
-              <a:rPr lang="en-US" sz="1600" dirty="0" smtClean="0">
-                <a:latin typeface="Calibri"/>
-                <a:ea typeface="+mj-ea"/>
-                <a:cs typeface="Calibri"/>
-              </a:rPr>
-              <a:t>Malachi Griffith, Obi Griffith, Jason Walker, Alex Wagner</a:t>
-            </a:r>
-          </a:p>
-          <a:p>
-            <a:pPr fontAlgn="auto">
-              <a:spcAft>
-                <a:spcPts val="0"/>
-              </a:spcAft>
-              <a:buFont typeface="Arial" pitchFamily="34" charset="0"/>
-              <a:buNone/>
-              <a:defRPr/>
-            </a:pPr>
-            <a:r>
-              <a:rPr lang="en-US" sz="1600" dirty="0">
-                <a:ln w="1270">
-                  <a:solidFill>
-                    <a:schemeClr val="tx1">
-                      <a:alpha val="38000"/>
-                    </a:schemeClr>
-                  </a:solidFill>
-                </a:ln>
-                <a:latin typeface="Calibri"/>
-                <a:cs typeface="Calibri"/>
-              </a:rPr>
-              <a:t>Advanced Sequencing Technologies &amp; Applications</a:t>
-            </a:r>
-          </a:p>
-          <a:p>
-            <a:pPr fontAlgn="auto">
-              <a:spcAft>
-                <a:spcPts val="0"/>
-              </a:spcAft>
-              <a:defRPr/>
-            </a:pPr>
-            <a:r>
-              <a:rPr lang="en-US" sz="1400" dirty="0">
-                <a:ln w="1270">
-                  <a:solidFill>
-                    <a:schemeClr val="tx1">
-                      <a:alpha val="38000"/>
-                    </a:schemeClr>
-                  </a:solidFill>
-                </a:ln>
-                <a:latin typeface="Calibri"/>
-                <a:ea typeface="+mn-ea"/>
-                <a:cs typeface="Calibri"/>
-              </a:rPr>
-              <a:t>November </a:t>
-            </a:r>
-            <a:r>
-              <a:rPr lang="en-US" sz="1400" dirty="0" smtClean="0">
-                <a:ln w="1270">
-                  <a:solidFill>
-                    <a:schemeClr val="tx1">
-                      <a:alpha val="38000"/>
-                    </a:schemeClr>
-                  </a:solidFill>
-                </a:ln>
-                <a:latin typeface="Calibri"/>
-                <a:ea typeface="+mn-ea"/>
-                <a:cs typeface="Calibri"/>
-              </a:rPr>
-              <a:t>7 </a:t>
-            </a:r>
-            <a:r>
-              <a:rPr lang="en-US" sz="1400" dirty="0">
-                <a:ln w="1270">
-                  <a:solidFill>
-                    <a:schemeClr val="tx1">
-                      <a:alpha val="38000"/>
-                    </a:schemeClr>
-                  </a:solidFill>
-                </a:ln>
-                <a:latin typeface="Calibri"/>
-                <a:ea typeface="+mn-ea"/>
-                <a:cs typeface="Calibri"/>
-              </a:rPr>
-              <a:t>- </a:t>
-            </a:r>
-            <a:r>
-              <a:rPr lang="en-US" sz="1400" dirty="0" smtClean="0">
-                <a:ln w="1270">
-                  <a:solidFill>
-                    <a:schemeClr val="tx1">
-                      <a:alpha val="38000"/>
-                    </a:schemeClr>
-                  </a:solidFill>
-                </a:ln>
-                <a:latin typeface="Calibri"/>
-                <a:ea typeface="+mn-ea"/>
-                <a:cs typeface="Calibri"/>
-              </a:rPr>
-              <a:t>20, 2016</a:t>
-            </a:r>
-          </a:p>
-        </p:txBody>
-      </p:sp>
-    </p:spTree>
-    <p:extLst>
-      <p:ext uri="{BB962C8B-B14F-4D97-AF65-F5344CB8AC3E}">
-        <p14:creationId xmlns:p14="http://schemas.microsoft.com/office/powerpoint/2010/main" val="3250606954"/>
-      </p:ext>
-    </p:extLst>
-  </p:cSld>
-  <p:clrMapOvr>
-    <a:masterClrMapping/>
-  </p:clrMapOvr>
-  <p:timing>
-    <p:tnLst>
-      <p:par>
-        <p:cTn xmlns:p14="http://schemas.microsoft.com/office/powerpoint/2010/main" id="1" dur="indefinite" restart="never" nodeType="tmRoot"/>
-      </p:par>
-    </p:tnLst>
-  </p:timing>
-</p:sld>
-</file>
-
-<file path=ppt/slides/slide20.xml><?xml version="1.0" encoding="utf-8"?>
+<file path=ppt/slides/slide22.xml><?xml version="1.0" encoding="utf-8"?>
 <p:sld xmlns:a="http://schemas.openxmlformats.org/drawingml/2006/main" xmlns:r="http://schemas.openxmlformats.org/officeDocument/2006/relationships" xmlns:p="http://schemas.openxmlformats.org/presentationml/2006/main">
   <p:cSld>
     <p:spTree>
@@ -10824,10 +11228,227 @@
                 <a:latin typeface="Calibri" charset="0"/>
                 <a:ea typeface="ＭＳ Ｐゴシック" charset="0"/>
               </a:rPr>
-              <a:t>FPKM (or RPKM) attempt to normalize for gene size and library depth</a:t>
-            </a:r>
-          </a:p>
-          <a:p>
+              <a:t>FPKM </a:t>
+            </a:r>
+            <a:r>
+              <a:rPr lang="en-US" dirty="0" smtClean="0">
+                <a:latin typeface="Calibri" charset="0"/>
+                <a:ea typeface="ＭＳ Ｐゴシック" charset="0"/>
+              </a:rPr>
+              <a:t>(RPKM</a:t>
+            </a:r>
+            <a:r>
+              <a:rPr lang="en-US" dirty="0" smtClean="0">
+                <a:latin typeface="Calibri" charset="0"/>
+                <a:ea typeface="ＭＳ Ｐゴシック" charset="0"/>
+              </a:rPr>
+              <a:t>) attempt to normalize for gene size and library </a:t>
+            </a:r>
+            <a:r>
+              <a:rPr lang="en-US" dirty="0" smtClean="0">
+                <a:latin typeface="Calibri" charset="0"/>
+                <a:ea typeface="ＭＳ Ｐゴシック" charset="0"/>
+              </a:rPr>
+              <a:t>depth</a:t>
+            </a:r>
+          </a:p>
+          <a:p>
+            <a:endParaRPr lang="nl-NL" dirty="0" smtClean="0">
+              <a:latin typeface="Calibri" charset="0"/>
+              <a:ea typeface="ＭＳ Ｐゴシック" charset="0"/>
+            </a:endParaRPr>
+          </a:p>
+          <a:p>
+            <a:r>
+              <a:rPr lang="nl-NL" dirty="0" smtClean="0">
+                <a:latin typeface="Calibri" charset="0"/>
+                <a:ea typeface="ＭＳ Ｐゴシック" charset="0"/>
+              </a:rPr>
+              <a:t>F</a:t>
+            </a:r>
+            <a:r>
+              <a:rPr lang="nl-NL" dirty="0" smtClean="0">
+                <a:latin typeface="Calibri" charset="0"/>
+                <a:ea typeface="ＭＳ Ｐゴシック" charset="0"/>
+              </a:rPr>
+              <a:t>PKM (RPKM</a:t>
+            </a:r>
+            <a:r>
+              <a:rPr lang="nl-NL" dirty="0" smtClean="0">
+                <a:latin typeface="Calibri" charset="0"/>
+                <a:ea typeface="ＭＳ Ｐゴシック" charset="0"/>
+              </a:rPr>
+              <a:t>) = (10</a:t>
+            </a:r>
+            <a:r>
+              <a:rPr lang="nl-NL" dirty="0">
+                <a:latin typeface="Calibri" charset="0"/>
+                <a:ea typeface="ＭＳ Ｐゴシック" charset="0"/>
+              </a:rPr>
+              <a:t>^9 * </a:t>
+            </a:r>
+            <a:r>
+              <a:rPr lang="nl-NL" dirty="0" smtClean="0">
+                <a:latin typeface="Calibri" charset="0"/>
+                <a:ea typeface="ＭＳ Ｐゴシック" charset="0"/>
+              </a:rPr>
+              <a:t>C) </a:t>
+            </a:r>
+            <a:r>
+              <a:rPr lang="nl-NL" dirty="0">
+                <a:latin typeface="Calibri" charset="0"/>
+                <a:ea typeface="ＭＳ Ｐゴシック" charset="0"/>
+              </a:rPr>
+              <a:t>/ (N * L)</a:t>
+            </a:r>
+            <a:r>
+              <a:rPr lang="en-US" dirty="0" smtClean="0">
+                <a:latin typeface="Calibri" charset="0"/>
+                <a:ea typeface="ＭＳ Ｐゴシック" charset="0"/>
+              </a:rPr>
+              <a:t> </a:t>
+            </a:r>
+          </a:p>
+          <a:p>
+            <a:pPr lvl="1"/>
+            <a:r>
+              <a:rPr lang="en-US" dirty="0" smtClean="0">
+                <a:latin typeface="Calibri" charset="0"/>
+                <a:ea typeface="ＭＳ Ｐゴシック" charset="0"/>
+              </a:rPr>
+              <a:t>C = number </a:t>
+            </a:r>
+            <a:r>
+              <a:rPr lang="en-US" dirty="0">
+                <a:latin typeface="Calibri" charset="0"/>
+                <a:ea typeface="ＭＳ Ｐゴシック" charset="0"/>
+              </a:rPr>
+              <a:t>of </a:t>
+            </a:r>
+            <a:r>
+              <a:rPr lang="en-US" dirty="0" err="1">
+                <a:latin typeface="Calibri" charset="0"/>
+                <a:ea typeface="ＭＳ Ｐゴシック" charset="0"/>
+              </a:rPr>
+              <a:t>mappable</a:t>
+            </a:r>
+            <a:r>
+              <a:rPr lang="en-US" dirty="0">
+                <a:latin typeface="Calibri" charset="0"/>
+                <a:ea typeface="ＭＳ Ｐゴシック" charset="0"/>
+              </a:rPr>
+              <a:t> </a:t>
+            </a:r>
+            <a:r>
+              <a:rPr lang="en-US" dirty="0" smtClean="0">
+                <a:latin typeface="Calibri" charset="0"/>
+                <a:ea typeface="ＭＳ Ｐゴシック" charset="0"/>
+              </a:rPr>
+              <a:t>reads/fragments for a gene/transcript/exon/</a:t>
+            </a:r>
+            <a:r>
+              <a:rPr lang="en-US" dirty="0" err="1" smtClean="0">
+                <a:latin typeface="Calibri" charset="0"/>
+                <a:ea typeface="ＭＳ Ｐゴシック" charset="0"/>
+              </a:rPr>
+              <a:t>etc</a:t>
+            </a:r>
+            <a:endParaRPr lang="en-US" dirty="0" smtClean="0">
+              <a:latin typeface="Calibri" charset="0"/>
+              <a:ea typeface="ＭＳ Ｐゴシック" charset="0"/>
+            </a:endParaRPr>
+          </a:p>
+          <a:p>
+            <a:pPr lvl="1"/>
+            <a:r>
+              <a:rPr lang="en-US" dirty="0" smtClean="0">
+                <a:latin typeface="Calibri" charset="0"/>
+                <a:ea typeface="ＭＳ Ｐゴシック" charset="0"/>
+              </a:rPr>
+              <a:t>N = </a:t>
+            </a:r>
+            <a:r>
+              <a:rPr lang="en-US" dirty="0">
+                <a:latin typeface="Calibri" charset="0"/>
+                <a:ea typeface="ＭＳ Ｐゴシック" charset="0"/>
+              </a:rPr>
+              <a:t>total number of </a:t>
+            </a:r>
+            <a:r>
+              <a:rPr lang="en-US" dirty="0" err="1">
+                <a:latin typeface="Calibri" charset="0"/>
+                <a:ea typeface="ＭＳ Ｐゴシック" charset="0"/>
+              </a:rPr>
+              <a:t>mappable</a:t>
+            </a:r>
+            <a:r>
+              <a:rPr lang="en-US" dirty="0">
+                <a:latin typeface="Calibri" charset="0"/>
+                <a:ea typeface="ＭＳ Ｐゴシック" charset="0"/>
+              </a:rPr>
+              <a:t> </a:t>
+            </a:r>
+            <a:r>
+              <a:rPr lang="en-US" dirty="0" smtClean="0">
+                <a:latin typeface="Calibri" charset="0"/>
+                <a:ea typeface="ＭＳ Ｐゴシック" charset="0"/>
+              </a:rPr>
+              <a:t>reads/fragments </a:t>
+            </a:r>
+            <a:r>
+              <a:rPr lang="en-US" dirty="0">
+                <a:latin typeface="Calibri" charset="0"/>
+                <a:ea typeface="ＭＳ Ｐゴシック" charset="0"/>
+              </a:rPr>
+              <a:t>in the </a:t>
+            </a:r>
+            <a:r>
+              <a:rPr lang="en-US" dirty="0" smtClean="0">
+                <a:latin typeface="Calibri" charset="0"/>
+                <a:ea typeface="ＭＳ Ｐゴシック" charset="0"/>
+              </a:rPr>
+              <a:t>library </a:t>
+            </a:r>
+          </a:p>
+          <a:p>
+            <a:pPr lvl="1"/>
+            <a:r>
+              <a:rPr lang="en-US" dirty="0" smtClean="0">
+                <a:latin typeface="Calibri" charset="0"/>
+                <a:ea typeface="ＭＳ Ｐゴシック" charset="0"/>
+              </a:rPr>
+              <a:t>L = </a:t>
+            </a:r>
+            <a:r>
+              <a:rPr lang="en-US" dirty="0">
+                <a:latin typeface="Calibri" charset="0"/>
+                <a:ea typeface="ＭＳ Ｐゴシック" charset="0"/>
+              </a:rPr>
+              <a:t>number of base pairs in the </a:t>
+            </a:r>
+            <a:r>
+              <a:rPr lang="en-US" dirty="0" smtClean="0">
+                <a:latin typeface="Calibri" charset="0"/>
+                <a:ea typeface="ＭＳ Ｐゴシック" charset="0"/>
+              </a:rPr>
+              <a:t>gene/transcript/exon/</a:t>
+            </a:r>
+            <a:r>
+              <a:rPr lang="en-US" dirty="0" err="1" smtClean="0">
+                <a:latin typeface="Calibri" charset="0"/>
+                <a:ea typeface="ＭＳ Ｐゴシック" charset="0"/>
+              </a:rPr>
+              <a:t>etc</a:t>
+            </a:r>
+            <a:endParaRPr lang="en-US" dirty="0" smtClean="0">
+              <a:latin typeface="Calibri" charset="0"/>
+              <a:ea typeface="ＭＳ Ｐゴシック" charset="0"/>
+            </a:endParaRPr>
+          </a:p>
+          <a:p>
+            <a:pPr marL="457200" lvl="1" indent="0">
+              <a:buNone/>
+            </a:pPr>
             <a:endParaRPr lang="en-US" dirty="0">
               <a:latin typeface="Calibri" charset="0"/>
               <a:ea typeface="ＭＳ Ｐゴシック" charset="0"/>
@@ -10835,84 +11456,20 @@
           </a:p>
           <a:p>
             <a:r>
-              <a:rPr lang="nl-NL" dirty="0" smtClean="0">
-                <a:latin typeface="Calibri" charset="0"/>
-                <a:ea typeface="ＭＳ Ｐゴシック" charset="0"/>
-              </a:rPr>
-              <a:t>RPKM (or FPKM) = (10</a:t>
-            </a:r>
-            <a:r>
-              <a:rPr lang="nl-NL" dirty="0">
-                <a:latin typeface="Calibri" charset="0"/>
-                <a:ea typeface="ＭＳ Ｐゴシック" charset="0"/>
-              </a:rPr>
-              <a:t>^9 * </a:t>
-            </a:r>
-            <a:r>
-              <a:rPr lang="nl-NL" dirty="0" smtClean="0">
-                <a:latin typeface="Calibri" charset="0"/>
-                <a:ea typeface="ＭＳ Ｐゴシック" charset="0"/>
-              </a:rPr>
-              <a:t>C) </a:t>
-            </a:r>
-            <a:r>
-              <a:rPr lang="nl-NL" dirty="0">
-                <a:latin typeface="Calibri" charset="0"/>
-                <a:ea typeface="ＭＳ Ｐゴシック" charset="0"/>
-              </a:rPr>
-              <a:t>/ (N * L)</a:t>
+              <a:rPr lang="en-US" dirty="0">
+                <a:latin typeface="Calibri" charset="0"/>
+                <a:ea typeface="ＭＳ Ｐゴシック" charset="0"/>
+                <a:hlinkClick r:id="rId3"/>
+              </a:rPr>
+              <a:t>http://www.biostars.org/p/11378</a:t>
             </a:r>
             <a:r>
               <a:rPr lang="en-US" dirty="0" smtClean="0">
                 <a:latin typeface="Calibri" charset="0"/>
                 <a:ea typeface="ＭＳ Ｐゴシック" charset="0"/>
-              </a:rPr>
-              <a:t> </a:t>
-            </a:r>
-          </a:p>
-          <a:p>
-            <a:pPr lvl="1"/>
-            <a:r>
-              <a:rPr lang="en-US" dirty="0" smtClean="0">
-                <a:latin typeface="Calibri" charset="0"/>
-                <a:ea typeface="ＭＳ Ｐゴシック" charset="0"/>
-              </a:rPr>
-              <a:t>C = number </a:t>
-            </a:r>
-            <a:r>
-              <a:rPr lang="en-US" dirty="0">
-                <a:latin typeface="Calibri" charset="0"/>
-                <a:ea typeface="ＭＳ Ｐゴシック" charset="0"/>
-              </a:rPr>
-              <a:t>of </a:t>
-            </a:r>
-            <a:r>
-              <a:rPr lang="en-US" dirty="0" err="1">
-                <a:latin typeface="Calibri" charset="0"/>
-                <a:ea typeface="ＭＳ Ｐゴシック" charset="0"/>
-              </a:rPr>
-              <a:t>mappable</a:t>
-            </a:r>
-            <a:r>
-              <a:rPr lang="en-US" dirty="0">
-                <a:latin typeface="Calibri" charset="0"/>
-                <a:ea typeface="ＭＳ Ｐゴシック" charset="0"/>
-              </a:rPr>
-              <a:t> </a:t>
-            </a:r>
-            <a:r>
-              <a:rPr lang="en-US" dirty="0" smtClean="0">
-                <a:latin typeface="Calibri" charset="0"/>
-                <a:ea typeface="ＭＳ Ｐゴシック" charset="0"/>
-              </a:rPr>
-              <a:t>reads/fragments for a gene/transcript/exon/</a:t>
-            </a:r>
-            <a:r>
-              <a:rPr lang="en-US" dirty="0" err="1" smtClean="0">
-                <a:latin typeface="Calibri" charset="0"/>
-                <a:ea typeface="ＭＳ Ｐゴシック" charset="0"/>
-              </a:rPr>
-              <a:t>etc</a:t>
+                <a:hlinkClick r:id="rId3"/>
+              </a:rPr>
+              <a:t>/</a:t>
             </a:r>
             <a:endParaRPr lang="en-US" dirty="0" smtClean="0">
               <a:latin typeface="Calibri" charset="0"/>
@@ -10920,143 +11477,22 @@
             </a:endParaRPr>
           </a:p>
           <a:p>
-            <a:pPr lvl="1"/>
+            <a:r>
+              <a:rPr lang="en-US" dirty="0">
+                <a:latin typeface="Calibri" charset="0"/>
+                <a:ea typeface="ＭＳ Ｐゴシック" charset="0"/>
+                <a:hlinkClick r:id="rId4"/>
+              </a:rPr>
+              <a:t>http://www.biostars.org/p/68126</a:t>
+            </a:r>
             <a:r>
               <a:rPr lang="en-US" dirty="0" smtClean="0">
                 <a:latin typeface="Calibri" charset="0"/>
                 <a:ea typeface="ＭＳ Ｐゴシック" charset="0"/>
-              </a:rPr>
-              <a:t>N = </a:t>
-            </a:r>
-            <a:r>
-              <a:rPr lang="en-US" dirty="0">
-                <a:latin typeface="Calibri" charset="0"/>
-                <a:ea typeface="ＭＳ Ｐゴシック" charset="0"/>
-              </a:rPr>
-              <a:t>total number of </a:t>
-            </a:r>
-            <a:r>
-              <a:rPr lang="en-US" dirty="0" err="1">
-                <a:latin typeface="Calibri" charset="0"/>
-                <a:ea typeface="ＭＳ Ｐゴシック" charset="0"/>
-              </a:rPr>
-              <a:t>mappable</a:t>
-            </a:r>
-            <a:r>
-              <a:rPr lang="en-US" dirty="0">
-                <a:latin typeface="Calibri" charset="0"/>
-                <a:ea typeface="ＭＳ Ｐゴシック" charset="0"/>
-              </a:rPr>
-              <a:t> </a:t>
-            </a:r>
-            <a:r>
-              <a:rPr lang="en-US" dirty="0" smtClean="0">
-                <a:latin typeface="Calibri" charset="0"/>
-                <a:ea typeface="ＭＳ Ｐゴシック" charset="0"/>
-              </a:rPr>
-              <a:t>reads/fragments </a:t>
-            </a:r>
-            <a:r>
-              <a:rPr lang="en-US" dirty="0">
-                <a:latin typeface="Calibri" charset="0"/>
-                <a:ea typeface="ＭＳ Ｐゴシック" charset="0"/>
-              </a:rPr>
-              <a:t>in the </a:t>
-            </a:r>
-            <a:r>
-              <a:rPr lang="en-US" dirty="0" smtClean="0">
-                <a:latin typeface="Calibri" charset="0"/>
-                <a:ea typeface="ＭＳ Ｐゴシック" charset="0"/>
-              </a:rPr>
-              <a:t>library </a:t>
-            </a:r>
-          </a:p>
-          <a:p>
-            <a:pPr lvl="1"/>
-            <a:r>
-              <a:rPr lang="en-US" dirty="0" smtClean="0">
-                <a:latin typeface="Calibri" charset="0"/>
-                <a:ea typeface="ＭＳ Ｐゴシック" charset="0"/>
-              </a:rPr>
-              <a:t>L = </a:t>
-            </a:r>
-            <a:r>
-              <a:rPr lang="en-US" dirty="0">
-                <a:latin typeface="Calibri" charset="0"/>
-                <a:ea typeface="ＭＳ Ｐゴシック" charset="0"/>
-              </a:rPr>
-              <a:t>number of base pairs in the </a:t>
-            </a:r>
-            <a:r>
-              <a:rPr lang="en-US" dirty="0" smtClean="0">
-                <a:latin typeface="Calibri" charset="0"/>
-                <a:ea typeface="ＭＳ Ｐゴシック" charset="0"/>
-              </a:rPr>
-              <a:t>gene/transcript/exon/</a:t>
-            </a:r>
-            <a:r>
-              <a:rPr lang="en-US" dirty="0" err="1" smtClean="0">
-                <a:latin typeface="Calibri" charset="0"/>
-                <a:ea typeface="ＭＳ Ｐゴシック" charset="0"/>
-              </a:rPr>
-              <a:t>etc</a:t>
-            </a:r>
-            <a:endParaRPr lang="en-US" dirty="0" smtClean="0">
-              <a:latin typeface="Calibri" charset="0"/>
-              <a:ea typeface="ＭＳ Ｐゴシック" charset="0"/>
-            </a:endParaRPr>
-          </a:p>
-          <a:p>
-            <a:endParaRPr lang="en-US" dirty="0">
-              <a:latin typeface="Calibri" charset="0"/>
-              <a:ea typeface="ＭＳ Ｐゴシック" charset="0"/>
-            </a:endParaRPr>
-          </a:p>
-          <a:p>
-            <a:r>
-              <a:rPr lang="en-US" dirty="0">
-                <a:latin typeface="Calibri" charset="0"/>
-                <a:ea typeface="ＭＳ Ｐゴシック" charset="0"/>
-                <a:hlinkClick r:id="rId3"/>
-              </a:rPr>
-              <a:t>http://www.biostars.org/p/11378</a:t>
-            </a:r>
-            <a:r>
-              <a:rPr lang="en-US" dirty="0" smtClean="0">
-                <a:latin typeface="Calibri" charset="0"/>
-                <a:ea typeface="ＭＳ Ｐゴシック" charset="0"/>
-                <a:hlinkClick r:id="rId3"/>
+                <a:hlinkClick r:id="rId4"/>
               </a:rPr>
               <a:t>/</a:t>
             </a:r>
-            <a:endParaRPr lang="en-US" dirty="0" smtClean="0">
-              <a:latin typeface="Calibri" charset="0"/>
-              <a:ea typeface="ＭＳ Ｐゴシック" charset="0"/>
-            </a:endParaRPr>
-          </a:p>
-          <a:p>
-            <a:r>
-              <a:rPr lang="en-US" dirty="0">
-                <a:latin typeface="Calibri" charset="0"/>
-                <a:ea typeface="ＭＳ Ｐゴシック" charset="0"/>
-                <a:hlinkClick r:id="rId4"/>
-              </a:rPr>
-              <a:t>http://www.biostars.org/p/68126</a:t>
-            </a:r>
-            <a:r>
-              <a:rPr lang="en-US" dirty="0" smtClean="0">
-                <a:latin typeface="Calibri" charset="0"/>
-                <a:ea typeface="ＭＳ Ｐゴシック" charset="0"/>
-                <a:hlinkClick r:id="rId4"/>
-              </a:rPr>
-              <a:t>/</a:t>
-            </a:r>
-            <a:endParaRPr lang="en-US" dirty="0" smtClean="0">
-              <a:latin typeface="Calibri" charset="0"/>
-              <a:ea typeface="ＭＳ Ｐゴシック" charset="0"/>
-            </a:endParaRPr>
-          </a:p>
-          <a:p>
             <a:endParaRPr lang="en-US" dirty="0" smtClean="0">
               <a:latin typeface="Calibri" charset="0"/>
               <a:ea typeface="ＭＳ Ｐゴシック" charset="0"/>
@@ -11091,6 +11527,267 @@
 </file>
 
 <file path=ppt/slides/slide7.xml><?xml version="1.0" encoding="utf-8"?>
+<p:sld xmlns:a="http://schemas.openxmlformats.org/drawingml/2006/main" xmlns:r="http://schemas.openxmlformats.org/officeDocument/2006/relationships" xmlns:p="http://schemas.openxmlformats.org/presentationml/2006/main">
+  <p:cSld>
+    <p:spTree>
+      <p:nvGrpSpPr>
+        <p:cNvPr id="1" name=""/>
+        <p:cNvGrpSpPr/>
+        <p:nvPr/>
+      </p:nvGrpSpPr>
+      <p:grpSpPr>
+        <a:xfrm>
+          <a:off x="0" y="0"/>
+          <a:ext cx="0" cy="0"/>
+          <a:chOff x="0" y="0"/>
+          <a:chExt cx="0" cy="0"/>
+        </a:xfrm>
+      </p:grpSpPr>
+      <p:sp>
+        <p:nvSpPr>
+          <p:cNvPr id="2" name="Title 1"/>
+          <p:cNvSpPr>
+            <a:spLocks noGrp="1"/>
+          </p:cNvSpPr>
+          <p:nvPr>
+            <p:ph type="title"/>
+          </p:nvPr>
+        </p:nvSpPr>
+        <p:spPr/>
+        <p:txBody>
+          <a:bodyPr/>
+          <a:lstStyle/>
+          <a:p>
+            <a:r>
+              <a:rPr lang="en-US" dirty="0" smtClean="0"/>
+              <a:t>How do FPKM and TPM differ?</a:t>
+            </a:r>
+            <a:endParaRPr lang="en-US" dirty="0"/>
+          </a:p>
+        </p:txBody>
+      </p:sp>
+      <p:sp>
+        <p:nvSpPr>
+          <p:cNvPr id="3" name="Content Placeholder 2"/>
+          <p:cNvSpPr>
+            <a:spLocks noGrp="1"/>
+          </p:cNvSpPr>
+          <p:nvPr>
+            <p:ph idx="1"/>
+          </p:nvPr>
+        </p:nvSpPr>
+        <p:spPr>
+          <a:xfrm>
+            <a:off x="152400" y="1124744"/>
+            <a:ext cx="8839200" cy="4724400"/>
+          </a:xfrm>
+        </p:spPr>
+        <p:txBody>
+          <a:bodyPr/>
+          <a:lstStyle/>
+          <a:p>
+            <a:r>
+              <a:rPr lang="en-US" dirty="0" smtClean="0"/>
+              <a:t>TPM: Transcript per </a:t>
+            </a:r>
+            <a:r>
+              <a:rPr lang="en-US" dirty="0" err="1" smtClean="0"/>
+              <a:t>Kilobase</a:t>
+            </a:r>
+            <a:r>
+              <a:rPr lang="en-US" dirty="0" smtClean="0"/>
+              <a:t> Million</a:t>
+            </a:r>
+          </a:p>
+          <a:p>
+            <a:r>
+              <a:rPr lang="en-US" dirty="0" smtClean="0"/>
+              <a:t>The difference is in the order of operations:</a:t>
+            </a:r>
+          </a:p>
+          <a:p>
+            <a:pPr lvl="1"/>
+            <a:r>
+              <a:rPr lang="en-US" dirty="0" smtClean="0"/>
+              <a:t>FPKM</a:t>
+            </a:r>
+          </a:p>
+          <a:p>
+            <a:pPr lvl="2"/>
+            <a:r>
+              <a:rPr lang="en-US" dirty="0" smtClean="0"/>
+              <a:t>1) Sum sample/library fragments per million</a:t>
+            </a:r>
+          </a:p>
+          <a:p>
+            <a:pPr lvl="2"/>
+            <a:r>
+              <a:rPr lang="en-US" dirty="0" smtClean="0"/>
+              <a:t>2) Divide gene/transcript fragment count by #1</a:t>
+            </a:r>
+          </a:p>
+          <a:p>
+            <a:pPr lvl="3"/>
+            <a:r>
+              <a:rPr lang="en-US" dirty="0" smtClean="0"/>
+              <a:t>fragments per million, FPM</a:t>
+            </a:r>
+          </a:p>
+          <a:p>
+            <a:pPr lvl="2"/>
+            <a:r>
+              <a:rPr lang="en-US" dirty="0" smtClean="0"/>
+              <a:t>3) Divide </a:t>
+            </a:r>
+            <a:r>
+              <a:rPr lang="en-US" dirty="0"/>
+              <a:t>F</a:t>
+            </a:r>
+            <a:r>
+              <a:rPr lang="en-US" dirty="0" smtClean="0"/>
+              <a:t>PM by length of gene in </a:t>
+            </a:r>
+            <a:r>
+              <a:rPr lang="en-US" dirty="0" err="1" smtClean="0"/>
+              <a:t>kilobases</a:t>
+            </a:r>
+            <a:r>
+              <a:rPr lang="en-US" dirty="0" smtClean="0"/>
+              <a:t> (</a:t>
+            </a:r>
+            <a:r>
+              <a:rPr lang="en-US" dirty="0"/>
+              <a:t>F</a:t>
+            </a:r>
+            <a:r>
+              <a:rPr lang="en-US" dirty="0" smtClean="0"/>
+              <a:t>PKM)</a:t>
+            </a:r>
+          </a:p>
+          <a:p>
+            <a:pPr lvl="1"/>
+            <a:r>
+              <a:rPr lang="en-US" dirty="0" smtClean="0"/>
+              <a:t>TPM</a:t>
+            </a:r>
+          </a:p>
+          <a:p>
+            <a:pPr lvl="2"/>
+            <a:r>
+              <a:rPr lang="en-US" dirty="0" smtClean="0"/>
+              <a:t>1) Divide fragment count by length of transcript</a:t>
+            </a:r>
+          </a:p>
+          <a:p>
+            <a:pPr lvl="3"/>
+            <a:r>
+              <a:rPr lang="en-US" dirty="0" smtClean="0"/>
+              <a:t>fragments per </a:t>
+            </a:r>
+            <a:r>
+              <a:rPr lang="en-US" dirty="0" err="1"/>
+              <a:t>k</a:t>
+            </a:r>
+            <a:r>
+              <a:rPr lang="en-US" dirty="0" err="1" smtClean="0"/>
+              <a:t>ilobase</a:t>
+            </a:r>
+            <a:r>
+              <a:rPr lang="en-US" dirty="0" smtClean="0"/>
+              <a:t>, FPK</a:t>
+            </a:r>
+          </a:p>
+          <a:p>
+            <a:pPr lvl="2"/>
+            <a:r>
+              <a:rPr lang="en-US" dirty="0" smtClean="0"/>
+              <a:t>2) Sum all FPK for sample/library per million</a:t>
+            </a:r>
+          </a:p>
+          <a:p>
+            <a:pPr lvl="2"/>
+            <a:r>
+              <a:rPr lang="en-US" dirty="0" smtClean="0"/>
+              <a:t>3) Divide #1 by #3 (TPM)</a:t>
+            </a:r>
+          </a:p>
+          <a:p>
+            <a:r>
+              <a:rPr lang="en-US" sz="1800" dirty="0">
+                <a:hlinkClick r:id="rId3"/>
+              </a:rPr>
+              <a:t>http://</a:t>
+            </a:r>
+            <a:r>
+              <a:rPr lang="en-US" sz="1800" dirty="0" err="1">
+                <a:hlinkClick r:id="rId3"/>
+              </a:rPr>
+              <a:t>www.rna-seqblog.com</a:t>
+            </a:r>
+            <a:r>
+              <a:rPr lang="en-US" sz="1800" dirty="0">
+                <a:hlinkClick r:id="rId3"/>
+              </a:rPr>
+              <a:t>/</a:t>
+            </a:r>
+            <a:r>
+              <a:rPr lang="en-US" sz="1800" dirty="0" err="1">
+                <a:hlinkClick r:id="rId3"/>
+              </a:rPr>
+              <a:t>rpkm</a:t>
+            </a:r>
+            <a:r>
+              <a:rPr lang="en-US" sz="1800" dirty="0">
+                <a:hlinkClick r:id="rId3"/>
+              </a:rPr>
+              <a:t>-</a:t>
+            </a:r>
+            <a:r>
+              <a:rPr lang="en-US" sz="1800" dirty="0" err="1">
+                <a:hlinkClick r:id="rId3"/>
+              </a:rPr>
+              <a:t>fpkm</a:t>
+            </a:r>
+            <a:r>
+              <a:rPr lang="en-US" sz="1800" dirty="0">
+                <a:hlinkClick r:id="rId3"/>
+              </a:rPr>
+              <a:t>-and-</a:t>
+            </a:r>
+            <a:r>
+              <a:rPr lang="en-US" sz="1800" dirty="0" err="1">
+                <a:hlinkClick r:id="rId3"/>
+              </a:rPr>
+              <a:t>tpm</a:t>
+            </a:r>
+            <a:r>
+              <a:rPr lang="en-US" sz="1800" dirty="0">
+                <a:hlinkClick r:id="rId3"/>
+              </a:rPr>
+              <a:t>-clearly-explained/</a:t>
+            </a:r>
+            <a:endParaRPr lang="en-US" sz="1800" dirty="0" smtClean="0"/>
+          </a:p>
+          <a:p>
+            <a:pPr lvl="2"/>
+            <a:endParaRPr lang="en-US" dirty="0" smtClean="0"/>
+          </a:p>
+        </p:txBody>
+      </p:sp>
+    </p:spTree>
+    <p:extLst>
+      <p:ext uri="{BB962C8B-B14F-4D97-AF65-F5344CB8AC3E}">
+        <p14:creationId xmlns:p14="http://schemas.microsoft.com/office/powerpoint/2010/main" val="3072293667"/>
+      </p:ext>
+    </p:extLst>
+  </p:cSld>
+  <p:clrMapOvr>
+    <a:masterClrMapping/>
+  </p:clrMapOvr>
+</p:sld>
+</file>
+
+<file path=ppt/slides/slide8.xml><?xml version="1.0" encoding="utf-8"?>
 <p:sld xmlns:a="http://schemas.openxmlformats.org/drawingml/2006/main" xmlns:r="http://schemas.openxmlformats.org/officeDocument/2006/relationships" xmlns:p="http://schemas.openxmlformats.org/presentationml/2006/main">
   <p:cSld>
     <p:spTree>
@@ -11219,115 +11916,48 @@
           </a:p>
         </p:txBody>
       </p:sp>
-    </p:spTree>
-    <p:extLst>
-      <p:ext uri="{BB962C8B-B14F-4D97-AF65-F5344CB8AC3E}">
-        <p14:creationId xmlns:p14="http://schemas.microsoft.com/office/powerpoint/2010/main" val="3038214154"/>
-      </p:ext>
-    </p:extLst>
-  </p:cSld>
-  <p:clrMapOvr>
-    <a:masterClrMapping/>
-  </p:clrMapOvr>
-</p:sld>
-</file>
-
-<file path=ppt/slides/slide8.xml><?xml version="1.0" encoding="utf-8"?>
-<p:sld xmlns:a="http://schemas.openxmlformats.org/drawingml/2006/main" xmlns:r="http://schemas.openxmlformats.org/officeDocument/2006/relationships" xmlns:p="http://schemas.openxmlformats.org/presentationml/2006/main">
-  <p:cSld>
-    <p:spTree>
-      <p:nvGrpSpPr>
-        <p:cNvPr id="1" name=""/>
-        <p:cNvGrpSpPr/>
-        <p:nvPr/>
-      </p:nvGrpSpPr>
-      <p:grpSpPr>
-        <a:xfrm>
-          <a:off x="0" y="0"/>
-          <a:ext cx="0" cy="0"/>
-          <a:chOff x="0" y="0"/>
-          <a:chExt cx="0" cy="0"/>
-        </a:xfrm>
-      </p:grpSpPr>
       <p:sp>
         <p:nvSpPr>
-          <p:cNvPr id="2" name="Title 1"/>
-          <p:cNvSpPr>
-            <a:spLocks noGrp="1"/>
-          </p:cNvSpPr>
-          <p:nvPr>
-            <p:ph type="title"/>
-          </p:nvPr>
+          <p:cNvPr id="3" name="TextBox 2"/>
+          <p:cNvSpPr txBox="1"/>
+          <p:nvPr/>
         </p:nvSpPr>
-        <p:spPr/>
+        <p:spPr>
+          <a:xfrm>
+            <a:off x="5292080" y="6021288"/>
+            <a:ext cx="5472608" cy="338554"/>
+          </a:xfrm>
+          <a:prstGeom prst="rect">
+            <a:avLst/>
+          </a:prstGeom>
+          <a:noFill/>
+        </p:spPr>
         <p:txBody>
-          <a:bodyPr/>
+          <a:bodyPr wrap="square" rtlCol="0">
+            <a:spAutoFit/>
+          </a:bodyPr>
           <a:lstStyle/>
           <a:p>
             <a:r>
-              <a:rPr lang="en-US" dirty="0" err="1" smtClean="0"/>
-              <a:t>StringTie</a:t>
-            </a:r>
-            <a:r>
-              <a:rPr lang="en-US" dirty="0" smtClean="0"/>
-              <a:t> –merge &amp; </a:t>
-            </a:r>
-            <a:r>
-              <a:rPr lang="en-US" dirty="0" err="1" smtClean="0"/>
-              <a:t>gffcompare</a:t>
-            </a:r>
-            <a:r>
-              <a:rPr lang="en-US" dirty="0" smtClean="0"/>
-              <a:t> for </a:t>
-            </a:r>
-            <a:endParaRPr lang="en-US" dirty="0"/>
-          </a:p>
-        </p:txBody>
-      </p:sp>
-      <p:sp>
-        <p:nvSpPr>
-          <p:cNvPr id="3" name="Content Placeholder 2"/>
-          <p:cNvSpPr>
-            <a:spLocks noGrp="1"/>
-          </p:cNvSpPr>
-          <p:nvPr>
-            <p:ph idx="1"/>
-          </p:nvPr>
-        </p:nvSpPr>
-        <p:spPr/>
-        <p:txBody>
-          <a:bodyPr/>
-          <a:lstStyle/>
-          <a:p>
-            <a:r>
-              <a:rPr lang="en-US" dirty="0" smtClean="0"/>
-              <a:t>--merge allows for the incorporation of known transcripts with assembled, potentially novel transcripts</a:t>
-            </a:r>
-          </a:p>
-          <a:p>
-            <a:r>
-              <a:rPr lang="en-US" dirty="0" err="1" smtClean="0"/>
-              <a:t>Gffcompare</a:t>
-            </a:r>
-            <a:r>
-              <a:rPr lang="en-US" dirty="0" smtClean="0"/>
-              <a:t> will compare a merged transcript GTF with known annotation, also in GTF/GFF3 format</a:t>
-            </a:r>
-          </a:p>
-          <a:p>
-            <a:pPr lvl="1"/>
-            <a:r>
-              <a:rPr lang="en-US" dirty="0" smtClean="0"/>
-              <a:t>[INSERT class codes]</a:t>
-            </a:r>
-            <a:endParaRPr lang="en-US" dirty="0"/>
+              <a:rPr lang="en-US" sz="1600" dirty="0" err="1" smtClean="0"/>
+              <a:t>Pertea</a:t>
+            </a:r>
+            <a:r>
+              <a:rPr lang="en-US" sz="1600" dirty="0"/>
+              <a:t> </a:t>
+            </a:r>
+            <a:r>
+              <a:rPr lang="en-US" sz="1600" dirty="0" smtClean="0"/>
+              <a:t>et al. Nature Biotechnology, 2015</a:t>
+            </a:r>
+            <a:endParaRPr lang="en-US" sz="1600" dirty="0"/>
           </a:p>
         </p:txBody>
       </p:sp>
     </p:spTree>
     <p:extLst>
       <p:ext uri="{BB962C8B-B14F-4D97-AF65-F5344CB8AC3E}">
-        <p14:creationId xmlns:p14="http://schemas.microsoft.com/office/powerpoint/2010/main" val="1780513396"/>
+        <p14:creationId xmlns:p14="http://schemas.microsoft.com/office/powerpoint/2010/main" val="3038214154"/>
       </p:ext>
     </p:extLst>
   </p:cSld>
@@ -11364,27 +11994,22 @@
             <p:ph type="title"/>
           </p:nvPr>
         </p:nvSpPr>
-        <p:spPr>
-          <a:xfrm>
-            <a:off x="152400" y="0"/>
-            <a:ext cx="8839200" cy="764704"/>
-          </a:xfrm>
-        </p:spPr>
+        <p:spPr/>
         <p:txBody>
           <a:bodyPr/>
           <a:lstStyle/>
           <a:p>
             <a:r>
               <a:rPr lang="en-US" dirty="0" err="1" smtClean="0"/>
-              <a:t>Ballgown</a:t>
-            </a:r>
-            <a:r>
-              <a:rPr lang="en-US" dirty="0"/>
+              <a:t>StringTie</a:t>
+            </a:r>
+            <a:r>
+              <a:rPr lang="en-US" dirty="0" smtClean="0"/>
               <a:t> </a:t>
             </a:r>
             <a:r>
               <a:rPr lang="en-US" dirty="0" smtClean="0"/>
-              <a:t>for Differential Expression</a:t>
+              <a:t>-merge</a:t>
             </a:r>
             <a:endParaRPr lang="en-US" dirty="0"/>
           </a:p>
@@ -11400,121 +12025,100 @@
             <p:ph idx="1"/>
           </p:nvPr>
         </p:nvSpPr>
-        <p:spPr>
-          <a:xfrm>
-            <a:off x="152400" y="692696"/>
-            <a:ext cx="8839200" cy="5631904"/>
-          </a:xfrm>
-        </p:spPr>
+        <p:spPr/>
         <p:txBody>
           <a:bodyPr/>
           <a:lstStyle/>
           <a:p>
             <a:r>
               <a:rPr lang="en-US" dirty="0" smtClean="0"/>
-              <a:t>Parametric </a:t>
-            </a:r>
+              <a:t>Merge together all gene structures from all samples</a:t>
+            </a:r>
+          </a:p>
+          <a:p>
+            <a:pPr lvl="1"/>
+            <a:r>
+              <a:rPr lang="en-US" dirty="0" smtClean="0"/>
+              <a:t>Some samples may only partially represent a gene structure</a:t>
+            </a:r>
+          </a:p>
+          <a:p>
             <a:r>
               <a:rPr lang="en-US" dirty="0"/>
-              <a:t>F-test comparing nested linear </a:t>
+              <a:t>A</a:t>
             </a:r>
             <a:r>
               <a:rPr lang="en-US" dirty="0" smtClean="0"/>
-              <a:t>models</a:t>
-            </a:r>
-          </a:p>
-          <a:p>
-            <a:r>
-              <a:rPr lang="en-US" dirty="0"/>
-              <a:t>Two models are fit to each feature, using expression as the </a:t>
+              <a:t>llows </a:t>
             </a:r>
             <a:r>
               <a:rPr lang="en-US" dirty="0" smtClean="0"/>
-              <a:t>outcome</a:t>
-            </a:r>
-          </a:p>
-          <a:p>
-            <a:pPr lvl="1"/>
+              <a:t>for the incorporation of known transcripts with assembled, potentially novel </a:t>
+            </a:r>
             <a:r>
               <a:rPr lang="en-US" dirty="0" smtClean="0"/>
-              <a:t>one </a:t>
-            </a:r>
-            <a:r>
-              <a:rPr lang="en-US" dirty="0"/>
-              <a:t>including the covariate of interest (e.g., case/control status or time) and one not including that covariate. </a:t>
-            </a:r>
-            <a:endParaRPr lang="en-US" dirty="0" smtClean="0"/>
+              <a:t>transcripts</a:t>
+            </a:r>
           </a:p>
           <a:p>
             <a:r>
               <a:rPr lang="en-US" dirty="0" smtClean="0"/>
-              <a:t>An </a:t>
-            </a:r>
-            <a:r>
-              <a:rPr lang="en-US" dirty="0"/>
-              <a:t>F statistic and p-value are calculated using the fits of the two models. </a:t>
-            </a:r>
-            <a:endParaRPr lang="en-US" dirty="0" smtClean="0"/>
-          </a:p>
-          <a:p>
-            <a:pPr lvl="1"/>
+              <a:t>For de novo or reference guided mode, we will rerun </a:t>
+            </a:r>
+            <a:r>
+              <a:rPr lang="en-US" dirty="0" err="1" smtClean="0"/>
+              <a:t>StringTie</a:t>
+            </a:r>
             <a:r>
               <a:rPr lang="en-US" dirty="0" smtClean="0"/>
-              <a:t>A </a:t>
-            </a:r>
-            <a:r>
-              <a:rPr lang="en-US" dirty="0"/>
-              <a:t>significant p-value means the model including the covariate of interest fits significantly better than the model without that covariate, indicating differential expression. </a:t>
-            </a:r>
-            <a:endParaRPr lang="en-US" dirty="0" smtClean="0"/>
-          </a:p>
-          <a:p>
-            <a:r>
-              <a:rPr lang="en-US" dirty="0" smtClean="0"/>
-              <a:t>We </a:t>
-            </a:r>
-            <a:r>
-              <a:rPr lang="en-US" dirty="0"/>
-              <a:t>adjust for multiple testing by reporting q-</a:t>
-            </a:r>
-            <a:r>
-              <a:rPr lang="en-US" dirty="0" smtClean="0"/>
-              <a:t>values: </a:t>
-            </a:r>
-          </a:p>
-          <a:p>
-            <a:pPr lvl="1"/>
-            <a:r>
-              <a:rPr lang="en-US" dirty="0" smtClean="0"/>
-              <a:t>q </a:t>
-            </a:r>
-            <a:r>
-              <a:rPr lang="en-US" dirty="0"/>
-              <a:t>&lt; </a:t>
-            </a:r>
-            <a:r>
-              <a:rPr lang="en-US" dirty="0" smtClean="0"/>
-              <a:t>0.05 </a:t>
-            </a:r>
-            <a:r>
-              <a:rPr lang="en-US" dirty="0"/>
-              <a:t>the false discovery rate should be controlled at ~</a:t>
-            </a:r>
-            <a:r>
-              <a:rPr lang="en-US" dirty="0" smtClean="0"/>
-              <a:t>5</a:t>
-            </a:r>
-            <a:r>
-              <a:rPr lang="en-US" dirty="0"/>
-              <a:t>%.</a:t>
-            </a:r>
+              <a:t> with the merged transcript assembly.</a:t>
+            </a:r>
+            <a:endParaRPr lang="en-US" dirty="0"/>
+          </a:p>
+        </p:txBody>
+      </p:sp>
+      <p:sp>
+        <p:nvSpPr>
+          <p:cNvPr id="4" name="TextBox 3"/>
+          <p:cNvSpPr txBox="1"/>
+          <p:nvPr/>
+        </p:nvSpPr>
+        <p:spPr>
+          <a:xfrm>
+            <a:off x="4716016" y="6021288"/>
+            <a:ext cx="4427984" cy="369332"/>
+          </a:xfrm>
+          <a:prstGeom prst="rect">
+            <a:avLst/>
+          </a:prstGeom>
+          <a:noFill/>
+        </p:spPr>
+        <p:txBody>
+          <a:bodyPr wrap="square" rtlCol="0">
+            <a:spAutoFit/>
+          </a:bodyPr>
+          <a:lstStyle/>
+          <a:p>
+            <a:r>
+              <a:rPr lang="en-US" sz="1800" dirty="0" err="1" smtClean="0"/>
+              <a:t>Pertea</a:t>
+            </a:r>
+            <a:r>
+              <a:rPr lang="en-US" sz="1800" dirty="0"/>
+              <a:t> </a:t>
+            </a:r>
+            <a:r>
+              <a:rPr lang="en-US" sz="1800" dirty="0" smtClean="0"/>
+              <a:t>et al. Nature Protocols, 2016</a:t>
+            </a:r>
+            <a:endParaRPr lang="en-US" sz="1800" dirty="0"/>
           </a:p>
         </p:txBody>
       </p:sp>
     </p:spTree>
     <p:extLst>
       <p:ext uri="{BB962C8B-B14F-4D97-AF65-F5344CB8AC3E}">
-        <p14:creationId xmlns:p14="http://schemas.microsoft.com/office/powerpoint/2010/main" val="2234681116"/>
+        <p14:creationId xmlns:p14="http://schemas.microsoft.com/office/powerpoint/2010/main" val="1780513396"/>
       </p:ext>
     </p:extLst>
   </p:cSld>
